--- a/Workspaces en root.pptx
+++ b/Workspaces en root.pptx
@@ -7,18 +7,21 @@
   <p:sldIdLst>
     <p:sldId id="256" r:id="rId2"/>
     <p:sldId id="257" r:id="rId3"/>
-    <p:sldId id="258" r:id="rId4"/>
-    <p:sldId id="259" r:id="rId5"/>
-    <p:sldId id="260" r:id="rId6"/>
-    <p:sldId id="261" r:id="rId7"/>
-    <p:sldId id="262" r:id="rId8"/>
-    <p:sldId id="264" r:id="rId9"/>
-    <p:sldId id="265" r:id="rId10"/>
-    <p:sldId id="266" r:id="rId11"/>
-    <p:sldId id="263" r:id="rId12"/>
-    <p:sldId id="267" r:id="rId13"/>
-    <p:sldId id="268" r:id="rId14"/>
-    <p:sldId id="269" r:id="rId15"/>
+    <p:sldId id="270" r:id="rId4"/>
+    <p:sldId id="271" r:id="rId5"/>
+    <p:sldId id="258" r:id="rId6"/>
+    <p:sldId id="259" r:id="rId7"/>
+    <p:sldId id="260" r:id="rId8"/>
+    <p:sldId id="261" r:id="rId9"/>
+    <p:sldId id="262" r:id="rId10"/>
+    <p:sldId id="264" r:id="rId11"/>
+    <p:sldId id="265" r:id="rId12"/>
+    <p:sldId id="266" r:id="rId13"/>
+    <p:sldId id="263" r:id="rId14"/>
+    <p:sldId id="272" r:id="rId15"/>
+    <p:sldId id="267" r:id="rId16"/>
+    <p:sldId id="268" r:id="rId17"/>
+    <p:sldId id="269" r:id="rId18"/>
   </p:sldIdLst>
   <p:sldSz cx="12192000" cy="6858000"/>
   <p:notesSz cx="6858000" cy="9144000"/>
@@ -284,7 +287,7 @@
           <a:p>
             <a:fld id="{4CDE23C7-78A4-413A-A84B-93D4CC0A9EB1}" type="datetimeFigureOut">
               <a:rPr lang="en-US" smtClean="0"/>
-              <a:t>5/25/2023</a:t>
+              <a:t>6/4/2023</a:t>
             </a:fld>
             <a:endParaRPr lang="en-US"/>
           </a:p>
@@ -487,7 +490,7 @@
           <a:p>
             <a:fld id="{4CDE23C7-78A4-413A-A84B-93D4CC0A9EB1}" type="datetimeFigureOut">
               <a:rPr lang="en-US" smtClean="0"/>
-              <a:t>5/25/2023</a:t>
+              <a:t>6/4/2023</a:t>
             </a:fld>
             <a:endParaRPr lang="en-US"/>
           </a:p>
@@ -695,7 +698,7 @@
           <a:p>
             <a:fld id="{4CDE23C7-78A4-413A-A84B-93D4CC0A9EB1}" type="datetimeFigureOut">
               <a:rPr lang="en-US" smtClean="0"/>
-              <a:t>5/25/2023</a:t>
+              <a:t>6/4/2023</a:t>
             </a:fld>
             <a:endParaRPr lang="en-US"/>
           </a:p>
@@ -893,7 +896,7 @@
           <a:p>
             <a:fld id="{4CDE23C7-78A4-413A-A84B-93D4CC0A9EB1}" type="datetimeFigureOut">
               <a:rPr lang="en-US" smtClean="0"/>
-              <a:t>5/25/2023</a:t>
+              <a:t>6/4/2023</a:t>
             </a:fld>
             <a:endParaRPr lang="en-US"/>
           </a:p>
@@ -1170,7 +1173,7 @@
           <a:p>
             <a:fld id="{4CDE23C7-78A4-413A-A84B-93D4CC0A9EB1}" type="datetimeFigureOut">
               <a:rPr lang="en-US" smtClean="0"/>
-              <a:t>5/25/2023</a:t>
+              <a:t>6/4/2023</a:t>
             </a:fld>
             <a:endParaRPr lang="en-US"/>
           </a:p>
@@ -1435,7 +1438,7 @@
           <a:p>
             <a:fld id="{4CDE23C7-78A4-413A-A84B-93D4CC0A9EB1}" type="datetimeFigureOut">
               <a:rPr lang="en-US" smtClean="0"/>
-              <a:t>5/25/2023</a:t>
+              <a:t>6/4/2023</a:t>
             </a:fld>
             <a:endParaRPr lang="en-US"/>
           </a:p>
@@ -1851,7 +1854,7 @@
           <a:p>
             <a:fld id="{4CDE23C7-78A4-413A-A84B-93D4CC0A9EB1}" type="datetimeFigureOut">
               <a:rPr lang="en-US" smtClean="0"/>
-              <a:t>5/25/2023</a:t>
+              <a:t>6/4/2023</a:t>
             </a:fld>
             <a:endParaRPr lang="en-US"/>
           </a:p>
@@ -1992,7 +1995,7 @@
           <a:p>
             <a:fld id="{4CDE23C7-78A4-413A-A84B-93D4CC0A9EB1}" type="datetimeFigureOut">
               <a:rPr lang="en-US" smtClean="0"/>
-              <a:t>5/25/2023</a:t>
+              <a:t>6/4/2023</a:t>
             </a:fld>
             <a:endParaRPr lang="en-US"/>
           </a:p>
@@ -2105,7 +2108,7 @@
           <a:p>
             <a:fld id="{4CDE23C7-78A4-413A-A84B-93D4CC0A9EB1}" type="datetimeFigureOut">
               <a:rPr lang="en-US" smtClean="0"/>
-              <a:t>5/25/2023</a:t>
+              <a:t>6/4/2023</a:t>
             </a:fld>
             <a:endParaRPr lang="en-US"/>
           </a:p>
@@ -2416,7 +2419,7 @@
           <a:p>
             <a:fld id="{4CDE23C7-78A4-413A-A84B-93D4CC0A9EB1}" type="datetimeFigureOut">
               <a:rPr lang="en-US" smtClean="0"/>
-              <a:t>5/25/2023</a:t>
+              <a:t>6/4/2023</a:t>
             </a:fld>
             <a:endParaRPr lang="en-US"/>
           </a:p>
@@ -2704,7 +2707,7 @@
           <a:p>
             <a:fld id="{4CDE23C7-78A4-413A-A84B-93D4CC0A9EB1}" type="datetimeFigureOut">
               <a:rPr lang="en-US" smtClean="0"/>
-              <a:t>5/25/2023</a:t>
+              <a:t>6/4/2023</a:t>
             </a:fld>
             <a:endParaRPr lang="en-US"/>
           </a:p>
@@ -2944,7 +2947,7 @@
             <a:fld id="{4CDE23C7-78A4-413A-A84B-93D4CC0A9EB1}" type="datetimeFigureOut">
               <a:rPr lang="en-US" smtClean="0"/>
               <a:pPr/>
-              <a:t>5/25/2023</a:t>
+              <a:t>6/4/2023</a:t>
             </a:fld>
             <a:endParaRPr lang="en-US" dirty="0"/>
           </a:p>
@@ -3928,7 +3931,7 @@
                   <a:schemeClr val="bg1"/>
                 </a:solidFill>
               </a:rPr>
-              <a:t> (operaciones). </a:t>
+              <a:t>. </a:t>
             </a:r>
           </a:p>
         </p:txBody>
@@ -3936,7 +3939,7 @@
     </p:spTree>
     <p:extLst>
       <p:ext uri="{BB962C8B-B14F-4D97-AF65-F5344CB8AC3E}">
-        <p14:creationId xmlns:p14="http://schemas.microsoft.com/office/powerpoint/2010/main" val="701405910"/>
+        <p14:creationId xmlns:p14="http://schemas.microsoft.com/office/powerpoint/2010/main" val="1370700022"/>
       </p:ext>
     </p:extLst>
   </p:cSld>
@@ -4021,7 +4024,23 @@
                   <a:schemeClr val="bg1"/>
                 </a:solidFill>
               </a:rPr>
-              <a:t>: Factory, rehaciendo el bosón de Higgs. </a:t>
+              <a:t>: Factory </a:t>
+            </a:r>
+            <a:r>
+              <a:rPr lang="es-CO" dirty="0" err="1">
+                <a:solidFill>
+                  <a:schemeClr val="bg1"/>
+                </a:solidFill>
+              </a:rPr>
+              <a:t>syntax</a:t>
+            </a:r>
+            <a:r>
+              <a:rPr lang="es-CO" dirty="0">
+                <a:solidFill>
+                  <a:schemeClr val="bg1"/>
+                </a:solidFill>
+              </a:rPr>
+              <a:t> (expresiones propias). </a:t>
             </a:r>
           </a:p>
         </p:txBody>
@@ -4029,7 +4048,7 @@
     </p:spTree>
     <p:extLst>
       <p:ext uri="{BB962C8B-B14F-4D97-AF65-F5344CB8AC3E}">
-        <p14:creationId xmlns:p14="http://schemas.microsoft.com/office/powerpoint/2010/main" val="2033484993"/>
+        <p14:creationId xmlns:p14="http://schemas.microsoft.com/office/powerpoint/2010/main" val="1472496052"/>
       </p:ext>
     </p:extLst>
   </p:cSld>
@@ -4114,7 +4133,23 @@
                   <a:schemeClr val="bg1"/>
                 </a:solidFill>
               </a:rPr>
-              <a:t>: Y mucho más…</a:t>
+              <a:t>: Factory </a:t>
+            </a:r>
+            <a:r>
+              <a:rPr lang="es-CO" dirty="0" err="1">
+                <a:solidFill>
+                  <a:schemeClr val="bg1"/>
+                </a:solidFill>
+              </a:rPr>
+              <a:t>syntax</a:t>
+            </a:r>
+            <a:r>
+              <a:rPr lang="es-CO" dirty="0">
+                <a:solidFill>
+                  <a:schemeClr val="bg1"/>
+                </a:solidFill>
+              </a:rPr>
+              <a:t> (operaciones). </a:t>
             </a:r>
           </a:p>
         </p:txBody>
@@ -4122,7 +4157,7 @@
     </p:spTree>
     <p:extLst>
       <p:ext uri="{BB962C8B-B14F-4D97-AF65-F5344CB8AC3E}">
-        <p14:creationId xmlns:p14="http://schemas.microsoft.com/office/powerpoint/2010/main" val="1923928214"/>
+        <p14:creationId xmlns:p14="http://schemas.microsoft.com/office/powerpoint/2010/main" val="701405910"/>
       </p:ext>
     </p:extLst>
   </p:cSld>
@@ -4194,6 +4229,467 @@
           <a:lstStyle/>
           <a:p>
             <a:r>
+              <a:rPr lang="es-CO" dirty="0" err="1">
+                <a:solidFill>
+                  <a:schemeClr val="bg1"/>
+                </a:solidFill>
+              </a:rPr>
+              <a:t>Workspace</a:t>
+            </a:r>
+            <a:r>
+              <a:rPr lang="es-CO" dirty="0">
+                <a:solidFill>
+                  <a:schemeClr val="bg1"/>
+                </a:solidFill>
+              </a:rPr>
+              <a:t>: Factory, rehaciendo el bosón de Higgs. </a:t>
+            </a:r>
+          </a:p>
+        </p:txBody>
+      </p:sp>
+      <p:pic>
+        <p:nvPicPr>
+          <p:cNvPr id="4" name="Imagen 3">
+            <a:extLst>
+              <a:ext uri="{FF2B5EF4-FFF2-40B4-BE49-F238E27FC236}">
+                <a16:creationId xmlns:a16="http://schemas.microsoft.com/office/drawing/2014/main" id="{9890C2FC-8B5F-EE70-B152-52B861883EC6}"/>
+              </a:ext>
+            </a:extLst>
+          </p:cNvPr>
+          <p:cNvPicPr>
+            <a:picLocks noChangeAspect="1"/>
+          </p:cNvPicPr>
+          <p:nvPr/>
+        </p:nvPicPr>
+        <p:blipFill>
+          <a:blip r:embed="rId2"/>
+          <a:stretch>
+            <a:fillRect/>
+          </a:stretch>
+        </p:blipFill>
+        <p:spPr>
+          <a:xfrm>
+            <a:off x="548639" y="1710618"/>
+            <a:ext cx="8342583" cy="3954458"/>
+          </a:xfrm>
+          <a:prstGeom prst="rect">
+            <a:avLst/>
+          </a:prstGeom>
+        </p:spPr>
+      </p:pic>
+      <p:sp>
+        <p:nvSpPr>
+          <p:cNvPr id="5" name="CuadroTexto 4">
+            <a:extLst>
+              <a:ext uri="{FF2B5EF4-FFF2-40B4-BE49-F238E27FC236}">
+                <a16:creationId xmlns:a16="http://schemas.microsoft.com/office/drawing/2014/main" id="{10364D90-19AB-5CAB-691B-6D59AEEDB310}"/>
+              </a:ext>
+            </a:extLst>
+          </p:cNvPr>
+          <p:cNvSpPr txBox="1"/>
+          <p:nvPr/>
+        </p:nvSpPr>
+        <p:spPr>
+          <a:xfrm>
+            <a:off x="7470390" y="5762716"/>
+            <a:ext cx="4192173" cy="461665"/>
+          </a:xfrm>
+          <a:prstGeom prst="rect">
+            <a:avLst/>
+          </a:prstGeom>
+          <a:noFill/>
+        </p:spPr>
+        <p:txBody>
+          <a:bodyPr wrap="none" rtlCol="0">
+            <a:spAutoFit/>
+          </a:bodyPr>
+          <a:lstStyle/>
+          <a:p>
+            <a:r>
+              <a:rPr lang="es-CO" sz="2400" dirty="0">
+                <a:solidFill>
+                  <a:schemeClr val="bg1"/>
+                </a:solidFill>
+              </a:rPr>
+              <a:t>Higgs/HiggsModelFactory2.C</a:t>
+            </a:r>
+          </a:p>
+        </p:txBody>
+      </p:sp>
+    </p:spTree>
+    <p:extLst>
+      <p:ext uri="{BB962C8B-B14F-4D97-AF65-F5344CB8AC3E}">
+        <p14:creationId xmlns:p14="http://schemas.microsoft.com/office/powerpoint/2010/main" val="2033484993"/>
+      </p:ext>
+    </p:extLst>
+  </p:cSld>
+  <p:clrMapOvr>
+    <a:masterClrMapping/>
+  </p:clrMapOvr>
+</p:sld>
+</file>
+
+<file path=ppt/slides/slide14.xml><?xml version="1.0" encoding="utf-8"?>
+<p:sld xmlns:a="http://schemas.openxmlformats.org/drawingml/2006/main" xmlns:r="http://schemas.openxmlformats.org/officeDocument/2006/relationships" xmlns:p="http://schemas.openxmlformats.org/presentationml/2006/main">
+  <p:cSld>
+    <p:bg>
+      <p:bgPr>
+        <a:gradFill flip="none" rotWithShape="1">
+          <a:gsLst>
+            <a:gs pos="0">
+              <a:srgbClr val="5B4FBB"/>
+            </a:gs>
+            <a:gs pos="74000">
+              <a:srgbClr val="403783"/>
+            </a:gs>
+            <a:gs pos="83000">
+              <a:srgbClr val="2D275D"/>
+            </a:gs>
+            <a:gs pos="100000">
+              <a:srgbClr val="282251"/>
+            </a:gs>
+          </a:gsLst>
+          <a:lin ang="10800000" scaled="1"/>
+          <a:tileRect/>
+        </a:gradFill>
+        <a:effectLst/>
+      </p:bgPr>
+    </p:bg>
+    <p:spTree>
+      <p:nvGrpSpPr>
+        <p:cNvPr id="1" name=""/>
+        <p:cNvGrpSpPr/>
+        <p:nvPr/>
+      </p:nvGrpSpPr>
+      <p:grpSpPr>
+        <a:xfrm>
+          <a:off x="0" y="0"/>
+          <a:ext cx="0" cy="0"/>
+          <a:chOff x="0" y="0"/>
+          <a:chExt cx="0" cy="0"/>
+        </a:xfrm>
+      </p:grpSpPr>
+      <p:sp>
+        <p:nvSpPr>
+          <p:cNvPr id="2" name="Título 1">
+            <a:extLst>
+              <a:ext uri="{FF2B5EF4-FFF2-40B4-BE49-F238E27FC236}">
+                <a16:creationId xmlns:a16="http://schemas.microsoft.com/office/drawing/2014/main" id="{79EFBC19-F09E-E9D2-1297-BE00E3FFDDE9}"/>
+              </a:ext>
+            </a:extLst>
+          </p:cNvPr>
+          <p:cNvSpPr>
+            <a:spLocks noGrp="1"/>
+          </p:cNvSpPr>
+          <p:nvPr>
+            <p:ph type="title"/>
+          </p:nvPr>
+        </p:nvSpPr>
+        <p:spPr/>
+        <p:txBody>
+          <a:bodyPr/>
+          <a:lstStyle/>
+          <a:p>
+            <a:r>
+              <a:rPr lang="es-CO">
+                <a:solidFill>
+                  <a:schemeClr val="bg1"/>
+                </a:solidFill>
+              </a:rPr>
+              <a:t>Workspace: Factory, rehaciendo el bosón de Higgs. </a:t>
+            </a:r>
+            <a:endParaRPr lang="es-CO" dirty="0">
+              <a:solidFill>
+                <a:schemeClr val="bg1"/>
+              </a:solidFill>
+            </a:endParaRPr>
+          </a:p>
+        </p:txBody>
+      </p:sp>
+      <p:pic>
+        <p:nvPicPr>
+          <p:cNvPr id="4" name="Imagen 3">
+            <a:extLst>
+              <a:ext uri="{FF2B5EF4-FFF2-40B4-BE49-F238E27FC236}">
+                <a16:creationId xmlns:a16="http://schemas.microsoft.com/office/drawing/2014/main" id="{9890C2FC-8B5F-EE70-B152-52B861883EC6}"/>
+              </a:ext>
+            </a:extLst>
+          </p:cNvPr>
+          <p:cNvPicPr>
+            <a:picLocks noChangeAspect="1"/>
+          </p:cNvPicPr>
+          <p:nvPr/>
+        </p:nvPicPr>
+        <p:blipFill>
+          <a:blip r:embed="rId2"/>
+          <a:stretch>
+            <a:fillRect/>
+          </a:stretch>
+        </p:blipFill>
+        <p:spPr>
+          <a:xfrm>
+            <a:off x="290351" y="1605514"/>
+            <a:ext cx="6131470" cy="2906371"/>
+          </a:xfrm>
+          <a:prstGeom prst="rect">
+            <a:avLst/>
+          </a:prstGeom>
+        </p:spPr>
+      </p:pic>
+      <p:pic>
+        <p:nvPicPr>
+          <p:cNvPr id="5" name="Imagen 4">
+            <a:extLst>
+              <a:ext uri="{FF2B5EF4-FFF2-40B4-BE49-F238E27FC236}">
+                <a16:creationId xmlns:a16="http://schemas.microsoft.com/office/drawing/2014/main" id="{D9AA396F-AE6D-BD0E-63F7-A08922554B31}"/>
+              </a:ext>
+            </a:extLst>
+          </p:cNvPr>
+          <p:cNvPicPr>
+            <a:picLocks noChangeAspect="1"/>
+          </p:cNvPicPr>
+          <p:nvPr/>
+        </p:nvPicPr>
+        <p:blipFill>
+          <a:blip r:embed="rId3"/>
+          <a:stretch>
+            <a:fillRect/>
+          </a:stretch>
+        </p:blipFill>
+        <p:spPr>
+          <a:xfrm>
+            <a:off x="5671647" y="4106976"/>
+            <a:ext cx="6131470" cy="1934557"/>
+          </a:xfrm>
+          <a:prstGeom prst="rect">
+            <a:avLst/>
+          </a:prstGeom>
+        </p:spPr>
+      </p:pic>
+      <p:cxnSp>
+        <p:nvCxnSpPr>
+          <p:cNvPr id="8" name="Conector recto de flecha 7">
+            <a:extLst>
+              <a:ext uri="{FF2B5EF4-FFF2-40B4-BE49-F238E27FC236}">
+                <a16:creationId xmlns:a16="http://schemas.microsoft.com/office/drawing/2014/main" id="{220A2ACF-0347-025A-49F0-1C7447D1F00B}"/>
+              </a:ext>
+            </a:extLst>
+          </p:cNvPr>
+          <p:cNvCxnSpPr>
+            <a:cxnSpLocks/>
+          </p:cNvCxnSpPr>
+          <p:nvPr/>
+        </p:nvCxnSpPr>
+        <p:spPr>
+          <a:xfrm>
+            <a:off x="5129048" y="3825766"/>
+            <a:ext cx="966952" cy="686119"/>
+          </a:xfrm>
+          <a:prstGeom prst="straightConnector1">
+            <a:avLst/>
+          </a:prstGeom>
+          <a:ln w="76200">
+            <a:solidFill>
+              <a:srgbClr val="00B050"/>
+            </a:solidFill>
+            <a:tailEnd type="triangle"/>
+          </a:ln>
+        </p:spPr>
+        <p:style>
+          <a:lnRef idx="1">
+            <a:schemeClr val="accent1"/>
+          </a:lnRef>
+          <a:fillRef idx="0">
+            <a:schemeClr val="accent1"/>
+          </a:fillRef>
+          <a:effectRef idx="0">
+            <a:schemeClr val="accent1"/>
+          </a:effectRef>
+          <a:fontRef idx="minor">
+            <a:schemeClr val="tx1"/>
+          </a:fontRef>
+        </p:style>
+      </p:cxnSp>
+    </p:spTree>
+    <p:extLst>
+      <p:ext uri="{BB962C8B-B14F-4D97-AF65-F5344CB8AC3E}">
+        <p14:creationId xmlns:p14="http://schemas.microsoft.com/office/powerpoint/2010/main" val="365355337"/>
+      </p:ext>
+    </p:extLst>
+  </p:cSld>
+  <p:clrMapOvr>
+    <a:masterClrMapping/>
+  </p:clrMapOvr>
+  <mc:AlternateContent xmlns:mc="http://schemas.openxmlformats.org/markup-compatibility/2006">
+    <mc:Choice xmlns:p159="http://schemas.microsoft.com/office/powerpoint/2015/09/main" Requires="p159">
+      <p:transition xmlns:p14="http://schemas.microsoft.com/office/powerpoint/2010/main" spd="slow" p14:dur="2000">
+        <p159:morph option="byObject"/>
+      </p:transition>
+    </mc:Choice>
+    <mc:Fallback>
+      <p:transition spd="slow">
+        <p:fade/>
+      </p:transition>
+    </mc:Fallback>
+  </mc:AlternateContent>
+</p:sld>
+</file>
+
+<file path=ppt/slides/slide15.xml><?xml version="1.0" encoding="utf-8"?>
+<p:sld xmlns:a="http://schemas.openxmlformats.org/drawingml/2006/main" xmlns:r="http://schemas.openxmlformats.org/officeDocument/2006/relationships" xmlns:p="http://schemas.openxmlformats.org/presentationml/2006/main">
+  <p:cSld>
+    <p:bg>
+      <p:bgPr>
+        <a:gradFill flip="none" rotWithShape="1">
+          <a:gsLst>
+            <a:gs pos="0">
+              <a:srgbClr val="5B4FBB"/>
+            </a:gs>
+            <a:gs pos="74000">
+              <a:srgbClr val="403783"/>
+            </a:gs>
+            <a:gs pos="83000">
+              <a:srgbClr val="2D275D"/>
+            </a:gs>
+            <a:gs pos="100000">
+              <a:srgbClr val="282251"/>
+            </a:gs>
+          </a:gsLst>
+          <a:lin ang="10800000" scaled="1"/>
+          <a:tileRect/>
+        </a:gradFill>
+        <a:effectLst/>
+      </p:bgPr>
+    </p:bg>
+    <p:spTree>
+      <p:nvGrpSpPr>
+        <p:cNvPr id="1" name=""/>
+        <p:cNvGrpSpPr/>
+        <p:nvPr/>
+      </p:nvGrpSpPr>
+      <p:grpSpPr>
+        <a:xfrm>
+          <a:off x="0" y="0"/>
+          <a:ext cx="0" cy="0"/>
+          <a:chOff x="0" y="0"/>
+          <a:chExt cx="0" cy="0"/>
+        </a:xfrm>
+      </p:grpSpPr>
+      <p:sp>
+        <p:nvSpPr>
+          <p:cNvPr id="2" name="Título 1">
+            <a:extLst>
+              <a:ext uri="{FF2B5EF4-FFF2-40B4-BE49-F238E27FC236}">
+                <a16:creationId xmlns:a16="http://schemas.microsoft.com/office/drawing/2014/main" id="{79EFBC19-F09E-E9D2-1297-BE00E3FFDDE9}"/>
+              </a:ext>
+            </a:extLst>
+          </p:cNvPr>
+          <p:cNvSpPr>
+            <a:spLocks noGrp="1"/>
+          </p:cNvSpPr>
+          <p:nvPr>
+            <p:ph type="title"/>
+          </p:nvPr>
+        </p:nvSpPr>
+        <p:spPr/>
+        <p:txBody>
+          <a:bodyPr/>
+          <a:lstStyle/>
+          <a:p>
+            <a:r>
+              <a:rPr lang="es-CO" dirty="0" err="1">
+                <a:solidFill>
+                  <a:schemeClr val="bg1"/>
+                </a:solidFill>
+              </a:rPr>
+              <a:t>Workspace</a:t>
+            </a:r>
+            <a:r>
+              <a:rPr lang="es-CO" dirty="0">
+                <a:solidFill>
+                  <a:schemeClr val="bg1"/>
+                </a:solidFill>
+              </a:rPr>
+              <a:t>: Y mucho más…</a:t>
+            </a:r>
+          </a:p>
+        </p:txBody>
+      </p:sp>
+    </p:spTree>
+    <p:extLst>
+      <p:ext uri="{BB962C8B-B14F-4D97-AF65-F5344CB8AC3E}">
+        <p14:creationId xmlns:p14="http://schemas.microsoft.com/office/powerpoint/2010/main" val="1923928214"/>
+      </p:ext>
+    </p:extLst>
+  </p:cSld>
+  <p:clrMapOvr>
+    <a:masterClrMapping/>
+  </p:clrMapOvr>
+</p:sld>
+</file>
+
+<file path=ppt/slides/slide16.xml><?xml version="1.0" encoding="utf-8"?>
+<p:sld xmlns:a="http://schemas.openxmlformats.org/drawingml/2006/main" xmlns:r="http://schemas.openxmlformats.org/officeDocument/2006/relationships" xmlns:p="http://schemas.openxmlformats.org/presentationml/2006/main">
+  <p:cSld>
+    <p:bg>
+      <p:bgPr>
+        <a:gradFill flip="none" rotWithShape="1">
+          <a:gsLst>
+            <a:gs pos="0">
+              <a:srgbClr val="5B4FBB"/>
+            </a:gs>
+            <a:gs pos="74000">
+              <a:srgbClr val="403783"/>
+            </a:gs>
+            <a:gs pos="83000">
+              <a:srgbClr val="2D275D"/>
+            </a:gs>
+            <a:gs pos="100000">
+              <a:srgbClr val="282251"/>
+            </a:gs>
+          </a:gsLst>
+          <a:lin ang="10800000" scaled="1"/>
+          <a:tileRect/>
+        </a:gradFill>
+        <a:effectLst/>
+      </p:bgPr>
+    </p:bg>
+    <p:spTree>
+      <p:nvGrpSpPr>
+        <p:cNvPr id="1" name=""/>
+        <p:cNvGrpSpPr/>
+        <p:nvPr/>
+      </p:nvGrpSpPr>
+      <p:grpSpPr>
+        <a:xfrm>
+          <a:off x="0" y="0"/>
+          <a:ext cx="0" cy="0"/>
+          <a:chOff x="0" y="0"/>
+          <a:chExt cx="0" cy="0"/>
+        </a:xfrm>
+      </p:grpSpPr>
+      <p:sp>
+        <p:nvSpPr>
+          <p:cNvPr id="2" name="Título 1">
+            <a:extLst>
+              <a:ext uri="{FF2B5EF4-FFF2-40B4-BE49-F238E27FC236}">
+                <a16:creationId xmlns:a16="http://schemas.microsoft.com/office/drawing/2014/main" id="{79EFBC19-F09E-E9D2-1297-BE00E3FFDDE9}"/>
+              </a:ext>
+            </a:extLst>
+          </p:cNvPr>
+          <p:cNvSpPr>
+            <a:spLocks noGrp="1"/>
+          </p:cNvSpPr>
+          <p:nvPr>
+            <p:ph type="title"/>
+          </p:nvPr>
+        </p:nvSpPr>
+        <p:spPr/>
+        <p:txBody>
+          <a:bodyPr/>
+          <a:lstStyle/>
+          <a:p>
+            <a:r>
               <a:rPr lang="es-CO" dirty="0">
                 <a:solidFill>
                   <a:schemeClr val="bg1"/>
@@ -4201,6 +4697,188 @@
               </a:rPr>
               <a:t>Referencias y bibliografía.</a:t>
             </a:r>
+          </a:p>
+        </p:txBody>
+      </p:sp>
+      <p:sp>
+        <p:nvSpPr>
+          <p:cNvPr id="3" name="CuadroTexto 2">
+            <a:extLst>
+              <a:ext uri="{FF2B5EF4-FFF2-40B4-BE49-F238E27FC236}">
+                <a16:creationId xmlns:a16="http://schemas.microsoft.com/office/drawing/2014/main" id="{3DB96591-8DFF-C4CD-B0C0-B94EBECDD087}"/>
+              </a:ext>
+            </a:extLst>
+          </p:cNvPr>
+          <p:cNvSpPr txBox="1"/>
+          <p:nvPr/>
+        </p:nvSpPr>
+        <p:spPr>
+          <a:xfrm>
+            <a:off x="647702" y="1705659"/>
+            <a:ext cx="10819084" cy="2585323"/>
+          </a:xfrm>
+          <a:prstGeom prst="rect">
+            <a:avLst/>
+          </a:prstGeom>
+          <a:noFill/>
+        </p:spPr>
+        <p:txBody>
+          <a:bodyPr wrap="square" rtlCol="0">
+            <a:spAutoFit/>
+          </a:bodyPr>
+          <a:lstStyle/>
+          <a:p>
+            <a:pPr marL="285750" indent="-285750">
+              <a:buFont typeface="Arial" panose="020B0604020202020204" pitchFamily="34" charset="0"/>
+              <a:buChar char="•"/>
+            </a:pPr>
+            <a:r>
+              <a:rPr lang="es-CO" sz="2400" dirty="0">
+                <a:solidFill>
+                  <a:schemeClr val="bg1"/>
+                </a:solidFill>
+                <a:hlinkClick r:id="rId2"/>
+              </a:rPr>
+              <a:t>RooStats Workbook.</a:t>
+            </a:r>
+            <a:endParaRPr lang="es-CO" sz="2400" dirty="0">
+              <a:solidFill>
+                <a:schemeClr val="bg1"/>
+              </a:solidFill>
+            </a:endParaRPr>
+          </a:p>
+          <a:p>
+            <a:pPr marL="285750" indent="-285750">
+              <a:buFont typeface="Arial" panose="020B0604020202020204" pitchFamily="34" charset="0"/>
+              <a:buChar char="•"/>
+            </a:pPr>
+            <a:r>
+              <a:rPr lang="es-CO" sz="2400" dirty="0">
+                <a:solidFill>
+                  <a:schemeClr val="bg1"/>
+                </a:solidFill>
+              </a:rPr>
+              <a:t>Explicación de aplicación </a:t>
+            </a:r>
+            <a:r>
+              <a:rPr lang="es-CO" sz="2400" dirty="0" err="1">
+                <a:solidFill>
+                  <a:schemeClr val="bg1"/>
+                </a:solidFill>
+              </a:rPr>
+              <a:t>RooFit</a:t>
+            </a:r>
+            <a:r>
+              <a:rPr lang="es-CO" sz="2400" dirty="0">
+                <a:solidFill>
+                  <a:schemeClr val="bg1"/>
+                </a:solidFill>
+              </a:rPr>
+              <a:t>.</a:t>
+            </a:r>
+          </a:p>
+          <a:p>
+            <a:pPr marL="742950" lvl="1" indent="-285750">
+              <a:buFont typeface="Arial" panose="020B0604020202020204" pitchFamily="34" charset="0"/>
+              <a:buChar char="•"/>
+            </a:pPr>
+            <a:r>
+              <a:rPr lang="es-CO" sz="2400" dirty="0">
+                <a:solidFill>
+                  <a:schemeClr val="bg1"/>
+                </a:solidFill>
+                <a:hlinkClick r:id="rId3"/>
+              </a:rPr>
+              <a:t>Parte I</a:t>
+            </a:r>
+            <a:r>
+              <a:rPr lang="es-CO" sz="2400" dirty="0">
+                <a:solidFill>
+                  <a:schemeClr val="bg1"/>
+                </a:solidFill>
+              </a:rPr>
+              <a:t>.</a:t>
+            </a:r>
+          </a:p>
+          <a:p>
+            <a:pPr marL="742950" lvl="1" indent="-285750">
+              <a:buFont typeface="Arial" panose="020B0604020202020204" pitchFamily="34" charset="0"/>
+              <a:buChar char="•"/>
+            </a:pPr>
+            <a:r>
+              <a:rPr lang="es-CO" sz="2400" dirty="0">
+                <a:solidFill>
+                  <a:schemeClr val="bg1"/>
+                </a:solidFill>
+                <a:hlinkClick r:id="rId4"/>
+              </a:rPr>
+              <a:t>Parte II</a:t>
+            </a:r>
+            <a:r>
+              <a:rPr lang="es-CO" sz="2400" dirty="0">
+                <a:solidFill>
+                  <a:schemeClr val="bg1"/>
+                </a:solidFill>
+              </a:rPr>
+              <a:t>.</a:t>
+            </a:r>
+          </a:p>
+          <a:p>
+            <a:pPr marL="285750" indent="-285750">
+              <a:buFont typeface="Arial" panose="020B0604020202020204" pitchFamily="34" charset="0"/>
+              <a:buChar char="•"/>
+            </a:pPr>
+            <a:r>
+              <a:rPr lang="es-CO" sz="2400" dirty="0">
+                <a:solidFill>
+                  <a:schemeClr val="bg1"/>
+                </a:solidFill>
+                <a:hlinkClick r:id="rId5"/>
+              </a:rPr>
+              <a:t>Aplicación al bosón de Higgs</a:t>
+            </a:r>
+            <a:r>
+              <a:rPr lang="es-CO" sz="2400" dirty="0">
+                <a:solidFill>
+                  <a:schemeClr val="bg1"/>
+                </a:solidFill>
+              </a:rPr>
+              <a:t>.</a:t>
+            </a:r>
+          </a:p>
+          <a:p>
+            <a:pPr marL="285750" indent="-285750">
+              <a:buFont typeface="Arial" panose="020B0604020202020204" pitchFamily="34" charset="0"/>
+              <a:buChar char="•"/>
+            </a:pPr>
+            <a:r>
+              <a:rPr lang="es-CO" sz="2400" dirty="0">
+                <a:solidFill>
+                  <a:schemeClr val="bg1"/>
+                </a:solidFill>
+                <a:hlinkClick r:id="rId6"/>
+              </a:rPr>
+              <a:t>Ejemplos de uso en la documentación</a:t>
+            </a:r>
+            <a:r>
+              <a:rPr lang="es-CO" sz="2400" dirty="0">
+                <a:solidFill>
+                  <a:schemeClr val="bg1"/>
+                </a:solidFill>
+              </a:rPr>
+              <a:t>.</a:t>
+            </a:r>
+          </a:p>
+          <a:p>
+            <a:pPr marL="285750" indent="-285750">
+              <a:buFont typeface="Arial" panose="020B0604020202020204" pitchFamily="34" charset="0"/>
+              <a:buChar char="•"/>
+            </a:pPr>
+            <a:endParaRPr lang="es-CO" dirty="0">
+              <a:solidFill>
+                <a:schemeClr val="bg1"/>
+              </a:solidFill>
+            </a:endParaRPr>
           </a:p>
         </p:txBody>
       </p:sp>
@@ -4217,7 +4895,7 @@
 </p:sld>
 </file>
 
-<file path=ppt/slides/slide14.xml><?xml version="1.0" encoding="utf-8"?>
+<file path=ppt/slides/slide17.xml><?xml version="1.0" encoding="utf-8"?>
 <p:sld xmlns:a="http://schemas.openxmlformats.org/drawingml/2006/main" xmlns:r="http://schemas.openxmlformats.org/officeDocument/2006/relationships" xmlns:p="http://schemas.openxmlformats.org/presentationml/2006/main">
   <p:cSld>
     <p:bg>
@@ -4820,25 +5498,111 @@
           </a:graphicData>
         </a:graphic>
       </p:graphicFrame>
-      <p:grpSp>
-        <p:nvGrpSpPr>
-          <p:cNvPr id="13" name="Grupo 12">
-            <a:extLst>
-              <a:ext uri="{FF2B5EF4-FFF2-40B4-BE49-F238E27FC236}">
-                <a16:creationId xmlns:a16="http://schemas.microsoft.com/office/drawing/2014/main" id="{01CCD34C-1EDA-EA52-A9F3-3AB426D91904}"/>
-              </a:ext>
-            </a:extLst>
-          </p:cNvPr>
-          <p:cNvGrpSpPr/>
+      <p:sp>
+        <p:nvSpPr>
+          <p:cNvPr id="4" name="Rectángulo 3">
+            <a:extLst>
+              <a:ext uri="{FF2B5EF4-FFF2-40B4-BE49-F238E27FC236}">
+                <a16:creationId xmlns:a16="http://schemas.microsoft.com/office/drawing/2014/main" id="{179424A9-1BB6-8882-3E6D-223DF35F07EB}"/>
+              </a:ext>
+            </a:extLst>
+          </p:cNvPr>
+          <p:cNvSpPr/>
           <p:nvPr/>
-        </p:nvGrpSpPr>
-        <p:grpSpPr>
+        </p:nvSpPr>
+        <p:spPr>
           <a:xfrm>
             <a:off x="425271" y="2151829"/>
             <a:ext cx="6901749" cy="3477446"/>
-            <a:chOff x="728761" y="1767216"/>
-            <a:chExt cx="6901749" cy="3477446"/>
           </a:xfrm>
+          <a:custGeom>
+            <a:avLst/>
+            <a:gdLst>
+              <a:gd name="connsiteX0" fmla="*/ 0 w 6901749"/>
+              <a:gd name="connsiteY0" fmla="*/ 0 h 3477446"/>
+              <a:gd name="connsiteX1" fmla="*/ 6901749 w 6901749"/>
+              <a:gd name="connsiteY1" fmla="*/ 0 h 3477446"/>
+              <a:gd name="connsiteX2" fmla="*/ 6901749 w 6901749"/>
+              <a:gd name="connsiteY2" fmla="*/ 3477446 h 3477446"/>
+              <a:gd name="connsiteX3" fmla="*/ 0 w 6901749"/>
+              <a:gd name="connsiteY3" fmla="*/ 3477446 h 3477446"/>
+              <a:gd name="connsiteX4" fmla="*/ 0 w 6901749"/>
+              <a:gd name="connsiteY4" fmla="*/ 0 h 3477446"/>
+            </a:gdLst>
+            <a:ahLst/>
+            <a:cxnLst>
+              <a:cxn ang="0">
+                <a:pos x="connsiteX0" y="connsiteY0"/>
+              </a:cxn>
+              <a:cxn ang="0">
+                <a:pos x="connsiteX1" y="connsiteY1"/>
+              </a:cxn>
+              <a:cxn ang="0">
+                <a:pos x="connsiteX2" y="connsiteY2"/>
+              </a:cxn>
+              <a:cxn ang="0">
+                <a:pos x="connsiteX3" y="connsiteY3"/>
+              </a:cxn>
+              <a:cxn ang="0">
+                <a:pos x="connsiteX4" y="connsiteY4"/>
+              </a:cxn>
+            </a:cxnLst>
+            <a:rect l="l" t="t" r="r" b="b"/>
+            <a:pathLst>
+              <a:path w="6901749" h="3477446" fill="none" extrusionOk="0">
+                <a:moveTo>
+                  <a:pt x="0" y="0"/>
+                </a:moveTo>
+                <a:cubicBezTo>
+                  <a:pt x="1926719" y="-158973"/>
+                  <a:pt x="4847536" y="-63668"/>
+                  <a:pt x="6901749" y="0"/>
+                </a:cubicBezTo>
+                <a:cubicBezTo>
+                  <a:pt x="6995422" y="634072"/>
+                  <a:pt x="6999249" y="2022196"/>
+                  <a:pt x="6901749" y="3477446"/>
+                </a:cubicBezTo>
+                <a:cubicBezTo>
+                  <a:pt x="4924722" y="3364930"/>
+                  <a:pt x="2106589" y="3479189"/>
+                  <a:pt x="0" y="3477446"/>
+                </a:cubicBezTo>
+                <a:cubicBezTo>
+                  <a:pt x="2017" y="2421120"/>
+                  <a:pt x="18073" y="776893"/>
+                  <a:pt x="0" y="0"/>
+                </a:cubicBezTo>
+                <a:close/>
+              </a:path>
+              <a:path w="6901749" h="3477446" stroke="0" extrusionOk="0">
+                <a:moveTo>
+                  <a:pt x="0" y="0"/>
+                </a:moveTo>
+                <a:cubicBezTo>
+                  <a:pt x="1585439" y="109261"/>
+                  <a:pt x="4825556" y="-110647"/>
+                  <a:pt x="6901749" y="0"/>
+                </a:cubicBezTo>
+                <a:cubicBezTo>
+                  <a:pt x="7030385" y="779879"/>
+                  <a:pt x="7049549" y="3109897"/>
+                  <a:pt x="6901749" y="3477446"/>
+                </a:cubicBezTo>
+                <a:cubicBezTo>
+                  <a:pt x="4970357" y="3556208"/>
+                  <a:pt x="2534029" y="3386757"/>
+                  <a:pt x="0" y="3477446"/>
+                </a:cubicBezTo>
+                <a:cubicBezTo>
+                  <a:pt x="114794" y="2613981"/>
+                  <a:pt x="122353" y="1457377"/>
+                  <a:pt x="0" y="0"/>
+                </a:cubicBezTo>
+                <a:close/>
+              </a:path>
+            </a:pathLst>
+          </a:custGeom>
           <a:gradFill flip="none" rotWithShape="1">
             <a:gsLst>
               <a:gs pos="0">
@@ -4863,201 +5627,116 @@
             <a:lin ang="18900000" scaled="1"/>
             <a:tileRect/>
           </a:gradFill>
-        </p:grpSpPr>
-        <p:sp>
-          <p:nvSpPr>
-            <p:cNvPr id="4" name="Rectángulo 3">
-              <a:extLst>
-                <a:ext uri="{FF2B5EF4-FFF2-40B4-BE49-F238E27FC236}">
-                  <a16:creationId xmlns:a16="http://schemas.microsoft.com/office/drawing/2014/main" id="{179424A9-1BB6-8882-3E6D-223DF35F07EB}"/>
-                </a:ext>
-              </a:extLst>
-            </p:cNvPr>
-            <p:cNvSpPr/>
-            <p:nvPr/>
-          </p:nvSpPr>
-          <p:spPr>
-            <a:xfrm>
-              <a:off x="728761" y="1767216"/>
-              <a:ext cx="6901749" cy="3477446"/>
-            </a:xfrm>
-            <a:custGeom>
-              <a:avLst/>
-              <a:gdLst>
-                <a:gd name="connsiteX0" fmla="*/ 0 w 6901749"/>
-                <a:gd name="connsiteY0" fmla="*/ 0 h 3477446"/>
-                <a:gd name="connsiteX1" fmla="*/ 6901749 w 6901749"/>
-                <a:gd name="connsiteY1" fmla="*/ 0 h 3477446"/>
-                <a:gd name="connsiteX2" fmla="*/ 6901749 w 6901749"/>
-                <a:gd name="connsiteY2" fmla="*/ 3477446 h 3477446"/>
-                <a:gd name="connsiteX3" fmla="*/ 0 w 6901749"/>
-                <a:gd name="connsiteY3" fmla="*/ 3477446 h 3477446"/>
-                <a:gd name="connsiteX4" fmla="*/ 0 w 6901749"/>
-                <a:gd name="connsiteY4" fmla="*/ 0 h 3477446"/>
-              </a:gdLst>
-              <a:ahLst/>
-              <a:cxnLst>
-                <a:cxn ang="0">
-                  <a:pos x="connsiteX0" y="connsiteY0"/>
-                </a:cxn>
-                <a:cxn ang="0">
-                  <a:pos x="connsiteX1" y="connsiteY1"/>
-                </a:cxn>
-                <a:cxn ang="0">
-                  <a:pos x="connsiteX2" y="connsiteY2"/>
-                </a:cxn>
-                <a:cxn ang="0">
-                  <a:pos x="connsiteX3" y="connsiteY3"/>
-                </a:cxn>
-                <a:cxn ang="0">
-                  <a:pos x="connsiteX4" y="connsiteY4"/>
-                </a:cxn>
-              </a:cxnLst>
-              <a:rect l="l" t="t" r="r" b="b"/>
-              <a:pathLst>
-                <a:path w="6901749" h="3477446" fill="none" extrusionOk="0">
-                  <a:moveTo>
-                    <a:pt x="0" y="0"/>
-                  </a:moveTo>
-                  <a:cubicBezTo>
-                    <a:pt x="1926719" y="-158973"/>
-                    <a:pt x="4847536" y="-63668"/>
-                    <a:pt x="6901749" y="0"/>
-                  </a:cubicBezTo>
-                  <a:cubicBezTo>
-                    <a:pt x="6995422" y="634072"/>
-                    <a:pt x="6999249" y="2022196"/>
-                    <a:pt x="6901749" y="3477446"/>
-                  </a:cubicBezTo>
-                  <a:cubicBezTo>
-                    <a:pt x="4924722" y="3364930"/>
-                    <a:pt x="2106589" y="3479189"/>
-                    <a:pt x="0" y="3477446"/>
-                  </a:cubicBezTo>
-                  <a:cubicBezTo>
-                    <a:pt x="2017" y="2421120"/>
-                    <a:pt x="18073" y="776893"/>
-                    <a:pt x="0" y="0"/>
-                  </a:cubicBezTo>
-                  <a:close/>
-                </a:path>
-                <a:path w="6901749" h="3477446" stroke="0" extrusionOk="0">
-                  <a:moveTo>
-                    <a:pt x="0" y="0"/>
-                  </a:moveTo>
-                  <a:cubicBezTo>
-                    <a:pt x="1585439" y="109261"/>
-                    <a:pt x="4825556" y="-110647"/>
-                    <a:pt x="6901749" y="0"/>
-                  </a:cubicBezTo>
-                  <a:cubicBezTo>
-                    <a:pt x="7030385" y="779879"/>
-                    <a:pt x="7049549" y="3109897"/>
-                    <a:pt x="6901749" y="3477446"/>
-                  </a:cubicBezTo>
-                  <a:cubicBezTo>
-                    <a:pt x="4970357" y="3556208"/>
-                    <a:pt x="2534029" y="3386757"/>
-                    <a:pt x="0" y="3477446"/>
-                  </a:cubicBezTo>
-                  <a:cubicBezTo>
-                    <a:pt x="114794" y="2613981"/>
-                    <a:pt x="122353" y="1457377"/>
-                    <a:pt x="0" y="0"/>
-                  </a:cubicBezTo>
-                  <a:close/>
-                </a:path>
-              </a:pathLst>
-            </a:custGeom>
-            <a:grpFill/>
-            <a:ln w="28575">
-              <a:solidFill>
-                <a:schemeClr val="tx1"/>
-              </a:solidFill>
-              <a:prstDash val="dashDot"/>
-              <a:extLst>
-                <a:ext uri="{C807C97D-BFC1-408E-A445-0C87EB9F89A2}">
-                  <ask:lineSketchStyleProps xmlns:ask="http://schemas.microsoft.com/office/drawing/2018/sketchyshapes" sd="1735224768">
-                    <a:prstGeom prst="rect">
-                      <a:avLst/>
-                    </a:prstGeom>
-                    <ask:type>
-                      <ask:lineSketchCurved/>
-                    </ask:type>
-                  </ask:lineSketchStyleProps>
-                </a:ext>
-              </a:extLst>
-            </a:ln>
-          </p:spPr>
-          <p:style>
-            <a:lnRef idx="2">
-              <a:schemeClr val="accent1">
-                <a:shade val="50000"/>
-              </a:schemeClr>
-            </a:lnRef>
-            <a:fillRef idx="1">
-              <a:schemeClr val="accent1"/>
-            </a:fillRef>
-            <a:effectRef idx="0">
-              <a:schemeClr val="accent1"/>
-            </a:effectRef>
-            <a:fontRef idx="minor">
-              <a:schemeClr val="lt1"/>
-            </a:fontRef>
-          </p:style>
-          <p:txBody>
-            <a:bodyPr rtlCol="0" anchor="t"/>
-            <a:lstStyle/>
-            <a:p>
-              <a:pPr algn="ctr"/>
-              <a:r>
-                <a:rPr lang="es-CO" sz="2800" b="1" dirty="0" err="1"/>
-                <a:t>Functions</a:t>
-              </a:r>
-              <a:r>
-                <a:rPr lang="es-CO" sz="2800" b="1" dirty="0"/>
-                <a:t> / </a:t>
-              </a:r>
-              <a:r>
-                <a:rPr lang="es-CO" sz="2800" b="1" dirty="0" err="1"/>
-                <a:t>PDFs</a:t>
-              </a:r>
-              <a:endParaRPr lang="es-CO" sz="2800" b="1" dirty="0"/>
-            </a:p>
-          </p:txBody>
-        </p:sp>
-        <p:pic>
-          <p:nvPicPr>
-            <p:cNvPr id="12" name="Imagen 11">
-              <a:extLst>
-                <a:ext uri="{FF2B5EF4-FFF2-40B4-BE49-F238E27FC236}">
-                  <a16:creationId xmlns:a16="http://schemas.microsoft.com/office/drawing/2014/main" id="{90B7FA94-CCFF-25B3-D072-A335223A044E}"/>
-                </a:ext>
-              </a:extLst>
-            </p:cNvPr>
-            <p:cNvPicPr>
-              <a:picLocks noChangeAspect="1"/>
-            </p:cNvPicPr>
-            <p:nvPr/>
-          </p:nvPicPr>
-          <p:blipFill>
-            <a:blip r:embed="rId2"/>
-            <a:stretch>
-              <a:fillRect/>
-            </a:stretch>
-          </p:blipFill>
-          <p:spPr>
-            <a:xfrm>
-              <a:off x="1013878" y="2697218"/>
-              <a:ext cx="6611059" cy="2258904"/>
-            </a:xfrm>
-            <a:prstGeom prst="rect">
-              <a:avLst/>
-            </a:prstGeom>
-            <a:grpFill/>
-          </p:spPr>
-        </p:pic>
-      </p:grpSp>
+          <a:ln w="28575">
+            <a:solidFill>
+              <a:schemeClr val="tx1"/>
+            </a:solidFill>
+            <a:prstDash val="dashDot"/>
+            <a:extLst>
+              <a:ext uri="{C807C97D-BFC1-408E-A445-0C87EB9F89A2}">
+                <ask:lineSketchStyleProps xmlns:ask="http://schemas.microsoft.com/office/drawing/2018/sketchyshapes" sd="1735224768">
+                  <a:prstGeom prst="rect">
+                    <a:avLst/>
+                  </a:prstGeom>
+                  <ask:type>
+                    <ask:lineSketchCurved/>
+                  </ask:type>
+                </ask:lineSketchStyleProps>
+              </a:ext>
+            </a:extLst>
+          </a:ln>
+        </p:spPr>
+        <p:style>
+          <a:lnRef idx="2">
+            <a:schemeClr val="accent1">
+              <a:shade val="50000"/>
+            </a:schemeClr>
+          </a:lnRef>
+          <a:fillRef idx="1">
+            <a:schemeClr val="accent1"/>
+          </a:fillRef>
+          <a:effectRef idx="0">
+            <a:schemeClr val="accent1"/>
+          </a:effectRef>
+          <a:fontRef idx="minor">
+            <a:schemeClr val="lt1"/>
+          </a:fontRef>
+        </p:style>
+        <p:txBody>
+          <a:bodyPr rtlCol="0" anchor="t"/>
+          <a:lstStyle/>
+          <a:p>
+            <a:pPr algn="ctr"/>
+            <a:r>
+              <a:rPr lang="es-CO" sz="2800" b="1" dirty="0" err="1"/>
+              <a:t>Functions</a:t>
+            </a:r>
+            <a:r>
+              <a:rPr lang="es-CO" sz="2800" b="1" dirty="0"/>
+              <a:t> / </a:t>
+            </a:r>
+            <a:r>
+              <a:rPr lang="es-CO" sz="2800" b="1" dirty="0" err="1"/>
+              <a:t>PDFs</a:t>
+            </a:r>
+            <a:endParaRPr lang="es-CO" sz="2800" b="1" dirty="0"/>
+          </a:p>
+        </p:txBody>
+      </p:sp>
+      <p:pic>
+        <p:nvPicPr>
+          <p:cNvPr id="12" name="Imagen 11">
+            <a:extLst>
+              <a:ext uri="{FF2B5EF4-FFF2-40B4-BE49-F238E27FC236}">
+                <a16:creationId xmlns:a16="http://schemas.microsoft.com/office/drawing/2014/main" id="{90B7FA94-CCFF-25B3-D072-A335223A044E}"/>
+              </a:ext>
+            </a:extLst>
+          </p:cNvPr>
+          <p:cNvPicPr>
+            <a:picLocks noChangeAspect="1"/>
+          </p:cNvPicPr>
+          <p:nvPr/>
+        </p:nvPicPr>
+        <p:blipFill>
+          <a:blip r:embed="rId2"/>
+          <a:stretch>
+            <a:fillRect/>
+          </a:stretch>
+        </p:blipFill>
+        <p:spPr>
+          <a:xfrm>
+            <a:off x="710388" y="3081831"/>
+            <a:ext cx="6611059" cy="2258904"/>
+          </a:xfrm>
+          <a:prstGeom prst="rect">
+            <a:avLst/>
+          </a:prstGeom>
+          <a:gradFill flip="none" rotWithShape="1">
+            <a:gsLst>
+              <a:gs pos="0">
+                <a:schemeClr val="accent1">
+                  <a:shade val="30000"/>
+                  <a:satMod val="115000"/>
+                </a:schemeClr>
+              </a:gs>
+              <a:gs pos="50000">
+                <a:schemeClr val="accent1">
+                  <a:shade val="67500"/>
+                  <a:satMod val="115000"/>
+                </a:schemeClr>
+              </a:gs>
+              <a:gs pos="100000">
+                <a:schemeClr val="accent1">
+                  <a:shade val="100000"/>
+                  <a:satMod val="115000"/>
+                </a:schemeClr>
+              </a:gs>
+            </a:gsLst>
+            <a:lin ang="18900000" scaled="1"/>
+            <a:tileRect/>
+          </a:gradFill>
+        </p:spPr>
+      </p:pic>
     </p:spTree>
     <p:extLst>
       <p:ext uri="{BB962C8B-B14F-4D97-AF65-F5344CB8AC3E}">
@@ -5151,26 +5830,25 @@
           </a:p>
         </p:txBody>
       </p:sp>
-      <p:sp>
-        <p:nvSpPr>
-          <p:cNvPr id="11" name="Rectángulo: esquinas redondeadas 10">
-            <a:extLst>
-              <a:ext uri="{FF2B5EF4-FFF2-40B4-BE49-F238E27FC236}">
-                <a16:creationId xmlns:a16="http://schemas.microsoft.com/office/drawing/2014/main" id="{9B1D6673-C837-2932-3B5A-EB86EC7A2157}"/>
-              </a:ext>
-            </a:extLst>
-          </p:cNvPr>
-          <p:cNvSpPr/>
+      <p:grpSp>
+        <p:nvGrpSpPr>
+          <p:cNvPr id="10" name="Grupo 9">
+            <a:extLst>
+              <a:ext uri="{FF2B5EF4-FFF2-40B4-BE49-F238E27FC236}">
+                <a16:creationId xmlns:a16="http://schemas.microsoft.com/office/drawing/2014/main" id="{02CAC4D2-A5BA-2558-B315-D617A646A8F7}"/>
+              </a:ext>
+            </a:extLst>
+          </p:cNvPr>
+          <p:cNvGrpSpPr/>
           <p:nvPr/>
-        </p:nvSpPr>
-        <p:spPr>
+        </p:nvGrpSpPr>
+        <p:grpSpPr>
           <a:xfrm>
-            <a:off x="1859146" y="1890106"/>
-            <a:ext cx="8374643" cy="3445468"/>
+            <a:off x="7778025" y="2151829"/>
+            <a:ext cx="3703587" cy="3477446"/>
+            <a:chOff x="7685690" y="3321269"/>
+            <a:chExt cx="3400097" cy="1860004"/>
           </a:xfrm>
-          <a:prstGeom prst="roundRect">
-            <a:avLst/>
-          </a:prstGeom>
           <a:gradFill flip="none" rotWithShape="1">
             <a:gsLst>
               <a:gs pos="0">
@@ -5197,68 +5875,206 @@
             </a:path>
             <a:tileRect l="-100000" b="-100000"/>
           </a:gradFill>
-          <a:ln w="28575">
-            <a:solidFill>
-              <a:schemeClr val="tx1"/>
-            </a:solidFill>
-            <a:prstDash val="dashDot"/>
-          </a:ln>
-        </p:spPr>
-        <p:style>
-          <a:lnRef idx="2">
-            <a:schemeClr val="accent1">
-              <a:shade val="50000"/>
-            </a:schemeClr>
-          </a:lnRef>
-          <a:fillRef idx="1">
-            <a:schemeClr val="accent1"/>
-          </a:fillRef>
-          <a:effectRef idx="0">
-            <a:schemeClr val="accent1"/>
-          </a:effectRef>
-          <a:fontRef idx="minor">
-            <a:schemeClr val="lt1"/>
-          </a:fontRef>
-        </p:style>
-        <p:txBody>
-          <a:bodyPr rtlCol="0" anchor="ctr"/>
-          <a:lstStyle/>
-          <a:p>
-            <a:pPr algn="ctr"/>
-            <a:endParaRPr lang="es-CO"/>
-          </a:p>
-        </p:txBody>
-      </p:sp>
-      <p:pic>
-        <p:nvPicPr>
-          <p:cNvPr id="12" name="Imagen 11">
-            <a:extLst>
-              <a:ext uri="{FF2B5EF4-FFF2-40B4-BE49-F238E27FC236}">
-                <a16:creationId xmlns:a16="http://schemas.microsoft.com/office/drawing/2014/main" id="{90B7FA94-CCFF-25B3-D072-A335223A044E}"/>
-              </a:ext>
-            </a:extLst>
-          </p:cNvPr>
-          <p:cNvPicPr>
-            <a:picLocks noChangeAspect="1"/>
-          </p:cNvPicPr>
-          <p:nvPr/>
-        </p:nvPicPr>
-        <p:blipFill>
-          <a:blip r:embed="rId2"/>
-          <a:stretch>
-            <a:fillRect/>
-          </a:stretch>
-        </p:blipFill>
-        <p:spPr>
-          <a:xfrm>
-            <a:off x="2298476" y="2985335"/>
-            <a:ext cx="4247600" cy="1451344"/>
-          </a:xfrm>
-          <a:prstGeom prst="rect">
-            <a:avLst/>
-          </a:prstGeom>
-        </p:spPr>
-      </p:pic>
+        </p:grpSpPr>
+        <p:sp>
+          <p:nvSpPr>
+            <p:cNvPr id="6" name="Rectángulo 5">
+              <a:extLst>
+                <a:ext uri="{FF2B5EF4-FFF2-40B4-BE49-F238E27FC236}">
+                  <a16:creationId xmlns:a16="http://schemas.microsoft.com/office/drawing/2014/main" id="{DC5E9B6A-6530-DB5A-0A7B-80E71A8BF6B2}"/>
+                </a:ext>
+              </a:extLst>
+            </p:cNvPr>
+            <p:cNvSpPr>
+              <a:spLocks/>
+            </p:cNvSpPr>
+            <p:nvPr/>
+          </p:nvSpPr>
+          <p:spPr>
+            <a:xfrm>
+              <a:off x="7685690" y="3321269"/>
+              <a:ext cx="3400097" cy="1860004"/>
+            </a:xfrm>
+            <a:prstGeom prst="rect">
+              <a:avLst/>
+            </a:prstGeom>
+            <a:grpFill/>
+            <a:ln w="28575">
+              <a:solidFill>
+                <a:schemeClr val="tx1"/>
+              </a:solidFill>
+              <a:prstDash val="dashDot"/>
+              <a:extLst>
+                <a:ext uri="{C807C97D-BFC1-408E-A445-0C87EB9F89A2}">
+                  <ask:lineSketchStyleProps xmlns:ask="http://schemas.microsoft.com/office/drawing/2018/sketchyshapes" sd="1735224768">
+                    <a:custGeom>
+                      <a:avLst/>
+                      <a:gdLst>
+                        <a:gd name="connsiteX0" fmla="*/ 0 w 2333297"/>
+                        <a:gd name="connsiteY0" fmla="*/ 0 h 1292444"/>
+                        <a:gd name="connsiteX1" fmla="*/ 2333297 w 2333297"/>
+                        <a:gd name="connsiteY1" fmla="*/ 0 h 1292444"/>
+                        <a:gd name="connsiteX2" fmla="*/ 2333297 w 2333297"/>
+                        <a:gd name="connsiteY2" fmla="*/ 1292444 h 1292444"/>
+                        <a:gd name="connsiteX3" fmla="*/ 0 w 2333297"/>
+                        <a:gd name="connsiteY3" fmla="*/ 1292444 h 1292444"/>
+                        <a:gd name="connsiteX4" fmla="*/ 0 w 2333297"/>
+                        <a:gd name="connsiteY4" fmla="*/ 0 h 1292444"/>
+                      </a:gdLst>
+                      <a:ahLst/>
+                      <a:cxnLst>
+                        <a:cxn ang="0">
+                          <a:pos x="connsiteX0" y="connsiteY0"/>
+                        </a:cxn>
+                        <a:cxn ang="0">
+                          <a:pos x="connsiteX1" y="connsiteY1"/>
+                        </a:cxn>
+                        <a:cxn ang="0">
+                          <a:pos x="connsiteX2" y="connsiteY2"/>
+                        </a:cxn>
+                        <a:cxn ang="0">
+                          <a:pos x="connsiteX3" y="connsiteY3"/>
+                        </a:cxn>
+                        <a:cxn ang="0">
+                          <a:pos x="connsiteX4" y="connsiteY4"/>
+                        </a:cxn>
+                      </a:cxnLst>
+                      <a:rect l="l" t="t" r="r" b="b"/>
+                      <a:pathLst>
+                        <a:path w="2333297" h="1292444" fill="none" extrusionOk="0">
+                          <a:moveTo>
+                            <a:pt x="0" y="0"/>
+                          </a:moveTo>
+                          <a:cubicBezTo>
+                            <a:pt x="275694" y="-158973"/>
+                            <a:pt x="1575136" y="-63668"/>
+                            <a:pt x="2333297" y="0"/>
+                          </a:cubicBezTo>
+                          <a:cubicBezTo>
+                            <a:pt x="2418310" y="158056"/>
+                            <a:pt x="2270933" y="904987"/>
+                            <a:pt x="2333297" y="1292444"/>
+                          </a:cubicBezTo>
+                          <a:cubicBezTo>
+                            <a:pt x="1743564" y="1179928"/>
+                            <a:pt x="1098754" y="1294187"/>
+                            <a:pt x="0" y="1292444"/>
+                          </a:cubicBezTo>
+                          <a:cubicBezTo>
+                            <a:pt x="9602" y="851727"/>
+                            <a:pt x="28851" y="603343"/>
+                            <a:pt x="0" y="0"/>
+                          </a:cubicBezTo>
+                          <a:close/>
+                        </a:path>
+                        <a:path w="2333297" h="1292444" stroke="0" extrusionOk="0">
+                          <a:moveTo>
+                            <a:pt x="0" y="0"/>
+                          </a:moveTo>
+                          <a:cubicBezTo>
+                            <a:pt x="835861" y="109261"/>
+                            <a:pt x="1235254" y="-110647"/>
+                            <a:pt x="2333297" y="0"/>
+                          </a:cubicBezTo>
+                          <a:cubicBezTo>
+                            <a:pt x="2283843" y="598367"/>
+                            <a:pt x="2319377" y="1061275"/>
+                            <a:pt x="2333297" y="1292444"/>
+                          </a:cubicBezTo>
+                          <a:cubicBezTo>
+                            <a:pt x="1257358" y="1371206"/>
+                            <a:pt x="755108" y="1201755"/>
+                            <a:pt x="0" y="1292444"/>
+                          </a:cubicBezTo>
+                          <a:cubicBezTo>
+                            <a:pt x="-104578" y="696108"/>
+                            <a:pt x="28724" y="429186"/>
+                            <a:pt x="0" y="0"/>
+                          </a:cubicBezTo>
+                          <a:close/>
+                        </a:path>
+                      </a:pathLst>
+                    </a:custGeom>
+                    <ask:type>
+                      <ask:lineSketchNone/>
+                    </ask:type>
+                  </ask:lineSketchStyleProps>
+                </a:ext>
+              </a:extLst>
+            </a:ln>
+          </p:spPr>
+          <p:style>
+            <a:lnRef idx="2">
+              <a:schemeClr val="accent1">
+                <a:shade val="50000"/>
+              </a:schemeClr>
+            </a:lnRef>
+            <a:fillRef idx="1">
+              <a:schemeClr val="accent1"/>
+            </a:fillRef>
+            <a:effectRef idx="0">
+              <a:schemeClr val="accent1"/>
+            </a:effectRef>
+            <a:fontRef idx="minor">
+              <a:schemeClr val="lt1"/>
+            </a:fontRef>
+          </p:style>
+          <p:txBody>
+            <a:bodyPr rtlCol="0" anchor="ctr"/>
+            <a:lstStyle/>
+            <a:p>
+              <a:pPr algn="ctr"/>
+              <a:endParaRPr lang="es-CO" sz="2000" b="1" dirty="0"/>
+            </a:p>
+          </p:txBody>
+        </p:sp>
+        <p:sp>
+          <p:nvSpPr>
+            <p:cNvPr id="8" name="CuadroTexto 7">
+              <a:extLst>
+                <a:ext uri="{FF2B5EF4-FFF2-40B4-BE49-F238E27FC236}">
+                  <a16:creationId xmlns:a16="http://schemas.microsoft.com/office/drawing/2014/main" id="{009115B6-B737-4AD3-425D-DBE80BC90151}"/>
+                </a:ext>
+              </a:extLst>
+            </p:cNvPr>
+            <p:cNvSpPr txBox="1">
+              <a:spLocks/>
+            </p:cNvSpPr>
+            <p:nvPr/>
+          </p:nvSpPr>
+          <p:spPr>
+            <a:xfrm>
+              <a:off x="8502868" y="3444272"/>
+              <a:ext cx="1765738" cy="523220"/>
+            </a:xfrm>
+            <a:prstGeom prst="rect">
+              <a:avLst/>
+            </a:prstGeom>
+            <a:grpFill/>
+          </p:spPr>
+          <p:txBody>
+            <a:bodyPr wrap="square" rtlCol="0">
+              <a:spAutoFit/>
+            </a:bodyPr>
+            <a:lstStyle/>
+            <a:p>
+              <a:r>
+                <a:rPr lang="es-CO" sz="2800" dirty="0">
+                  <a:solidFill>
+                    <a:schemeClr val="bg1"/>
+                  </a:solidFill>
+                </a:rPr>
+                <a:t>DATASET</a:t>
+              </a:r>
+              <a:endParaRPr lang="es-CO" dirty="0">
+                <a:solidFill>
+                  <a:schemeClr val="bg1"/>
+                </a:solidFill>
+              </a:endParaRPr>
+            </a:p>
+          </p:txBody>
+        </p:sp>
+      </p:grpSp>
       <p:graphicFrame>
         <p:nvGraphicFramePr>
           <p:cNvPr id="7" name="Tabla 7">
@@ -5271,16 +6087,10 @@
           <p:cNvGraphicFramePr>
             <a:graphicFrameLocks noGrp="1"/>
           </p:cNvGraphicFramePr>
-          <p:nvPr>
-            <p:extLst>
-              <p:ext uri="{D42A27DB-BD31-4B8C-83A1-F6EECF244321}">
-                <p14:modId xmlns:p14="http://schemas.microsoft.com/office/powerpoint/2010/main" val="88456805"/>
-              </p:ext>
-            </p:extLst>
-          </p:nvPr>
+          <p:nvPr/>
         </p:nvGraphicFramePr>
         <p:xfrm>
-          <a:off x="6985405" y="2703328"/>
+          <a:off x="8245693" y="3081831"/>
           <a:ext cx="2768247" cy="2015358"/>
         </p:xfrm>
         <a:graphic>
@@ -5447,16 +6257,409 @@
           </a:graphicData>
         </a:graphic>
       </p:graphicFrame>
+      <p:sp>
+        <p:nvSpPr>
+          <p:cNvPr id="4" name="Rectángulo 3">
+            <a:extLst>
+              <a:ext uri="{FF2B5EF4-FFF2-40B4-BE49-F238E27FC236}">
+                <a16:creationId xmlns:a16="http://schemas.microsoft.com/office/drawing/2014/main" id="{179424A9-1BB6-8882-3E6D-223DF35F07EB}"/>
+              </a:ext>
+            </a:extLst>
+          </p:cNvPr>
+          <p:cNvSpPr/>
+          <p:nvPr/>
+        </p:nvSpPr>
+        <p:spPr>
+          <a:xfrm>
+            <a:off x="425271" y="2151829"/>
+            <a:ext cx="6901749" cy="3477446"/>
+          </a:xfrm>
+          <a:custGeom>
+            <a:avLst/>
+            <a:gdLst>
+              <a:gd name="connsiteX0" fmla="*/ 0 w 6901749"/>
+              <a:gd name="connsiteY0" fmla="*/ 0 h 3477446"/>
+              <a:gd name="connsiteX1" fmla="*/ 6901749 w 6901749"/>
+              <a:gd name="connsiteY1" fmla="*/ 0 h 3477446"/>
+              <a:gd name="connsiteX2" fmla="*/ 6901749 w 6901749"/>
+              <a:gd name="connsiteY2" fmla="*/ 3477446 h 3477446"/>
+              <a:gd name="connsiteX3" fmla="*/ 0 w 6901749"/>
+              <a:gd name="connsiteY3" fmla="*/ 3477446 h 3477446"/>
+              <a:gd name="connsiteX4" fmla="*/ 0 w 6901749"/>
+              <a:gd name="connsiteY4" fmla="*/ 0 h 3477446"/>
+            </a:gdLst>
+            <a:ahLst/>
+            <a:cxnLst>
+              <a:cxn ang="0">
+                <a:pos x="connsiteX0" y="connsiteY0"/>
+              </a:cxn>
+              <a:cxn ang="0">
+                <a:pos x="connsiteX1" y="connsiteY1"/>
+              </a:cxn>
+              <a:cxn ang="0">
+                <a:pos x="connsiteX2" y="connsiteY2"/>
+              </a:cxn>
+              <a:cxn ang="0">
+                <a:pos x="connsiteX3" y="connsiteY3"/>
+              </a:cxn>
+              <a:cxn ang="0">
+                <a:pos x="connsiteX4" y="connsiteY4"/>
+              </a:cxn>
+            </a:cxnLst>
+            <a:rect l="l" t="t" r="r" b="b"/>
+            <a:pathLst>
+              <a:path w="6901749" h="3477446" fill="none" extrusionOk="0">
+                <a:moveTo>
+                  <a:pt x="0" y="0"/>
+                </a:moveTo>
+                <a:cubicBezTo>
+                  <a:pt x="1926719" y="-158973"/>
+                  <a:pt x="4847536" y="-63668"/>
+                  <a:pt x="6901749" y="0"/>
+                </a:cubicBezTo>
+                <a:cubicBezTo>
+                  <a:pt x="6995422" y="634072"/>
+                  <a:pt x="6999249" y="2022196"/>
+                  <a:pt x="6901749" y="3477446"/>
+                </a:cubicBezTo>
+                <a:cubicBezTo>
+                  <a:pt x="4924722" y="3364930"/>
+                  <a:pt x="2106589" y="3479189"/>
+                  <a:pt x="0" y="3477446"/>
+                </a:cubicBezTo>
+                <a:cubicBezTo>
+                  <a:pt x="2017" y="2421120"/>
+                  <a:pt x="18073" y="776893"/>
+                  <a:pt x="0" y="0"/>
+                </a:cubicBezTo>
+                <a:close/>
+              </a:path>
+              <a:path w="6901749" h="3477446" stroke="0" extrusionOk="0">
+                <a:moveTo>
+                  <a:pt x="0" y="0"/>
+                </a:moveTo>
+                <a:cubicBezTo>
+                  <a:pt x="1585439" y="109261"/>
+                  <a:pt x="4825556" y="-110647"/>
+                  <a:pt x="6901749" y="0"/>
+                </a:cubicBezTo>
+                <a:cubicBezTo>
+                  <a:pt x="7030385" y="779879"/>
+                  <a:pt x="7049549" y="3109897"/>
+                  <a:pt x="6901749" y="3477446"/>
+                </a:cubicBezTo>
+                <a:cubicBezTo>
+                  <a:pt x="4970357" y="3556208"/>
+                  <a:pt x="2534029" y="3386757"/>
+                  <a:pt x="0" y="3477446"/>
+                </a:cubicBezTo>
+                <a:cubicBezTo>
+                  <a:pt x="114794" y="2613981"/>
+                  <a:pt x="122353" y="1457377"/>
+                  <a:pt x="0" y="0"/>
+                </a:cubicBezTo>
+                <a:close/>
+              </a:path>
+            </a:pathLst>
+          </a:custGeom>
+          <a:gradFill flip="none" rotWithShape="1">
+            <a:gsLst>
+              <a:gs pos="0">
+                <a:schemeClr val="accent1">
+                  <a:shade val="30000"/>
+                  <a:satMod val="115000"/>
+                </a:schemeClr>
+              </a:gs>
+              <a:gs pos="50000">
+                <a:schemeClr val="accent1">
+                  <a:shade val="67500"/>
+                  <a:satMod val="115000"/>
+                </a:schemeClr>
+              </a:gs>
+              <a:gs pos="100000">
+                <a:schemeClr val="accent1">
+                  <a:shade val="100000"/>
+                  <a:satMod val="115000"/>
+                </a:schemeClr>
+              </a:gs>
+            </a:gsLst>
+            <a:lin ang="18900000" scaled="1"/>
+            <a:tileRect/>
+          </a:gradFill>
+          <a:ln w="28575">
+            <a:solidFill>
+              <a:schemeClr val="tx1"/>
+            </a:solidFill>
+            <a:prstDash val="dashDot"/>
+            <a:extLst>
+              <a:ext uri="{C807C97D-BFC1-408E-A445-0C87EB9F89A2}">
+                <ask:lineSketchStyleProps xmlns:ask="http://schemas.microsoft.com/office/drawing/2018/sketchyshapes" sd="1735224768">
+                  <a:prstGeom prst="rect">
+                    <a:avLst/>
+                  </a:prstGeom>
+                  <ask:type>
+                    <ask:lineSketchCurved/>
+                  </ask:type>
+                </ask:lineSketchStyleProps>
+              </a:ext>
+            </a:extLst>
+          </a:ln>
+        </p:spPr>
+        <p:style>
+          <a:lnRef idx="2">
+            <a:schemeClr val="accent1">
+              <a:shade val="50000"/>
+            </a:schemeClr>
+          </a:lnRef>
+          <a:fillRef idx="1">
+            <a:schemeClr val="accent1"/>
+          </a:fillRef>
+          <a:effectRef idx="0">
+            <a:schemeClr val="accent1"/>
+          </a:effectRef>
+          <a:fontRef idx="minor">
+            <a:schemeClr val="lt1"/>
+          </a:fontRef>
+        </p:style>
+        <p:txBody>
+          <a:bodyPr rtlCol="0" anchor="t"/>
+          <a:lstStyle/>
+          <a:p>
+            <a:pPr algn="ctr"/>
+            <a:r>
+              <a:rPr lang="es-CO" sz="2800" b="1" dirty="0" err="1"/>
+              <a:t>Functions</a:t>
+            </a:r>
+            <a:r>
+              <a:rPr lang="es-CO" sz="2800" b="1" dirty="0"/>
+              <a:t> / </a:t>
+            </a:r>
+            <a:r>
+              <a:rPr lang="es-CO" sz="2800" b="1" dirty="0" err="1"/>
+              <a:t>PDFs</a:t>
+            </a:r>
+            <a:endParaRPr lang="es-CO" sz="2800" b="1" dirty="0"/>
+          </a:p>
+        </p:txBody>
+      </p:sp>
+      <p:pic>
+        <p:nvPicPr>
+          <p:cNvPr id="12" name="Imagen 11">
+            <a:extLst>
+              <a:ext uri="{FF2B5EF4-FFF2-40B4-BE49-F238E27FC236}">
+                <a16:creationId xmlns:a16="http://schemas.microsoft.com/office/drawing/2014/main" id="{90B7FA94-CCFF-25B3-D072-A335223A044E}"/>
+              </a:ext>
+            </a:extLst>
+          </p:cNvPr>
+          <p:cNvPicPr>
+            <a:picLocks noChangeAspect="1"/>
+          </p:cNvPicPr>
+          <p:nvPr/>
+        </p:nvPicPr>
+        <p:blipFill>
+          <a:blip r:embed="rId2"/>
+          <a:stretch>
+            <a:fillRect/>
+          </a:stretch>
+        </p:blipFill>
+        <p:spPr>
+          <a:xfrm>
+            <a:off x="710388" y="3081831"/>
+            <a:ext cx="6611059" cy="2258904"/>
+          </a:xfrm>
+          <a:prstGeom prst="rect">
+            <a:avLst/>
+          </a:prstGeom>
+          <a:gradFill flip="none" rotWithShape="1">
+            <a:gsLst>
+              <a:gs pos="0">
+                <a:schemeClr val="accent1">
+                  <a:shade val="30000"/>
+                  <a:satMod val="115000"/>
+                </a:schemeClr>
+              </a:gs>
+              <a:gs pos="50000">
+                <a:schemeClr val="accent1">
+                  <a:shade val="67500"/>
+                  <a:satMod val="115000"/>
+                </a:schemeClr>
+              </a:gs>
+              <a:gs pos="100000">
+                <a:schemeClr val="accent1">
+                  <a:shade val="100000"/>
+                  <a:satMod val="115000"/>
+                </a:schemeClr>
+              </a:gs>
+            </a:gsLst>
+            <a:lin ang="18900000" scaled="1"/>
+            <a:tileRect/>
+          </a:gradFill>
+        </p:spPr>
+      </p:pic>
+      <p:sp>
+        <p:nvSpPr>
+          <p:cNvPr id="3" name="CuadroTexto 2">
+            <a:extLst>
+              <a:ext uri="{FF2B5EF4-FFF2-40B4-BE49-F238E27FC236}">
+                <a16:creationId xmlns:a16="http://schemas.microsoft.com/office/drawing/2014/main" id="{34D24C0C-67F6-95F6-4405-F5EE17741264}"/>
+              </a:ext>
+            </a:extLst>
+          </p:cNvPr>
+          <p:cNvSpPr txBox="1"/>
+          <p:nvPr/>
+        </p:nvSpPr>
+        <p:spPr>
+          <a:xfrm>
+            <a:off x="5602014" y="1259067"/>
+            <a:ext cx="3797835" cy="461665"/>
+          </a:xfrm>
+          <a:prstGeom prst="rect">
+            <a:avLst/>
+          </a:prstGeom>
+          <a:noFill/>
+        </p:spPr>
+        <p:txBody>
+          <a:bodyPr wrap="none" rtlCol="0">
+            <a:spAutoFit/>
+          </a:bodyPr>
+          <a:lstStyle/>
+          <a:p>
+            <a:r>
+              <a:rPr lang="es-CO" sz="2400" dirty="0">
+                <a:solidFill>
+                  <a:schemeClr val="bg1"/>
+                </a:solidFill>
+              </a:rPr>
+              <a:t>Objetos usuales en </a:t>
+            </a:r>
+            <a:r>
+              <a:rPr lang="es-CO" sz="2400" dirty="0" err="1">
+                <a:solidFill>
+                  <a:schemeClr val="bg1"/>
+                </a:solidFill>
+              </a:rPr>
+              <a:t>RooFit</a:t>
+            </a:r>
+            <a:endParaRPr lang="es-CO" sz="2400" dirty="0">
+              <a:solidFill>
+                <a:schemeClr val="bg1"/>
+              </a:solidFill>
+            </a:endParaRPr>
+          </a:p>
+        </p:txBody>
+      </p:sp>
+      <p:cxnSp>
+        <p:nvCxnSpPr>
+          <p:cNvPr id="9" name="Conector recto de flecha 8">
+            <a:extLst>
+              <a:ext uri="{FF2B5EF4-FFF2-40B4-BE49-F238E27FC236}">
+                <a16:creationId xmlns:a16="http://schemas.microsoft.com/office/drawing/2014/main" id="{E612B4C7-5D27-2062-A0AC-45DCF1A055AF}"/>
+              </a:ext>
+            </a:extLst>
+          </p:cNvPr>
+          <p:cNvCxnSpPr>
+            <a:cxnSpLocks/>
+            <a:stCxn id="3" idx="2"/>
+          </p:cNvCxnSpPr>
+          <p:nvPr/>
+        </p:nvCxnSpPr>
+        <p:spPr>
+          <a:xfrm flipH="1">
+            <a:off x="6096000" y="1720732"/>
+            <a:ext cx="1404932" cy="1526965"/>
+          </a:xfrm>
+          <a:prstGeom prst="straightConnector1">
+            <a:avLst/>
+          </a:prstGeom>
+          <a:ln w="76200">
+            <a:solidFill>
+              <a:srgbClr val="00B050"/>
+            </a:solidFill>
+            <a:tailEnd type="triangle"/>
+          </a:ln>
+        </p:spPr>
+        <p:style>
+          <a:lnRef idx="1">
+            <a:schemeClr val="accent1"/>
+          </a:lnRef>
+          <a:fillRef idx="0">
+            <a:schemeClr val="accent1"/>
+          </a:fillRef>
+          <a:effectRef idx="0">
+            <a:schemeClr val="accent1"/>
+          </a:effectRef>
+          <a:fontRef idx="minor">
+            <a:schemeClr val="tx1"/>
+          </a:fontRef>
+        </p:style>
+      </p:cxnSp>
+      <p:cxnSp>
+        <p:nvCxnSpPr>
+          <p:cNvPr id="16" name="Conector recto de flecha 15">
+            <a:extLst>
+              <a:ext uri="{FF2B5EF4-FFF2-40B4-BE49-F238E27FC236}">
+                <a16:creationId xmlns:a16="http://schemas.microsoft.com/office/drawing/2014/main" id="{4BEA17AE-E72E-718F-A0E7-D7FCE9580E58}"/>
+              </a:ext>
+            </a:extLst>
+          </p:cNvPr>
+          <p:cNvCxnSpPr>
+            <a:cxnSpLocks/>
+            <a:stCxn id="3" idx="2"/>
+          </p:cNvCxnSpPr>
+          <p:nvPr/>
+        </p:nvCxnSpPr>
+        <p:spPr>
+          <a:xfrm>
+            <a:off x="7500932" y="1720732"/>
+            <a:ext cx="1460623" cy="1453644"/>
+          </a:xfrm>
+          <a:prstGeom prst="straightConnector1">
+            <a:avLst/>
+          </a:prstGeom>
+          <a:ln w="76200">
+            <a:solidFill>
+              <a:srgbClr val="00B050"/>
+            </a:solidFill>
+            <a:tailEnd type="triangle"/>
+          </a:ln>
+        </p:spPr>
+        <p:style>
+          <a:lnRef idx="1">
+            <a:schemeClr val="accent1"/>
+          </a:lnRef>
+          <a:fillRef idx="0">
+            <a:schemeClr val="accent1"/>
+          </a:fillRef>
+          <a:effectRef idx="0">
+            <a:schemeClr val="accent1"/>
+          </a:effectRef>
+          <a:fontRef idx="minor">
+            <a:schemeClr val="tx1"/>
+          </a:fontRef>
+        </p:style>
+      </p:cxnSp>
     </p:spTree>
     <p:extLst>
       <p:ext uri="{BB962C8B-B14F-4D97-AF65-F5344CB8AC3E}">
-        <p14:creationId xmlns:p14="http://schemas.microsoft.com/office/powerpoint/2010/main" val="4078299234"/>
+        <p14:creationId xmlns:p14="http://schemas.microsoft.com/office/powerpoint/2010/main" val="2589776829"/>
       </p:ext>
     </p:extLst>
   </p:cSld>
   <p:clrMapOvr>
     <a:masterClrMapping/>
   </p:clrMapOvr>
+  <mc:AlternateContent xmlns:mc="http://schemas.openxmlformats.org/markup-compatibility/2006">
+    <mc:Choice xmlns:p159="http://schemas.microsoft.com/office/powerpoint/2015/09/main" Requires="p159">
+      <p:transition xmlns:p14="http://schemas.microsoft.com/office/powerpoint/2010/main" spd="slow" p14:dur="2000">
+        <p159:morph option="byObject"/>
+      </p:transition>
+    </mc:Choice>
+    <mc:Fallback>
+      <p:transition spd="slow">
+        <p:fade/>
+      </p:transition>
+    </mc:Fallback>
+  </mc:AlternateContent>
 </p:sld>
 </file>
 
@@ -5535,33 +6738,629 @@
                   <a:schemeClr val="bg1"/>
                 </a:solidFill>
               </a:rPr>
-              <a:t>: uso básico, </a:t>
-            </a:r>
-            <a:r>
-              <a:rPr lang="es-CO" dirty="0" err="1">
+              <a:t>.</a:t>
+            </a:r>
+          </a:p>
+        </p:txBody>
+      </p:sp>
+      <p:grpSp>
+        <p:nvGrpSpPr>
+          <p:cNvPr id="10" name="Grupo 9">
+            <a:extLst>
+              <a:ext uri="{FF2B5EF4-FFF2-40B4-BE49-F238E27FC236}">
+                <a16:creationId xmlns:a16="http://schemas.microsoft.com/office/drawing/2014/main" id="{02CAC4D2-A5BA-2558-B315-D617A646A8F7}"/>
+              </a:ext>
+            </a:extLst>
+          </p:cNvPr>
+          <p:cNvGrpSpPr/>
+          <p:nvPr/>
+        </p:nvGrpSpPr>
+        <p:grpSpPr>
+          <a:xfrm>
+            <a:off x="7778025" y="2151829"/>
+            <a:ext cx="3703587" cy="3477446"/>
+            <a:chOff x="7685690" y="3321269"/>
+            <a:chExt cx="3400097" cy="1860004"/>
+          </a:xfrm>
+          <a:gradFill flip="none" rotWithShape="1">
+            <a:gsLst>
+              <a:gs pos="0">
+                <a:schemeClr val="accent1">
+                  <a:shade val="30000"/>
+                  <a:satMod val="115000"/>
+                </a:schemeClr>
+              </a:gs>
+              <a:gs pos="50000">
+                <a:schemeClr val="accent1">
+                  <a:shade val="67500"/>
+                  <a:satMod val="115000"/>
+                </a:schemeClr>
+              </a:gs>
+              <a:gs pos="100000">
+                <a:schemeClr val="accent1">
+                  <a:shade val="100000"/>
+                  <a:satMod val="115000"/>
+                </a:schemeClr>
+              </a:gs>
+            </a:gsLst>
+            <a:path path="circle">
+              <a:fillToRect t="100000" r="100000"/>
+            </a:path>
+            <a:tileRect l="-100000" b="-100000"/>
+          </a:gradFill>
+        </p:grpSpPr>
+        <p:sp>
+          <p:nvSpPr>
+            <p:cNvPr id="6" name="Rectángulo 5">
+              <a:extLst>
+                <a:ext uri="{FF2B5EF4-FFF2-40B4-BE49-F238E27FC236}">
+                  <a16:creationId xmlns:a16="http://schemas.microsoft.com/office/drawing/2014/main" id="{DC5E9B6A-6530-DB5A-0A7B-80E71A8BF6B2}"/>
+                </a:ext>
+              </a:extLst>
+            </p:cNvPr>
+            <p:cNvSpPr>
+              <a:spLocks/>
+            </p:cNvSpPr>
+            <p:nvPr/>
+          </p:nvSpPr>
+          <p:spPr>
+            <a:xfrm>
+              <a:off x="7685690" y="3321269"/>
+              <a:ext cx="3400097" cy="1860004"/>
+            </a:xfrm>
+            <a:prstGeom prst="rect">
+              <a:avLst/>
+            </a:prstGeom>
+            <a:grpFill/>
+            <a:ln w="28575">
+              <a:solidFill>
+                <a:schemeClr val="tx1"/>
+              </a:solidFill>
+              <a:prstDash val="dashDot"/>
+              <a:extLst>
+                <a:ext uri="{C807C97D-BFC1-408E-A445-0C87EB9F89A2}">
+                  <ask:lineSketchStyleProps xmlns:ask="http://schemas.microsoft.com/office/drawing/2018/sketchyshapes" sd="1735224768">
+                    <a:custGeom>
+                      <a:avLst/>
+                      <a:gdLst>
+                        <a:gd name="connsiteX0" fmla="*/ 0 w 2333297"/>
+                        <a:gd name="connsiteY0" fmla="*/ 0 h 1292444"/>
+                        <a:gd name="connsiteX1" fmla="*/ 2333297 w 2333297"/>
+                        <a:gd name="connsiteY1" fmla="*/ 0 h 1292444"/>
+                        <a:gd name="connsiteX2" fmla="*/ 2333297 w 2333297"/>
+                        <a:gd name="connsiteY2" fmla="*/ 1292444 h 1292444"/>
+                        <a:gd name="connsiteX3" fmla="*/ 0 w 2333297"/>
+                        <a:gd name="connsiteY3" fmla="*/ 1292444 h 1292444"/>
+                        <a:gd name="connsiteX4" fmla="*/ 0 w 2333297"/>
+                        <a:gd name="connsiteY4" fmla="*/ 0 h 1292444"/>
+                      </a:gdLst>
+                      <a:ahLst/>
+                      <a:cxnLst>
+                        <a:cxn ang="0">
+                          <a:pos x="connsiteX0" y="connsiteY0"/>
+                        </a:cxn>
+                        <a:cxn ang="0">
+                          <a:pos x="connsiteX1" y="connsiteY1"/>
+                        </a:cxn>
+                        <a:cxn ang="0">
+                          <a:pos x="connsiteX2" y="connsiteY2"/>
+                        </a:cxn>
+                        <a:cxn ang="0">
+                          <a:pos x="connsiteX3" y="connsiteY3"/>
+                        </a:cxn>
+                        <a:cxn ang="0">
+                          <a:pos x="connsiteX4" y="connsiteY4"/>
+                        </a:cxn>
+                      </a:cxnLst>
+                      <a:rect l="l" t="t" r="r" b="b"/>
+                      <a:pathLst>
+                        <a:path w="2333297" h="1292444" fill="none" extrusionOk="0">
+                          <a:moveTo>
+                            <a:pt x="0" y="0"/>
+                          </a:moveTo>
+                          <a:cubicBezTo>
+                            <a:pt x="275694" y="-158973"/>
+                            <a:pt x="1575136" y="-63668"/>
+                            <a:pt x="2333297" y="0"/>
+                          </a:cubicBezTo>
+                          <a:cubicBezTo>
+                            <a:pt x="2418310" y="158056"/>
+                            <a:pt x="2270933" y="904987"/>
+                            <a:pt x="2333297" y="1292444"/>
+                          </a:cubicBezTo>
+                          <a:cubicBezTo>
+                            <a:pt x="1743564" y="1179928"/>
+                            <a:pt x="1098754" y="1294187"/>
+                            <a:pt x="0" y="1292444"/>
+                          </a:cubicBezTo>
+                          <a:cubicBezTo>
+                            <a:pt x="9602" y="851727"/>
+                            <a:pt x="28851" y="603343"/>
+                            <a:pt x="0" y="0"/>
+                          </a:cubicBezTo>
+                          <a:close/>
+                        </a:path>
+                        <a:path w="2333297" h="1292444" stroke="0" extrusionOk="0">
+                          <a:moveTo>
+                            <a:pt x="0" y="0"/>
+                          </a:moveTo>
+                          <a:cubicBezTo>
+                            <a:pt x="835861" y="109261"/>
+                            <a:pt x="1235254" y="-110647"/>
+                            <a:pt x="2333297" y="0"/>
+                          </a:cubicBezTo>
+                          <a:cubicBezTo>
+                            <a:pt x="2283843" y="598367"/>
+                            <a:pt x="2319377" y="1061275"/>
+                            <a:pt x="2333297" y="1292444"/>
+                          </a:cubicBezTo>
+                          <a:cubicBezTo>
+                            <a:pt x="1257358" y="1371206"/>
+                            <a:pt x="755108" y="1201755"/>
+                            <a:pt x="0" y="1292444"/>
+                          </a:cubicBezTo>
+                          <a:cubicBezTo>
+                            <a:pt x="-104578" y="696108"/>
+                            <a:pt x="28724" y="429186"/>
+                            <a:pt x="0" y="0"/>
+                          </a:cubicBezTo>
+                          <a:close/>
+                        </a:path>
+                      </a:pathLst>
+                    </a:custGeom>
+                    <ask:type>
+                      <ask:lineSketchNone/>
+                    </ask:type>
+                  </ask:lineSketchStyleProps>
+                </a:ext>
+              </a:extLst>
+            </a:ln>
+          </p:spPr>
+          <p:style>
+            <a:lnRef idx="2">
+              <a:schemeClr val="accent1">
+                <a:shade val="50000"/>
+              </a:schemeClr>
+            </a:lnRef>
+            <a:fillRef idx="1">
+              <a:schemeClr val="accent1"/>
+            </a:fillRef>
+            <a:effectRef idx="0">
+              <a:schemeClr val="accent1"/>
+            </a:effectRef>
+            <a:fontRef idx="minor">
+              <a:schemeClr val="lt1"/>
+            </a:fontRef>
+          </p:style>
+          <p:txBody>
+            <a:bodyPr rtlCol="0" anchor="ctr"/>
+            <a:lstStyle/>
+            <a:p>
+              <a:pPr algn="ctr"/>
+              <a:endParaRPr lang="es-CO" sz="2000" b="1" dirty="0"/>
+            </a:p>
+          </p:txBody>
+        </p:sp>
+        <p:sp>
+          <p:nvSpPr>
+            <p:cNvPr id="8" name="CuadroTexto 7">
+              <a:extLst>
+                <a:ext uri="{FF2B5EF4-FFF2-40B4-BE49-F238E27FC236}">
+                  <a16:creationId xmlns:a16="http://schemas.microsoft.com/office/drawing/2014/main" id="{009115B6-B737-4AD3-425D-DBE80BC90151}"/>
+                </a:ext>
+              </a:extLst>
+            </p:cNvPr>
+            <p:cNvSpPr txBox="1">
+              <a:spLocks/>
+            </p:cNvSpPr>
+            <p:nvPr/>
+          </p:nvSpPr>
+          <p:spPr>
+            <a:xfrm>
+              <a:off x="8502868" y="3444272"/>
+              <a:ext cx="1765738" cy="523220"/>
+            </a:xfrm>
+            <a:prstGeom prst="rect">
+              <a:avLst/>
+            </a:prstGeom>
+            <a:grpFill/>
+          </p:spPr>
+          <p:txBody>
+            <a:bodyPr wrap="square" rtlCol="0">
+              <a:spAutoFit/>
+            </a:bodyPr>
+            <a:lstStyle/>
+            <a:p>
+              <a:r>
+                <a:rPr lang="es-CO" sz="2800" dirty="0">
+                  <a:solidFill>
+                    <a:schemeClr val="bg1"/>
+                  </a:solidFill>
+                </a:rPr>
+                <a:t>DATASET</a:t>
+              </a:r>
+              <a:endParaRPr lang="es-CO" dirty="0">
                 <a:solidFill>
                   <a:schemeClr val="bg1"/>
                 </a:solidFill>
-              </a:rPr>
-              <a:t>write</a:t>
-            </a:r>
-            <a:r>
-              <a:rPr lang="es-CO" dirty="0">
-                <a:solidFill>
-                  <a:schemeClr val="bg1"/>
-                </a:solidFill>
-              </a:rPr>
-              <a:t>. </a:t>
-            </a:r>
+              </a:endParaRPr>
+            </a:p>
+          </p:txBody>
+        </p:sp>
+      </p:grpSp>
+      <p:graphicFrame>
+        <p:nvGraphicFramePr>
+          <p:cNvPr id="7" name="Tabla 7">
+            <a:extLst>
+              <a:ext uri="{FF2B5EF4-FFF2-40B4-BE49-F238E27FC236}">
+                <a16:creationId xmlns:a16="http://schemas.microsoft.com/office/drawing/2014/main" id="{76C6C4A2-6024-D9C0-B2FA-065C6A98DF2E}"/>
+              </a:ext>
+            </a:extLst>
+          </p:cNvPr>
+          <p:cNvGraphicFramePr>
+            <a:graphicFrameLocks noGrp="1"/>
+          </p:cNvGraphicFramePr>
+          <p:nvPr/>
+        </p:nvGraphicFramePr>
+        <p:xfrm>
+          <a:off x="8245693" y="3081831"/>
+          <a:ext cx="2768247" cy="2015358"/>
+        </p:xfrm>
+        <a:graphic>
+          <a:graphicData uri="http://schemas.openxmlformats.org/drawingml/2006/table">
+            <a:tbl>
+              <a:tblPr firstRow="1" bandRow="1">
+                <a:tableStyleId>{073A0DAA-6AF3-43AB-8588-CEC1D06C72B9}</a:tableStyleId>
+              </a:tblPr>
+              <a:tblGrid>
+                <a:gridCol w="922749">
+                  <a:extLst>
+                    <a:ext uri="{9D8B030D-6E8A-4147-A177-3AD203B41FA5}">
+                      <a16:colId xmlns:a16="http://schemas.microsoft.com/office/drawing/2014/main" val="1581277023"/>
+                    </a:ext>
+                  </a:extLst>
+                </a:gridCol>
+                <a:gridCol w="922749">
+                  <a:extLst>
+                    <a:ext uri="{9D8B030D-6E8A-4147-A177-3AD203B41FA5}">
+                      <a16:colId xmlns:a16="http://schemas.microsoft.com/office/drawing/2014/main" val="1483945832"/>
+                    </a:ext>
+                  </a:extLst>
+                </a:gridCol>
+                <a:gridCol w="922749">
+                  <a:extLst>
+                    <a:ext uri="{9D8B030D-6E8A-4147-A177-3AD203B41FA5}">
+                      <a16:colId xmlns:a16="http://schemas.microsoft.com/office/drawing/2014/main" val="2962425990"/>
+                    </a:ext>
+                  </a:extLst>
+                </a:gridCol>
+              </a:tblGrid>
+              <a:tr h="671786">
+                <a:tc>
+                  <a:txBody>
+                    <a:bodyPr/>
+                    <a:lstStyle/>
+                    <a:p>
+                      <a:r>
+                        <a:rPr lang="es-CO" dirty="0" err="1"/>
+                        <a:t>P_t</a:t>
+                      </a:r>
+                      <a:endParaRPr lang="es-CO" dirty="0"/>
+                    </a:p>
+                  </a:txBody>
+                  <a:tcPr/>
+                </a:tc>
+                <a:tc>
+                  <a:txBody>
+                    <a:bodyPr/>
+                    <a:lstStyle/>
+                    <a:p>
+                      <a:endParaRPr lang="es-CO" dirty="0"/>
+                    </a:p>
+                  </a:txBody>
+                  <a:tcPr/>
+                </a:tc>
+                <a:tc>
+                  <a:txBody>
+                    <a:bodyPr/>
+                    <a:lstStyle/>
+                    <a:p>
+                      <a:r>
+                        <a:rPr lang="es-CO" dirty="0" err="1"/>
+                        <a:t>Counts</a:t>
+                      </a:r>
+                      <a:endParaRPr lang="es-CO" dirty="0"/>
+                    </a:p>
+                  </a:txBody>
+                  <a:tcPr/>
+                </a:tc>
+                <a:extLst>
+                  <a:ext uri="{0D108BD9-81ED-4DB2-BD59-A6C34878D82A}">
+                    <a16:rowId xmlns:a16="http://schemas.microsoft.com/office/drawing/2014/main" val="3677007284"/>
+                  </a:ext>
+                </a:extLst>
+              </a:tr>
+              <a:tr h="671786">
+                <a:tc>
+                  <a:txBody>
+                    <a:bodyPr/>
+                    <a:lstStyle/>
+                    <a:p>
+                      <a:r>
+                        <a:rPr lang="es-CO" dirty="0"/>
+                        <a:t>2,5</a:t>
+                      </a:r>
+                    </a:p>
+                  </a:txBody>
+                  <a:tcPr/>
+                </a:tc>
+                <a:tc>
+                  <a:txBody>
+                    <a:bodyPr/>
+                    <a:lstStyle/>
+                    <a:p>
+                      <a:endParaRPr lang="es-CO" dirty="0"/>
+                    </a:p>
+                  </a:txBody>
+                  <a:tcPr/>
+                </a:tc>
+                <a:tc>
+                  <a:txBody>
+                    <a:bodyPr/>
+                    <a:lstStyle/>
+                    <a:p>
+                      <a:r>
+                        <a:rPr lang="es-CO" dirty="0"/>
+                        <a:t>3000</a:t>
+                      </a:r>
+                    </a:p>
+                  </a:txBody>
+                  <a:tcPr/>
+                </a:tc>
+                <a:extLst>
+                  <a:ext uri="{0D108BD9-81ED-4DB2-BD59-A6C34878D82A}">
+                    <a16:rowId xmlns:a16="http://schemas.microsoft.com/office/drawing/2014/main" val="1102095760"/>
+                  </a:ext>
+                </a:extLst>
+              </a:tr>
+              <a:tr h="671786">
+                <a:tc>
+                  <a:txBody>
+                    <a:bodyPr/>
+                    <a:lstStyle/>
+                    <a:p>
+                      <a:r>
+                        <a:rPr lang="es-CO" dirty="0"/>
+                        <a:t>1,2</a:t>
+                      </a:r>
+                    </a:p>
+                  </a:txBody>
+                  <a:tcPr/>
+                </a:tc>
+                <a:tc>
+                  <a:txBody>
+                    <a:bodyPr/>
+                    <a:lstStyle/>
+                    <a:p>
+                      <a:endParaRPr lang="es-CO"/>
+                    </a:p>
+                  </a:txBody>
+                  <a:tcPr/>
+                </a:tc>
+                <a:tc>
+                  <a:txBody>
+                    <a:bodyPr/>
+                    <a:lstStyle/>
+                    <a:p>
+                      <a:r>
+                        <a:rPr lang="es-CO" dirty="0"/>
+                        <a:t>1780</a:t>
+                      </a:r>
+                    </a:p>
+                  </a:txBody>
+                  <a:tcPr/>
+                </a:tc>
+                <a:extLst>
+                  <a:ext uri="{0D108BD9-81ED-4DB2-BD59-A6C34878D82A}">
+                    <a16:rowId xmlns:a16="http://schemas.microsoft.com/office/drawing/2014/main" val="1525149003"/>
+                  </a:ext>
+                </a:extLst>
+              </a:tr>
+            </a:tbl>
+          </a:graphicData>
+        </a:graphic>
+      </p:graphicFrame>
+      <p:sp>
+        <p:nvSpPr>
+          <p:cNvPr id="4" name="Rectángulo 3">
+            <a:extLst>
+              <a:ext uri="{FF2B5EF4-FFF2-40B4-BE49-F238E27FC236}">
+                <a16:creationId xmlns:a16="http://schemas.microsoft.com/office/drawing/2014/main" id="{179424A9-1BB6-8882-3E6D-223DF35F07EB}"/>
+              </a:ext>
+            </a:extLst>
+          </p:cNvPr>
+          <p:cNvSpPr/>
+          <p:nvPr/>
+        </p:nvSpPr>
+        <p:spPr>
+          <a:xfrm>
+            <a:off x="425271" y="2151829"/>
+            <a:ext cx="6901749" cy="3477446"/>
+          </a:xfrm>
+          <a:custGeom>
+            <a:avLst/>
+            <a:gdLst>
+              <a:gd name="connsiteX0" fmla="*/ 0 w 6901749"/>
+              <a:gd name="connsiteY0" fmla="*/ 0 h 3477446"/>
+              <a:gd name="connsiteX1" fmla="*/ 6901749 w 6901749"/>
+              <a:gd name="connsiteY1" fmla="*/ 0 h 3477446"/>
+              <a:gd name="connsiteX2" fmla="*/ 6901749 w 6901749"/>
+              <a:gd name="connsiteY2" fmla="*/ 3477446 h 3477446"/>
+              <a:gd name="connsiteX3" fmla="*/ 0 w 6901749"/>
+              <a:gd name="connsiteY3" fmla="*/ 3477446 h 3477446"/>
+              <a:gd name="connsiteX4" fmla="*/ 0 w 6901749"/>
+              <a:gd name="connsiteY4" fmla="*/ 0 h 3477446"/>
+            </a:gdLst>
+            <a:ahLst/>
+            <a:cxnLst>
+              <a:cxn ang="0">
+                <a:pos x="connsiteX0" y="connsiteY0"/>
+              </a:cxn>
+              <a:cxn ang="0">
+                <a:pos x="connsiteX1" y="connsiteY1"/>
+              </a:cxn>
+              <a:cxn ang="0">
+                <a:pos x="connsiteX2" y="connsiteY2"/>
+              </a:cxn>
+              <a:cxn ang="0">
+                <a:pos x="connsiteX3" y="connsiteY3"/>
+              </a:cxn>
+              <a:cxn ang="0">
+                <a:pos x="connsiteX4" y="connsiteY4"/>
+              </a:cxn>
+            </a:cxnLst>
+            <a:rect l="l" t="t" r="r" b="b"/>
+            <a:pathLst>
+              <a:path w="6901749" h="3477446" fill="none" extrusionOk="0">
+                <a:moveTo>
+                  <a:pt x="0" y="0"/>
+                </a:moveTo>
+                <a:cubicBezTo>
+                  <a:pt x="1926719" y="-158973"/>
+                  <a:pt x="4847536" y="-63668"/>
+                  <a:pt x="6901749" y="0"/>
+                </a:cubicBezTo>
+                <a:cubicBezTo>
+                  <a:pt x="6995422" y="634072"/>
+                  <a:pt x="6999249" y="2022196"/>
+                  <a:pt x="6901749" y="3477446"/>
+                </a:cubicBezTo>
+                <a:cubicBezTo>
+                  <a:pt x="4924722" y="3364930"/>
+                  <a:pt x="2106589" y="3479189"/>
+                  <a:pt x="0" y="3477446"/>
+                </a:cubicBezTo>
+                <a:cubicBezTo>
+                  <a:pt x="2017" y="2421120"/>
+                  <a:pt x="18073" y="776893"/>
+                  <a:pt x="0" y="0"/>
+                </a:cubicBezTo>
+                <a:close/>
+              </a:path>
+              <a:path w="6901749" h="3477446" stroke="0" extrusionOk="0">
+                <a:moveTo>
+                  <a:pt x="0" y="0"/>
+                </a:moveTo>
+                <a:cubicBezTo>
+                  <a:pt x="1585439" y="109261"/>
+                  <a:pt x="4825556" y="-110647"/>
+                  <a:pt x="6901749" y="0"/>
+                </a:cubicBezTo>
+                <a:cubicBezTo>
+                  <a:pt x="7030385" y="779879"/>
+                  <a:pt x="7049549" y="3109897"/>
+                  <a:pt x="6901749" y="3477446"/>
+                </a:cubicBezTo>
+                <a:cubicBezTo>
+                  <a:pt x="4970357" y="3556208"/>
+                  <a:pt x="2534029" y="3386757"/>
+                  <a:pt x="0" y="3477446"/>
+                </a:cubicBezTo>
+                <a:cubicBezTo>
+                  <a:pt x="114794" y="2613981"/>
+                  <a:pt x="122353" y="1457377"/>
+                  <a:pt x="0" y="0"/>
+                </a:cubicBezTo>
+                <a:close/>
+              </a:path>
+            </a:pathLst>
+          </a:custGeom>
+          <a:gradFill flip="none" rotWithShape="1">
+            <a:gsLst>
+              <a:gs pos="0">
+                <a:schemeClr val="accent1">
+                  <a:shade val="30000"/>
+                  <a:satMod val="115000"/>
+                </a:schemeClr>
+              </a:gs>
+              <a:gs pos="50000">
+                <a:schemeClr val="accent1">
+                  <a:shade val="67500"/>
+                  <a:satMod val="115000"/>
+                </a:schemeClr>
+              </a:gs>
+              <a:gs pos="100000">
+                <a:schemeClr val="accent1">
+                  <a:shade val="100000"/>
+                  <a:satMod val="115000"/>
+                </a:schemeClr>
+              </a:gs>
+            </a:gsLst>
+            <a:lin ang="18900000" scaled="1"/>
+            <a:tileRect/>
+          </a:gradFill>
+          <a:ln w="28575">
+            <a:solidFill>
+              <a:schemeClr val="tx1"/>
+            </a:solidFill>
+            <a:prstDash val="dashDot"/>
+            <a:extLst>
+              <a:ext uri="{C807C97D-BFC1-408E-A445-0C87EB9F89A2}">
+                <ask:lineSketchStyleProps xmlns:ask="http://schemas.microsoft.com/office/drawing/2018/sketchyshapes" sd="1735224768">
+                  <a:prstGeom prst="rect">
+                    <a:avLst/>
+                  </a:prstGeom>
+                  <ask:type>
+                    <ask:lineSketchCurved/>
+                  </ask:type>
+                </ask:lineSketchStyleProps>
+              </a:ext>
+            </a:extLst>
+          </a:ln>
+        </p:spPr>
+        <p:style>
+          <a:lnRef idx="2">
+            <a:schemeClr val="accent1">
+              <a:shade val="50000"/>
+            </a:schemeClr>
+          </a:lnRef>
+          <a:fillRef idx="1">
+            <a:schemeClr val="accent1"/>
+          </a:fillRef>
+          <a:effectRef idx="0">
+            <a:schemeClr val="accent1"/>
+          </a:effectRef>
+          <a:fontRef idx="minor">
+            <a:schemeClr val="lt1"/>
+          </a:fontRef>
+        </p:style>
+        <p:txBody>
+          <a:bodyPr rtlCol="0" anchor="t"/>
+          <a:lstStyle/>
+          <a:p>
+            <a:pPr algn="ctr"/>
+            <a:r>
+              <a:rPr lang="es-CO" sz="2800" b="1" dirty="0" err="1"/>
+              <a:t>Functions</a:t>
+            </a:r>
+            <a:r>
+              <a:rPr lang="es-CO" sz="2800" b="1" dirty="0"/>
+              <a:t> / </a:t>
+            </a:r>
+            <a:r>
+              <a:rPr lang="es-CO" sz="2800" b="1" dirty="0" err="1"/>
+              <a:t>PDFs</a:t>
+            </a:r>
+            <a:endParaRPr lang="es-CO" sz="2800" b="1" dirty="0"/>
           </a:p>
         </p:txBody>
       </p:sp>
       <p:pic>
         <p:nvPicPr>
-          <p:cNvPr id="4" name="Imagen 3">
-            <a:extLst>
-              <a:ext uri="{FF2B5EF4-FFF2-40B4-BE49-F238E27FC236}">
-                <a16:creationId xmlns:a16="http://schemas.microsoft.com/office/drawing/2014/main" id="{A428A710-4228-20EB-DDEB-531CE4F1F00D}"/>
+          <p:cNvPr id="12" name="Imagen 11">
+            <a:extLst>
+              <a:ext uri="{FF2B5EF4-FFF2-40B4-BE49-F238E27FC236}">
+                <a16:creationId xmlns:a16="http://schemas.microsoft.com/office/drawing/2014/main" id="{90B7FA94-CCFF-25B3-D072-A335223A044E}"/>
               </a:ext>
             </a:extLst>
           </p:cNvPr>
@@ -5578,35 +7377,114 @@
         </p:blipFill>
         <p:spPr>
           <a:xfrm>
-            <a:off x="3996226" y="2449450"/>
-            <a:ext cx="7548072" cy="2589028"/>
+            <a:off x="710388" y="3081831"/>
+            <a:ext cx="6611059" cy="2258904"/>
           </a:xfrm>
           <a:prstGeom prst="rect">
             <a:avLst/>
           </a:prstGeom>
+          <a:gradFill flip="none" rotWithShape="1">
+            <a:gsLst>
+              <a:gs pos="0">
+                <a:schemeClr val="accent1">
+                  <a:shade val="30000"/>
+                  <a:satMod val="115000"/>
+                </a:schemeClr>
+              </a:gs>
+              <a:gs pos="50000">
+                <a:schemeClr val="accent1">
+                  <a:shade val="67500"/>
+                  <a:satMod val="115000"/>
+                </a:schemeClr>
+              </a:gs>
+              <a:gs pos="100000">
+                <a:schemeClr val="accent1">
+                  <a:shade val="100000"/>
+                  <a:satMod val="115000"/>
+                </a:schemeClr>
+              </a:gs>
+            </a:gsLst>
+            <a:lin ang="18900000" scaled="1"/>
+            <a:tileRect/>
+          </a:gradFill>
         </p:spPr>
       </p:pic>
+      <p:sp>
+        <p:nvSpPr>
+          <p:cNvPr id="3" name="CuadroTexto 2">
+            <a:extLst>
+              <a:ext uri="{FF2B5EF4-FFF2-40B4-BE49-F238E27FC236}">
+                <a16:creationId xmlns:a16="http://schemas.microsoft.com/office/drawing/2014/main" id="{34D24C0C-67F6-95F6-4405-F5EE17741264}"/>
+              </a:ext>
+            </a:extLst>
+          </p:cNvPr>
+          <p:cNvSpPr txBox="1"/>
+          <p:nvPr/>
+        </p:nvSpPr>
+        <p:spPr>
+          <a:xfrm>
+            <a:off x="5602014" y="1259067"/>
+            <a:ext cx="3797835" cy="461665"/>
+          </a:xfrm>
+          <a:prstGeom prst="rect">
+            <a:avLst/>
+          </a:prstGeom>
+          <a:noFill/>
+        </p:spPr>
+        <p:txBody>
+          <a:bodyPr wrap="none" rtlCol="0">
+            <a:spAutoFit/>
+          </a:bodyPr>
+          <a:lstStyle/>
+          <a:p>
+            <a:r>
+              <a:rPr lang="es-CO" sz="2400" dirty="0">
+                <a:solidFill>
+                  <a:schemeClr val="bg1"/>
+                </a:solidFill>
+              </a:rPr>
+              <a:t>Objetos usuales en </a:t>
+            </a:r>
+            <a:r>
+              <a:rPr lang="es-CO" sz="2400" dirty="0" err="1">
+                <a:solidFill>
+                  <a:schemeClr val="bg1"/>
+                </a:solidFill>
+              </a:rPr>
+              <a:t>RooFit</a:t>
+            </a:r>
+            <a:endParaRPr lang="es-CO" sz="2400" dirty="0">
+              <a:solidFill>
+                <a:schemeClr val="bg1"/>
+              </a:solidFill>
+            </a:endParaRPr>
+          </a:p>
+        </p:txBody>
+      </p:sp>
       <p:cxnSp>
         <p:nvCxnSpPr>
-          <p:cNvPr id="6" name="Conector: angular 5">
-            <a:extLst>
-              <a:ext uri="{FF2B5EF4-FFF2-40B4-BE49-F238E27FC236}">
-                <a16:creationId xmlns:a16="http://schemas.microsoft.com/office/drawing/2014/main" id="{E11388D1-7337-03EE-5F25-47A3130D7190}"/>
-              </a:ext>
-            </a:extLst>
-          </p:cNvPr>
-          <p:cNvCxnSpPr/>
+          <p:cNvPr id="9" name="Conector recto de flecha 8">
+            <a:extLst>
+              <a:ext uri="{FF2B5EF4-FFF2-40B4-BE49-F238E27FC236}">
+                <a16:creationId xmlns:a16="http://schemas.microsoft.com/office/drawing/2014/main" id="{E612B4C7-5D27-2062-A0AC-45DCF1A055AF}"/>
+              </a:ext>
+            </a:extLst>
+          </p:cNvPr>
+          <p:cNvCxnSpPr>
+            <a:cxnSpLocks/>
+            <a:stCxn id="3" idx="2"/>
+          </p:cNvCxnSpPr>
           <p:nvPr/>
         </p:nvCxnSpPr>
         <p:spPr>
-          <a:xfrm rot="10800000">
-            <a:off x="2564524" y="2680139"/>
-            <a:ext cx="1776248" cy="1240221"/>
+          <a:xfrm flipH="1">
+            <a:off x="6096000" y="1720732"/>
+            <a:ext cx="1404932" cy="1526965"/>
           </a:xfrm>
-          <a:prstGeom prst="bentConnector3">
+          <a:prstGeom prst="straightConnector1">
             <a:avLst/>
           </a:prstGeom>
-          <a:ln w="38100">
+          <a:ln w="76200">
             <a:solidFill>
               <a:srgbClr val="00B050"/>
             </a:solidFill>
@@ -5630,29 +7508,30 @@
       </p:cxnSp>
       <p:cxnSp>
         <p:nvCxnSpPr>
-          <p:cNvPr id="8" name="Conector: angular 7">
-            <a:extLst>
-              <a:ext uri="{FF2B5EF4-FFF2-40B4-BE49-F238E27FC236}">
-                <a16:creationId xmlns:a16="http://schemas.microsoft.com/office/drawing/2014/main" id="{437954C0-C05E-B6C2-6624-54C165C5321F}"/>
+          <p:cNvPr id="16" name="Conector recto de flecha 15">
+            <a:extLst>
+              <a:ext uri="{FF2B5EF4-FFF2-40B4-BE49-F238E27FC236}">
+                <a16:creationId xmlns:a16="http://schemas.microsoft.com/office/drawing/2014/main" id="{4BEA17AE-E72E-718F-A0E7-D7FCE9580E58}"/>
               </a:ext>
             </a:extLst>
           </p:cNvPr>
           <p:cNvCxnSpPr>
             <a:cxnSpLocks/>
+            <a:stCxn id="3" idx="2"/>
           </p:cNvCxnSpPr>
           <p:nvPr/>
         </p:nvCxnSpPr>
         <p:spPr>
-          <a:xfrm rot="10800000" flipV="1">
-            <a:off x="2564523" y="4914579"/>
-            <a:ext cx="1776248" cy="945927"/>
+          <a:xfrm>
+            <a:off x="7500932" y="1720732"/>
+            <a:ext cx="1460623" cy="1453644"/>
           </a:xfrm>
-          <a:prstGeom prst="bentConnector3">
+          <a:prstGeom prst="straightConnector1">
             <a:avLst/>
           </a:prstGeom>
-          <a:ln w="38100">
+          <a:ln w="76200">
             <a:solidFill>
-              <a:srgbClr val="0070C0"/>
+              <a:srgbClr val="00B050"/>
             </a:solidFill>
             <a:tailEnd type="triangle"/>
           </a:ln>
@@ -5674,114 +7553,20 @@
       </p:cxnSp>
       <p:sp>
         <p:nvSpPr>
-          <p:cNvPr id="10" name="Rectángulo 9">
-            <a:extLst>
-              <a:ext uri="{FF2B5EF4-FFF2-40B4-BE49-F238E27FC236}">
-                <a16:creationId xmlns:a16="http://schemas.microsoft.com/office/drawing/2014/main" id="{02B3593C-672F-15AD-E5B0-310EDABEFD55}"/>
-              </a:ext>
-            </a:extLst>
-          </p:cNvPr>
-          <p:cNvSpPr/>
+          <p:cNvPr id="5" name="CuadroTexto 4">
+            <a:extLst>
+              <a:ext uri="{FF2B5EF4-FFF2-40B4-BE49-F238E27FC236}">
+                <a16:creationId xmlns:a16="http://schemas.microsoft.com/office/drawing/2014/main" id="{F7D342CD-A09E-17E3-055D-53D181710A27}"/>
+              </a:ext>
+            </a:extLst>
+          </p:cNvPr>
+          <p:cNvSpPr txBox="1"/>
           <p:nvPr/>
         </p:nvSpPr>
         <p:spPr>
           <a:xfrm>
-            <a:off x="4246179" y="4000300"/>
-            <a:ext cx="1944414" cy="424555"/>
-          </a:xfrm>
-          <a:prstGeom prst="rect">
-            <a:avLst/>
-          </a:prstGeom>
-          <a:noFill/>
-          <a:ln w="38100">
-            <a:solidFill>
-              <a:srgbClr val="FF0000"/>
-            </a:solidFill>
-          </a:ln>
-        </p:spPr>
-        <p:style>
-          <a:lnRef idx="2">
-            <a:schemeClr val="accent1">
-              <a:shade val="50000"/>
-            </a:schemeClr>
-          </a:lnRef>
-          <a:fillRef idx="1">
-            <a:schemeClr val="accent1"/>
-          </a:fillRef>
-          <a:effectRef idx="0">
-            <a:schemeClr val="accent1"/>
-          </a:effectRef>
-          <a:fontRef idx="minor">
-            <a:schemeClr val="lt1"/>
-          </a:fontRef>
-        </p:style>
-        <p:txBody>
-          <a:bodyPr rtlCol="0" anchor="ctr"/>
-          <a:lstStyle/>
-          <a:p>
-            <a:pPr algn="ctr"/>
-            <a:endParaRPr lang="es-CO"/>
-          </a:p>
-        </p:txBody>
-      </p:sp>
-      <p:cxnSp>
-        <p:nvCxnSpPr>
-          <p:cNvPr id="14" name="Conector recto de flecha 13">
-            <a:extLst>
-              <a:ext uri="{FF2B5EF4-FFF2-40B4-BE49-F238E27FC236}">
-                <a16:creationId xmlns:a16="http://schemas.microsoft.com/office/drawing/2014/main" id="{659CF0DA-A260-E6C2-079B-108F06A92B19}"/>
-              </a:ext>
-            </a:extLst>
-          </p:cNvPr>
-          <p:cNvCxnSpPr>
-            <a:cxnSpLocks/>
-            <a:stCxn id="10" idx="1"/>
-          </p:cNvCxnSpPr>
-          <p:nvPr/>
-        </p:nvCxnSpPr>
-        <p:spPr>
-          <a:xfrm flipH="1">
-            <a:off x="2564522" y="4212578"/>
-            <a:ext cx="1681657" cy="0"/>
-          </a:xfrm>
-          <a:prstGeom prst="straightConnector1">
-            <a:avLst/>
-          </a:prstGeom>
-          <a:ln w="38100">
-            <a:tailEnd type="triangle"/>
-          </a:ln>
-        </p:spPr>
-        <p:style>
-          <a:lnRef idx="1">
-            <a:schemeClr val="accent1"/>
-          </a:lnRef>
-          <a:fillRef idx="0">
-            <a:schemeClr val="accent1"/>
-          </a:fillRef>
-          <a:effectRef idx="0">
-            <a:schemeClr val="accent1"/>
-          </a:effectRef>
-          <a:fontRef idx="minor">
-            <a:schemeClr val="tx1"/>
-          </a:fontRef>
-        </p:style>
-      </p:cxnSp>
-      <p:sp>
-        <p:nvSpPr>
-          <p:cNvPr id="16" name="CuadroTexto 15">
-            <a:extLst>
-              <a:ext uri="{FF2B5EF4-FFF2-40B4-BE49-F238E27FC236}">
-                <a16:creationId xmlns:a16="http://schemas.microsoft.com/office/drawing/2014/main" id="{B8778824-FC9A-05AA-6D83-FDA99C00EBB8}"/>
-              </a:ext>
-            </a:extLst>
-          </p:cNvPr>
-          <p:cNvSpPr txBox="1"/>
-          <p:nvPr/>
-        </p:nvSpPr>
-        <p:spPr>
-          <a:xfrm>
-            <a:off x="1530402" y="2467863"/>
-            <a:ext cx="1166648" cy="400110"/>
+            <a:off x="3688896" y="5796358"/>
+            <a:ext cx="4979248" cy="461665"/>
           </a:xfrm>
           <a:prstGeom prst="rect">
             <a:avLst/>
@@ -5789,125 +7574,60 @@
           <a:noFill/>
         </p:spPr>
         <p:txBody>
-          <a:bodyPr wrap="square" rtlCol="0">
+          <a:bodyPr wrap="none" rtlCol="0">
             <a:spAutoFit/>
           </a:bodyPr>
           <a:lstStyle/>
           <a:p>
             <a:r>
-              <a:rPr lang="es-CO" sz="2000" b="1" dirty="0">
+              <a:rPr lang="es-CO" sz="2400" dirty="0">
                 <a:solidFill>
                   <a:schemeClr val="bg1"/>
                 </a:solidFill>
               </a:rPr>
-              <a:t>CREAR</a:t>
-            </a:r>
-            <a:endParaRPr lang="es-CO" b="1" dirty="0">
-              <a:solidFill>
-                <a:schemeClr val="bg1"/>
-              </a:solidFill>
-            </a:endParaRPr>
-          </a:p>
-        </p:txBody>
-      </p:sp>
-      <p:sp>
-        <p:nvSpPr>
-          <p:cNvPr id="17" name="CuadroTexto 16">
-            <a:extLst>
-              <a:ext uri="{FF2B5EF4-FFF2-40B4-BE49-F238E27FC236}">
-                <a16:creationId xmlns:a16="http://schemas.microsoft.com/office/drawing/2014/main" id="{4FC75747-0097-3D07-4B7B-1249724DCA8C}"/>
-              </a:ext>
-            </a:extLst>
-          </p:cNvPr>
-          <p:cNvSpPr txBox="1"/>
-          <p:nvPr/>
-        </p:nvSpPr>
-        <p:spPr>
-          <a:xfrm>
-            <a:off x="1114097" y="3986884"/>
-            <a:ext cx="1582953" cy="400110"/>
-          </a:xfrm>
-          <a:prstGeom prst="rect">
-            <a:avLst/>
-          </a:prstGeom>
-          <a:noFill/>
-        </p:spPr>
-        <p:txBody>
-          <a:bodyPr wrap="square" rtlCol="0">
-            <a:spAutoFit/>
-          </a:bodyPr>
-          <a:lstStyle/>
-          <a:p>
-            <a:r>
-              <a:rPr lang="es-CO" sz="2000" b="1" dirty="0">
+              <a:t>¿Asegurar </a:t>
+            </a:r>
+            <a:r>
+              <a:rPr lang="es-CO" sz="2400" b="1" dirty="0">
+                <a:solidFill>
+                  <a:srgbClr val="FF0000"/>
+                </a:solidFill>
+              </a:rPr>
+              <a:t>persistencia</a:t>
+            </a:r>
+            <a:r>
+              <a:rPr lang="es-CO" sz="2400" dirty="0">
                 <a:solidFill>
                   <a:schemeClr val="bg1"/>
                 </a:solidFill>
               </a:rPr>
-              <a:t>IMPORTAR</a:t>
-            </a:r>
-            <a:endParaRPr lang="es-CO" b="1" dirty="0">
-              <a:solidFill>
-                <a:schemeClr val="bg1"/>
-              </a:solidFill>
-            </a:endParaRPr>
-          </a:p>
-        </p:txBody>
-      </p:sp>
-      <p:sp>
-        <p:nvSpPr>
-          <p:cNvPr id="18" name="CuadroTexto 17">
-            <a:extLst>
-              <a:ext uri="{FF2B5EF4-FFF2-40B4-BE49-F238E27FC236}">
-                <a16:creationId xmlns:a16="http://schemas.microsoft.com/office/drawing/2014/main" id="{2AC8394B-5F0E-F781-C7AA-A8FF7A79F747}"/>
-              </a:ext>
-            </a:extLst>
-          </p:cNvPr>
-          <p:cNvSpPr txBox="1"/>
-          <p:nvPr/>
-        </p:nvSpPr>
-        <p:spPr>
-          <a:xfrm>
-            <a:off x="1114097" y="5660452"/>
-            <a:ext cx="1582953" cy="400110"/>
-          </a:xfrm>
-          <a:prstGeom prst="rect">
-            <a:avLst/>
-          </a:prstGeom>
-          <a:noFill/>
-        </p:spPr>
-        <p:txBody>
-          <a:bodyPr wrap="square" rtlCol="0">
-            <a:spAutoFit/>
-          </a:bodyPr>
-          <a:lstStyle/>
-          <a:p>
-            <a:r>
-              <a:rPr lang="es-CO" sz="2000" b="1" dirty="0">
-                <a:solidFill>
-                  <a:schemeClr val="bg1"/>
-                </a:solidFill>
-              </a:rPr>
-              <a:t>GUARDAR</a:t>
-            </a:r>
-            <a:endParaRPr lang="es-CO" b="1" dirty="0">
-              <a:solidFill>
-                <a:schemeClr val="bg1"/>
-              </a:solidFill>
-            </a:endParaRPr>
+              <a:t> de objetos?</a:t>
+            </a:r>
           </a:p>
         </p:txBody>
       </p:sp>
     </p:spTree>
     <p:extLst>
       <p:ext uri="{BB962C8B-B14F-4D97-AF65-F5344CB8AC3E}">
-        <p14:creationId xmlns:p14="http://schemas.microsoft.com/office/powerpoint/2010/main" val="4222428735"/>
+        <p14:creationId xmlns:p14="http://schemas.microsoft.com/office/powerpoint/2010/main" val="1401801340"/>
       </p:ext>
     </p:extLst>
   </p:cSld>
   <p:clrMapOvr>
     <a:masterClrMapping/>
   </p:clrMapOvr>
+  <mc:AlternateContent xmlns:mc="http://schemas.openxmlformats.org/markup-compatibility/2006">
+    <mc:Choice xmlns:p159="http://schemas.microsoft.com/office/powerpoint/2015/09/main" Requires="p159">
+      <p:transition xmlns:p14="http://schemas.microsoft.com/office/powerpoint/2010/main" spd="slow" p14:dur="2000">
+        <p159:morph option="byObject"/>
+      </p:transition>
+    </mc:Choice>
+    <mc:Fallback>
+      <p:transition spd="slow">
+        <p:fade/>
+      </p:transition>
+    </mc:Fallback>
+  </mc:AlternateContent>
 </p:sld>
 </file>
 
@@ -5951,12 +7671,142 @@
           <a:chExt cx="0" cy="0"/>
         </a:xfrm>
       </p:grpSpPr>
+      <p:sp>
+        <p:nvSpPr>
+          <p:cNvPr id="2" name="Título 1">
+            <a:extLst>
+              <a:ext uri="{FF2B5EF4-FFF2-40B4-BE49-F238E27FC236}">
+                <a16:creationId xmlns:a16="http://schemas.microsoft.com/office/drawing/2014/main" id="{79EFBC19-F09E-E9D2-1297-BE00E3FFDDE9}"/>
+              </a:ext>
+            </a:extLst>
+          </p:cNvPr>
+          <p:cNvSpPr>
+            <a:spLocks noGrp="1"/>
+          </p:cNvSpPr>
+          <p:nvPr>
+            <p:ph type="title"/>
+          </p:nvPr>
+        </p:nvSpPr>
+        <p:spPr/>
+        <p:txBody>
+          <a:bodyPr/>
+          <a:lstStyle/>
+          <a:p>
+            <a:r>
+              <a:rPr lang="es-CO" dirty="0" err="1">
+                <a:solidFill>
+                  <a:schemeClr val="bg1"/>
+                </a:solidFill>
+              </a:rPr>
+              <a:t>Workspace</a:t>
+            </a:r>
+            <a:r>
+              <a:rPr lang="es-CO" dirty="0">
+                <a:solidFill>
+                  <a:schemeClr val="bg1"/>
+                </a:solidFill>
+              </a:rPr>
+              <a:t>.</a:t>
+            </a:r>
+          </a:p>
+        </p:txBody>
+      </p:sp>
+      <p:sp>
+        <p:nvSpPr>
+          <p:cNvPr id="11" name="Rectángulo: esquinas redondeadas 10">
+            <a:extLst>
+              <a:ext uri="{FF2B5EF4-FFF2-40B4-BE49-F238E27FC236}">
+                <a16:creationId xmlns:a16="http://schemas.microsoft.com/office/drawing/2014/main" id="{9B1D6673-C837-2932-3B5A-EB86EC7A2157}"/>
+              </a:ext>
+            </a:extLst>
+          </p:cNvPr>
+          <p:cNvSpPr/>
+          <p:nvPr/>
+        </p:nvSpPr>
+        <p:spPr>
+          <a:xfrm>
+            <a:off x="713519" y="2461556"/>
+            <a:ext cx="8374643" cy="3445468"/>
+          </a:xfrm>
+          <a:prstGeom prst="roundRect">
+            <a:avLst/>
+          </a:prstGeom>
+          <a:gradFill flip="none" rotWithShape="1">
+            <a:gsLst>
+              <a:gs pos="0">
+                <a:schemeClr val="accent1">
+                  <a:shade val="30000"/>
+                  <a:satMod val="115000"/>
+                </a:schemeClr>
+              </a:gs>
+              <a:gs pos="50000">
+                <a:schemeClr val="accent1">
+                  <a:shade val="67500"/>
+                  <a:satMod val="115000"/>
+                </a:schemeClr>
+              </a:gs>
+              <a:gs pos="100000">
+                <a:schemeClr val="accent1">
+                  <a:shade val="100000"/>
+                  <a:satMod val="115000"/>
+                </a:schemeClr>
+              </a:gs>
+            </a:gsLst>
+            <a:path path="circle">
+              <a:fillToRect t="100000" r="100000"/>
+            </a:path>
+            <a:tileRect l="-100000" b="-100000"/>
+          </a:gradFill>
+          <a:ln w="28575">
+            <a:solidFill>
+              <a:schemeClr val="tx1"/>
+            </a:solidFill>
+            <a:prstDash val="dashDot"/>
+          </a:ln>
+        </p:spPr>
+        <p:style>
+          <a:lnRef idx="2">
+            <a:schemeClr val="accent1">
+              <a:shade val="50000"/>
+            </a:schemeClr>
+          </a:lnRef>
+          <a:fillRef idx="1">
+            <a:schemeClr val="accent1"/>
+          </a:fillRef>
+          <a:effectRef idx="0">
+            <a:schemeClr val="accent1"/>
+          </a:effectRef>
+          <a:fontRef idx="minor">
+            <a:schemeClr val="lt1"/>
+          </a:fontRef>
+        </p:style>
+        <p:txBody>
+          <a:bodyPr rtlCol="0" anchor="t"/>
+          <a:lstStyle/>
+          <a:p>
+            <a:pPr algn="ctr"/>
+            <a:r>
+              <a:rPr lang="es-CO" sz="2800" b="1" dirty="0">
+                <a:solidFill>
+                  <a:schemeClr val="bg1"/>
+                </a:solidFill>
+              </a:rPr>
+              <a:t>WORKSPACE</a:t>
+            </a:r>
+            <a:endParaRPr lang="es-CO" b="1" dirty="0">
+              <a:solidFill>
+                <a:schemeClr val="bg1"/>
+              </a:solidFill>
+            </a:endParaRPr>
+          </a:p>
+        </p:txBody>
+      </p:sp>
       <p:pic>
         <p:nvPicPr>
-          <p:cNvPr id="5" name="Imagen 4">
-            <a:extLst>
-              <a:ext uri="{FF2B5EF4-FFF2-40B4-BE49-F238E27FC236}">
-                <a16:creationId xmlns:a16="http://schemas.microsoft.com/office/drawing/2014/main" id="{A1EF9006-2DFE-B77B-C292-600A26E9C0B8}"/>
+          <p:cNvPr id="12" name="Imagen 11">
+            <a:extLst>
+              <a:ext uri="{FF2B5EF4-FFF2-40B4-BE49-F238E27FC236}">
+                <a16:creationId xmlns:a16="http://schemas.microsoft.com/office/drawing/2014/main" id="{90B7FA94-CCFF-25B3-D072-A335223A044E}"/>
               </a:ext>
             </a:extLst>
           </p:cNvPr>
@@ -5973,96 +7823,286 @@
         </p:blipFill>
         <p:spPr>
           <a:xfrm>
-            <a:off x="4077194" y="2667918"/>
-            <a:ext cx="7548072" cy="2043145"/>
+            <a:off x="1152849" y="3556785"/>
+            <a:ext cx="4247600" cy="1451344"/>
           </a:xfrm>
           <a:prstGeom prst="rect">
             <a:avLst/>
           </a:prstGeom>
         </p:spPr>
       </p:pic>
-      <p:sp>
-        <p:nvSpPr>
-          <p:cNvPr id="2" name="Título 1">
-            <a:extLst>
-              <a:ext uri="{FF2B5EF4-FFF2-40B4-BE49-F238E27FC236}">
-                <a16:creationId xmlns:a16="http://schemas.microsoft.com/office/drawing/2014/main" id="{79EFBC19-F09E-E9D2-1297-BE00E3FFDDE9}"/>
-              </a:ext>
-            </a:extLst>
-          </p:cNvPr>
-          <p:cNvSpPr>
-            <a:spLocks noGrp="1"/>
-          </p:cNvSpPr>
+      <p:graphicFrame>
+        <p:nvGraphicFramePr>
+          <p:cNvPr id="7" name="Tabla 7">
+            <a:extLst>
+              <a:ext uri="{FF2B5EF4-FFF2-40B4-BE49-F238E27FC236}">
+                <a16:creationId xmlns:a16="http://schemas.microsoft.com/office/drawing/2014/main" id="{76C6C4A2-6024-D9C0-B2FA-065C6A98DF2E}"/>
+              </a:ext>
+            </a:extLst>
+          </p:cNvPr>
+          <p:cNvGraphicFramePr>
+            <a:graphicFrameLocks noGrp="1"/>
+          </p:cNvGraphicFramePr>
           <p:nvPr>
-            <p:ph type="title"/>
+            <p:extLst>
+              <p:ext uri="{D42A27DB-BD31-4B8C-83A1-F6EECF244321}">
+                <p14:modId xmlns:p14="http://schemas.microsoft.com/office/powerpoint/2010/main" val="3172171187"/>
+              </p:ext>
+            </p:extLst>
           </p:nvPr>
-        </p:nvSpPr>
-        <p:spPr/>
-        <p:txBody>
-          <a:bodyPr/>
+        </p:nvGraphicFramePr>
+        <p:xfrm>
+          <a:off x="5839778" y="3274778"/>
+          <a:ext cx="2768247" cy="2015358"/>
+        </p:xfrm>
+        <a:graphic>
+          <a:graphicData uri="http://schemas.openxmlformats.org/drawingml/2006/table">
+            <a:tbl>
+              <a:tblPr firstRow="1" bandRow="1">
+                <a:tableStyleId>{073A0DAA-6AF3-43AB-8588-CEC1D06C72B9}</a:tableStyleId>
+              </a:tblPr>
+              <a:tblGrid>
+                <a:gridCol w="922749">
+                  <a:extLst>
+                    <a:ext uri="{9D8B030D-6E8A-4147-A177-3AD203B41FA5}">
+                      <a16:colId xmlns:a16="http://schemas.microsoft.com/office/drawing/2014/main" val="1581277023"/>
+                    </a:ext>
+                  </a:extLst>
+                </a:gridCol>
+                <a:gridCol w="922749">
+                  <a:extLst>
+                    <a:ext uri="{9D8B030D-6E8A-4147-A177-3AD203B41FA5}">
+                      <a16:colId xmlns:a16="http://schemas.microsoft.com/office/drawing/2014/main" val="1483945832"/>
+                    </a:ext>
+                  </a:extLst>
+                </a:gridCol>
+                <a:gridCol w="922749">
+                  <a:extLst>
+                    <a:ext uri="{9D8B030D-6E8A-4147-A177-3AD203B41FA5}">
+                      <a16:colId xmlns:a16="http://schemas.microsoft.com/office/drawing/2014/main" val="2962425990"/>
+                    </a:ext>
+                  </a:extLst>
+                </a:gridCol>
+              </a:tblGrid>
+              <a:tr h="671786">
+                <a:tc>
+                  <a:txBody>
+                    <a:bodyPr/>
+                    <a:lstStyle/>
+                    <a:p>
+                      <a:r>
+                        <a:rPr lang="es-CO" dirty="0" err="1"/>
+                        <a:t>P_t</a:t>
+                      </a:r>
+                      <a:endParaRPr lang="es-CO" dirty="0"/>
+                    </a:p>
+                  </a:txBody>
+                  <a:tcPr/>
+                </a:tc>
+                <a:tc>
+                  <a:txBody>
+                    <a:bodyPr/>
+                    <a:lstStyle/>
+                    <a:p>
+                      <a:endParaRPr lang="es-CO" dirty="0"/>
+                    </a:p>
+                  </a:txBody>
+                  <a:tcPr/>
+                </a:tc>
+                <a:tc>
+                  <a:txBody>
+                    <a:bodyPr/>
+                    <a:lstStyle/>
+                    <a:p>
+                      <a:r>
+                        <a:rPr lang="es-CO" dirty="0" err="1"/>
+                        <a:t>Counts</a:t>
+                      </a:r>
+                      <a:endParaRPr lang="es-CO" dirty="0"/>
+                    </a:p>
+                  </a:txBody>
+                  <a:tcPr/>
+                </a:tc>
+                <a:extLst>
+                  <a:ext uri="{0D108BD9-81ED-4DB2-BD59-A6C34878D82A}">
+                    <a16:rowId xmlns:a16="http://schemas.microsoft.com/office/drawing/2014/main" val="3677007284"/>
+                  </a:ext>
+                </a:extLst>
+              </a:tr>
+              <a:tr h="671786">
+                <a:tc>
+                  <a:txBody>
+                    <a:bodyPr/>
+                    <a:lstStyle/>
+                    <a:p>
+                      <a:r>
+                        <a:rPr lang="es-CO" dirty="0"/>
+                        <a:t>2,5</a:t>
+                      </a:r>
+                    </a:p>
+                  </a:txBody>
+                  <a:tcPr/>
+                </a:tc>
+                <a:tc>
+                  <a:txBody>
+                    <a:bodyPr/>
+                    <a:lstStyle/>
+                    <a:p>
+                      <a:endParaRPr lang="es-CO" dirty="0"/>
+                    </a:p>
+                  </a:txBody>
+                  <a:tcPr/>
+                </a:tc>
+                <a:tc>
+                  <a:txBody>
+                    <a:bodyPr/>
+                    <a:lstStyle/>
+                    <a:p>
+                      <a:r>
+                        <a:rPr lang="es-CO" dirty="0"/>
+                        <a:t>3000</a:t>
+                      </a:r>
+                    </a:p>
+                  </a:txBody>
+                  <a:tcPr/>
+                </a:tc>
+                <a:extLst>
+                  <a:ext uri="{0D108BD9-81ED-4DB2-BD59-A6C34878D82A}">
+                    <a16:rowId xmlns:a16="http://schemas.microsoft.com/office/drawing/2014/main" val="1102095760"/>
+                  </a:ext>
+                </a:extLst>
+              </a:tr>
+              <a:tr h="671786">
+                <a:tc>
+                  <a:txBody>
+                    <a:bodyPr/>
+                    <a:lstStyle/>
+                    <a:p>
+                      <a:r>
+                        <a:rPr lang="es-CO" dirty="0"/>
+                        <a:t>1,2</a:t>
+                      </a:r>
+                    </a:p>
+                  </a:txBody>
+                  <a:tcPr/>
+                </a:tc>
+                <a:tc>
+                  <a:txBody>
+                    <a:bodyPr/>
+                    <a:lstStyle/>
+                    <a:p>
+                      <a:endParaRPr lang="es-CO"/>
+                    </a:p>
+                  </a:txBody>
+                  <a:tcPr/>
+                </a:tc>
+                <a:tc>
+                  <a:txBody>
+                    <a:bodyPr/>
+                    <a:lstStyle/>
+                    <a:p>
+                      <a:r>
+                        <a:rPr lang="es-CO" dirty="0"/>
+                        <a:t>1780</a:t>
+                      </a:r>
+                    </a:p>
+                  </a:txBody>
+                  <a:tcPr/>
+                </a:tc>
+                <a:extLst>
+                  <a:ext uri="{0D108BD9-81ED-4DB2-BD59-A6C34878D82A}">
+                    <a16:rowId xmlns:a16="http://schemas.microsoft.com/office/drawing/2014/main" val="1525149003"/>
+                  </a:ext>
+                </a:extLst>
+              </a:tr>
+            </a:tbl>
+          </a:graphicData>
+        </a:graphic>
+      </p:graphicFrame>
+      <p:sp>
+        <p:nvSpPr>
+          <p:cNvPr id="3" name="CuadroTexto 2">
+            <a:extLst>
+              <a:ext uri="{FF2B5EF4-FFF2-40B4-BE49-F238E27FC236}">
+                <a16:creationId xmlns:a16="http://schemas.microsoft.com/office/drawing/2014/main" id="{EB97D394-276E-595F-4395-7E5C1A561328}"/>
+              </a:ext>
+            </a:extLst>
+          </p:cNvPr>
+          <p:cNvSpPr txBox="1"/>
+          <p:nvPr/>
+        </p:nvSpPr>
+        <p:spPr>
+          <a:xfrm>
+            <a:off x="8523891" y="854616"/>
+            <a:ext cx="3373820" cy="1200329"/>
+          </a:xfrm>
+          <a:prstGeom prst="rect">
+            <a:avLst/>
+          </a:prstGeom>
+          <a:noFill/>
+        </p:spPr>
+        <p:txBody>
+          <a:bodyPr wrap="square" rtlCol="0">
+            <a:spAutoFit/>
+          </a:bodyPr>
           <a:lstStyle/>
           <a:p>
             <a:r>
-              <a:rPr lang="es-CO" dirty="0" err="1">
+              <a:rPr lang="en-US" sz="2400" dirty="0">
                 <a:solidFill>
                   <a:schemeClr val="bg1"/>
                 </a:solidFill>
               </a:rPr>
-              <a:t>Workspace</a:t>
-            </a:r>
-            <a:r>
-              <a:rPr lang="es-CO" dirty="0">
+              <a:t>A generic container class for all </a:t>
+            </a:r>
+            <a:r>
+              <a:rPr lang="en-US" sz="2400" dirty="0" err="1">
                 <a:solidFill>
                   <a:schemeClr val="bg1"/>
                 </a:solidFill>
               </a:rPr>
-              <a:t>: uso básico, </a:t>
-            </a:r>
-            <a:r>
-              <a:rPr lang="es-CO" dirty="0" err="1">
+              <a:t>RooFit</a:t>
+            </a:r>
+            <a:r>
+              <a:rPr lang="en-US" sz="2400" dirty="0">
                 <a:solidFill>
                   <a:schemeClr val="bg1"/>
                 </a:solidFill>
               </a:rPr>
-              <a:t>read</a:t>
-            </a:r>
-            <a:r>
-              <a:rPr lang="es-CO" dirty="0">
-                <a:solidFill>
-                  <a:schemeClr val="bg1"/>
-                </a:solidFill>
-              </a:rPr>
-              <a:t>. </a:t>
-            </a:r>
+              <a:t> objects of your project.</a:t>
+            </a:r>
+            <a:endParaRPr lang="es-CO" sz="2400" dirty="0">
+              <a:solidFill>
+                <a:schemeClr val="bg1"/>
+              </a:solidFill>
+            </a:endParaRPr>
           </a:p>
         </p:txBody>
       </p:sp>
       <p:cxnSp>
         <p:nvCxnSpPr>
-          <p:cNvPr id="6" name="Conector: angular 5">
-            <a:extLst>
-              <a:ext uri="{FF2B5EF4-FFF2-40B4-BE49-F238E27FC236}">
-                <a16:creationId xmlns:a16="http://schemas.microsoft.com/office/drawing/2014/main" id="{E11388D1-7337-03EE-5F25-47A3130D7190}"/>
+          <p:cNvPr id="4" name="Conector recto de flecha 3">
+            <a:extLst>
+              <a:ext uri="{FF2B5EF4-FFF2-40B4-BE49-F238E27FC236}">
+                <a16:creationId xmlns:a16="http://schemas.microsoft.com/office/drawing/2014/main" id="{F11F9DDB-1DD0-AD11-22E9-43D12D358135}"/>
               </a:ext>
             </a:extLst>
           </p:cNvPr>
           <p:cNvCxnSpPr>
             <a:cxnSpLocks/>
-            <a:endCxn id="16" idx="3"/>
+            <a:stCxn id="3" idx="1"/>
           </p:cNvCxnSpPr>
           <p:nvPr/>
         </p:nvCxnSpPr>
         <p:spPr>
-          <a:xfrm rot="10800000">
-            <a:off x="2697051" y="2667918"/>
-            <a:ext cx="1717295" cy="304338"/>
+          <a:xfrm flipH="1">
+            <a:off x="6096000" y="1454781"/>
+            <a:ext cx="2427891" cy="1425053"/>
           </a:xfrm>
-          <a:prstGeom prst="bentConnector3">
-            <a:avLst>
-              <a:gd name="adj1" fmla="val 50000"/>
-            </a:avLst>
+          <a:prstGeom prst="straightConnector1">
+            <a:avLst/>
           </a:prstGeom>
-          <a:ln w="38100">
+          <a:ln w="76200">
             <a:solidFill>
               <a:srgbClr val="00B050"/>
             </a:solidFill>
@@ -6084,289 +8124,28 @@
           </a:fontRef>
         </p:style>
       </p:cxnSp>
-      <p:cxnSp>
-        <p:nvCxnSpPr>
-          <p:cNvPr id="8" name="Conector: angular 7">
-            <a:extLst>
-              <a:ext uri="{FF2B5EF4-FFF2-40B4-BE49-F238E27FC236}">
-                <a16:creationId xmlns:a16="http://schemas.microsoft.com/office/drawing/2014/main" id="{437954C0-C05E-B6C2-6624-54C165C5321F}"/>
-              </a:ext>
-            </a:extLst>
-          </p:cNvPr>
-          <p:cNvCxnSpPr>
-            <a:cxnSpLocks/>
-            <a:stCxn id="10" idx="1"/>
-            <a:endCxn id="18" idx="3"/>
-          </p:cNvCxnSpPr>
-          <p:nvPr/>
-        </p:nvCxnSpPr>
-        <p:spPr>
-          <a:xfrm rot="10800000" flipV="1">
-            <a:off x="2732690" y="3944276"/>
-            <a:ext cx="1681657" cy="966842"/>
-          </a:xfrm>
-          <a:prstGeom prst="bentConnector3">
-            <a:avLst>
-              <a:gd name="adj1" fmla="val 50000"/>
-            </a:avLst>
-          </a:prstGeom>
-          <a:ln w="38100">
-            <a:solidFill>
-              <a:srgbClr val="0070C0"/>
-            </a:solidFill>
-            <a:tailEnd type="triangle"/>
-          </a:ln>
-        </p:spPr>
-        <p:style>
-          <a:lnRef idx="1">
-            <a:schemeClr val="accent1"/>
-          </a:lnRef>
-          <a:fillRef idx="0">
-            <a:schemeClr val="accent1"/>
-          </a:fillRef>
-          <a:effectRef idx="0">
-            <a:schemeClr val="accent1"/>
-          </a:effectRef>
-          <a:fontRef idx="minor">
-            <a:schemeClr val="tx1"/>
-          </a:fontRef>
-        </p:style>
-      </p:cxnSp>
-      <p:sp>
-        <p:nvSpPr>
-          <p:cNvPr id="10" name="Rectángulo 9">
-            <a:extLst>
-              <a:ext uri="{FF2B5EF4-FFF2-40B4-BE49-F238E27FC236}">
-                <a16:creationId xmlns:a16="http://schemas.microsoft.com/office/drawing/2014/main" id="{02B3593C-672F-15AD-E5B0-310EDABEFD55}"/>
-              </a:ext>
-            </a:extLst>
-          </p:cNvPr>
-          <p:cNvSpPr/>
-          <p:nvPr/>
-        </p:nvSpPr>
-        <p:spPr>
-          <a:xfrm>
-            <a:off x="4414346" y="3621363"/>
-            <a:ext cx="4309240" cy="645826"/>
-          </a:xfrm>
-          <a:prstGeom prst="rect">
-            <a:avLst/>
-          </a:prstGeom>
-          <a:noFill/>
-          <a:ln w="38100">
-            <a:solidFill>
-              <a:srgbClr val="0070C0"/>
-            </a:solidFill>
-          </a:ln>
-        </p:spPr>
-        <p:style>
-          <a:lnRef idx="2">
-            <a:schemeClr val="accent1">
-              <a:shade val="50000"/>
-            </a:schemeClr>
-          </a:lnRef>
-          <a:fillRef idx="1">
-            <a:schemeClr val="accent1"/>
-          </a:fillRef>
-          <a:effectRef idx="0">
-            <a:schemeClr val="accent1"/>
-          </a:effectRef>
-          <a:fontRef idx="minor">
-            <a:schemeClr val="lt1"/>
-          </a:fontRef>
-        </p:style>
-        <p:txBody>
-          <a:bodyPr rtlCol="0" anchor="ctr"/>
-          <a:lstStyle/>
-          <a:p>
-            <a:pPr algn="ctr"/>
-            <a:endParaRPr lang="es-CO"/>
-          </a:p>
-        </p:txBody>
-      </p:sp>
-      <p:cxnSp>
-        <p:nvCxnSpPr>
-          <p:cNvPr id="14" name="Conector recto de flecha 13">
-            <a:extLst>
-              <a:ext uri="{FF2B5EF4-FFF2-40B4-BE49-F238E27FC236}">
-                <a16:creationId xmlns:a16="http://schemas.microsoft.com/office/drawing/2014/main" id="{659CF0DA-A260-E6C2-079B-108F06A92B19}"/>
-              </a:ext>
-            </a:extLst>
-          </p:cNvPr>
-          <p:cNvCxnSpPr>
-            <a:cxnSpLocks/>
-          </p:cNvCxnSpPr>
-          <p:nvPr/>
-        </p:nvCxnSpPr>
-        <p:spPr>
-          <a:xfrm flipH="1">
-            <a:off x="2732689" y="3416419"/>
-            <a:ext cx="1681657" cy="0"/>
-          </a:xfrm>
-          <a:prstGeom prst="straightConnector1">
-            <a:avLst/>
-          </a:prstGeom>
-          <a:ln w="38100">
-            <a:tailEnd type="triangle"/>
-          </a:ln>
-        </p:spPr>
-        <p:style>
-          <a:lnRef idx="1">
-            <a:schemeClr val="accent1"/>
-          </a:lnRef>
-          <a:fillRef idx="0">
-            <a:schemeClr val="accent1"/>
-          </a:fillRef>
-          <a:effectRef idx="0">
-            <a:schemeClr val="accent1"/>
-          </a:effectRef>
-          <a:fontRef idx="minor">
-            <a:schemeClr val="tx1"/>
-          </a:fontRef>
-        </p:style>
-      </p:cxnSp>
-      <p:sp>
-        <p:nvSpPr>
-          <p:cNvPr id="16" name="CuadroTexto 15">
-            <a:extLst>
-              <a:ext uri="{FF2B5EF4-FFF2-40B4-BE49-F238E27FC236}">
-                <a16:creationId xmlns:a16="http://schemas.microsoft.com/office/drawing/2014/main" id="{B8778824-FC9A-05AA-6D83-FDA99C00EBB8}"/>
-              </a:ext>
-            </a:extLst>
-          </p:cNvPr>
-          <p:cNvSpPr txBox="1"/>
-          <p:nvPr/>
-        </p:nvSpPr>
-        <p:spPr>
-          <a:xfrm>
-            <a:off x="1530402" y="2467863"/>
-            <a:ext cx="1166648" cy="400110"/>
-          </a:xfrm>
-          <a:prstGeom prst="rect">
-            <a:avLst/>
-          </a:prstGeom>
-          <a:noFill/>
-        </p:spPr>
-        <p:txBody>
-          <a:bodyPr wrap="square" rtlCol="0">
-            <a:spAutoFit/>
-          </a:bodyPr>
-          <a:lstStyle/>
-          <a:p>
-            <a:r>
-              <a:rPr lang="es-CO" sz="2000" b="1" dirty="0">
-                <a:solidFill>
-                  <a:schemeClr val="bg1"/>
-                </a:solidFill>
-              </a:rPr>
-              <a:t>ABRIR</a:t>
-            </a:r>
-            <a:endParaRPr lang="es-CO" b="1" dirty="0">
-              <a:solidFill>
-                <a:schemeClr val="bg1"/>
-              </a:solidFill>
-            </a:endParaRPr>
-          </a:p>
-        </p:txBody>
-      </p:sp>
-      <p:sp>
-        <p:nvSpPr>
-          <p:cNvPr id="17" name="CuadroTexto 16">
-            <a:extLst>
-              <a:ext uri="{FF2B5EF4-FFF2-40B4-BE49-F238E27FC236}">
-                <a16:creationId xmlns:a16="http://schemas.microsoft.com/office/drawing/2014/main" id="{4FC75747-0097-3D07-4B7B-1249724DCA8C}"/>
-              </a:ext>
-            </a:extLst>
-          </p:cNvPr>
-          <p:cNvSpPr txBox="1"/>
-          <p:nvPr/>
-        </p:nvSpPr>
-        <p:spPr>
-          <a:xfrm>
-            <a:off x="920801" y="3216364"/>
-            <a:ext cx="1776249" cy="400110"/>
-          </a:xfrm>
-          <a:prstGeom prst="rect">
-            <a:avLst/>
-          </a:prstGeom>
-          <a:noFill/>
-        </p:spPr>
-        <p:txBody>
-          <a:bodyPr wrap="square" rtlCol="0">
-            <a:spAutoFit/>
-          </a:bodyPr>
-          <a:lstStyle/>
-          <a:p>
-            <a:r>
-              <a:rPr lang="es-CO" sz="2000" b="1" dirty="0">
-                <a:solidFill>
-                  <a:schemeClr val="bg1"/>
-                </a:solidFill>
-              </a:rPr>
-              <a:t>RECUPERAR</a:t>
-            </a:r>
-            <a:endParaRPr lang="es-CO" b="1" dirty="0">
-              <a:solidFill>
-                <a:schemeClr val="bg1"/>
-              </a:solidFill>
-            </a:endParaRPr>
-          </a:p>
-        </p:txBody>
-      </p:sp>
-      <p:sp>
-        <p:nvSpPr>
-          <p:cNvPr id="18" name="CuadroTexto 17">
-            <a:extLst>
-              <a:ext uri="{FF2B5EF4-FFF2-40B4-BE49-F238E27FC236}">
-                <a16:creationId xmlns:a16="http://schemas.microsoft.com/office/drawing/2014/main" id="{2AC8394B-5F0E-F781-C7AA-A8FF7A79F747}"/>
-              </a:ext>
-            </a:extLst>
-          </p:cNvPr>
-          <p:cNvSpPr txBox="1"/>
-          <p:nvPr/>
-        </p:nvSpPr>
-        <p:spPr>
-          <a:xfrm>
-            <a:off x="1149736" y="4711063"/>
-            <a:ext cx="1582953" cy="400110"/>
-          </a:xfrm>
-          <a:prstGeom prst="rect">
-            <a:avLst/>
-          </a:prstGeom>
-          <a:noFill/>
-        </p:spPr>
-        <p:txBody>
-          <a:bodyPr wrap="square" rtlCol="0">
-            <a:spAutoFit/>
-          </a:bodyPr>
-          <a:lstStyle/>
-          <a:p>
-            <a:r>
-              <a:rPr lang="es-CO" sz="2000" b="1" dirty="0">
-                <a:solidFill>
-                  <a:schemeClr val="bg1"/>
-                </a:solidFill>
-              </a:rPr>
-              <a:t>EXTRAER</a:t>
-            </a:r>
-            <a:endParaRPr lang="es-CO" b="1" dirty="0">
-              <a:solidFill>
-                <a:schemeClr val="bg1"/>
-              </a:solidFill>
-            </a:endParaRPr>
-          </a:p>
-        </p:txBody>
-      </p:sp>
     </p:spTree>
     <p:extLst>
       <p:ext uri="{BB962C8B-B14F-4D97-AF65-F5344CB8AC3E}">
-        <p14:creationId xmlns:p14="http://schemas.microsoft.com/office/powerpoint/2010/main" val="3540556658"/>
+        <p14:creationId xmlns:p14="http://schemas.microsoft.com/office/powerpoint/2010/main" val="4078299234"/>
       </p:ext>
     </p:extLst>
   </p:cSld>
   <p:clrMapOvr>
     <a:masterClrMapping/>
   </p:clrMapOvr>
+  <mc:AlternateContent xmlns:mc="http://schemas.openxmlformats.org/markup-compatibility/2006">
+    <mc:Choice xmlns:p159="http://schemas.microsoft.com/office/powerpoint/2015/09/main" Requires="p159">
+      <p:transition xmlns:p14="http://schemas.microsoft.com/office/powerpoint/2010/main" spd="slow" p14:dur="2000">
+        <p159:morph option="byObject"/>
+      </p:transition>
+    </mc:Choice>
+    <mc:Fallback>
+      <p:transition spd="slow">
+        <p:fade/>
+      </p:transition>
+    </mc:Fallback>
+  </mc:AlternateContent>
 </p:sld>
 </file>
 
@@ -6445,62 +8224,433 @@
                   <a:schemeClr val="bg1"/>
                 </a:solidFill>
               </a:rPr>
-              <a:t>: aplicación. </a:t>
+              <a:t>: uso básico, </a:t>
+            </a:r>
+            <a:r>
+              <a:rPr lang="es-CO" dirty="0" err="1">
+                <a:solidFill>
+                  <a:schemeClr val="bg1"/>
+                </a:solidFill>
+              </a:rPr>
+              <a:t>write</a:t>
+            </a:r>
+            <a:r>
+              <a:rPr lang="es-CO" dirty="0">
+                <a:solidFill>
+                  <a:schemeClr val="bg1"/>
+                </a:solidFill>
+              </a:rPr>
+              <a:t>. </a:t>
             </a:r>
           </a:p>
         </p:txBody>
       </p:sp>
       <p:pic>
         <p:nvPicPr>
-          <p:cNvPr id="1026" name="Picture 2">
-            <a:extLst>
-              <a:ext uri="{FF2B5EF4-FFF2-40B4-BE49-F238E27FC236}">
-                <a16:creationId xmlns:a16="http://schemas.microsoft.com/office/drawing/2014/main" id="{3DA5F909-5003-8F20-C575-44B5DF634621}"/>
+          <p:cNvPr id="4" name="Imagen 3">
+            <a:extLst>
+              <a:ext uri="{FF2B5EF4-FFF2-40B4-BE49-F238E27FC236}">
+                <a16:creationId xmlns:a16="http://schemas.microsoft.com/office/drawing/2014/main" id="{A428A710-4228-20EB-DDEB-531CE4F1F00D}"/>
               </a:ext>
             </a:extLst>
           </p:cNvPr>
           <p:cNvPicPr>
-            <a:picLocks noChangeAspect="1" noChangeArrowheads="1"/>
+            <a:picLocks noChangeAspect="1"/>
           </p:cNvPicPr>
           <p:nvPr/>
         </p:nvPicPr>
         <p:blipFill>
-          <a:blip r:embed="rId2">
-            <a:extLst>
-              <a:ext uri="{28A0092B-C50C-407E-A947-70E740481C1C}">
-                <a14:useLocalDpi xmlns:a14="http://schemas.microsoft.com/office/drawing/2010/main" val="0"/>
-              </a:ext>
-            </a:extLst>
-          </a:blip>
-          <a:srcRect/>
+          <a:blip r:embed="rId2"/>
           <a:stretch>
             <a:fillRect/>
           </a:stretch>
         </p:blipFill>
-        <p:spPr bwMode="auto">
+        <p:spPr>
           <a:xfrm>
-            <a:off x="2781300" y="1591003"/>
-            <a:ext cx="6629400" cy="4495800"/>
+            <a:off x="3996226" y="2449450"/>
+            <a:ext cx="7548072" cy="2589028"/>
+          </a:xfrm>
+          <a:prstGeom prst="rect">
+            <a:avLst/>
+          </a:prstGeom>
+        </p:spPr>
+      </p:pic>
+      <p:cxnSp>
+        <p:nvCxnSpPr>
+          <p:cNvPr id="6" name="Conector: angular 5">
+            <a:extLst>
+              <a:ext uri="{FF2B5EF4-FFF2-40B4-BE49-F238E27FC236}">
+                <a16:creationId xmlns:a16="http://schemas.microsoft.com/office/drawing/2014/main" id="{E11388D1-7337-03EE-5F25-47A3130D7190}"/>
+              </a:ext>
+            </a:extLst>
+          </p:cNvPr>
+          <p:cNvCxnSpPr/>
+          <p:nvPr/>
+        </p:nvCxnSpPr>
+        <p:spPr>
+          <a:xfrm rot="10800000">
+            <a:off x="2564524" y="2680139"/>
+            <a:ext cx="1776248" cy="1240221"/>
+          </a:xfrm>
+          <a:prstGeom prst="bentConnector3">
+            <a:avLst/>
+          </a:prstGeom>
+          <a:ln w="38100">
+            <a:solidFill>
+              <a:srgbClr val="00B050"/>
+            </a:solidFill>
+            <a:tailEnd type="triangle"/>
+          </a:ln>
+        </p:spPr>
+        <p:style>
+          <a:lnRef idx="1">
+            <a:schemeClr val="accent1"/>
+          </a:lnRef>
+          <a:fillRef idx="0">
+            <a:schemeClr val="accent1"/>
+          </a:fillRef>
+          <a:effectRef idx="0">
+            <a:schemeClr val="accent1"/>
+          </a:effectRef>
+          <a:fontRef idx="minor">
+            <a:schemeClr val="tx1"/>
+          </a:fontRef>
+        </p:style>
+      </p:cxnSp>
+      <p:cxnSp>
+        <p:nvCxnSpPr>
+          <p:cNvPr id="8" name="Conector: angular 7">
+            <a:extLst>
+              <a:ext uri="{FF2B5EF4-FFF2-40B4-BE49-F238E27FC236}">
+                <a16:creationId xmlns:a16="http://schemas.microsoft.com/office/drawing/2014/main" id="{437954C0-C05E-B6C2-6624-54C165C5321F}"/>
+              </a:ext>
+            </a:extLst>
+          </p:cNvPr>
+          <p:cNvCxnSpPr>
+            <a:cxnSpLocks/>
+          </p:cNvCxnSpPr>
+          <p:nvPr/>
+        </p:nvCxnSpPr>
+        <p:spPr>
+          <a:xfrm rot="10800000" flipV="1">
+            <a:off x="2564523" y="4914579"/>
+            <a:ext cx="1776248" cy="945927"/>
+          </a:xfrm>
+          <a:prstGeom prst="bentConnector3">
+            <a:avLst/>
+          </a:prstGeom>
+          <a:ln w="38100">
+            <a:solidFill>
+              <a:srgbClr val="0070C0"/>
+            </a:solidFill>
+            <a:tailEnd type="triangle"/>
+          </a:ln>
+        </p:spPr>
+        <p:style>
+          <a:lnRef idx="1">
+            <a:schemeClr val="accent1"/>
+          </a:lnRef>
+          <a:fillRef idx="0">
+            <a:schemeClr val="accent1"/>
+          </a:fillRef>
+          <a:effectRef idx="0">
+            <a:schemeClr val="accent1"/>
+          </a:effectRef>
+          <a:fontRef idx="minor">
+            <a:schemeClr val="tx1"/>
+          </a:fontRef>
+        </p:style>
+      </p:cxnSp>
+      <p:sp>
+        <p:nvSpPr>
+          <p:cNvPr id="10" name="Rectángulo 9">
+            <a:extLst>
+              <a:ext uri="{FF2B5EF4-FFF2-40B4-BE49-F238E27FC236}">
+                <a16:creationId xmlns:a16="http://schemas.microsoft.com/office/drawing/2014/main" id="{02B3593C-672F-15AD-E5B0-310EDABEFD55}"/>
+              </a:ext>
+            </a:extLst>
+          </p:cNvPr>
+          <p:cNvSpPr/>
+          <p:nvPr/>
+        </p:nvSpPr>
+        <p:spPr>
+          <a:xfrm>
+            <a:off x="4246179" y="4000300"/>
+            <a:ext cx="1944414" cy="424555"/>
           </a:xfrm>
           <a:prstGeom prst="rect">
             <a:avLst/>
           </a:prstGeom>
           <a:noFill/>
-          <a:extLst>
-            <a:ext uri="{909E8E84-426E-40DD-AFC4-6F175D3DCCD1}">
-              <a14:hiddenFill xmlns:a14="http://schemas.microsoft.com/office/drawing/2010/main">
-                <a:solidFill>
-                  <a:srgbClr val="FFFFFF"/>
-                </a:solidFill>
-              </a14:hiddenFill>
-            </a:ext>
-          </a:extLst>
+          <a:ln w="38100">
+            <a:solidFill>
+              <a:srgbClr val="FF0000"/>
+            </a:solidFill>
+          </a:ln>
         </p:spPr>
-      </p:pic>
+        <p:style>
+          <a:lnRef idx="2">
+            <a:schemeClr val="accent1">
+              <a:shade val="50000"/>
+            </a:schemeClr>
+          </a:lnRef>
+          <a:fillRef idx="1">
+            <a:schemeClr val="accent1"/>
+          </a:fillRef>
+          <a:effectRef idx="0">
+            <a:schemeClr val="accent1"/>
+          </a:effectRef>
+          <a:fontRef idx="minor">
+            <a:schemeClr val="lt1"/>
+          </a:fontRef>
+        </p:style>
+        <p:txBody>
+          <a:bodyPr rtlCol="0" anchor="ctr"/>
+          <a:lstStyle/>
+          <a:p>
+            <a:pPr algn="ctr"/>
+            <a:endParaRPr lang="es-CO"/>
+          </a:p>
+        </p:txBody>
+      </p:sp>
+      <p:cxnSp>
+        <p:nvCxnSpPr>
+          <p:cNvPr id="14" name="Conector recto de flecha 13">
+            <a:extLst>
+              <a:ext uri="{FF2B5EF4-FFF2-40B4-BE49-F238E27FC236}">
+                <a16:creationId xmlns:a16="http://schemas.microsoft.com/office/drawing/2014/main" id="{659CF0DA-A260-E6C2-079B-108F06A92B19}"/>
+              </a:ext>
+            </a:extLst>
+          </p:cNvPr>
+          <p:cNvCxnSpPr>
+            <a:cxnSpLocks/>
+            <a:stCxn id="10" idx="1"/>
+          </p:cNvCxnSpPr>
+          <p:nvPr/>
+        </p:nvCxnSpPr>
+        <p:spPr>
+          <a:xfrm flipH="1">
+            <a:off x="2564522" y="4212578"/>
+            <a:ext cx="1681657" cy="0"/>
+          </a:xfrm>
+          <a:prstGeom prst="straightConnector1">
+            <a:avLst/>
+          </a:prstGeom>
+          <a:ln w="38100">
+            <a:tailEnd type="triangle"/>
+          </a:ln>
+        </p:spPr>
+        <p:style>
+          <a:lnRef idx="1">
+            <a:schemeClr val="accent1"/>
+          </a:lnRef>
+          <a:fillRef idx="0">
+            <a:schemeClr val="accent1"/>
+          </a:fillRef>
+          <a:effectRef idx="0">
+            <a:schemeClr val="accent1"/>
+          </a:effectRef>
+          <a:fontRef idx="minor">
+            <a:schemeClr val="tx1"/>
+          </a:fontRef>
+        </p:style>
+      </p:cxnSp>
+      <p:sp>
+        <p:nvSpPr>
+          <p:cNvPr id="16" name="CuadroTexto 15">
+            <a:extLst>
+              <a:ext uri="{FF2B5EF4-FFF2-40B4-BE49-F238E27FC236}">
+                <a16:creationId xmlns:a16="http://schemas.microsoft.com/office/drawing/2014/main" id="{B8778824-FC9A-05AA-6D83-FDA99C00EBB8}"/>
+              </a:ext>
+            </a:extLst>
+          </p:cNvPr>
+          <p:cNvSpPr txBox="1"/>
+          <p:nvPr/>
+        </p:nvSpPr>
+        <p:spPr>
+          <a:xfrm>
+            <a:off x="1530402" y="2467863"/>
+            <a:ext cx="1166648" cy="400110"/>
+          </a:xfrm>
+          <a:prstGeom prst="rect">
+            <a:avLst/>
+          </a:prstGeom>
+          <a:noFill/>
+        </p:spPr>
+        <p:txBody>
+          <a:bodyPr wrap="square" rtlCol="0">
+            <a:spAutoFit/>
+          </a:bodyPr>
+          <a:lstStyle/>
+          <a:p>
+            <a:r>
+              <a:rPr lang="es-CO" sz="2000" b="1" dirty="0">
+                <a:solidFill>
+                  <a:schemeClr val="bg1"/>
+                </a:solidFill>
+              </a:rPr>
+              <a:t>CREAR</a:t>
+            </a:r>
+            <a:endParaRPr lang="es-CO" b="1" dirty="0">
+              <a:solidFill>
+                <a:schemeClr val="bg1"/>
+              </a:solidFill>
+            </a:endParaRPr>
+          </a:p>
+        </p:txBody>
+      </p:sp>
+      <p:sp>
+        <p:nvSpPr>
+          <p:cNvPr id="17" name="CuadroTexto 16">
+            <a:extLst>
+              <a:ext uri="{FF2B5EF4-FFF2-40B4-BE49-F238E27FC236}">
+                <a16:creationId xmlns:a16="http://schemas.microsoft.com/office/drawing/2014/main" id="{4FC75747-0097-3D07-4B7B-1249724DCA8C}"/>
+              </a:ext>
+            </a:extLst>
+          </p:cNvPr>
+          <p:cNvSpPr txBox="1"/>
+          <p:nvPr/>
+        </p:nvSpPr>
+        <p:spPr>
+          <a:xfrm>
+            <a:off x="1114097" y="3986884"/>
+            <a:ext cx="1582953" cy="400110"/>
+          </a:xfrm>
+          <a:prstGeom prst="rect">
+            <a:avLst/>
+          </a:prstGeom>
+          <a:noFill/>
+        </p:spPr>
+        <p:txBody>
+          <a:bodyPr wrap="square" rtlCol="0">
+            <a:spAutoFit/>
+          </a:bodyPr>
+          <a:lstStyle/>
+          <a:p>
+            <a:r>
+              <a:rPr lang="es-CO" sz="2000" b="1" dirty="0">
+                <a:solidFill>
+                  <a:schemeClr val="bg1"/>
+                </a:solidFill>
+              </a:rPr>
+              <a:t>IMPORTAR</a:t>
+            </a:r>
+            <a:endParaRPr lang="es-CO" b="1" dirty="0">
+              <a:solidFill>
+                <a:schemeClr val="bg1"/>
+              </a:solidFill>
+            </a:endParaRPr>
+          </a:p>
+        </p:txBody>
+      </p:sp>
+      <p:sp>
+        <p:nvSpPr>
+          <p:cNvPr id="18" name="CuadroTexto 17">
+            <a:extLst>
+              <a:ext uri="{FF2B5EF4-FFF2-40B4-BE49-F238E27FC236}">
+                <a16:creationId xmlns:a16="http://schemas.microsoft.com/office/drawing/2014/main" id="{2AC8394B-5F0E-F781-C7AA-A8FF7A79F747}"/>
+              </a:ext>
+            </a:extLst>
+          </p:cNvPr>
+          <p:cNvSpPr txBox="1"/>
+          <p:nvPr/>
+        </p:nvSpPr>
+        <p:spPr>
+          <a:xfrm>
+            <a:off x="1114097" y="5660452"/>
+            <a:ext cx="1582953" cy="400110"/>
+          </a:xfrm>
+          <a:prstGeom prst="rect">
+            <a:avLst/>
+          </a:prstGeom>
+          <a:noFill/>
+        </p:spPr>
+        <p:txBody>
+          <a:bodyPr wrap="square" rtlCol="0">
+            <a:spAutoFit/>
+          </a:bodyPr>
+          <a:lstStyle/>
+          <a:p>
+            <a:r>
+              <a:rPr lang="es-CO" sz="2000" b="1" dirty="0">
+                <a:solidFill>
+                  <a:schemeClr val="bg1"/>
+                </a:solidFill>
+              </a:rPr>
+              <a:t>GUARDAR</a:t>
+            </a:r>
+            <a:endParaRPr lang="es-CO" b="1" dirty="0">
+              <a:solidFill>
+                <a:schemeClr val="bg1"/>
+              </a:solidFill>
+            </a:endParaRPr>
+          </a:p>
+        </p:txBody>
+      </p:sp>
+      <p:sp>
+        <p:nvSpPr>
+          <p:cNvPr id="3" name="CuadroTexto 2">
+            <a:extLst>
+              <a:ext uri="{FF2B5EF4-FFF2-40B4-BE49-F238E27FC236}">
+                <a16:creationId xmlns:a16="http://schemas.microsoft.com/office/drawing/2014/main" id="{6E634C55-8D4C-4F27-6F36-E2AAB498651B}"/>
+              </a:ext>
+            </a:extLst>
+          </p:cNvPr>
+          <p:cNvSpPr txBox="1"/>
+          <p:nvPr/>
+        </p:nvSpPr>
+        <p:spPr>
+          <a:xfrm>
+            <a:off x="7609938" y="5829729"/>
+            <a:ext cx="4137671" cy="461665"/>
+          </a:xfrm>
+          <a:prstGeom prst="rect">
+            <a:avLst/>
+          </a:prstGeom>
+          <a:noFill/>
+        </p:spPr>
+        <p:txBody>
+          <a:bodyPr wrap="none" rtlCol="0">
+            <a:spAutoFit/>
+          </a:bodyPr>
+          <a:lstStyle/>
+          <a:p>
+            <a:r>
+              <a:rPr lang="es-CO" sz="2400" dirty="0" err="1">
+                <a:solidFill>
+                  <a:schemeClr val="bg1"/>
+                </a:solidFill>
+              </a:rPr>
+              <a:t>Examples</a:t>
+            </a:r>
+            <a:r>
+              <a:rPr lang="es-CO" sz="2400" dirty="0">
+                <a:solidFill>
+                  <a:schemeClr val="bg1"/>
+                </a:solidFill>
+              </a:rPr>
+              <a:t>/</a:t>
+            </a:r>
+            <a:r>
+              <a:rPr lang="es-CO" sz="2400" dirty="0" err="1">
+                <a:solidFill>
+                  <a:schemeClr val="bg1"/>
+                </a:solidFill>
+              </a:rPr>
+              <a:t>writeWorkspace.C</a:t>
+            </a:r>
+            <a:endParaRPr lang="es-CO" sz="2400" dirty="0">
+              <a:solidFill>
+                <a:schemeClr val="bg1"/>
+              </a:solidFill>
+            </a:endParaRPr>
+          </a:p>
+        </p:txBody>
+      </p:sp>
     </p:spTree>
     <p:extLst>
       <p:ext uri="{BB962C8B-B14F-4D97-AF65-F5344CB8AC3E}">
-        <p14:creationId xmlns:p14="http://schemas.microsoft.com/office/powerpoint/2010/main" val="2912435472"/>
+        <p14:creationId xmlns:p14="http://schemas.microsoft.com/office/powerpoint/2010/main" val="4222428735"/>
       </p:ext>
     </p:extLst>
   </p:cSld>
@@ -6550,52 +8700,12 @@
           <a:chExt cx="0" cy="0"/>
         </a:xfrm>
       </p:grpSpPr>
-      <p:sp>
-        <p:nvSpPr>
-          <p:cNvPr id="2" name="Título 1">
-            <a:extLst>
-              <a:ext uri="{FF2B5EF4-FFF2-40B4-BE49-F238E27FC236}">
-                <a16:creationId xmlns:a16="http://schemas.microsoft.com/office/drawing/2014/main" id="{79EFBC19-F09E-E9D2-1297-BE00E3FFDDE9}"/>
-              </a:ext>
-            </a:extLst>
-          </p:cNvPr>
-          <p:cNvSpPr>
-            <a:spLocks noGrp="1"/>
-          </p:cNvSpPr>
-          <p:nvPr>
-            <p:ph type="title"/>
-          </p:nvPr>
-        </p:nvSpPr>
-        <p:spPr/>
-        <p:txBody>
-          <a:bodyPr/>
-          <a:lstStyle/>
-          <a:p>
-            <a:r>
-              <a:rPr lang="es-CO" dirty="0" err="1">
-                <a:solidFill>
-                  <a:schemeClr val="bg1"/>
-                </a:solidFill>
-              </a:rPr>
-              <a:t>Workspace</a:t>
-            </a:r>
-            <a:r>
-              <a:rPr lang="es-CO" dirty="0">
-                <a:solidFill>
-                  <a:schemeClr val="bg1"/>
-                </a:solidFill>
-              </a:rPr>
-              <a:t>: Factory. </a:t>
-            </a:r>
-          </a:p>
-        </p:txBody>
-      </p:sp>
       <p:pic>
         <p:nvPicPr>
-          <p:cNvPr id="4" name="Imagen 3">
-            <a:extLst>
-              <a:ext uri="{FF2B5EF4-FFF2-40B4-BE49-F238E27FC236}">
-                <a16:creationId xmlns:a16="http://schemas.microsoft.com/office/drawing/2014/main" id="{9CFEEF12-71B8-5D09-F965-683B43213766}"/>
+          <p:cNvPr id="5" name="Imagen 4">
+            <a:extLst>
+              <a:ext uri="{FF2B5EF4-FFF2-40B4-BE49-F238E27FC236}">
+                <a16:creationId xmlns:a16="http://schemas.microsoft.com/office/drawing/2014/main" id="{A1EF9006-2DFE-B77B-C292-600A26E9C0B8}"/>
               </a:ext>
             </a:extLst>
           </p:cNvPr>
@@ -6612,8 +8722,8 @@
         </p:blipFill>
         <p:spPr>
           <a:xfrm>
-            <a:off x="3983419" y="2800351"/>
-            <a:ext cx="7560879" cy="1691667"/>
+            <a:off x="4077194" y="2667918"/>
+            <a:ext cx="7548072" cy="2043145"/>
           </a:xfrm>
           <a:prstGeom prst="rect">
             <a:avLst/>
@@ -6622,77 +8732,84 @@
       </p:pic>
       <p:sp>
         <p:nvSpPr>
-          <p:cNvPr id="5" name="Rectángulo 4">
-            <a:extLst>
-              <a:ext uri="{FF2B5EF4-FFF2-40B4-BE49-F238E27FC236}">
-                <a16:creationId xmlns:a16="http://schemas.microsoft.com/office/drawing/2014/main" id="{0F07379C-AF94-EA5F-A94D-485FA4FD7825}"/>
-              </a:ext>
-            </a:extLst>
-          </p:cNvPr>
-          <p:cNvSpPr/>
-          <p:nvPr/>
-        </p:nvSpPr>
-        <p:spPr>
-          <a:xfrm>
-            <a:off x="4172607" y="2800352"/>
-            <a:ext cx="4056993" cy="899290"/>
-          </a:xfrm>
-          <a:prstGeom prst="rect">
-            <a:avLst/>
-          </a:prstGeom>
-          <a:noFill/>
-          <a:ln w="38100">
-            <a:solidFill>
-              <a:srgbClr val="00B050"/>
-            </a:solidFill>
-          </a:ln>
-        </p:spPr>
-        <p:style>
-          <a:lnRef idx="2">
-            <a:schemeClr val="accent1">
-              <a:shade val="50000"/>
-            </a:schemeClr>
-          </a:lnRef>
-          <a:fillRef idx="1">
-            <a:schemeClr val="accent1"/>
-          </a:fillRef>
-          <a:effectRef idx="0">
-            <a:schemeClr val="accent1"/>
-          </a:effectRef>
-          <a:fontRef idx="minor">
-            <a:schemeClr val="lt1"/>
-          </a:fontRef>
-        </p:style>
-        <p:txBody>
-          <a:bodyPr rtlCol="0" anchor="ctr"/>
+          <p:cNvPr id="2" name="Título 1">
+            <a:extLst>
+              <a:ext uri="{FF2B5EF4-FFF2-40B4-BE49-F238E27FC236}">
+                <a16:creationId xmlns:a16="http://schemas.microsoft.com/office/drawing/2014/main" id="{79EFBC19-F09E-E9D2-1297-BE00E3FFDDE9}"/>
+              </a:ext>
+            </a:extLst>
+          </p:cNvPr>
+          <p:cNvSpPr>
+            <a:spLocks noGrp="1"/>
+          </p:cNvSpPr>
+          <p:nvPr>
+            <p:ph type="title"/>
+          </p:nvPr>
+        </p:nvSpPr>
+        <p:spPr/>
+        <p:txBody>
+          <a:bodyPr/>
           <a:lstStyle/>
           <a:p>
-            <a:pPr algn="ctr"/>
-            <a:endParaRPr lang="es-CO"/>
+            <a:r>
+              <a:rPr lang="es-CO" dirty="0" err="1">
+                <a:solidFill>
+                  <a:schemeClr val="bg1"/>
+                </a:solidFill>
+              </a:rPr>
+              <a:t>Workspace</a:t>
+            </a:r>
+            <a:r>
+              <a:rPr lang="es-CO" dirty="0">
+                <a:solidFill>
+                  <a:schemeClr val="bg1"/>
+                </a:solidFill>
+              </a:rPr>
+              <a:t>: uso básico, </a:t>
+            </a:r>
+            <a:r>
+              <a:rPr lang="es-CO" dirty="0" err="1">
+                <a:solidFill>
+                  <a:schemeClr val="bg1"/>
+                </a:solidFill>
+              </a:rPr>
+              <a:t>read</a:t>
+            </a:r>
+            <a:r>
+              <a:rPr lang="es-CO" dirty="0">
+                <a:solidFill>
+                  <a:schemeClr val="bg1"/>
+                </a:solidFill>
+              </a:rPr>
+              <a:t>. </a:t>
+            </a:r>
           </a:p>
         </p:txBody>
       </p:sp>
       <p:cxnSp>
         <p:nvCxnSpPr>
-          <p:cNvPr id="6" name="Conector recto de flecha 5">
-            <a:extLst>
-              <a:ext uri="{FF2B5EF4-FFF2-40B4-BE49-F238E27FC236}">
-                <a16:creationId xmlns:a16="http://schemas.microsoft.com/office/drawing/2014/main" id="{929A82A3-EC08-29DB-5753-AC2909F9B2A0}"/>
+          <p:cNvPr id="6" name="Conector: angular 5">
+            <a:extLst>
+              <a:ext uri="{FF2B5EF4-FFF2-40B4-BE49-F238E27FC236}">
+                <a16:creationId xmlns:a16="http://schemas.microsoft.com/office/drawing/2014/main" id="{E11388D1-7337-03EE-5F25-47A3130D7190}"/>
               </a:ext>
             </a:extLst>
           </p:cNvPr>
           <p:cNvCxnSpPr>
             <a:cxnSpLocks/>
+            <a:endCxn id="16" idx="3"/>
           </p:cNvCxnSpPr>
           <p:nvPr/>
         </p:nvCxnSpPr>
         <p:spPr>
-          <a:xfrm flipH="1">
-            <a:off x="2490950" y="3321825"/>
-            <a:ext cx="1681657" cy="0"/>
+          <a:xfrm rot="10800000">
+            <a:off x="2697051" y="2667918"/>
+            <a:ext cx="1717295" cy="304338"/>
           </a:xfrm>
-          <a:prstGeom prst="straightConnector1">
-            <a:avLst/>
+          <a:prstGeom prst="bentConnector3">
+            <a:avLst>
+              <a:gd name="adj1" fmla="val 50000"/>
+            </a:avLst>
           </a:prstGeom>
           <a:ln w="38100">
             <a:solidFill>
@@ -6718,10 +8835,110 @@
       </p:cxnSp>
       <p:cxnSp>
         <p:nvCxnSpPr>
-          <p:cNvPr id="7" name="Conector recto de flecha 6">
-            <a:extLst>
-              <a:ext uri="{FF2B5EF4-FFF2-40B4-BE49-F238E27FC236}">
-                <a16:creationId xmlns:a16="http://schemas.microsoft.com/office/drawing/2014/main" id="{D95A406F-1882-3E3A-5826-CF10556D3E2F}"/>
+          <p:cNvPr id="8" name="Conector: angular 7">
+            <a:extLst>
+              <a:ext uri="{FF2B5EF4-FFF2-40B4-BE49-F238E27FC236}">
+                <a16:creationId xmlns:a16="http://schemas.microsoft.com/office/drawing/2014/main" id="{437954C0-C05E-B6C2-6624-54C165C5321F}"/>
+              </a:ext>
+            </a:extLst>
+          </p:cNvPr>
+          <p:cNvCxnSpPr>
+            <a:cxnSpLocks/>
+            <a:stCxn id="10" idx="1"/>
+            <a:endCxn id="18" idx="3"/>
+          </p:cNvCxnSpPr>
+          <p:nvPr/>
+        </p:nvCxnSpPr>
+        <p:spPr>
+          <a:xfrm rot="10800000" flipV="1">
+            <a:off x="2732690" y="3944276"/>
+            <a:ext cx="1681657" cy="966842"/>
+          </a:xfrm>
+          <a:prstGeom prst="bentConnector3">
+            <a:avLst>
+              <a:gd name="adj1" fmla="val 50000"/>
+            </a:avLst>
+          </a:prstGeom>
+          <a:ln w="38100">
+            <a:solidFill>
+              <a:srgbClr val="0070C0"/>
+            </a:solidFill>
+            <a:tailEnd type="triangle"/>
+          </a:ln>
+        </p:spPr>
+        <p:style>
+          <a:lnRef idx="1">
+            <a:schemeClr val="accent1"/>
+          </a:lnRef>
+          <a:fillRef idx="0">
+            <a:schemeClr val="accent1"/>
+          </a:fillRef>
+          <a:effectRef idx="0">
+            <a:schemeClr val="accent1"/>
+          </a:effectRef>
+          <a:fontRef idx="minor">
+            <a:schemeClr val="tx1"/>
+          </a:fontRef>
+        </p:style>
+      </p:cxnSp>
+      <p:sp>
+        <p:nvSpPr>
+          <p:cNvPr id="10" name="Rectángulo 9">
+            <a:extLst>
+              <a:ext uri="{FF2B5EF4-FFF2-40B4-BE49-F238E27FC236}">
+                <a16:creationId xmlns:a16="http://schemas.microsoft.com/office/drawing/2014/main" id="{02B3593C-672F-15AD-E5B0-310EDABEFD55}"/>
+              </a:ext>
+            </a:extLst>
+          </p:cNvPr>
+          <p:cNvSpPr/>
+          <p:nvPr/>
+        </p:nvSpPr>
+        <p:spPr>
+          <a:xfrm>
+            <a:off x="4414346" y="3621363"/>
+            <a:ext cx="4309240" cy="645826"/>
+          </a:xfrm>
+          <a:prstGeom prst="rect">
+            <a:avLst/>
+          </a:prstGeom>
+          <a:noFill/>
+          <a:ln w="38100">
+            <a:solidFill>
+              <a:srgbClr val="0070C0"/>
+            </a:solidFill>
+          </a:ln>
+        </p:spPr>
+        <p:style>
+          <a:lnRef idx="2">
+            <a:schemeClr val="accent1">
+              <a:shade val="50000"/>
+            </a:schemeClr>
+          </a:lnRef>
+          <a:fillRef idx="1">
+            <a:schemeClr val="accent1"/>
+          </a:fillRef>
+          <a:effectRef idx="0">
+            <a:schemeClr val="accent1"/>
+          </a:effectRef>
+          <a:fontRef idx="minor">
+            <a:schemeClr val="lt1"/>
+          </a:fontRef>
+        </p:style>
+        <p:txBody>
+          <a:bodyPr rtlCol="0" anchor="ctr"/>
+          <a:lstStyle/>
+          <a:p>
+            <a:pPr algn="ctr"/>
+            <a:endParaRPr lang="es-CO"/>
+          </a:p>
+        </p:txBody>
+      </p:sp>
+      <p:cxnSp>
+        <p:nvCxnSpPr>
+          <p:cNvPr id="14" name="Conector recto de flecha 13">
+            <a:extLst>
+              <a:ext uri="{FF2B5EF4-FFF2-40B4-BE49-F238E27FC236}">
+                <a16:creationId xmlns:a16="http://schemas.microsoft.com/office/drawing/2014/main" id="{659CF0DA-A260-E6C2-079B-108F06A92B19}"/>
               </a:ext>
             </a:extLst>
           </p:cNvPr>
@@ -6732,7 +8949,7 @@
         </p:nvCxnSpPr>
         <p:spPr>
           <a:xfrm flipH="1">
-            <a:off x="2490950" y="4362350"/>
+            <a:off x="2732689" y="3416419"/>
             <a:ext cx="1681657" cy="0"/>
           </a:xfrm>
           <a:prstGeom prst="straightConnector1">
@@ -6759,10 +8976,10 @@
       </p:cxnSp>
       <p:sp>
         <p:nvSpPr>
-          <p:cNvPr id="8" name="CuadroTexto 7">
-            <a:extLst>
-              <a:ext uri="{FF2B5EF4-FFF2-40B4-BE49-F238E27FC236}">
-                <a16:creationId xmlns:a16="http://schemas.microsoft.com/office/drawing/2014/main" id="{88079214-579C-5CF5-1F83-3778074D3250}"/>
+          <p:cNvPr id="16" name="CuadroTexto 15">
+            <a:extLst>
+              <a:ext uri="{FF2B5EF4-FFF2-40B4-BE49-F238E27FC236}">
+                <a16:creationId xmlns:a16="http://schemas.microsoft.com/office/drawing/2014/main" id="{B8778824-FC9A-05AA-6D83-FDA99C00EBB8}"/>
               </a:ext>
             </a:extLst>
           </p:cNvPr>
@@ -6771,7 +8988,7 @@
         </p:nvSpPr>
         <p:spPr>
           <a:xfrm>
-            <a:off x="1487211" y="3121770"/>
+            <a:off x="1530402" y="2467863"/>
             <a:ext cx="1166648" cy="400110"/>
           </a:xfrm>
           <a:prstGeom prst="rect">
@@ -6786,12 +9003,12 @@
           <a:lstStyle/>
           <a:p>
             <a:r>
-              <a:rPr lang="es-CO" sz="2000" b="1" dirty="0" err="1">
+              <a:rPr lang="es-CO" sz="2000" b="1" dirty="0">
                 <a:solidFill>
                   <a:schemeClr val="bg1"/>
                 </a:solidFill>
               </a:rPr>
-              <a:t>RooFit</a:t>
+              <a:t>ABRIR</a:t>
             </a:r>
             <a:endParaRPr lang="es-CO" b="1" dirty="0">
               <a:solidFill>
@@ -6803,10 +9020,10 @@
       </p:sp>
       <p:sp>
         <p:nvSpPr>
-          <p:cNvPr id="9" name="CuadroTexto 8">
-            <a:extLst>
-              <a:ext uri="{FF2B5EF4-FFF2-40B4-BE49-F238E27FC236}">
-                <a16:creationId xmlns:a16="http://schemas.microsoft.com/office/drawing/2014/main" id="{AEC589DA-C287-30F4-9095-49B0B97850D9}"/>
+          <p:cNvPr id="17" name="CuadroTexto 16">
+            <a:extLst>
+              <a:ext uri="{FF2B5EF4-FFF2-40B4-BE49-F238E27FC236}">
+                <a16:creationId xmlns:a16="http://schemas.microsoft.com/office/drawing/2014/main" id="{4FC75747-0097-3D07-4B7B-1249724DCA8C}"/>
               </a:ext>
             </a:extLst>
           </p:cNvPr>
@@ -6815,8 +9032,8 @@
         </p:nvSpPr>
         <p:spPr>
           <a:xfrm>
-            <a:off x="1487211" y="4162295"/>
-            <a:ext cx="1166648" cy="400110"/>
+            <a:off x="920801" y="3216364"/>
+            <a:ext cx="1776249" cy="400110"/>
           </a:xfrm>
           <a:prstGeom prst="rect">
             <a:avLst/>
@@ -6835,7 +9052,7 @@
                   <a:schemeClr val="bg1"/>
                 </a:solidFill>
               </a:rPr>
-              <a:t>Factory</a:t>
+              <a:t>RECUPERAR</a:t>
             </a:r>
             <a:endParaRPr lang="es-CO" b="1" dirty="0">
               <a:solidFill>
@@ -6845,10 +9062,114 @@
           </a:p>
         </p:txBody>
       </p:sp>
+      <p:sp>
+        <p:nvSpPr>
+          <p:cNvPr id="18" name="CuadroTexto 17">
+            <a:extLst>
+              <a:ext uri="{FF2B5EF4-FFF2-40B4-BE49-F238E27FC236}">
+                <a16:creationId xmlns:a16="http://schemas.microsoft.com/office/drawing/2014/main" id="{2AC8394B-5F0E-F781-C7AA-A8FF7A79F747}"/>
+              </a:ext>
+            </a:extLst>
+          </p:cNvPr>
+          <p:cNvSpPr txBox="1"/>
+          <p:nvPr/>
+        </p:nvSpPr>
+        <p:spPr>
+          <a:xfrm>
+            <a:off x="1149736" y="4711063"/>
+            <a:ext cx="1582953" cy="400110"/>
+          </a:xfrm>
+          <a:prstGeom prst="rect">
+            <a:avLst/>
+          </a:prstGeom>
+          <a:noFill/>
+        </p:spPr>
+        <p:txBody>
+          <a:bodyPr wrap="square" rtlCol="0">
+            <a:spAutoFit/>
+          </a:bodyPr>
+          <a:lstStyle/>
+          <a:p>
+            <a:r>
+              <a:rPr lang="es-CO" sz="2000" b="1" dirty="0">
+                <a:solidFill>
+                  <a:schemeClr val="bg1"/>
+                </a:solidFill>
+              </a:rPr>
+              <a:t>EXTRAER</a:t>
+            </a:r>
+            <a:endParaRPr lang="es-CO" b="1" dirty="0">
+              <a:solidFill>
+                <a:schemeClr val="bg1"/>
+              </a:solidFill>
+            </a:endParaRPr>
+          </a:p>
+        </p:txBody>
+      </p:sp>
+      <p:sp>
+        <p:nvSpPr>
+          <p:cNvPr id="3" name="CuadroTexto 2">
+            <a:extLst>
+              <a:ext uri="{FF2B5EF4-FFF2-40B4-BE49-F238E27FC236}">
+                <a16:creationId xmlns:a16="http://schemas.microsoft.com/office/drawing/2014/main" id="{219D2589-5B82-3BFD-36B0-2767D106DD81}"/>
+              </a:ext>
+            </a:extLst>
+          </p:cNvPr>
+          <p:cNvSpPr txBox="1"/>
+          <p:nvPr/>
+        </p:nvSpPr>
+        <p:spPr>
+          <a:xfrm>
+            <a:off x="7609938" y="5829729"/>
+            <a:ext cx="4137671" cy="461665"/>
+          </a:xfrm>
+          <a:prstGeom prst="rect">
+            <a:avLst/>
+          </a:prstGeom>
+          <a:noFill/>
+        </p:spPr>
+        <p:txBody>
+          <a:bodyPr wrap="none" rtlCol="0">
+            <a:spAutoFit/>
+          </a:bodyPr>
+          <a:lstStyle/>
+          <a:p>
+            <a:r>
+              <a:rPr lang="es-CO" sz="2400" dirty="0" err="1">
+                <a:solidFill>
+                  <a:schemeClr val="bg1"/>
+                </a:solidFill>
+              </a:rPr>
+              <a:t>Examples</a:t>
+            </a:r>
+            <a:r>
+              <a:rPr lang="es-CO" sz="2400" dirty="0">
+                <a:solidFill>
+                  <a:schemeClr val="bg1"/>
+                </a:solidFill>
+              </a:rPr>
+              <a:t>/</a:t>
+            </a:r>
+            <a:r>
+              <a:rPr lang="es-CO" sz="2400" dirty="0" err="1">
+                <a:solidFill>
+                  <a:schemeClr val="bg1"/>
+                </a:solidFill>
+              </a:rPr>
+              <a:t>readWorkspace.C</a:t>
+            </a:r>
+            <a:endParaRPr lang="es-CO" sz="2400" dirty="0">
+              <a:solidFill>
+                <a:schemeClr val="bg1"/>
+              </a:solidFill>
+            </a:endParaRPr>
+          </a:p>
+        </p:txBody>
+      </p:sp>
     </p:spTree>
     <p:extLst>
       <p:ext uri="{BB962C8B-B14F-4D97-AF65-F5344CB8AC3E}">
-        <p14:creationId xmlns:p14="http://schemas.microsoft.com/office/powerpoint/2010/main" val="1235537855"/>
+        <p14:creationId xmlns:p14="http://schemas.microsoft.com/office/powerpoint/2010/main" val="3540556658"/>
       </p:ext>
     </p:extLst>
   </p:cSld>
@@ -6933,31 +9254,166 @@
                   <a:schemeClr val="bg1"/>
                 </a:solidFill>
               </a:rPr>
-              <a:t>: Factory </a:t>
-            </a:r>
-            <a:r>
-              <a:rPr lang="es-CO" dirty="0" err="1">
+              <a:t>: aplicación. </a:t>
+            </a:r>
+          </a:p>
+        </p:txBody>
+      </p:sp>
+      <p:pic>
+        <p:nvPicPr>
+          <p:cNvPr id="1026" name="Picture 2">
+            <a:extLst>
+              <a:ext uri="{FF2B5EF4-FFF2-40B4-BE49-F238E27FC236}">
+                <a16:creationId xmlns:a16="http://schemas.microsoft.com/office/drawing/2014/main" id="{3DA5F909-5003-8F20-C575-44B5DF634621}"/>
+              </a:ext>
+            </a:extLst>
+          </p:cNvPr>
+          <p:cNvPicPr>
+            <a:picLocks noChangeAspect="1" noChangeArrowheads="1"/>
+          </p:cNvPicPr>
+          <p:nvPr/>
+        </p:nvPicPr>
+        <p:blipFill>
+          <a:blip r:embed="rId2">
+            <a:extLst>
+              <a:ext uri="{28A0092B-C50C-407E-A947-70E740481C1C}">
+                <a14:useLocalDpi xmlns:a14="http://schemas.microsoft.com/office/drawing/2010/main" val="0"/>
+              </a:ext>
+            </a:extLst>
+          </a:blip>
+          <a:srcRect/>
+          <a:stretch>
+            <a:fillRect/>
+          </a:stretch>
+        </p:blipFill>
+        <p:spPr bwMode="auto">
+          <a:xfrm>
+            <a:off x="1015562" y="1664575"/>
+            <a:ext cx="6629400" cy="4495800"/>
+          </a:xfrm>
+          <a:prstGeom prst="rect">
+            <a:avLst/>
+          </a:prstGeom>
+          <a:noFill/>
+          <a:extLst>
+            <a:ext uri="{909E8E84-426E-40DD-AFC4-6F175D3DCCD1}">
+              <a14:hiddenFill xmlns:a14="http://schemas.microsoft.com/office/drawing/2010/main">
+                <a:solidFill>
+                  <a:srgbClr val="FFFFFF"/>
+                </a:solidFill>
+              </a14:hiddenFill>
+            </a:ext>
+          </a:extLst>
+        </p:spPr>
+      </p:pic>
+      <p:sp>
+        <p:nvSpPr>
+          <p:cNvPr id="3" name="CuadroTexto 2">
+            <a:extLst>
+              <a:ext uri="{FF2B5EF4-FFF2-40B4-BE49-F238E27FC236}">
+                <a16:creationId xmlns:a16="http://schemas.microsoft.com/office/drawing/2014/main" id="{54EB942D-0DFF-0AB4-705A-361EB94A5AE3}"/>
+              </a:ext>
+            </a:extLst>
+          </p:cNvPr>
+          <p:cNvSpPr txBox="1"/>
+          <p:nvPr/>
+        </p:nvSpPr>
+        <p:spPr>
+          <a:xfrm>
+            <a:off x="9323125" y="5320548"/>
+            <a:ext cx="2324675" cy="461665"/>
+          </a:xfrm>
+          <a:prstGeom prst="rect">
+            <a:avLst/>
+          </a:prstGeom>
+          <a:noFill/>
+        </p:spPr>
+        <p:txBody>
+          <a:bodyPr wrap="none" rtlCol="0">
+            <a:spAutoFit/>
+          </a:bodyPr>
+          <a:lstStyle/>
+          <a:p>
+            <a:r>
+              <a:rPr lang="es-CO" sz="2400" dirty="0">
                 <a:solidFill>
                   <a:schemeClr val="bg1"/>
                 </a:solidFill>
               </a:rPr>
-              <a:t>syntax</a:t>
-            </a:r>
-            <a:r>
-              <a:rPr lang="es-CO" dirty="0">
+              <a:t>Higgs/</a:t>
+            </a:r>
+            <a:r>
+              <a:rPr lang="es-CO" sz="2400" dirty="0" err="1">
                 <a:solidFill>
                   <a:schemeClr val="bg1"/>
                 </a:solidFill>
               </a:rPr>
-              <a:t>. </a:t>
-            </a:r>
+              <a:t>DataFit.C</a:t>
+            </a:r>
+            <a:endParaRPr lang="es-CO" sz="2400" dirty="0">
+              <a:solidFill>
+                <a:schemeClr val="bg1"/>
+              </a:solidFill>
+            </a:endParaRPr>
+          </a:p>
+        </p:txBody>
+      </p:sp>
+      <p:sp>
+        <p:nvSpPr>
+          <p:cNvPr id="4" name="CuadroTexto 3">
+            <a:extLst>
+              <a:ext uri="{FF2B5EF4-FFF2-40B4-BE49-F238E27FC236}">
+                <a16:creationId xmlns:a16="http://schemas.microsoft.com/office/drawing/2014/main" id="{AA9BF3B8-5C32-6229-7247-9562ABDEF942}"/>
+              </a:ext>
+            </a:extLst>
+          </p:cNvPr>
+          <p:cNvSpPr txBox="1"/>
+          <p:nvPr/>
+        </p:nvSpPr>
+        <p:spPr>
+          <a:xfrm>
+            <a:off x="8637039" y="5773226"/>
+            <a:ext cx="3010761" cy="461665"/>
+          </a:xfrm>
+          <a:prstGeom prst="rect">
+            <a:avLst/>
+          </a:prstGeom>
+          <a:noFill/>
+        </p:spPr>
+        <p:txBody>
+          <a:bodyPr wrap="none" rtlCol="0">
+            <a:spAutoFit/>
+          </a:bodyPr>
+          <a:lstStyle/>
+          <a:p>
+            <a:r>
+              <a:rPr lang="es-CO" sz="2400" dirty="0">
+                <a:solidFill>
+                  <a:schemeClr val="bg1"/>
+                </a:solidFill>
+              </a:rPr>
+              <a:t>Higgs/</a:t>
+            </a:r>
+            <a:r>
+              <a:rPr lang="es-CO" sz="2400" dirty="0" err="1">
+                <a:solidFill>
+                  <a:schemeClr val="bg1"/>
+                </a:solidFill>
+              </a:rPr>
+              <a:t>HiggsModel.C</a:t>
+            </a:r>
+            <a:endParaRPr lang="es-CO" sz="2400" dirty="0">
+              <a:solidFill>
+                <a:schemeClr val="bg1"/>
+              </a:solidFill>
+            </a:endParaRPr>
           </a:p>
         </p:txBody>
       </p:sp>
     </p:spTree>
     <p:extLst>
       <p:ext uri="{BB962C8B-B14F-4D97-AF65-F5344CB8AC3E}">
-        <p14:creationId xmlns:p14="http://schemas.microsoft.com/office/powerpoint/2010/main" val="1370700022"/>
+        <p14:creationId xmlns:p14="http://schemas.microsoft.com/office/powerpoint/2010/main" val="2912435472"/>
       </p:ext>
     </p:extLst>
   </p:cSld>
@@ -7042,31 +9498,270 @@
                   <a:schemeClr val="bg1"/>
                 </a:solidFill>
               </a:rPr>
-              <a:t>: Factory </a:t>
-            </a:r>
-            <a:r>
-              <a:rPr lang="es-CO" dirty="0" err="1">
+              <a:t>: Factory. </a:t>
+            </a:r>
+          </a:p>
+        </p:txBody>
+      </p:sp>
+      <p:pic>
+        <p:nvPicPr>
+          <p:cNvPr id="4" name="Imagen 3">
+            <a:extLst>
+              <a:ext uri="{FF2B5EF4-FFF2-40B4-BE49-F238E27FC236}">
+                <a16:creationId xmlns:a16="http://schemas.microsoft.com/office/drawing/2014/main" id="{9CFEEF12-71B8-5D09-F965-683B43213766}"/>
+              </a:ext>
+            </a:extLst>
+          </p:cNvPr>
+          <p:cNvPicPr>
+            <a:picLocks noChangeAspect="1"/>
+          </p:cNvPicPr>
+          <p:nvPr/>
+        </p:nvPicPr>
+        <p:blipFill>
+          <a:blip r:embed="rId2"/>
+          <a:stretch>
+            <a:fillRect/>
+          </a:stretch>
+        </p:blipFill>
+        <p:spPr>
+          <a:xfrm>
+            <a:off x="3983419" y="2800351"/>
+            <a:ext cx="7560879" cy="1691667"/>
+          </a:xfrm>
+          <a:prstGeom prst="rect">
+            <a:avLst/>
+          </a:prstGeom>
+        </p:spPr>
+      </p:pic>
+      <p:sp>
+        <p:nvSpPr>
+          <p:cNvPr id="5" name="Rectángulo 4">
+            <a:extLst>
+              <a:ext uri="{FF2B5EF4-FFF2-40B4-BE49-F238E27FC236}">
+                <a16:creationId xmlns:a16="http://schemas.microsoft.com/office/drawing/2014/main" id="{0F07379C-AF94-EA5F-A94D-485FA4FD7825}"/>
+              </a:ext>
+            </a:extLst>
+          </p:cNvPr>
+          <p:cNvSpPr/>
+          <p:nvPr/>
+        </p:nvSpPr>
+        <p:spPr>
+          <a:xfrm>
+            <a:off x="4172607" y="2800352"/>
+            <a:ext cx="4056993" cy="899290"/>
+          </a:xfrm>
+          <a:prstGeom prst="rect">
+            <a:avLst/>
+          </a:prstGeom>
+          <a:noFill/>
+          <a:ln w="38100">
+            <a:solidFill>
+              <a:srgbClr val="00B050"/>
+            </a:solidFill>
+          </a:ln>
+        </p:spPr>
+        <p:style>
+          <a:lnRef idx="2">
+            <a:schemeClr val="accent1">
+              <a:shade val="50000"/>
+            </a:schemeClr>
+          </a:lnRef>
+          <a:fillRef idx="1">
+            <a:schemeClr val="accent1"/>
+          </a:fillRef>
+          <a:effectRef idx="0">
+            <a:schemeClr val="accent1"/>
+          </a:effectRef>
+          <a:fontRef idx="minor">
+            <a:schemeClr val="lt1"/>
+          </a:fontRef>
+        </p:style>
+        <p:txBody>
+          <a:bodyPr rtlCol="0" anchor="ctr"/>
+          <a:lstStyle/>
+          <a:p>
+            <a:pPr algn="ctr"/>
+            <a:endParaRPr lang="es-CO"/>
+          </a:p>
+        </p:txBody>
+      </p:sp>
+      <p:cxnSp>
+        <p:nvCxnSpPr>
+          <p:cNvPr id="6" name="Conector recto de flecha 5">
+            <a:extLst>
+              <a:ext uri="{FF2B5EF4-FFF2-40B4-BE49-F238E27FC236}">
+                <a16:creationId xmlns:a16="http://schemas.microsoft.com/office/drawing/2014/main" id="{929A82A3-EC08-29DB-5753-AC2909F9B2A0}"/>
+              </a:ext>
+            </a:extLst>
+          </p:cNvPr>
+          <p:cNvCxnSpPr>
+            <a:cxnSpLocks/>
+          </p:cNvCxnSpPr>
+          <p:nvPr/>
+        </p:nvCxnSpPr>
+        <p:spPr>
+          <a:xfrm flipH="1">
+            <a:off x="2490950" y="3321825"/>
+            <a:ext cx="1681657" cy="0"/>
+          </a:xfrm>
+          <a:prstGeom prst="straightConnector1">
+            <a:avLst/>
+          </a:prstGeom>
+          <a:ln w="38100">
+            <a:solidFill>
+              <a:srgbClr val="00B050"/>
+            </a:solidFill>
+            <a:tailEnd type="triangle"/>
+          </a:ln>
+        </p:spPr>
+        <p:style>
+          <a:lnRef idx="1">
+            <a:schemeClr val="accent1"/>
+          </a:lnRef>
+          <a:fillRef idx="0">
+            <a:schemeClr val="accent1"/>
+          </a:fillRef>
+          <a:effectRef idx="0">
+            <a:schemeClr val="accent1"/>
+          </a:effectRef>
+          <a:fontRef idx="minor">
+            <a:schemeClr val="tx1"/>
+          </a:fontRef>
+        </p:style>
+      </p:cxnSp>
+      <p:cxnSp>
+        <p:nvCxnSpPr>
+          <p:cNvPr id="7" name="Conector recto de flecha 6">
+            <a:extLst>
+              <a:ext uri="{FF2B5EF4-FFF2-40B4-BE49-F238E27FC236}">
+                <a16:creationId xmlns:a16="http://schemas.microsoft.com/office/drawing/2014/main" id="{D95A406F-1882-3E3A-5826-CF10556D3E2F}"/>
+              </a:ext>
+            </a:extLst>
+          </p:cNvPr>
+          <p:cNvCxnSpPr>
+            <a:cxnSpLocks/>
+          </p:cNvCxnSpPr>
+          <p:nvPr/>
+        </p:nvCxnSpPr>
+        <p:spPr>
+          <a:xfrm flipH="1">
+            <a:off x="2490950" y="4362350"/>
+            <a:ext cx="1681657" cy="0"/>
+          </a:xfrm>
+          <a:prstGeom prst="straightConnector1">
+            <a:avLst/>
+          </a:prstGeom>
+          <a:ln w="38100">
+            <a:tailEnd type="triangle"/>
+          </a:ln>
+        </p:spPr>
+        <p:style>
+          <a:lnRef idx="1">
+            <a:schemeClr val="accent1"/>
+          </a:lnRef>
+          <a:fillRef idx="0">
+            <a:schemeClr val="accent1"/>
+          </a:fillRef>
+          <a:effectRef idx="0">
+            <a:schemeClr val="accent1"/>
+          </a:effectRef>
+          <a:fontRef idx="minor">
+            <a:schemeClr val="tx1"/>
+          </a:fontRef>
+        </p:style>
+      </p:cxnSp>
+      <p:sp>
+        <p:nvSpPr>
+          <p:cNvPr id="8" name="CuadroTexto 7">
+            <a:extLst>
+              <a:ext uri="{FF2B5EF4-FFF2-40B4-BE49-F238E27FC236}">
+                <a16:creationId xmlns:a16="http://schemas.microsoft.com/office/drawing/2014/main" id="{88079214-579C-5CF5-1F83-3778074D3250}"/>
+              </a:ext>
+            </a:extLst>
+          </p:cNvPr>
+          <p:cNvSpPr txBox="1"/>
+          <p:nvPr/>
+        </p:nvSpPr>
+        <p:spPr>
+          <a:xfrm>
+            <a:off x="1487211" y="3121770"/>
+            <a:ext cx="1166648" cy="400110"/>
+          </a:xfrm>
+          <a:prstGeom prst="rect">
+            <a:avLst/>
+          </a:prstGeom>
+          <a:noFill/>
+        </p:spPr>
+        <p:txBody>
+          <a:bodyPr wrap="square" rtlCol="0">
+            <a:spAutoFit/>
+          </a:bodyPr>
+          <a:lstStyle/>
+          <a:p>
+            <a:r>
+              <a:rPr lang="es-CO" sz="2000" b="1" dirty="0" err="1">
                 <a:solidFill>
                   <a:schemeClr val="bg1"/>
                 </a:solidFill>
               </a:rPr>
-              <a:t>syntax</a:t>
-            </a:r>
-            <a:r>
-              <a:rPr lang="es-CO" dirty="0">
+              <a:t>RooFit</a:t>
+            </a:r>
+            <a:endParaRPr lang="es-CO" b="1" dirty="0">
+              <a:solidFill>
+                <a:schemeClr val="bg1"/>
+              </a:solidFill>
+            </a:endParaRPr>
+          </a:p>
+        </p:txBody>
+      </p:sp>
+      <p:sp>
+        <p:nvSpPr>
+          <p:cNvPr id="9" name="CuadroTexto 8">
+            <a:extLst>
+              <a:ext uri="{FF2B5EF4-FFF2-40B4-BE49-F238E27FC236}">
+                <a16:creationId xmlns:a16="http://schemas.microsoft.com/office/drawing/2014/main" id="{AEC589DA-C287-30F4-9095-49B0B97850D9}"/>
+              </a:ext>
+            </a:extLst>
+          </p:cNvPr>
+          <p:cNvSpPr txBox="1"/>
+          <p:nvPr/>
+        </p:nvSpPr>
+        <p:spPr>
+          <a:xfrm>
+            <a:off x="1487211" y="4162295"/>
+            <a:ext cx="1166648" cy="400110"/>
+          </a:xfrm>
+          <a:prstGeom prst="rect">
+            <a:avLst/>
+          </a:prstGeom>
+          <a:noFill/>
+        </p:spPr>
+        <p:txBody>
+          <a:bodyPr wrap="square" rtlCol="0">
+            <a:spAutoFit/>
+          </a:bodyPr>
+          <a:lstStyle/>
+          <a:p>
+            <a:r>
+              <a:rPr lang="es-CO" sz="2000" b="1" dirty="0">
                 <a:solidFill>
                   <a:schemeClr val="bg1"/>
                 </a:solidFill>
               </a:rPr>
-              <a:t> (expresiones propias). </a:t>
-            </a:r>
+              <a:t>Factory</a:t>
+            </a:r>
+            <a:endParaRPr lang="es-CO" b="1" dirty="0">
+              <a:solidFill>
+                <a:schemeClr val="bg1"/>
+              </a:solidFill>
+            </a:endParaRPr>
           </a:p>
         </p:txBody>
       </p:sp>
     </p:spTree>
     <p:extLst>
       <p:ext uri="{BB962C8B-B14F-4D97-AF65-F5344CB8AC3E}">
-        <p14:creationId xmlns:p14="http://schemas.microsoft.com/office/powerpoint/2010/main" val="1472496052"/>
+        <p14:creationId xmlns:p14="http://schemas.microsoft.com/office/powerpoint/2010/main" val="1235537855"/>
       </p:ext>
     </p:extLst>
   </p:cSld>

--- a/Workspaces en root.pptx
+++ b/Workspaces en root.pptx
@@ -25,16 +25,17 @@
     <p:sldId id="270" r:id="rId20"/>
     <p:sldId id="271" r:id="rId21"/>
     <p:sldId id="272" r:id="rId22"/>
+    <p:sldId id="273" r:id="rId23"/>
   </p:sldIdLst>
   <p:sldSz cy="6858000" cx="12192000"/>
   <p:notesSz cx="6858000" cy="9144000"/>
   <p:embeddedFontLst>
     <p:embeddedFont>
       <p:font typeface="Open Sans Light"/>
-      <p:regular r:id="rId23"/>
-      <p:bold r:id="rId24"/>
-      <p:italic r:id="rId25"/>
-      <p:boldItalic r:id="rId26"/>
+      <p:regular r:id="rId24"/>
+      <p:bold r:id="rId25"/>
+      <p:italic r:id="rId26"/>
+      <p:boldItalic r:id="rId27"/>
     </p:embeddedFont>
   </p:embeddedFontLst>
   <p:defaultTextStyle>
@@ -268,7 +269,7 @@
   </p:defaultTextStyle>
   <p:extLst>
     <p:ext uri="GoogleSlidesCustomDataVersion2">
-      <go:slidesCustomData xmlns:go="http://customooxmlschemas.google.com/" r:id="rId27" roundtripDataSignature="AMtx7mjN5Sdr2Z/5sgjNyPkZo/r4juTBIg=="/>
+      <go:slidesCustomData xmlns:go="http://customooxmlschemas.google.com/" r:id="rId28" roundtripDataSignature="AMtx7miekGNx8DgraJTzR4G0ybqYMMvMQg=="/>
     </p:ext>
   </p:extLst>
 </p:presentation>
@@ -1016,7 +1017,7 @@
       </p:grpSpPr>
       <p:sp>
         <p:nvSpPr>
-          <p:cNvPr id="192" name="Google Shape;192;p10:notes"/>
+          <p:cNvPr id="192" name="Google Shape;192;g1e3b50694ee_0_0:notes"/>
           <p:cNvSpPr txBox="1"/>
           <p:nvPr>
             <p:ph idx="1" type="body"/>
@@ -1055,7 +1056,106 @@
       </p:sp>
       <p:sp>
         <p:nvSpPr>
-          <p:cNvPr id="193" name="Google Shape;193;p10:notes"/>
+          <p:cNvPr id="193" name="Google Shape;193;g1e3b50694ee_0_0:notes"/>
+          <p:cNvSpPr/>
+          <p:nvPr>
+            <p:ph idx="2" type="sldImg"/>
+          </p:nvPr>
+        </p:nvSpPr>
+        <p:spPr>
+          <a:xfrm>
+            <a:off x="1143225" y="685800"/>
+            <a:ext cx="4572300" cy="3429000"/>
+          </a:xfrm>
+          <a:custGeom>
+            <a:rect b="b" l="l" r="r" t="t"/>
+            <a:pathLst>
+              <a:path extrusionOk="0" h="120000" w="120000">
+                <a:moveTo>
+                  <a:pt x="0" y="0"/>
+                </a:moveTo>
+                <a:lnTo>
+                  <a:pt x="120000" y="0"/>
+                </a:lnTo>
+                <a:lnTo>
+                  <a:pt x="120000" y="120000"/>
+                </a:lnTo>
+                <a:lnTo>
+                  <a:pt x="0" y="120000"/>
+                </a:lnTo>
+                <a:close/>
+              </a:path>
+            </a:pathLst>
+          </a:custGeom>
+        </p:spPr>
+      </p:sp>
+    </p:spTree>
+  </p:cSld>
+  <p:clrMapOvr>
+    <a:masterClrMapping/>
+  </p:clrMapOvr>
+</p:notes>
+</file>
+
+<file path=ppt/notesSlides/notesSlide13.xml><?xml version="1.0" encoding="utf-8"?>
+<p:notes xmlns:a="http://schemas.openxmlformats.org/drawingml/2006/main" xmlns:r="http://schemas.openxmlformats.org/officeDocument/2006/relationships" xmlns:mc="http://schemas.openxmlformats.org/markup-compatibility/2006" xmlns:mv="urn:schemas-microsoft-com:mac:vml" xmlns:p="http://schemas.openxmlformats.org/presentationml/2006/main" xmlns:c="http://schemas.openxmlformats.org/drawingml/2006/chart" xmlns:dgm="http://schemas.openxmlformats.org/drawingml/2006/diagram" xmlns:o="urn:schemas-microsoft-com:office:office" xmlns:v="urn:schemas-microsoft-com:vml" xmlns:pvml="urn:schemas-microsoft-com:office:powerpoint" xmlns:com="http://schemas.openxmlformats.org/drawingml/2006/compatibility" xmlns:p14="http://schemas.microsoft.com/office/powerpoint/2010/main" xmlns:p15="http://schemas.microsoft.com/office/powerpoint/2012/main" xmlns:ahyp="http://schemas.microsoft.com/office/drawing/2018/hyperlinkcolor" showMasterPhAnim="0" showMasterSp="0">
+  <p:cSld>
+    <p:spTree>
+      <p:nvGrpSpPr>
+        <p:cNvPr id="200" name="Shape 200"/>
+        <p:cNvGrpSpPr/>
+        <p:nvPr/>
+      </p:nvGrpSpPr>
+      <p:grpSpPr>
+        <a:xfrm>
+          <a:off x="0" y="0"/>
+          <a:ext cx="0" cy="0"/>
+          <a:chOff x="0" y="0"/>
+          <a:chExt cx="0" cy="0"/>
+        </a:xfrm>
+      </p:grpSpPr>
+      <p:sp>
+        <p:nvSpPr>
+          <p:cNvPr id="201" name="Google Shape;201;p10:notes"/>
+          <p:cNvSpPr txBox="1"/>
+          <p:nvPr>
+            <p:ph idx="1" type="body"/>
+          </p:nvPr>
+        </p:nvSpPr>
+        <p:spPr>
+          <a:xfrm>
+            <a:off x="685800" y="4343400"/>
+            <a:ext cx="5486400" cy="4114800"/>
+          </a:xfrm>
+          <a:prstGeom prst="rect">
+            <a:avLst/>
+          </a:prstGeom>
+        </p:spPr>
+        <p:txBody>
+          <a:bodyPr anchorCtr="0" anchor="t" bIns="91425" lIns="91425" spcFirstLastPara="1" rIns="91425" wrap="square" tIns="91425">
+            <a:noAutofit/>
+          </a:bodyPr>
+          <a:lstStyle/>
+          <a:p>
+            <a:pPr indent="0" lvl="0" marL="0" rtl="0" algn="l">
+              <a:spcBef>
+                <a:spcPts val="0"/>
+              </a:spcBef>
+              <a:spcAft>
+                <a:spcPts val="0"/>
+              </a:spcAft>
+              <a:buNone/>
+            </a:pPr>
+            <a:r>
+              <a:t/>
+            </a:r>
+            <a:endParaRPr/>
+          </a:p>
+        </p:txBody>
+      </p:sp>
+      <p:sp>
+        <p:nvSpPr>
+          <p:cNvPr id="202" name="Google Shape;202;p10:notes"/>
           <p:cNvSpPr/>
           <p:nvPr>
             <p:ph idx="2" type="sldImg"/>
@@ -1096,12 +1196,12 @@
 </p:notes>
 </file>
 
-<file path=ppt/notesSlides/notesSlide13.xml><?xml version="1.0" encoding="utf-8"?>
+<file path=ppt/notesSlides/notesSlide14.xml><?xml version="1.0" encoding="utf-8"?>
 <p:notes xmlns:a="http://schemas.openxmlformats.org/drawingml/2006/main" xmlns:r="http://schemas.openxmlformats.org/officeDocument/2006/relationships" xmlns:mc="http://schemas.openxmlformats.org/markup-compatibility/2006" xmlns:mv="urn:schemas-microsoft-com:mac:vml" xmlns:p="http://schemas.openxmlformats.org/presentationml/2006/main" xmlns:c="http://schemas.openxmlformats.org/drawingml/2006/chart" xmlns:dgm="http://schemas.openxmlformats.org/drawingml/2006/diagram" xmlns:o="urn:schemas-microsoft-com:office:office" xmlns:v="urn:schemas-microsoft-com:vml" xmlns:pvml="urn:schemas-microsoft-com:office:powerpoint" xmlns:com="http://schemas.openxmlformats.org/drawingml/2006/compatibility" xmlns:p14="http://schemas.microsoft.com/office/powerpoint/2010/main" xmlns:p15="http://schemas.microsoft.com/office/powerpoint/2012/main" xmlns:ahyp="http://schemas.microsoft.com/office/drawing/2018/hyperlinkcolor" showMasterPhAnim="0" showMasterSp="0">
   <p:cSld>
     <p:spTree>
       <p:nvGrpSpPr>
-        <p:cNvPr id="196" name="Shape 196"/>
+        <p:cNvPr id="209" name="Shape 209"/>
         <p:cNvGrpSpPr/>
         <p:nvPr/>
       </p:nvGrpSpPr>
@@ -1115,7 +1215,7 @@
       </p:grpSpPr>
       <p:sp>
         <p:nvSpPr>
-          <p:cNvPr id="197" name="Google Shape;197;g1e3b2cf0910_1_0:notes"/>
+          <p:cNvPr id="210" name="Google Shape;210;g1e3b2cf0910_1_0:notes"/>
           <p:cNvSpPr txBox="1"/>
           <p:nvPr>
             <p:ph idx="1" type="body"/>
@@ -1154,106 +1254,7 @@
       </p:sp>
       <p:sp>
         <p:nvSpPr>
-          <p:cNvPr id="198" name="Google Shape;198;g1e3b2cf0910_1_0:notes"/>
-          <p:cNvSpPr/>
-          <p:nvPr>
-            <p:ph idx="2" type="sldImg"/>
-          </p:nvPr>
-        </p:nvSpPr>
-        <p:spPr>
-          <a:xfrm>
-            <a:off x="1143225" y="685800"/>
-            <a:ext cx="4572300" cy="3429000"/>
-          </a:xfrm>
-          <a:custGeom>
-            <a:rect b="b" l="l" r="r" t="t"/>
-            <a:pathLst>
-              <a:path extrusionOk="0" h="120000" w="120000">
-                <a:moveTo>
-                  <a:pt x="0" y="0"/>
-                </a:moveTo>
-                <a:lnTo>
-                  <a:pt x="120000" y="0"/>
-                </a:lnTo>
-                <a:lnTo>
-                  <a:pt x="120000" y="120000"/>
-                </a:lnTo>
-                <a:lnTo>
-                  <a:pt x="0" y="120000"/>
-                </a:lnTo>
-                <a:close/>
-              </a:path>
-            </a:pathLst>
-          </a:custGeom>
-        </p:spPr>
-      </p:sp>
-    </p:spTree>
-  </p:cSld>
-  <p:clrMapOvr>
-    <a:masterClrMapping/>
-  </p:clrMapOvr>
-</p:notes>
-</file>
-
-<file path=ppt/notesSlides/notesSlide14.xml><?xml version="1.0" encoding="utf-8"?>
-<p:notes xmlns:a="http://schemas.openxmlformats.org/drawingml/2006/main" xmlns:r="http://schemas.openxmlformats.org/officeDocument/2006/relationships" xmlns:mc="http://schemas.openxmlformats.org/markup-compatibility/2006" xmlns:mv="urn:schemas-microsoft-com:mac:vml" xmlns:p="http://schemas.openxmlformats.org/presentationml/2006/main" xmlns:c="http://schemas.openxmlformats.org/drawingml/2006/chart" xmlns:dgm="http://schemas.openxmlformats.org/drawingml/2006/diagram" xmlns:o="urn:schemas-microsoft-com:office:office" xmlns:v="urn:schemas-microsoft-com:vml" xmlns:pvml="urn:schemas-microsoft-com:office:powerpoint" xmlns:com="http://schemas.openxmlformats.org/drawingml/2006/compatibility" xmlns:p14="http://schemas.microsoft.com/office/powerpoint/2010/main" xmlns:p15="http://schemas.microsoft.com/office/powerpoint/2012/main" xmlns:ahyp="http://schemas.microsoft.com/office/drawing/2018/hyperlinkcolor" showMasterPhAnim="0" showMasterSp="0">
-  <p:cSld>
-    <p:spTree>
-      <p:nvGrpSpPr>
-        <p:cNvPr id="203" name="Shape 203"/>
-        <p:cNvGrpSpPr/>
-        <p:nvPr/>
-      </p:nvGrpSpPr>
-      <p:grpSpPr>
-        <a:xfrm>
-          <a:off x="0" y="0"/>
-          <a:ext cx="0" cy="0"/>
-          <a:chOff x="0" y="0"/>
-          <a:chExt cx="0" cy="0"/>
-        </a:xfrm>
-      </p:grpSpPr>
-      <p:sp>
-        <p:nvSpPr>
-          <p:cNvPr id="204" name="Google Shape;204;g1e3b2cf0910_1_83:notes"/>
-          <p:cNvSpPr txBox="1"/>
-          <p:nvPr>
-            <p:ph idx="1" type="body"/>
-          </p:nvPr>
-        </p:nvSpPr>
-        <p:spPr>
-          <a:xfrm>
-            <a:off x="685800" y="4343400"/>
-            <a:ext cx="5486400" cy="4114800"/>
-          </a:xfrm>
-          <a:prstGeom prst="rect">
-            <a:avLst/>
-          </a:prstGeom>
-        </p:spPr>
-        <p:txBody>
-          <a:bodyPr anchorCtr="0" anchor="t" bIns="91425" lIns="91425" spcFirstLastPara="1" rIns="91425" wrap="square" tIns="91425">
-            <a:noAutofit/>
-          </a:bodyPr>
-          <a:lstStyle/>
-          <a:p>
-            <a:pPr indent="0" lvl="0" marL="0" rtl="0" algn="l">
-              <a:spcBef>
-                <a:spcPts val="0"/>
-              </a:spcBef>
-              <a:spcAft>
-                <a:spcPts val="0"/>
-              </a:spcAft>
-              <a:buNone/>
-            </a:pPr>
-            <a:r>
-              <a:t/>
-            </a:r>
-            <a:endParaRPr/>
-          </a:p>
-        </p:txBody>
-      </p:sp>
-      <p:sp>
-        <p:nvSpPr>
-          <p:cNvPr id="205" name="Google Shape;205;g1e3b2cf0910_1_83:notes"/>
+          <p:cNvPr id="211" name="Google Shape;211;g1e3b2cf0910_1_0:notes"/>
           <p:cNvSpPr/>
           <p:nvPr>
             <p:ph idx="2" type="sldImg"/>
@@ -1299,7 +1300,7 @@
   <p:cSld>
     <p:spTree>
       <p:nvGrpSpPr>
-        <p:cNvPr id="211" name="Shape 211"/>
+        <p:cNvPr id="216" name="Shape 216"/>
         <p:cNvGrpSpPr/>
         <p:nvPr/>
       </p:nvGrpSpPr>
@@ -1313,7 +1314,7 @@
       </p:grpSpPr>
       <p:sp>
         <p:nvSpPr>
-          <p:cNvPr id="212" name="Google Shape;212;p12:notes"/>
+          <p:cNvPr id="217" name="Google Shape;217;g1e3b2cf0910_1_83:notes"/>
           <p:cNvSpPr txBox="1"/>
           <p:nvPr>
             <p:ph idx="1" type="body"/>
@@ -1352,7 +1353,7 @@
       </p:sp>
       <p:sp>
         <p:nvSpPr>
-          <p:cNvPr id="213" name="Google Shape;213;p12:notes"/>
+          <p:cNvPr id="218" name="Google Shape;218;g1e3b2cf0910_1_83:notes"/>
           <p:cNvSpPr/>
           <p:nvPr>
             <p:ph idx="2" type="sldImg"/>
@@ -1361,7 +1362,7 @@
         <p:spPr>
           <a:xfrm>
             <a:off x="1143225" y="685800"/>
-            <a:ext cx="4572225" cy="3429000"/>
+            <a:ext cx="4572300" cy="3429000"/>
           </a:xfrm>
           <a:custGeom>
             <a:rect b="b" l="l" r="r" t="t"/>
@@ -1398,7 +1399,7 @@
   <p:cSld>
     <p:spTree>
       <p:nvGrpSpPr>
-        <p:cNvPr id="216" name="Shape 216"/>
+        <p:cNvPr id="224" name="Shape 224"/>
         <p:cNvGrpSpPr/>
         <p:nvPr/>
       </p:nvGrpSpPr>
@@ -1412,7 +1413,7 @@
       </p:grpSpPr>
       <p:sp>
         <p:nvSpPr>
-          <p:cNvPr id="217" name="Google Shape;217;p13:notes"/>
+          <p:cNvPr id="225" name="Google Shape;225;p12:notes"/>
           <p:cNvSpPr txBox="1"/>
           <p:nvPr>
             <p:ph idx="1" type="body"/>
@@ -1451,7 +1452,7 @@
       </p:sp>
       <p:sp>
         <p:nvSpPr>
-          <p:cNvPr id="218" name="Google Shape;218;p13:notes"/>
+          <p:cNvPr id="226" name="Google Shape;226;p12:notes"/>
           <p:cNvSpPr/>
           <p:nvPr>
             <p:ph idx="2" type="sldImg"/>
@@ -1497,7 +1498,7 @@
   <p:cSld>
     <p:spTree>
       <p:nvGrpSpPr>
-        <p:cNvPr id="221" name="Shape 221"/>
+        <p:cNvPr id="229" name="Shape 229"/>
         <p:cNvGrpSpPr/>
         <p:nvPr/>
       </p:nvGrpSpPr>
@@ -1511,7 +1512,7 @@
       </p:grpSpPr>
       <p:sp>
         <p:nvSpPr>
-          <p:cNvPr id="222" name="Google Shape;222;p14:notes"/>
+          <p:cNvPr id="230" name="Google Shape;230;p13:notes"/>
           <p:cNvSpPr txBox="1"/>
           <p:nvPr>
             <p:ph idx="1" type="body"/>
@@ -1550,7 +1551,106 @@
       </p:sp>
       <p:sp>
         <p:nvSpPr>
-          <p:cNvPr id="223" name="Google Shape;223;p14:notes"/>
+          <p:cNvPr id="231" name="Google Shape;231;p13:notes"/>
+          <p:cNvSpPr/>
+          <p:nvPr>
+            <p:ph idx="2" type="sldImg"/>
+          </p:nvPr>
+        </p:nvSpPr>
+        <p:spPr>
+          <a:xfrm>
+            <a:off x="1143225" y="685800"/>
+            <a:ext cx="4572225" cy="3429000"/>
+          </a:xfrm>
+          <a:custGeom>
+            <a:rect b="b" l="l" r="r" t="t"/>
+            <a:pathLst>
+              <a:path extrusionOk="0" h="120000" w="120000">
+                <a:moveTo>
+                  <a:pt x="0" y="0"/>
+                </a:moveTo>
+                <a:lnTo>
+                  <a:pt x="120000" y="0"/>
+                </a:lnTo>
+                <a:lnTo>
+                  <a:pt x="120000" y="120000"/>
+                </a:lnTo>
+                <a:lnTo>
+                  <a:pt x="0" y="120000"/>
+                </a:lnTo>
+                <a:close/>
+              </a:path>
+            </a:pathLst>
+          </a:custGeom>
+        </p:spPr>
+      </p:sp>
+    </p:spTree>
+  </p:cSld>
+  <p:clrMapOvr>
+    <a:masterClrMapping/>
+  </p:clrMapOvr>
+</p:notes>
+</file>
+
+<file path=ppt/notesSlides/notesSlide18.xml><?xml version="1.0" encoding="utf-8"?>
+<p:notes xmlns:a="http://schemas.openxmlformats.org/drawingml/2006/main" xmlns:r="http://schemas.openxmlformats.org/officeDocument/2006/relationships" xmlns:mc="http://schemas.openxmlformats.org/markup-compatibility/2006" xmlns:mv="urn:schemas-microsoft-com:mac:vml" xmlns:p="http://schemas.openxmlformats.org/presentationml/2006/main" xmlns:c="http://schemas.openxmlformats.org/drawingml/2006/chart" xmlns:dgm="http://schemas.openxmlformats.org/drawingml/2006/diagram" xmlns:o="urn:schemas-microsoft-com:office:office" xmlns:v="urn:schemas-microsoft-com:vml" xmlns:pvml="urn:schemas-microsoft-com:office:powerpoint" xmlns:com="http://schemas.openxmlformats.org/drawingml/2006/compatibility" xmlns:p14="http://schemas.microsoft.com/office/powerpoint/2010/main" xmlns:p15="http://schemas.microsoft.com/office/powerpoint/2012/main" xmlns:ahyp="http://schemas.microsoft.com/office/drawing/2018/hyperlinkcolor" showMasterPhAnim="0" showMasterSp="0">
+  <p:cSld>
+    <p:spTree>
+      <p:nvGrpSpPr>
+        <p:cNvPr id="235" name="Shape 235"/>
+        <p:cNvGrpSpPr/>
+        <p:nvPr/>
+      </p:nvGrpSpPr>
+      <p:grpSpPr>
+        <a:xfrm>
+          <a:off x="0" y="0"/>
+          <a:ext cx="0" cy="0"/>
+          <a:chOff x="0" y="0"/>
+          <a:chExt cx="0" cy="0"/>
+        </a:xfrm>
+      </p:grpSpPr>
+      <p:sp>
+        <p:nvSpPr>
+          <p:cNvPr id="236" name="Google Shape;236;p14:notes"/>
+          <p:cNvSpPr txBox="1"/>
+          <p:nvPr>
+            <p:ph idx="1" type="body"/>
+          </p:nvPr>
+        </p:nvSpPr>
+        <p:spPr>
+          <a:xfrm>
+            <a:off x="685800" y="4343400"/>
+            <a:ext cx="5486400" cy="4114800"/>
+          </a:xfrm>
+          <a:prstGeom prst="rect">
+            <a:avLst/>
+          </a:prstGeom>
+        </p:spPr>
+        <p:txBody>
+          <a:bodyPr anchorCtr="0" anchor="t" bIns="91425" lIns="91425" spcFirstLastPara="1" rIns="91425" wrap="square" tIns="91425">
+            <a:noAutofit/>
+          </a:bodyPr>
+          <a:lstStyle/>
+          <a:p>
+            <a:pPr indent="0" lvl="0" marL="0" rtl="0" algn="l">
+              <a:spcBef>
+                <a:spcPts val="0"/>
+              </a:spcBef>
+              <a:spcAft>
+                <a:spcPts val="0"/>
+              </a:spcAft>
+              <a:buNone/>
+            </a:pPr>
+            <a:r>
+              <a:t/>
+            </a:r>
+            <a:endParaRPr/>
+          </a:p>
+        </p:txBody>
+      </p:sp>
+      <p:sp>
+        <p:nvSpPr>
+          <p:cNvPr id="237" name="Google Shape;237;p14:notes"/>
           <p:cNvSpPr/>
           <p:nvPr>
             <p:ph idx="2" type="sldImg"/>
@@ -13433,7 +13533,7 @@
               <a:srgbClr val="282251"/>
             </a:gs>
           </a:gsLst>
-          <a:lin ang="10800000" scaled="0"/>
+          <a:lin ang="10800025" scaled="0"/>
         </a:gradFill>
       </p:bgPr>
     </p:bg>
@@ -13453,7 +13553,265 @@
       </p:grpSpPr>
       <p:sp>
         <p:nvSpPr>
-          <p:cNvPr id="195" name="Google Shape;195;p10"/>
+          <p:cNvPr id="195" name="Google Shape;195;g1e3b50694ee_0_0"/>
+          <p:cNvSpPr txBox="1"/>
+          <p:nvPr>
+            <p:ph type="title"/>
+          </p:nvPr>
+        </p:nvSpPr>
+        <p:spPr>
+          <a:xfrm>
+            <a:off x="548639" y="950976"/>
+            <a:ext cx="10995600" cy="1077900"/>
+          </a:xfrm>
+          <a:prstGeom prst="rect">
+            <a:avLst/>
+          </a:prstGeom>
+          <a:noFill/>
+          <a:ln>
+            <a:noFill/>
+          </a:ln>
+        </p:spPr>
+        <p:txBody>
+          <a:bodyPr anchorCtr="0" anchor="t" bIns="45700" lIns="91425" spcFirstLastPara="1" rIns="91425" wrap="square" tIns="45700">
+            <a:normAutofit/>
+          </a:bodyPr>
+          <a:lstStyle/>
+          <a:p>
+            <a:pPr indent="0" lvl="0" marL="0" rtl="0" algn="l">
+              <a:lnSpc>
+                <a:spcPct val="85000"/>
+              </a:lnSpc>
+              <a:spcBef>
+                <a:spcPts val="0"/>
+              </a:spcBef>
+              <a:spcAft>
+                <a:spcPts val="0"/>
+              </a:spcAft>
+              <a:buClr>
+                <a:schemeClr val="lt1"/>
+              </a:buClr>
+              <a:buSzPts val="3600"/>
+              <a:buFont typeface="Arial"/>
+              <a:buNone/>
+            </a:pPr>
+            <a:r>
+              <a:rPr lang="es-CO">
+                <a:solidFill>
+                  <a:schemeClr val="lt1"/>
+                </a:solidFill>
+              </a:rPr>
+              <a:t>Workspace: Factory syntax (expresiones propias). </a:t>
+            </a:r>
+            <a:endParaRPr/>
+          </a:p>
+        </p:txBody>
+      </p:sp>
+      <p:sp>
+        <p:nvSpPr>
+          <p:cNvPr id="196" name="Google Shape;196;g1e3b50694ee_0_0"/>
+          <p:cNvSpPr txBox="1"/>
+          <p:nvPr/>
+        </p:nvSpPr>
+        <p:spPr>
+          <a:xfrm>
+            <a:off x="548650" y="1835425"/>
+            <a:ext cx="9801300" cy="646500"/>
+          </a:xfrm>
+          <a:prstGeom prst="rect">
+            <a:avLst/>
+          </a:prstGeom>
+          <a:noFill/>
+          <a:ln>
+            <a:noFill/>
+          </a:ln>
+        </p:spPr>
+        <p:txBody>
+          <a:bodyPr anchorCtr="0" anchor="t" bIns="91425" lIns="91425" spcFirstLastPara="1" rIns="91425" wrap="square" tIns="91425">
+            <a:spAutoFit/>
+          </a:bodyPr>
+          <a:lstStyle/>
+          <a:p>
+            <a:pPr indent="0" lvl="0" marL="0" rtl="0" algn="l">
+              <a:spcBef>
+                <a:spcPts val="0"/>
+              </a:spcBef>
+              <a:spcAft>
+                <a:spcPts val="0"/>
+              </a:spcAft>
+              <a:buNone/>
+            </a:pPr>
+            <a:r>
+              <a:rPr lang="es-CO" sz="3000">
+                <a:solidFill>
+                  <a:schemeClr val="lt1"/>
+                </a:solidFill>
+              </a:rPr>
+              <a:t>Uso de variables existentes:</a:t>
+            </a:r>
+            <a:endParaRPr sz="3000">
+              <a:solidFill>
+                <a:schemeClr val="lt1"/>
+              </a:solidFill>
+            </a:endParaRPr>
+          </a:p>
+        </p:txBody>
+      </p:sp>
+      <p:sp>
+        <p:nvSpPr>
+          <p:cNvPr id="197" name="Google Shape;197;g1e3b50694ee_0_0"/>
+          <p:cNvSpPr txBox="1"/>
+          <p:nvPr/>
+        </p:nvSpPr>
+        <p:spPr>
+          <a:xfrm>
+            <a:off x="548650" y="4013525"/>
+            <a:ext cx="7119300" cy="646500"/>
+          </a:xfrm>
+          <a:prstGeom prst="rect">
+            <a:avLst/>
+          </a:prstGeom>
+          <a:noFill/>
+          <a:ln>
+            <a:noFill/>
+          </a:ln>
+        </p:spPr>
+        <p:txBody>
+          <a:bodyPr anchorCtr="0" anchor="t" bIns="91425" lIns="91425" spcFirstLastPara="1" rIns="91425" wrap="square" tIns="91425">
+            <a:spAutoFit/>
+          </a:bodyPr>
+          <a:lstStyle/>
+          <a:p>
+            <a:pPr indent="0" lvl="0" marL="0" rtl="0" algn="l">
+              <a:spcBef>
+                <a:spcPts val="0"/>
+              </a:spcBef>
+              <a:spcAft>
+                <a:spcPts val="0"/>
+              </a:spcAft>
+              <a:buNone/>
+            </a:pPr>
+            <a:r>
+              <a:rPr lang="es-CO" sz="3000">
+                <a:solidFill>
+                  <a:schemeClr val="lt1"/>
+                </a:solidFill>
+              </a:rPr>
+              <a:t>Uso de funciones reales en PDFs:</a:t>
+            </a:r>
+            <a:endParaRPr sz="3000">
+              <a:solidFill>
+                <a:schemeClr val="lt1"/>
+              </a:solidFill>
+            </a:endParaRPr>
+          </a:p>
+        </p:txBody>
+      </p:sp>
+      <p:pic>
+        <p:nvPicPr>
+          <p:cNvPr id="198" name="Google Shape;198;g1e3b50694ee_0_0"/>
+          <p:cNvPicPr preferRelativeResize="0"/>
+          <p:nvPr/>
+        </p:nvPicPr>
+        <p:blipFill>
+          <a:blip r:embed="rId3">
+            <a:alphaModFix/>
+          </a:blip>
+          <a:stretch>
+            <a:fillRect/>
+          </a:stretch>
+        </p:blipFill>
+        <p:spPr>
+          <a:xfrm>
+            <a:off x="82325" y="2617838"/>
+            <a:ext cx="12027351" cy="806713"/>
+          </a:xfrm>
+          <a:prstGeom prst="rect">
+            <a:avLst/>
+          </a:prstGeom>
+          <a:noFill/>
+          <a:ln>
+            <a:noFill/>
+          </a:ln>
+        </p:spPr>
+      </p:pic>
+      <p:pic>
+        <p:nvPicPr>
+          <p:cNvPr id="199" name="Google Shape;199;g1e3b50694ee_0_0"/>
+          <p:cNvPicPr preferRelativeResize="0"/>
+          <p:nvPr/>
+        </p:nvPicPr>
+        <p:blipFill>
+          <a:blip r:embed="rId4">
+            <a:alphaModFix/>
+          </a:blip>
+          <a:stretch>
+            <a:fillRect/>
+          </a:stretch>
+        </p:blipFill>
+        <p:spPr>
+          <a:xfrm>
+            <a:off x="269788" y="4794425"/>
+            <a:ext cx="11652425" cy="929575"/>
+          </a:xfrm>
+          <a:prstGeom prst="rect">
+            <a:avLst/>
+          </a:prstGeom>
+          <a:noFill/>
+          <a:ln>
+            <a:noFill/>
+          </a:ln>
+        </p:spPr>
+      </p:pic>
+    </p:spTree>
+  </p:cSld>
+  <p:clrMapOvr>
+    <a:masterClrMapping/>
+  </p:clrMapOvr>
+</p:sld>
+</file>
+
+<file path=ppt/slides/slide13.xml><?xml version="1.0" encoding="utf-8"?>
+<p:sld xmlns:a="http://schemas.openxmlformats.org/drawingml/2006/main" xmlns:r="http://schemas.openxmlformats.org/officeDocument/2006/relationships" xmlns:mc="http://schemas.openxmlformats.org/markup-compatibility/2006" xmlns:mv="urn:schemas-microsoft-com:mac:vml" xmlns:p="http://schemas.openxmlformats.org/presentationml/2006/main" xmlns:c="http://schemas.openxmlformats.org/drawingml/2006/chart" xmlns:dgm="http://schemas.openxmlformats.org/drawingml/2006/diagram" xmlns:o="urn:schemas-microsoft-com:office:office" xmlns:v="urn:schemas-microsoft-com:vml" xmlns:pvml="urn:schemas-microsoft-com:office:powerpoint" xmlns:com="http://schemas.openxmlformats.org/drawingml/2006/compatibility" xmlns:p14="http://schemas.microsoft.com/office/powerpoint/2010/main" xmlns:p15="http://schemas.microsoft.com/office/powerpoint/2012/main" xmlns:ahyp="http://schemas.microsoft.com/office/drawing/2018/hyperlinkcolor">
+  <p:cSld>
+    <p:bg>
+      <p:bgPr>
+        <a:gradFill>
+          <a:gsLst>
+            <a:gs pos="0">
+              <a:srgbClr val="5B4FBB"/>
+            </a:gs>
+            <a:gs pos="74000">
+              <a:srgbClr val="403783"/>
+            </a:gs>
+            <a:gs pos="83000">
+              <a:srgbClr val="2D275D"/>
+            </a:gs>
+            <a:gs pos="100000">
+              <a:srgbClr val="282251"/>
+            </a:gs>
+          </a:gsLst>
+          <a:lin ang="10800000" scaled="0"/>
+        </a:gradFill>
+      </p:bgPr>
+    </p:bg>
+    <p:spTree>
+      <p:nvGrpSpPr>
+        <p:cNvPr id="203" name="Shape 203"/>
+        <p:cNvGrpSpPr/>
+        <p:nvPr/>
+      </p:nvGrpSpPr>
+      <p:grpSpPr>
+        <a:xfrm>
+          <a:off x="0" y="0"/>
+          <a:ext cx="0" cy="0"/>
+          <a:chOff x="0" y="0"/>
+          <a:chExt cx="0" cy="0"/>
+        </a:xfrm>
+      </p:grpSpPr>
+      <p:sp>
+        <p:nvSpPr>
+          <p:cNvPr id="204" name="Google Shape;204;p10"/>
           <p:cNvSpPr txBox="1"/>
           <p:nvPr>
             <p:ph type="title"/>
@@ -13507,64 +13865,16 @@
           </a:p>
         </p:txBody>
       </p:sp>
-    </p:spTree>
-  </p:cSld>
-  <p:clrMapOvr>
-    <a:masterClrMapping/>
-  </p:clrMapOvr>
-</p:sld>
-</file>
-
-<file path=ppt/slides/slide13.xml><?xml version="1.0" encoding="utf-8"?>
-<p:sld xmlns:a="http://schemas.openxmlformats.org/drawingml/2006/main" xmlns:r="http://schemas.openxmlformats.org/officeDocument/2006/relationships" xmlns:mc="http://schemas.openxmlformats.org/markup-compatibility/2006" xmlns:mv="urn:schemas-microsoft-com:mac:vml" xmlns:p="http://schemas.openxmlformats.org/presentationml/2006/main" xmlns:c="http://schemas.openxmlformats.org/drawingml/2006/chart" xmlns:dgm="http://schemas.openxmlformats.org/drawingml/2006/diagram" xmlns:o="urn:schemas-microsoft-com:office:office" xmlns:v="urn:schemas-microsoft-com:vml" xmlns:pvml="urn:schemas-microsoft-com:office:powerpoint" xmlns:com="http://schemas.openxmlformats.org/drawingml/2006/compatibility" xmlns:p14="http://schemas.microsoft.com/office/powerpoint/2010/main" xmlns:p15="http://schemas.microsoft.com/office/powerpoint/2012/main" xmlns:ahyp="http://schemas.microsoft.com/office/drawing/2018/hyperlinkcolor">
-  <p:cSld>
-    <p:bg>
-      <p:bgPr>
-        <a:gradFill>
-          <a:gsLst>
-            <a:gs pos="0">
-              <a:srgbClr val="5B4FBB"/>
-            </a:gs>
-            <a:gs pos="74000">
-              <a:srgbClr val="403783"/>
-            </a:gs>
-            <a:gs pos="83000">
-              <a:srgbClr val="2D275D"/>
-            </a:gs>
-            <a:gs pos="100000">
-              <a:srgbClr val="282251"/>
-            </a:gs>
-          </a:gsLst>
-          <a:lin ang="10800025" scaled="0"/>
-        </a:gradFill>
-      </p:bgPr>
-    </p:bg>
-    <p:spTree>
-      <p:nvGrpSpPr>
-        <p:cNvPr id="199" name="Shape 199"/>
-        <p:cNvGrpSpPr/>
-        <p:nvPr/>
-      </p:nvGrpSpPr>
-      <p:grpSpPr>
-        <a:xfrm>
-          <a:off x="0" y="0"/>
-          <a:ext cx="0" cy="0"/>
-          <a:chOff x="0" y="0"/>
-          <a:chExt cx="0" cy="0"/>
-        </a:xfrm>
-      </p:grpSpPr>
       <p:sp>
         <p:nvSpPr>
-          <p:cNvPr id="200" name="Google Shape;200;g1e3b2cf0910_1_0"/>
+          <p:cNvPr id="205" name="Google Shape;205;p10"/>
           <p:cNvSpPr txBox="1"/>
-          <p:nvPr>
-            <p:ph type="title"/>
-          </p:nvPr>
+          <p:nvPr/>
         </p:nvSpPr>
         <p:spPr>
           <a:xfrm>
-            <a:off x="548639" y="950976"/>
-            <a:ext cx="10995600" cy="1077900"/>
+            <a:off x="548650" y="1382325"/>
+            <a:ext cx="9801300" cy="646500"/>
           </a:xfrm>
           <a:prstGeom prst="rect">
             <a:avLst/>
@@ -13575,15 +13885,12 @@
           </a:ln>
         </p:spPr>
         <p:txBody>
-          <a:bodyPr anchorCtr="0" anchor="t" bIns="45700" lIns="91425" spcFirstLastPara="1" rIns="91425" wrap="square" tIns="45700">
-            <a:normAutofit/>
+          <a:bodyPr anchorCtr="0" anchor="t" bIns="91425" lIns="91425" spcFirstLastPara="1" rIns="91425" wrap="square" tIns="91425">
+            <a:spAutoFit/>
           </a:bodyPr>
           <a:lstStyle/>
           <a:p>
-            <a:pPr indent="0" lvl="0" marL="0" rtl="0" algn="l">
-              <a:lnSpc>
-                <a:spcPct val="85000"/>
-              </a:lnSpc>
+            <a:pPr indent="-419100" lvl="0" marL="457200" rtl="0" algn="l">
               <a:spcBef>
                 <a:spcPts val="0"/>
               </a:spcBef>
@@ -13593,39 +13900,59 @@
               <a:buClr>
                 <a:schemeClr val="lt1"/>
               </a:buClr>
-              <a:buSzPts val="3600"/>
-              <a:buFont typeface="Arial"/>
-              <a:buNone/>
+              <a:buSzPts val="3000"/>
+              <a:buChar char="●"/>
             </a:pPr>
             <a:r>
-              <a:rPr lang="es-CO">
+              <a:rPr lang="es-CO" sz="3000">
                 <a:solidFill>
                   <a:schemeClr val="lt1"/>
                 </a:solidFill>
               </a:rPr>
-              <a:t>Workspace: Factory, rehaciendo el bosón de Higgs. </a:t>
+              <a:t>Sumar, multiplicar, y c</a:t>
             </a:r>
-            <a:endParaRPr/>
+            <a:r>
+              <a:rPr lang="es-CO" sz="3000">
+                <a:solidFill>
+                  <a:schemeClr val="lt1"/>
+                </a:solidFill>
+              </a:rPr>
+              <a:t>onvolucionar</a:t>
+            </a:r>
+            <a:r>
+              <a:rPr lang="es-CO" sz="3000">
+                <a:solidFill>
+                  <a:schemeClr val="lt1"/>
+                </a:solidFill>
+              </a:rPr>
+              <a:t> PDFs:</a:t>
+            </a:r>
+            <a:endParaRPr sz="3000">
+              <a:solidFill>
+                <a:schemeClr val="lt1"/>
+              </a:solidFill>
+            </a:endParaRPr>
           </a:p>
         </p:txBody>
       </p:sp>
       <p:pic>
         <p:nvPicPr>
-          <p:cNvPr id="201" name="Google Shape;201;g1e3b2cf0910_1_0"/>
+          <p:cNvPr id="206" name="Google Shape;206;p10"/>
           <p:cNvPicPr preferRelativeResize="0"/>
           <p:nvPr/>
         </p:nvPicPr>
-        <p:blipFill rotWithShape="1">
+        <p:blipFill>
           <a:blip r:embed="rId3">
             <a:alphaModFix/>
           </a:blip>
-          <a:srcRect b="0" l="0" r="0" t="0"/>
-          <a:stretch/>
+          <a:stretch>
+            <a:fillRect/>
+          </a:stretch>
         </p:blipFill>
         <p:spPr>
           <a:xfrm>
-            <a:off x="548639" y="1710618"/>
-            <a:ext cx="8342582" cy="3954457"/>
+            <a:off x="548650" y="2028825"/>
+            <a:ext cx="10995650" cy="1098433"/>
           </a:xfrm>
           <a:prstGeom prst="rect">
             <a:avLst/>
@@ -13636,16 +13963,24 @@
           </a:ln>
         </p:spPr>
       </p:pic>
-      <p:sp>
-        <p:nvSpPr>
-          <p:cNvPr id="202" name="Google Shape;202;g1e3b2cf0910_1_0"/>
-          <p:cNvSpPr txBox="1"/>
+      <p:pic>
+        <p:nvPicPr>
+          <p:cNvPr id="207" name="Google Shape;207;p10"/>
+          <p:cNvPicPr preferRelativeResize="0"/>
           <p:nvPr/>
-        </p:nvSpPr>
+        </p:nvPicPr>
+        <p:blipFill>
+          <a:blip r:embed="rId4">
+            <a:alphaModFix/>
+          </a:blip>
+          <a:stretch>
+            <a:fillRect/>
+          </a:stretch>
+        </p:blipFill>
         <p:spPr>
           <a:xfrm>
-            <a:off x="7470390" y="5762716"/>
-            <a:ext cx="4192200" cy="461700"/>
+            <a:off x="1759125" y="3391350"/>
+            <a:ext cx="8673741" cy="1168550"/>
           </a:xfrm>
           <a:prstGeom prst="rect">
             <a:avLst/>
@@ -13655,37 +13990,35 @@
             <a:noFill/>
           </a:ln>
         </p:spPr>
-        <p:txBody>
-          <a:bodyPr anchorCtr="0" anchor="t" bIns="45700" lIns="91425" spcFirstLastPara="1" rIns="91425" wrap="square" tIns="45700">
-            <a:spAutoFit/>
-          </a:bodyPr>
-          <a:lstStyle/>
-          <a:p>
-            <a:pPr indent="0" lvl="0" marL="0" marR="0" rtl="0" algn="l">
-              <a:spcBef>
-                <a:spcPts val="0"/>
-              </a:spcBef>
-              <a:spcAft>
-                <a:spcPts val="0"/>
-              </a:spcAft>
-              <a:buNone/>
-            </a:pPr>
-            <a:r>
-              <a:rPr lang="es-CO" sz="2400">
-                <a:solidFill>
-                  <a:schemeClr val="lt1"/>
-                </a:solidFill>
-                <a:latin typeface="Open Sans Light"/>
-                <a:ea typeface="Open Sans Light"/>
-                <a:cs typeface="Open Sans Light"/>
-                <a:sym typeface="Open Sans Light"/>
-              </a:rPr>
-              <a:t>Higgs/HiggsModelFactory2.C</a:t>
-            </a:r>
-            <a:endParaRPr/>
-          </a:p>
-        </p:txBody>
-      </p:sp>
+      </p:pic>
+      <p:pic>
+        <p:nvPicPr>
+          <p:cNvPr id="208" name="Google Shape;208;p10"/>
+          <p:cNvPicPr preferRelativeResize="0"/>
+          <p:nvPr/>
+        </p:nvPicPr>
+        <p:blipFill>
+          <a:blip r:embed="rId5">
+            <a:alphaModFix/>
+          </a:blip>
+          <a:stretch>
+            <a:fillRect/>
+          </a:stretch>
+        </p:blipFill>
+        <p:spPr>
+          <a:xfrm>
+            <a:off x="997225" y="4824000"/>
+            <a:ext cx="10197549" cy="1348528"/>
+          </a:xfrm>
+          <a:prstGeom prst="rect">
+            <a:avLst/>
+          </a:prstGeom>
+          <a:noFill/>
+          <a:ln>
+            <a:noFill/>
+          </a:ln>
+        </p:spPr>
+      </p:pic>
     </p:spTree>
   </p:cSld>
   <p:clrMapOvr>
@@ -13720,7 +14053,7 @@
     </p:bg>
     <p:spTree>
       <p:nvGrpSpPr>
-        <p:cNvPr id="206" name="Shape 206"/>
+        <p:cNvPr id="212" name="Shape 212"/>
         <p:cNvGrpSpPr/>
         <p:nvPr/>
       </p:nvGrpSpPr>
@@ -13734,7 +14067,7 @@
       </p:grpSpPr>
       <p:sp>
         <p:nvSpPr>
-          <p:cNvPr id="207" name="Google Shape;207;g1e3b2cf0910_1_83"/>
+          <p:cNvPr id="213" name="Google Shape;213;g1e3b2cf0910_1_0"/>
           <p:cNvSpPr txBox="1"/>
           <p:nvPr>
             <p:ph type="title"/>
@@ -13784,17 +14117,13 @@
               </a:rPr>
               <a:t>Workspace: Factory, rehaciendo el bosón de Higgs. </a:t>
             </a:r>
-            <a:endParaRPr>
-              <a:solidFill>
-                <a:schemeClr val="lt1"/>
-              </a:solidFill>
-            </a:endParaRPr>
+            <a:endParaRPr/>
           </a:p>
         </p:txBody>
       </p:sp>
       <p:pic>
         <p:nvPicPr>
-          <p:cNvPr id="208" name="Google Shape;208;g1e3b2cf0910_1_83"/>
+          <p:cNvPr id="214" name="Google Shape;214;g1e3b2cf0910_1_0"/>
           <p:cNvPicPr preferRelativeResize="0"/>
           <p:nvPr/>
         </p:nvPicPr>
@@ -13807,8 +14136,8 @@
         </p:blipFill>
         <p:spPr>
           <a:xfrm>
-            <a:off x="290351" y="1605514"/>
-            <a:ext cx="6131469" cy="2906371"/>
+            <a:off x="548639" y="1710618"/>
+            <a:ext cx="8342582" cy="3954457"/>
           </a:xfrm>
           <a:prstGeom prst="rect">
             <a:avLst/>
@@ -13819,23 +14148,16 @@
           </a:ln>
         </p:spPr>
       </p:pic>
-      <p:pic>
-        <p:nvPicPr>
-          <p:cNvPr id="209" name="Google Shape;209;g1e3b2cf0910_1_83"/>
-          <p:cNvPicPr preferRelativeResize="0"/>
+      <p:sp>
+        <p:nvSpPr>
+          <p:cNvPr id="215" name="Google Shape;215;g1e3b2cf0910_1_0"/>
+          <p:cNvSpPr txBox="1"/>
           <p:nvPr/>
-        </p:nvPicPr>
-        <p:blipFill rotWithShape="1">
-          <a:blip r:embed="rId4">
-            <a:alphaModFix/>
-          </a:blip>
-          <a:srcRect b="0" l="0" r="0" t="0"/>
-          <a:stretch/>
-        </p:blipFill>
+        </p:nvSpPr>
         <p:spPr>
           <a:xfrm>
-            <a:off x="5671647" y="4106976"/>
-            <a:ext cx="6131469" cy="1934557"/>
+            <a:off x="7470390" y="5762716"/>
+            <a:ext cx="4192200" cy="461700"/>
           </a:xfrm>
           <a:prstGeom prst="rect">
             <a:avLst/>
@@ -13845,33 +14167,37 @@
             <a:noFill/>
           </a:ln>
         </p:spPr>
-      </p:pic>
-      <p:cxnSp>
-        <p:nvCxnSpPr>
-          <p:cNvPr id="210" name="Google Shape;210;g1e3b2cf0910_1_83"/>
-          <p:cNvCxnSpPr/>
-          <p:nvPr/>
-        </p:nvCxnSpPr>
-        <p:spPr>
-          <a:xfrm>
-            <a:off x="5129048" y="3825766"/>
-            <a:ext cx="966900" cy="686100"/>
-          </a:xfrm>
-          <a:prstGeom prst="straightConnector1">
-            <a:avLst/>
-          </a:prstGeom>
-          <a:noFill/>
-          <a:ln cap="flat" cmpd="sng" w="76200">
-            <a:solidFill>
-              <a:srgbClr val="00B050"/>
-            </a:solidFill>
-            <a:prstDash val="solid"/>
-            <a:miter lim="800000"/>
-            <a:headEnd len="sm" w="sm" type="none"/>
-            <a:tailEnd len="med" w="med" type="triangle"/>
-          </a:ln>
-        </p:spPr>
-      </p:cxnSp>
+        <p:txBody>
+          <a:bodyPr anchorCtr="0" anchor="t" bIns="45700" lIns="91425" spcFirstLastPara="1" rIns="91425" wrap="square" tIns="45700">
+            <a:spAutoFit/>
+          </a:bodyPr>
+          <a:lstStyle/>
+          <a:p>
+            <a:pPr indent="0" lvl="0" marL="0" marR="0" rtl="0" algn="l">
+              <a:spcBef>
+                <a:spcPts val="0"/>
+              </a:spcBef>
+              <a:spcAft>
+                <a:spcPts val="0"/>
+              </a:spcAft>
+              <a:buNone/>
+            </a:pPr>
+            <a:r>
+              <a:rPr lang="es-CO" sz="2400">
+                <a:solidFill>
+                  <a:schemeClr val="lt1"/>
+                </a:solidFill>
+                <a:latin typeface="Open Sans Light"/>
+                <a:ea typeface="Open Sans Light"/>
+                <a:cs typeface="Open Sans Light"/>
+                <a:sym typeface="Open Sans Light"/>
+              </a:rPr>
+              <a:t>Higgs/HiggsModelFactory2.C</a:t>
+            </a:r>
+            <a:endParaRPr/>
+          </a:p>
+        </p:txBody>
+      </p:sp>
     </p:spTree>
   </p:cSld>
   <p:clrMapOvr>
@@ -13900,13 +14226,13 @@
               <a:srgbClr val="282251"/>
             </a:gs>
           </a:gsLst>
-          <a:lin ang="10800000" scaled="0"/>
+          <a:lin ang="10800025" scaled="0"/>
         </a:gradFill>
       </p:bgPr>
     </p:bg>
     <p:spTree>
       <p:nvGrpSpPr>
-        <p:cNvPr id="214" name="Shape 214"/>
+        <p:cNvPr id="219" name="Shape 219"/>
         <p:cNvGrpSpPr/>
         <p:nvPr/>
       </p:nvGrpSpPr>
@@ -13920,7 +14246,7 @@
       </p:grpSpPr>
       <p:sp>
         <p:nvSpPr>
-          <p:cNvPr id="215" name="Google Shape;215;p12"/>
+          <p:cNvPr id="220" name="Google Shape;220;g1e3b2cf0910_1_83"/>
           <p:cNvSpPr txBox="1"/>
           <p:nvPr>
             <p:ph type="title"/>
@@ -13929,7 +14255,7 @@
         <p:spPr>
           <a:xfrm>
             <a:off x="548639" y="950976"/>
-            <a:ext cx="10995659" cy="1077849"/>
+            <a:ext cx="10995600" cy="1077900"/>
           </a:xfrm>
           <a:prstGeom prst="rect">
             <a:avLst/>
@@ -13968,12 +14294,96 @@
                   <a:schemeClr val="lt1"/>
                 </a:solidFill>
               </a:rPr>
-              <a:t>Workspace: Y mucho más…</a:t>
+              <a:t>Workspace: Factory, rehaciendo el bosón de Higgs. </a:t>
             </a:r>
-            <a:endParaRPr/>
+            <a:endParaRPr>
+              <a:solidFill>
+                <a:schemeClr val="lt1"/>
+              </a:solidFill>
+            </a:endParaRPr>
           </a:p>
         </p:txBody>
       </p:sp>
+      <p:pic>
+        <p:nvPicPr>
+          <p:cNvPr id="221" name="Google Shape;221;g1e3b2cf0910_1_83"/>
+          <p:cNvPicPr preferRelativeResize="0"/>
+          <p:nvPr/>
+        </p:nvPicPr>
+        <p:blipFill rotWithShape="1">
+          <a:blip r:embed="rId3">
+            <a:alphaModFix/>
+          </a:blip>
+          <a:srcRect b="0" l="0" r="0" t="0"/>
+          <a:stretch/>
+        </p:blipFill>
+        <p:spPr>
+          <a:xfrm>
+            <a:off x="290351" y="1605514"/>
+            <a:ext cx="6131469" cy="2906371"/>
+          </a:xfrm>
+          <a:prstGeom prst="rect">
+            <a:avLst/>
+          </a:prstGeom>
+          <a:noFill/>
+          <a:ln>
+            <a:noFill/>
+          </a:ln>
+        </p:spPr>
+      </p:pic>
+      <p:pic>
+        <p:nvPicPr>
+          <p:cNvPr id="222" name="Google Shape;222;g1e3b2cf0910_1_83"/>
+          <p:cNvPicPr preferRelativeResize="0"/>
+          <p:nvPr/>
+        </p:nvPicPr>
+        <p:blipFill rotWithShape="1">
+          <a:blip r:embed="rId4">
+            <a:alphaModFix/>
+          </a:blip>
+          <a:srcRect b="0" l="0" r="0" t="0"/>
+          <a:stretch/>
+        </p:blipFill>
+        <p:spPr>
+          <a:xfrm>
+            <a:off x="5671647" y="4106976"/>
+            <a:ext cx="6131469" cy="1934557"/>
+          </a:xfrm>
+          <a:prstGeom prst="rect">
+            <a:avLst/>
+          </a:prstGeom>
+          <a:noFill/>
+          <a:ln>
+            <a:noFill/>
+          </a:ln>
+        </p:spPr>
+      </p:pic>
+      <p:cxnSp>
+        <p:nvCxnSpPr>
+          <p:cNvPr id="223" name="Google Shape;223;g1e3b2cf0910_1_83"/>
+          <p:cNvCxnSpPr/>
+          <p:nvPr/>
+        </p:nvCxnSpPr>
+        <p:spPr>
+          <a:xfrm>
+            <a:off x="5129048" y="3825766"/>
+            <a:ext cx="966900" cy="686100"/>
+          </a:xfrm>
+          <a:prstGeom prst="straightConnector1">
+            <a:avLst/>
+          </a:prstGeom>
+          <a:noFill/>
+          <a:ln cap="flat" cmpd="sng" w="76200">
+            <a:solidFill>
+              <a:srgbClr val="00B050"/>
+            </a:solidFill>
+            <a:prstDash val="solid"/>
+            <a:miter lim="800000"/>
+            <a:headEnd len="sm" w="sm" type="none"/>
+            <a:tailEnd len="med" w="med" type="triangle"/>
+          </a:ln>
+        </p:spPr>
+      </p:cxnSp>
     </p:spTree>
   </p:cSld>
   <p:clrMapOvr>
@@ -14008,7 +14418,7 @@
     </p:bg>
     <p:spTree>
       <p:nvGrpSpPr>
-        <p:cNvPr id="219" name="Shape 219"/>
+        <p:cNvPr id="227" name="Shape 227"/>
         <p:cNvGrpSpPr/>
         <p:nvPr/>
       </p:nvGrpSpPr>
@@ -14022,7 +14432,7 @@
       </p:grpSpPr>
       <p:sp>
         <p:nvSpPr>
-          <p:cNvPr id="220" name="Google Shape;220;p13"/>
+          <p:cNvPr id="228" name="Google Shape;228;p12"/>
           <p:cNvSpPr txBox="1"/>
           <p:nvPr>
             <p:ph type="title"/>
@@ -14070,7 +14480,7 @@
                   <a:schemeClr val="lt1"/>
                 </a:solidFill>
               </a:rPr>
-              <a:t>Referencias y bibliografía.</a:t>
+              <a:t>Workspace: Y mucho más…</a:t>
             </a:r>
             <a:endParaRPr/>
           </a:p>
@@ -14110,7 +14520,7 @@
     </p:bg>
     <p:spTree>
       <p:nvGrpSpPr>
-        <p:cNvPr id="224" name="Shape 224"/>
+        <p:cNvPr id="232" name="Shape 232"/>
         <p:cNvGrpSpPr/>
         <p:nvPr/>
       </p:nvGrpSpPr>
@@ -14124,7 +14534,240 @@
       </p:grpSpPr>
       <p:sp>
         <p:nvSpPr>
-          <p:cNvPr id="225" name="Google Shape;225;p14"/>
+          <p:cNvPr id="233" name="Google Shape;233;p13"/>
+          <p:cNvSpPr txBox="1"/>
+          <p:nvPr>
+            <p:ph type="title"/>
+          </p:nvPr>
+        </p:nvSpPr>
+        <p:spPr>
+          <a:xfrm>
+            <a:off x="548639" y="950976"/>
+            <a:ext cx="10995659" cy="1077849"/>
+          </a:xfrm>
+          <a:prstGeom prst="rect">
+            <a:avLst/>
+          </a:prstGeom>
+          <a:noFill/>
+          <a:ln>
+            <a:noFill/>
+          </a:ln>
+        </p:spPr>
+        <p:txBody>
+          <a:bodyPr anchorCtr="0" anchor="t" bIns="45700" lIns="91425" spcFirstLastPara="1" rIns="91425" wrap="square" tIns="45700">
+            <a:normAutofit/>
+          </a:bodyPr>
+          <a:lstStyle/>
+          <a:p>
+            <a:pPr indent="0" lvl="0" marL="0" rtl="0" algn="l">
+              <a:lnSpc>
+                <a:spcPct val="85000"/>
+              </a:lnSpc>
+              <a:spcBef>
+                <a:spcPts val="0"/>
+              </a:spcBef>
+              <a:spcAft>
+                <a:spcPts val="0"/>
+              </a:spcAft>
+              <a:buClr>
+                <a:schemeClr val="lt1"/>
+              </a:buClr>
+              <a:buSzPts val="3600"/>
+              <a:buFont typeface="Arial"/>
+              <a:buNone/>
+            </a:pPr>
+            <a:r>
+              <a:rPr lang="es-CO">
+                <a:solidFill>
+                  <a:schemeClr val="lt1"/>
+                </a:solidFill>
+              </a:rPr>
+              <a:t>Referencias y bibliografía.</a:t>
+            </a:r>
+            <a:endParaRPr/>
+          </a:p>
+        </p:txBody>
+      </p:sp>
+      <p:sp>
+        <p:nvSpPr>
+          <p:cNvPr id="234" name="Google Shape;234;p13"/>
+          <p:cNvSpPr txBox="1"/>
+          <p:nvPr/>
+        </p:nvSpPr>
+        <p:spPr>
+          <a:xfrm>
+            <a:off x="486000" y="1800000"/>
+            <a:ext cx="11058300" cy="4340700"/>
+          </a:xfrm>
+          <a:prstGeom prst="rect">
+            <a:avLst/>
+          </a:prstGeom>
+          <a:noFill/>
+          <a:ln>
+            <a:noFill/>
+          </a:ln>
+        </p:spPr>
+        <p:txBody>
+          <a:bodyPr anchorCtr="0" anchor="t" bIns="91425" lIns="91425" spcFirstLastPara="1" rIns="91425" wrap="square" tIns="91425">
+            <a:spAutoFit/>
+          </a:bodyPr>
+          <a:lstStyle/>
+          <a:p>
+            <a:pPr indent="-419100" lvl="0" marL="457200" rtl="0" algn="l">
+              <a:spcBef>
+                <a:spcPts val="0"/>
+              </a:spcBef>
+              <a:spcAft>
+                <a:spcPts val="0"/>
+              </a:spcAft>
+              <a:buClr>
+                <a:schemeClr val="lt1"/>
+              </a:buClr>
+              <a:buSzPts val="3000"/>
+              <a:buChar char="●"/>
+            </a:pPr>
+            <a:r>
+              <a:rPr lang="es-CO" sz="3000">
+                <a:solidFill>
+                  <a:schemeClr val="lt1"/>
+                </a:solidFill>
+              </a:rPr>
+              <a:t>RooFit and RooStats Workbook. K. Cranmer, V. Croft, W. Verkerke. URL: </a:t>
+            </a:r>
+            <a:r>
+              <a:rPr lang="es-CO" sz="3000" u="sng">
+                <a:solidFill>
+                  <a:schemeClr val="hlink"/>
+                </a:solidFill>
+                <a:hlinkClick r:id="rId3"/>
+              </a:rPr>
+              <a:t>https://roostatsworkbook.readthedocs.io/en/latest/modelbuilding.html#roofit</a:t>
+            </a:r>
+            <a:endParaRPr sz="3000">
+              <a:solidFill>
+                <a:schemeClr val="lt1"/>
+              </a:solidFill>
+            </a:endParaRPr>
+          </a:p>
+          <a:p>
+            <a:pPr indent="-419100" lvl="0" marL="457200" rtl="0" algn="l">
+              <a:spcBef>
+                <a:spcPts val="0"/>
+              </a:spcBef>
+              <a:spcAft>
+                <a:spcPts val="0"/>
+              </a:spcAft>
+              <a:buClr>
+                <a:schemeClr val="lt1"/>
+              </a:buClr>
+              <a:buSzPts val="3000"/>
+              <a:buChar char="●"/>
+            </a:pPr>
+            <a:r>
+              <a:rPr lang="es-CO" sz="3000">
+                <a:solidFill>
+                  <a:schemeClr val="lt1"/>
+                </a:solidFill>
+              </a:rPr>
+              <a:t>RooFit, </a:t>
+            </a:r>
+            <a:r>
+              <a:rPr lang="es-CO" sz="3000">
+                <a:solidFill>
+                  <a:schemeClr val="lt1"/>
+                </a:solidFill>
+              </a:rPr>
+              <a:t>Based on L. Moneta lessons at Terascale Statistics School 2015. URL: </a:t>
+            </a:r>
+            <a:r>
+              <a:rPr lang="es-CO" sz="3000" u="sng">
+                <a:solidFill>
+                  <a:schemeClr val="hlink"/>
+                </a:solidFill>
+                <a:hlinkClick r:id="rId4"/>
+              </a:rPr>
+              <a:t>https://moodle2.units.it/pluginfile.php/282931/mod_resource/content/0/Lezione10.pdf</a:t>
+            </a:r>
+            <a:endParaRPr sz="3000">
+              <a:solidFill>
+                <a:schemeClr val="lt1"/>
+              </a:solidFill>
+            </a:endParaRPr>
+          </a:p>
+          <a:p>
+            <a:pPr indent="-419100" lvl="0" marL="457200" rtl="0" algn="l">
+              <a:spcBef>
+                <a:spcPts val="0"/>
+              </a:spcBef>
+              <a:spcAft>
+                <a:spcPts val="0"/>
+              </a:spcAft>
+              <a:buClr>
+                <a:schemeClr val="lt1"/>
+              </a:buClr>
+              <a:buSzPts val="3000"/>
+              <a:buChar char="●"/>
+            </a:pPr>
+            <a:r>
+              <a:t/>
+            </a:r>
+            <a:endParaRPr sz="3000">
+              <a:solidFill>
+                <a:schemeClr val="lt1"/>
+              </a:solidFill>
+            </a:endParaRPr>
+          </a:p>
+        </p:txBody>
+      </p:sp>
+    </p:spTree>
+  </p:cSld>
+  <p:clrMapOvr>
+    <a:masterClrMapping/>
+  </p:clrMapOvr>
+</p:sld>
+</file>
+
+<file path=ppt/slides/slide18.xml><?xml version="1.0" encoding="utf-8"?>
+<p:sld xmlns:a="http://schemas.openxmlformats.org/drawingml/2006/main" xmlns:r="http://schemas.openxmlformats.org/officeDocument/2006/relationships" xmlns:mc="http://schemas.openxmlformats.org/markup-compatibility/2006" xmlns:mv="urn:schemas-microsoft-com:mac:vml" xmlns:p="http://schemas.openxmlformats.org/presentationml/2006/main" xmlns:c="http://schemas.openxmlformats.org/drawingml/2006/chart" xmlns:dgm="http://schemas.openxmlformats.org/drawingml/2006/diagram" xmlns:o="urn:schemas-microsoft-com:office:office" xmlns:v="urn:schemas-microsoft-com:vml" xmlns:pvml="urn:schemas-microsoft-com:office:powerpoint" xmlns:com="http://schemas.openxmlformats.org/drawingml/2006/compatibility" xmlns:p14="http://schemas.microsoft.com/office/powerpoint/2010/main" xmlns:p15="http://schemas.microsoft.com/office/powerpoint/2012/main" xmlns:ahyp="http://schemas.microsoft.com/office/drawing/2018/hyperlinkcolor">
+  <p:cSld>
+    <p:bg>
+      <p:bgPr>
+        <a:gradFill>
+          <a:gsLst>
+            <a:gs pos="0">
+              <a:srgbClr val="5B4FBB"/>
+            </a:gs>
+            <a:gs pos="74000">
+              <a:srgbClr val="403783"/>
+            </a:gs>
+            <a:gs pos="83000">
+              <a:srgbClr val="2D275D"/>
+            </a:gs>
+            <a:gs pos="100000">
+              <a:srgbClr val="282251"/>
+            </a:gs>
+          </a:gsLst>
+          <a:lin ang="10800000" scaled="0"/>
+        </a:gradFill>
+      </p:bgPr>
+    </p:bg>
+    <p:spTree>
+      <p:nvGrpSpPr>
+        <p:cNvPr id="238" name="Shape 238"/>
+        <p:cNvGrpSpPr/>
+        <p:nvPr/>
+      </p:nvGrpSpPr>
+      <p:grpSpPr>
+        <a:xfrm>
+          <a:off x="0" y="0"/>
+          <a:ext cx="0" cy="0"/>
+          <a:chOff x="0" y="0"/>
+          <a:chExt cx="0" cy="0"/>
+        </a:xfrm>
+      </p:grpSpPr>
+      <p:sp>
+        <p:nvSpPr>
+          <p:cNvPr id="239" name="Google Shape;239;p14"/>
           <p:cNvSpPr txBox="1"/>
           <p:nvPr>
             <p:ph type="title"/>
@@ -14455,7 +15098,7 @@
             <a:tbl>
               <a:tblPr bandRow="1" firstRow="1">
                 <a:noFill/>
-                <a:tableStyleId>{D78890C9-A241-4EBA-BF59-A8CE21570083}</a:tableStyleId>
+                <a:tableStyleId>{11302A11-7985-4270-90B5-F5F8BF472A63}</a:tableStyleId>
               </a:tblPr>
               <a:tblGrid>
                 <a:gridCol w="922750"/>
@@ -15066,7 +15709,7 @@
             <a:tbl>
               <a:tblPr bandRow="1" firstRow="1">
                 <a:noFill/>
-                <a:tableStyleId>{D78890C9-A241-4EBA-BF59-A8CE21570083}</a:tableStyleId>
+                <a:tableStyleId>{11302A11-7985-4270-90B5-F5F8BF472A63}</a:tableStyleId>
               </a:tblPr>
               <a:tblGrid>
                 <a:gridCol w="922750"/>
@@ -17201,6 +17844,285 @@
 </file>
 
 <file path=ppt/theme/theme1.xml><?xml version="1.0" encoding="utf-8"?>
+<a:theme xmlns:a="http://schemas.openxmlformats.org/drawingml/2006/main" xmlns:r="http://schemas.openxmlformats.org/officeDocument/2006/relationships">
+  <a:themeElements>
+    <a:clrScheme name="Default">
+      <a:dk1>
+        <a:srgbClr val="000000"/>
+      </a:dk1>
+      <a:lt1>
+        <a:srgbClr val="FFFFFF"/>
+      </a:lt1>
+      <a:dk2>
+        <a:srgbClr val="158158"/>
+      </a:dk2>
+      <a:lt2>
+        <a:srgbClr val="F3F3F3"/>
+      </a:lt2>
+      <a:accent1>
+        <a:srgbClr val="058DC7"/>
+      </a:accent1>
+      <a:accent2>
+        <a:srgbClr val="50B432"/>
+      </a:accent2>
+      <a:accent3>
+        <a:srgbClr val="ED561B"/>
+      </a:accent3>
+      <a:accent4>
+        <a:srgbClr val="EDEF00"/>
+      </a:accent4>
+      <a:accent5>
+        <a:srgbClr val="24CBE5"/>
+      </a:accent5>
+      <a:accent6>
+        <a:srgbClr val="64E572"/>
+      </a:accent6>
+      <a:hlink>
+        <a:srgbClr val="2200CC"/>
+      </a:hlink>
+      <a:folHlink>
+        <a:srgbClr val="551A8B"/>
+      </a:folHlink>
+    </a:clrScheme>
+    <a:fontScheme name="Office">
+      <a:majorFont>
+        <a:latin typeface="Arial"/>
+        <a:ea typeface=""/>
+        <a:cs typeface=""/>
+        <a:font script="Jpan" typeface="ＭＳ Ｐゴシック"/>
+        <a:font script="Hang" typeface="맑은 고딕"/>
+        <a:font script="Hans" typeface="宋体"/>
+        <a:font script="Hant" typeface="新細明體"/>
+        <a:font script="Arab" typeface="Times New Roman"/>
+        <a:font script="Hebr" typeface="Times New Roman"/>
+        <a:font script="Thai" typeface="Angsana New"/>
+        <a:font script="Ethi" typeface="Nyala"/>
+        <a:font script="Beng" typeface="Vrinda"/>
+        <a:font script="Gujr" typeface="Shruti"/>
+        <a:font script="Khmr" typeface="MoolBoran"/>
+        <a:font script="Knda" typeface="Tunga"/>
+        <a:font script="Guru" typeface="Raavi"/>
+        <a:font script="Cans" typeface="Euphemia"/>
+        <a:font script="Cher" typeface="Plantagenet Cherokee"/>
+        <a:font script="Yiii" typeface="Microsoft Yi Baiti"/>
+        <a:font script="Tibt" typeface="Microsoft Himalaya"/>
+        <a:font script="Thaa" typeface="MV Boli"/>
+        <a:font script="Deva" typeface="Mangal"/>
+        <a:font script="Telu" typeface="Gautami"/>
+        <a:font script="Taml" typeface="Latha"/>
+        <a:font script="Syrc" typeface="Estrangelo Edessa"/>
+        <a:font script="Orya" typeface="Kalinga"/>
+        <a:font script="Mlym" typeface="Kartika"/>
+        <a:font script="Laoo" typeface="DokChampa"/>
+        <a:font script="Sinh" typeface="Iskoola Pota"/>
+        <a:font script="Mong" typeface="Mongolian Baiti"/>
+        <a:font script="Viet" typeface="Times New Roman"/>
+        <a:font script="Uigh" typeface="Microsoft Uighur"/>
+        <a:font script="Geor" typeface="Sylfaen"/>
+      </a:majorFont>
+      <a:minorFont>
+        <a:latin typeface="Arial"/>
+        <a:ea typeface=""/>
+        <a:cs typeface=""/>
+        <a:font script="Jpan" typeface="ＭＳ Ｐゴシック"/>
+        <a:font script="Hang" typeface="맑은 고딕"/>
+        <a:font script="Hans" typeface="宋体"/>
+        <a:font script="Hant" typeface="新細明體"/>
+        <a:font script="Arab" typeface="Arial"/>
+        <a:font script="Hebr" typeface="Arial"/>
+        <a:font script="Thai" typeface="Cordia New"/>
+        <a:font script="Ethi" typeface="Nyala"/>
+        <a:font script="Beng" typeface="Vrinda"/>
+        <a:font script="Gujr" typeface="Shruti"/>
+        <a:font script="Khmr" typeface="DaunPenh"/>
+        <a:font script="Knda" typeface="Tunga"/>
+        <a:font script="Guru" typeface="Raavi"/>
+        <a:font script="Cans" typeface="Euphemia"/>
+        <a:font script="Cher" typeface="Plantagenet Cherokee"/>
+        <a:font script="Yiii" typeface="Microsoft Yi Baiti"/>
+        <a:font script="Tibt" typeface="Microsoft Himalaya"/>
+        <a:font script="Thaa" typeface="MV Boli"/>
+        <a:font script="Deva" typeface="Mangal"/>
+        <a:font script="Telu" typeface="Gautami"/>
+        <a:font script="Taml" typeface="Latha"/>
+        <a:font script="Syrc" typeface="Estrangelo Edessa"/>
+        <a:font script="Orya" typeface="Kalinga"/>
+        <a:font script="Mlym" typeface="Kartika"/>
+        <a:font script="Laoo" typeface="DokChampa"/>
+        <a:font script="Sinh" typeface="Iskoola Pota"/>
+        <a:font script="Mong" typeface="Mongolian Baiti"/>
+        <a:font script="Viet" typeface="Arial"/>
+        <a:font script="Uigh" typeface="Microsoft Uighur"/>
+        <a:font script="Geor" typeface="Sylfaen"/>
+      </a:minorFont>
+    </a:fontScheme>
+    <a:fmtScheme name="Office">
+      <a:fillStyleLst>
+        <a:solidFill>
+          <a:schemeClr val="phClr"/>
+        </a:solidFill>
+        <a:gradFill rotWithShape="1">
+          <a:gsLst>
+            <a:gs pos="0">
+              <a:schemeClr val="phClr">
+                <a:tint val="50000"/>
+                <a:satMod val="300000"/>
+              </a:schemeClr>
+            </a:gs>
+            <a:gs pos="35000">
+              <a:schemeClr val="phClr">
+                <a:tint val="37000"/>
+                <a:satMod val="300000"/>
+              </a:schemeClr>
+            </a:gs>
+            <a:gs pos="100000">
+              <a:schemeClr val="phClr">
+                <a:tint val="15000"/>
+                <a:satMod val="350000"/>
+              </a:schemeClr>
+            </a:gs>
+          </a:gsLst>
+          <a:lin ang="16200000" scaled="1"/>
+        </a:gradFill>
+        <a:gradFill rotWithShape="1">
+          <a:gsLst>
+            <a:gs pos="0">
+              <a:schemeClr val="phClr">
+                <a:tint val="100000"/>
+                <a:shade val="100000"/>
+                <a:satMod val="130000"/>
+              </a:schemeClr>
+            </a:gs>
+            <a:gs pos="100000">
+              <a:schemeClr val="phClr">
+                <a:tint val="50000"/>
+                <a:shade val="100000"/>
+                <a:satMod val="350000"/>
+              </a:schemeClr>
+            </a:gs>
+          </a:gsLst>
+          <a:lin ang="16200000" scaled="0"/>
+        </a:gradFill>
+      </a:fillStyleLst>
+      <a:lnStyleLst>
+        <a:ln w="9525" cap="flat" cmpd="sng" algn="ctr">
+          <a:solidFill>
+            <a:schemeClr val="phClr">
+              <a:shade val="95000"/>
+              <a:satMod val="105000"/>
+            </a:schemeClr>
+          </a:solidFill>
+          <a:prstDash val="solid"/>
+        </a:ln>
+        <a:ln w="25400" cap="flat" cmpd="sng" algn="ctr">
+          <a:solidFill>
+            <a:schemeClr val="phClr"/>
+          </a:solidFill>
+          <a:prstDash val="solid"/>
+        </a:ln>
+        <a:ln w="38100" cap="flat" cmpd="sng" algn="ctr">
+          <a:solidFill>
+            <a:schemeClr val="phClr"/>
+          </a:solidFill>
+          <a:prstDash val="solid"/>
+        </a:ln>
+      </a:lnStyleLst>
+      <a:effectStyleLst>
+        <a:effectStyle>
+          <a:effectLst>
+            <a:outerShdw blurRad="40000" dist="20000" dir="5400000" rotWithShape="0">
+              <a:srgbClr val="000000">
+                <a:alpha val="38000"/>
+              </a:srgbClr>
+            </a:outerShdw>
+          </a:effectLst>
+        </a:effectStyle>
+        <a:effectStyle>
+          <a:effectLst>
+            <a:outerShdw blurRad="40000" dist="23000" dir="5400000" rotWithShape="0">
+              <a:srgbClr val="000000">
+                <a:alpha val="35000"/>
+              </a:srgbClr>
+            </a:outerShdw>
+          </a:effectLst>
+        </a:effectStyle>
+        <a:effectStyle>
+          <a:effectLst>
+            <a:outerShdw blurRad="40000" dist="23000" dir="5400000" rotWithShape="0">
+              <a:srgbClr val="000000">
+                <a:alpha val="35000"/>
+              </a:srgbClr>
+            </a:outerShdw>
+          </a:effectLst>
+          <a:scene3d>
+            <a:camera prst="orthographicFront">
+              <a:rot lat="0" lon="0" rev="0"/>
+            </a:camera>
+            <a:lightRig rig="threePt" dir="t">
+              <a:rot lat="0" lon="0" rev="1200000"/>
+            </a:lightRig>
+          </a:scene3d>
+          <a:sp3d>
+            <a:bevelT w="63500" h="25400"/>
+          </a:sp3d>
+        </a:effectStyle>
+      </a:effectStyleLst>
+      <a:bgFillStyleLst>
+        <a:solidFill>
+          <a:schemeClr val="phClr"/>
+        </a:solidFill>
+        <a:gradFill rotWithShape="1">
+          <a:gsLst>
+            <a:gs pos="0">
+              <a:schemeClr val="phClr">
+                <a:tint val="40000"/>
+                <a:satMod val="350000"/>
+              </a:schemeClr>
+            </a:gs>
+            <a:gs pos="40000">
+              <a:schemeClr val="phClr">
+                <a:tint val="45000"/>
+                <a:shade val="99000"/>
+                <a:satMod val="350000"/>
+              </a:schemeClr>
+            </a:gs>
+            <a:gs pos="100000">
+              <a:schemeClr val="phClr">
+                <a:shade val="20000"/>
+                <a:satMod val="255000"/>
+              </a:schemeClr>
+            </a:gs>
+          </a:gsLst>
+          <a:path path="circle">
+            <a:fillToRect l="50000" t="-80000" r="50000" b="180000"/>
+          </a:path>
+        </a:gradFill>
+        <a:gradFill rotWithShape="1">
+          <a:gsLst>
+            <a:gs pos="0">
+              <a:schemeClr val="phClr">
+                <a:tint val="80000"/>
+                <a:satMod val="300000"/>
+              </a:schemeClr>
+            </a:gs>
+            <a:gs pos="100000">
+              <a:schemeClr val="phClr">
+                <a:shade val="30000"/>
+                <a:satMod val="200000"/>
+              </a:schemeClr>
+            </a:gs>
+          </a:gsLst>
+          <a:path path="circle">
+            <a:fillToRect l="50000" t="50000" r="50000" b="50000"/>
+          </a:path>
+        </a:gradFill>
+      </a:bgFillStyleLst>
+    </a:fmtScheme>
+  </a:themeElements>
+</a:theme>
+</file>
+
+<file path=ppt/theme/theme2.xml><?xml version="1.0" encoding="utf-8"?>
 <a:theme xmlns:a="http://schemas.openxmlformats.org/drawingml/2006/main" xmlns:r="http://schemas.openxmlformats.org/officeDocument/2006/relationships" name="TribuneVTI">
   <a:themeElements>
     <a:clrScheme name="amasis">
@@ -17477,283 +18399,4 @@
     </a:fmtScheme>
   </a:themeElements>
 </a:theme>
-</file>
-
-<file path=ppt/theme/theme2.xml><?xml version="1.0" encoding="utf-8"?>
-<a:theme xmlns:a="http://schemas.openxmlformats.org/drawingml/2006/main" xmlns:r="http://schemas.openxmlformats.org/officeDocument/2006/relationships">
-  <a:themeElements>
-    <a:clrScheme name="Default">
-      <a:dk1>
-        <a:srgbClr val="000000"/>
-      </a:dk1>
-      <a:lt1>
-        <a:srgbClr val="FFFFFF"/>
-      </a:lt1>
-      <a:dk2>
-        <a:srgbClr val="158158"/>
-      </a:dk2>
-      <a:lt2>
-        <a:srgbClr val="F3F3F3"/>
-      </a:lt2>
-      <a:accent1>
-        <a:srgbClr val="058DC7"/>
-      </a:accent1>
-      <a:accent2>
-        <a:srgbClr val="50B432"/>
-      </a:accent2>
-      <a:accent3>
-        <a:srgbClr val="ED561B"/>
-      </a:accent3>
-      <a:accent4>
-        <a:srgbClr val="EDEF00"/>
-      </a:accent4>
-      <a:accent5>
-        <a:srgbClr val="24CBE5"/>
-      </a:accent5>
-      <a:accent6>
-        <a:srgbClr val="64E572"/>
-      </a:accent6>
-      <a:hlink>
-        <a:srgbClr val="2200CC"/>
-      </a:hlink>
-      <a:folHlink>
-        <a:srgbClr val="551A8B"/>
-      </a:folHlink>
-    </a:clrScheme>
-    <a:fontScheme name="Office">
-      <a:majorFont>
-        <a:latin typeface="Arial"/>
-        <a:ea typeface=""/>
-        <a:cs typeface=""/>
-        <a:font script="Jpan" typeface="ＭＳ Ｐゴシック"/>
-        <a:font script="Hang" typeface="맑은 고딕"/>
-        <a:font script="Hans" typeface="宋体"/>
-        <a:font script="Hant" typeface="新細明體"/>
-        <a:font script="Arab" typeface="Times New Roman"/>
-        <a:font script="Hebr" typeface="Times New Roman"/>
-        <a:font script="Thai" typeface="Angsana New"/>
-        <a:font script="Ethi" typeface="Nyala"/>
-        <a:font script="Beng" typeface="Vrinda"/>
-        <a:font script="Gujr" typeface="Shruti"/>
-        <a:font script="Khmr" typeface="MoolBoran"/>
-        <a:font script="Knda" typeface="Tunga"/>
-        <a:font script="Guru" typeface="Raavi"/>
-        <a:font script="Cans" typeface="Euphemia"/>
-        <a:font script="Cher" typeface="Plantagenet Cherokee"/>
-        <a:font script="Yiii" typeface="Microsoft Yi Baiti"/>
-        <a:font script="Tibt" typeface="Microsoft Himalaya"/>
-        <a:font script="Thaa" typeface="MV Boli"/>
-        <a:font script="Deva" typeface="Mangal"/>
-        <a:font script="Telu" typeface="Gautami"/>
-        <a:font script="Taml" typeface="Latha"/>
-        <a:font script="Syrc" typeface="Estrangelo Edessa"/>
-        <a:font script="Orya" typeface="Kalinga"/>
-        <a:font script="Mlym" typeface="Kartika"/>
-        <a:font script="Laoo" typeface="DokChampa"/>
-        <a:font script="Sinh" typeface="Iskoola Pota"/>
-        <a:font script="Mong" typeface="Mongolian Baiti"/>
-        <a:font script="Viet" typeface="Times New Roman"/>
-        <a:font script="Uigh" typeface="Microsoft Uighur"/>
-        <a:font script="Geor" typeface="Sylfaen"/>
-      </a:majorFont>
-      <a:minorFont>
-        <a:latin typeface="Arial"/>
-        <a:ea typeface=""/>
-        <a:cs typeface=""/>
-        <a:font script="Jpan" typeface="ＭＳ Ｐゴシック"/>
-        <a:font script="Hang" typeface="맑은 고딕"/>
-        <a:font script="Hans" typeface="宋体"/>
-        <a:font script="Hant" typeface="新細明體"/>
-        <a:font script="Arab" typeface="Arial"/>
-        <a:font script="Hebr" typeface="Arial"/>
-        <a:font script="Thai" typeface="Cordia New"/>
-        <a:font script="Ethi" typeface="Nyala"/>
-        <a:font script="Beng" typeface="Vrinda"/>
-        <a:font script="Gujr" typeface="Shruti"/>
-        <a:font script="Khmr" typeface="DaunPenh"/>
-        <a:font script="Knda" typeface="Tunga"/>
-        <a:font script="Guru" typeface="Raavi"/>
-        <a:font script="Cans" typeface="Euphemia"/>
-        <a:font script="Cher" typeface="Plantagenet Cherokee"/>
-        <a:font script="Yiii" typeface="Microsoft Yi Baiti"/>
-        <a:font script="Tibt" typeface="Microsoft Himalaya"/>
-        <a:font script="Thaa" typeface="MV Boli"/>
-        <a:font script="Deva" typeface="Mangal"/>
-        <a:font script="Telu" typeface="Gautami"/>
-        <a:font script="Taml" typeface="Latha"/>
-        <a:font script="Syrc" typeface="Estrangelo Edessa"/>
-        <a:font script="Orya" typeface="Kalinga"/>
-        <a:font script="Mlym" typeface="Kartika"/>
-        <a:font script="Laoo" typeface="DokChampa"/>
-        <a:font script="Sinh" typeface="Iskoola Pota"/>
-        <a:font script="Mong" typeface="Mongolian Baiti"/>
-        <a:font script="Viet" typeface="Arial"/>
-        <a:font script="Uigh" typeface="Microsoft Uighur"/>
-        <a:font script="Geor" typeface="Sylfaen"/>
-      </a:minorFont>
-    </a:fontScheme>
-    <a:fmtScheme name="Office">
-      <a:fillStyleLst>
-        <a:solidFill>
-          <a:schemeClr val="phClr"/>
-        </a:solidFill>
-        <a:gradFill rotWithShape="1">
-          <a:gsLst>
-            <a:gs pos="0">
-              <a:schemeClr val="phClr">
-                <a:tint val="50000"/>
-                <a:satMod val="300000"/>
-              </a:schemeClr>
-            </a:gs>
-            <a:gs pos="35000">
-              <a:schemeClr val="phClr">
-                <a:tint val="37000"/>
-                <a:satMod val="300000"/>
-              </a:schemeClr>
-            </a:gs>
-            <a:gs pos="100000">
-              <a:schemeClr val="phClr">
-                <a:tint val="15000"/>
-                <a:satMod val="350000"/>
-              </a:schemeClr>
-            </a:gs>
-          </a:gsLst>
-          <a:lin ang="16200000" scaled="1"/>
-        </a:gradFill>
-        <a:gradFill rotWithShape="1">
-          <a:gsLst>
-            <a:gs pos="0">
-              <a:schemeClr val="phClr">
-                <a:tint val="100000"/>
-                <a:shade val="100000"/>
-                <a:satMod val="130000"/>
-              </a:schemeClr>
-            </a:gs>
-            <a:gs pos="100000">
-              <a:schemeClr val="phClr">
-                <a:tint val="50000"/>
-                <a:shade val="100000"/>
-                <a:satMod val="350000"/>
-              </a:schemeClr>
-            </a:gs>
-          </a:gsLst>
-          <a:lin ang="16200000" scaled="0"/>
-        </a:gradFill>
-      </a:fillStyleLst>
-      <a:lnStyleLst>
-        <a:ln w="9525" cap="flat" cmpd="sng" algn="ctr">
-          <a:solidFill>
-            <a:schemeClr val="phClr">
-              <a:shade val="95000"/>
-              <a:satMod val="105000"/>
-            </a:schemeClr>
-          </a:solidFill>
-          <a:prstDash val="solid"/>
-        </a:ln>
-        <a:ln w="25400" cap="flat" cmpd="sng" algn="ctr">
-          <a:solidFill>
-            <a:schemeClr val="phClr"/>
-          </a:solidFill>
-          <a:prstDash val="solid"/>
-        </a:ln>
-        <a:ln w="38100" cap="flat" cmpd="sng" algn="ctr">
-          <a:solidFill>
-            <a:schemeClr val="phClr"/>
-          </a:solidFill>
-          <a:prstDash val="solid"/>
-        </a:ln>
-      </a:lnStyleLst>
-      <a:effectStyleLst>
-        <a:effectStyle>
-          <a:effectLst>
-            <a:outerShdw blurRad="40000" dist="20000" dir="5400000" rotWithShape="0">
-              <a:srgbClr val="000000">
-                <a:alpha val="38000"/>
-              </a:srgbClr>
-            </a:outerShdw>
-          </a:effectLst>
-        </a:effectStyle>
-        <a:effectStyle>
-          <a:effectLst>
-            <a:outerShdw blurRad="40000" dist="23000" dir="5400000" rotWithShape="0">
-              <a:srgbClr val="000000">
-                <a:alpha val="35000"/>
-              </a:srgbClr>
-            </a:outerShdw>
-          </a:effectLst>
-        </a:effectStyle>
-        <a:effectStyle>
-          <a:effectLst>
-            <a:outerShdw blurRad="40000" dist="23000" dir="5400000" rotWithShape="0">
-              <a:srgbClr val="000000">
-                <a:alpha val="35000"/>
-              </a:srgbClr>
-            </a:outerShdw>
-          </a:effectLst>
-          <a:scene3d>
-            <a:camera prst="orthographicFront">
-              <a:rot lat="0" lon="0" rev="0"/>
-            </a:camera>
-            <a:lightRig rig="threePt" dir="t">
-              <a:rot lat="0" lon="0" rev="1200000"/>
-            </a:lightRig>
-          </a:scene3d>
-          <a:sp3d>
-            <a:bevelT w="63500" h="25400"/>
-          </a:sp3d>
-        </a:effectStyle>
-      </a:effectStyleLst>
-      <a:bgFillStyleLst>
-        <a:solidFill>
-          <a:schemeClr val="phClr"/>
-        </a:solidFill>
-        <a:gradFill rotWithShape="1">
-          <a:gsLst>
-            <a:gs pos="0">
-              <a:schemeClr val="phClr">
-                <a:tint val="40000"/>
-                <a:satMod val="350000"/>
-              </a:schemeClr>
-            </a:gs>
-            <a:gs pos="40000">
-              <a:schemeClr val="phClr">
-                <a:tint val="45000"/>
-                <a:shade val="99000"/>
-                <a:satMod val="350000"/>
-              </a:schemeClr>
-            </a:gs>
-            <a:gs pos="100000">
-              <a:schemeClr val="phClr">
-                <a:shade val="20000"/>
-                <a:satMod val="255000"/>
-              </a:schemeClr>
-            </a:gs>
-          </a:gsLst>
-          <a:path path="circle">
-            <a:fillToRect l="50000" t="-80000" r="50000" b="180000"/>
-          </a:path>
-        </a:gradFill>
-        <a:gradFill rotWithShape="1">
-          <a:gsLst>
-            <a:gs pos="0">
-              <a:schemeClr val="phClr">
-                <a:tint val="80000"/>
-                <a:satMod val="300000"/>
-              </a:schemeClr>
-            </a:gs>
-            <a:gs pos="100000">
-              <a:schemeClr val="phClr">
-                <a:shade val="30000"/>
-                <a:satMod val="200000"/>
-              </a:schemeClr>
-            </a:gs>
-          </a:gsLst>
-          <a:path path="circle">
-            <a:fillToRect l="50000" t="50000" r="50000" b="50000"/>
-          </a:path>
-        </a:gradFill>
-      </a:bgFillStyleLst>
-    </a:fmtScheme>
-  </a:themeElements>
-</a:theme>
 </file>
--- a/Workspaces en root.pptx
+++ b/Workspaces en root.pptx
@@ -34,23 +34,27 @@
     <p:sldId id="279" r:id="rId29"/>
     <p:sldId id="280" r:id="rId30"/>
     <p:sldId id="281" r:id="rId31"/>
+    <p:sldId id="282" r:id="rId32"/>
+    <p:sldId id="283" r:id="rId33"/>
+    <p:sldId id="284" r:id="rId34"/>
+    <p:sldId id="285" r:id="rId35"/>
   </p:sldIdLst>
   <p:sldSz cy="6858000" cx="12192000"/>
   <p:notesSz cx="6858000" cy="9144000"/>
   <p:embeddedFontLst>
     <p:embeddedFont>
       <p:font typeface="Open Sans Light"/>
-      <p:regular r:id="rId32"/>
-      <p:bold r:id="rId33"/>
-      <p:italic r:id="rId34"/>
-      <p:boldItalic r:id="rId35"/>
-    </p:embeddedFont>
-    <p:embeddedFont>
-      <p:font typeface="Open Sans"/>
       <p:regular r:id="rId36"/>
       <p:bold r:id="rId37"/>
       <p:italic r:id="rId38"/>
       <p:boldItalic r:id="rId39"/>
+    </p:embeddedFont>
+    <p:embeddedFont>
+      <p:font typeface="Open Sans"/>
+      <p:regular r:id="rId40"/>
+      <p:bold r:id="rId41"/>
+      <p:italic r:id="rId42"/>
+      <p:boldItalic r:id="rId43"/>
     </p:embeddedFont>
   </p:embeddedFontLst>
   <p:defaultTextStyle>
@@ -284,7 +288,7 @@
   </p:defaultTextStyle>
   <p:extLst>
     <p:ext uri="GoogleSlidesCustomDataVersion2">
-      <go:slidesCustomData xmlns:go="http://customooxmlschemas.google.com/" r:id="rId40" roundtripDataSignature="AMtx7mgS1zj4geSWep/1v3Gu1+vdciIXkA=="/>
+      <go:slidesCustomData xmlns:go="http://customooxmlschemas.google.com/" r:id="rId44" roundtripDataSignature="AMtx7mgWYRJjItPz0c4MppiBF1mkJVRtbA=="/>
     </p:ext>
   </p:extLst>
 </p:presentation>
@@ -870,7 +874,7 @@
       </p:grpSpPr>
       <p:sp>
         <p:nvSpPr>
-          <p:cNvPr id="83" name="Google Shape;83;p1:notes"/>
+          <p:cNvPr id="83" name="Google Shape;83;g1e3c4f8711e_0_0:notes"/>
           <p:cNvSpPr txBox="1"/>
           <p:nvPr>
             <p:ph idx="1" type="body"/>
@@ -878,16 +882,12 @@
         </p:nvSpPr>
         <p:spPr>
           <a:xfrm>
-            <a:off x="685800" y="4343400"/>
-            <a:ext cx="5486400" cy="4114800"/>
+            <a:off x="685800" y="4400550"/>
+            <a:ext cx="5486400" cy="3600600"/>
           </a:xfrm>
           <a:prstGeom prst="rect">
             <a:avLst/>
           </a:prstGeom>
-          <a:noFill/>
-          <a:ln>
-            <a:noFill/>
-          </a:ln>
         </p:spPr>
         <p:txBody>
           <a:bodyPr anchorCtr="0" anchor="t" bIns="91425" lIns="91425" spcFirstLastPara="1" rIns="91425" wrap="square" tIns="91425">
@@ -896,16 +896,12 @@
           <a:lstStyle/>
           <a:p>
             <a:pPr indent="0" lvl="0" marL="0" rtl="0" algn="l">
-              <a:lnSpc>
-                <a:spcPct val="100000"/>
-              </a:lnSpc>
-              <a:spcBef>
-                <a:spcPts val="0"/>
-              </a:spcBef>
-              <a:spcAft>
-                <a:spcPts val="0"/>
-              </a:spcAft>
-              <a:buSzPts val="1100"/>
+              <a:spcBef>
+                <a:spcPts val="0"/>
+              </a:spcBef>
+              <a:spcAft>
+                <a:spcPts val="0"/>
+              </a:spcAft>
               <a:buNone/>
             </a:pPr>
             <a:r>
@@ -917,7 +913,114 @@
       </p:sp>
       <p:sp>
         <p:nvSpPr>
-          <p:cNvPr id="84" name="Google Shape;84;p1:notes"/>
+          <p:cNvPr id="84" name="Google Shape;84;g1e3c4f8711e_0_0:notes"/>
+          <p:cNvSpPr/>
+          <p:nvPr>
+            <p:ph idx="2" type="sldImg"/>
+          </p:nvPr>
+        </p:nvSpPr>
+        <p:spPr>
+          <a:xfrm>
+            <a:off x="685800" y="1143000"/>
+            <a:ext cx="5486400" cy="3086100"/>
+          </a:xfrm>
+          <a:custGeom>
+            <a:rect b="b" l="l" r="r" t="t"/>
+            <a:pathLst>
+              <a:path extrusionOk="0" h="120000" w="120000">
+                <a:moveTo>
+                  <a:pt x="0" y="0"/>
+                </a:moveTo>
+                <a:lnTo>
+                  <a:pt x="120000" y="0"/>
+                </a:lnTo>
+                <a:lnTo>
+                  <a:pt x="120000" y="120000"/>
+                </a:lnTo>
+                <a:lnTo>
+                  <a:pt x="0" y="120000"/>
+                </a:lnTo>
+                <a:close/>
+              </a:path>
+            </a:pathLst>
+          </a:custGeom>
+        </p:spPr>
+      </p:sp>
+    </p:spTree>
+  </p:cSld>
+  <p:clrMapOvr>
+    <a:masterClrMapping/>
+  </p:clrMapOvr>
+</p:notes>
+</file>
+
+<file path=ppt/notesSlides/notesSlide10.xml><?xml version="1.0" encoding="utf-8"?>
+<p:notes xmlns:a="http://schemas.openxmlformats.org/drawingml/2006/main" xmlns:r="http://schemas.openxmlformats.org/officeDocument/2006/relationships" xmlns:mc="http://schemas.openxmlformats.org/markup-compatibility/2006" xmlns:mv="urn:schemas-microsoft-com:mac:vml" xmlns:p="http://schemas.openxmlformats.org/presentationml/2006/main" xmlns:c="http://schemas.openxmlformats.org/drawingml/2006/chart" xmlns:dgm="http://schemas.openxmlformats.org/drawingml/2006/diagram" xmlns:o="urn:schemas-microsoft-com:office:office" xmlns:v="urn:schemas-microsoft-com:vml" xmlns:pvml="urn:schemas-microsoft-com:office:powerpoint" xmlns:com="http://schemas.openxmlformats.org/drawingml/2006/compatibility" xmlns:p14="http://schemas.microsoft.com/office/powerpoint/2010/main" xmlns:p15="http://schemas.microsoft.com/office/powerpoint/2012/main" xmlns:ahyp="http://schemas.microsoft.com/office/drawing/2018/hyperlinkcolor" showMasterPhAnim="0" showMasterSp="0">
+  <p:cSld>
+    <p:spTree>
+      <p:nvGrpSpPr>
+        <p:cNvPr id="182" name="Shape 182"/>
+        <p:cNvGrpSpPr/>
+        <p:nvPr/>
+      </p:nvGrpSpPr>
+      <p:grpSpPr>
+        <a:xfrm>
+          <a:off x="0" y="0"/>
+          <a:ext cx="0" cy="0"/>
+          <a:chOff x="0" y="0"/>
+          <a:chExt cx="0" cy="0"/>
+        </a:xfrm>
+      </p:grpSpPr>
+      <p:sp>
+        <p:nvSpPr>
+          <p:cNvPr id="183" name="Google Shape;183;p7:notes"/>
+          <p:cNvSpPr txBox="1"/>
+          <p:nvPr>
+            <p:ph idx="1" type="body"/>
+          </p:nvPr>
+        </p:nvSpPr>
+        <p:spPr>
+          <a:xfrm>
+            <a:off x="685800" y="4343400"/>
+            <a:ext cx="5486400" cy="4114800"/>
+          </a:xfrm>
+          <a:prstGeom prst="rect">
+            <a:avLst/>
+          </a:prstGeom>
+          <a:noFill/>
+          <a:ln>
+            <a:noFill/>
+          </a:ln>
+        </p:spPr>
+        <p:txBody>
+          <a:bodyPr anchorCtr="0" anchor="t" bIns="91425" lIns="91425" spcFirstLastPara="1" rIns="91425" wrap="square" tIns="91425">
+            <a:noAutofit/>
+          </a:bodyPr>
+          <a:lstStyle/>
+          <a:p>
+            <a:pPr indent="0" lvl="0" marL="0" rtl="0" algn="l">
+              <a:lnSpc>
+                <a:spcPct val="100000"/>
+              </a:lnSpc>
+              <a:spcBef>
+                <a:spcPts val="0"/>
+              </a:spcBef>
+              <a:spcAft>
+                <a:spcPts val="0"/>
+              </a:spcAft>
+              <a:buSzPts val="1100"/>
+              <a:buNone/>
+            </a:pPr>
+            <a:r>
+              <a:t/>
+            </a:r>
+            <a:endParaRPr/>
+          </a:p>
+        </p:txBody>
+      </p:sp>
+      <p:sp>
+        <p:nvSpPr>
+          <p:cNvPr id="184" name="Google Shape;184;p7:notes"/>
           <p:cNvSpPr/>
           <p:nvPr>
             <p:ph idx="2" type="sldImg"/>
@@ -968,12 +1071,12 @@
 </p:notes>
 </file>
 
-<file path=ppt/notesSlides/notesSlide10.xml><?xml version="1.0" encoding="utf-8"?>
+<file path=ppt/notesSlides/notesSlide11.xml><?xml version="1.0" encoding="utf-8"?>
 <p:notes xmlns:a="http://schemas.openxmlformats.org/drawingml/2006/main" xmlns:r="http://schemas.openxmlformats.org/officeDocument/2006/relationships" xmlns:mc="http://schemas.openxmlformats.org/markup-compatibility/2006" xmlns:mv="urn:schemas-microsoft-com:mac:vml" xmlns:p="http://schemas.openxmlformats.org/presentationml/2006/main" xmlns:c="http://schemas.openxmlformats.org/drawingml/2006/chart" xmlns:dgm="http://schemas.openxmlformats.org/drawingml/2006/diagram" xmlns:o="urn:schemas-microsoft-com:office:office" xmlns:v="urn:schemas-microsoft-com:vml" xmlns:pvml="urn:schemas-microsoft-com:office:powerpoint" xmlns:com="http://schemas.openxmlformats.org/drawingml/2006/compatibility" xmlns:p14="http://schemas.microsoft.com/office/powerpoint/2010/main" xmlns:p15="http://schemas.microsoft.com/office/powerpoint/2012/main" xmlns:ahyp="http://schemas.microsoft.com/office/drawing/2018/hyperlinkcolor" showMasterPhAnim="0" showMasterSp="0">
   <p:cSld>
     <p:spTree>
       <p:nvGrpSpPr>
-        <p:cNvPr id="172" name="Shape 172"/>
+        <p:cNvPr id="189" name="Shape 189"/>
         <p:cNvGrpSpPr/>
         <p:nvPr/>
       </p:nvGrpSpPr>
@@ -987,7 +1090,7 @@
       </p:grpSpPr>
       <p:sp>
         <p:nvSpPr>
-          <p:cNvPr id="173" name="Google Shape;173;g1e3aae6ef86_0_25:notes"/>
+          <p:cNvPr id="190" name="Google Shape;190;p8:notes"/>
           <p:cNvSpPr txBox="1"/>
           <p:nvPr>
             <p:ph idx="1" type="body"/>
@@ -1034,7 +1137,7 @@
       </p:sp>
       <p:sp>
         <p:nvSpPr>
-          <p:cNvPr id="174" name="Google Shape;174;g1e3aae6ef86_0_25:notes"/>
+          <p:cNvPr id="191" name="Google Shape;191;p8:notes"/>
           <p:cNvSpPr/>
           <p:nvPr>
             <p:ph idx="2" type="sldImg"/>
@@ -1043,7 +1146,7 @@
         <p:spPr>
           <a:xfrm>
             <a:off x="1143225" y="685800"/>
-            <a:ext cx="4572300" cy="3429000"/>
+            <a:ext cx="4572225" cy="3429000"/>
           </a:xfrm>
           <a:custGeom>
             <a:rect b="b" l="l" r="r" t="t"/>
@@ -1085,12 +1188,12 @@
 </p:notes>
 </file>
 
-<file path=ppt/notesSlides/notesSlide11.xml><?xml version="1.0" encoding="utf-8"?>
+<file path=ppt/notesSlides/notesSlide12.xml><?xml version="1.0" encoding="utf-8"?>
 <p:notes xmlns:a="http://schemas.openxmlformats.org/drawingml/2006/main" xmlns:r="http://schemas.openxmlformats.org/officeDocument/2006/relationships" xmlns:mc="http://schemas.openxmlformats.org/markup-compatibility/2006" xmlns:mv="urn:schemas-microsoft-com:mac:vml" xmlns:p="http://schemas.openxmlformats.org/presentationml/2006/main" xmlns:c="http://schemas.openxmlformats.org/drawingml/2006/chart" xmlns:dgm="http://schemas.openxmlformats.org/drawingml/2006/diagram" xmlns:o="urn:schemas-microsoft-com:office:office" xmlns:v="urn:schemas-microsoft-com:vml" xmlns:pvml="urn:schemas-microsoft-com:office:powerpoint" xmlns:com="http://schemas.openxmlformats.org/drawingml/2006/compatibility" xmlns:p14="http://schemas.microsoft.com/office/powerpoint/2010/main" xmlns:p15="http://schemas.microsoft.com/office/powerpoint/2012/main" xmlns:ahyp="http://schemas.microsoft.com/office/drawing/2018/hyperlinkcolor" showMasterPhAnim="0" showMasterSp="0">
   <p:cSld>
     <p:spTree>
       <p:nvGrpSpPr>
-        <p:cNvPr id="183" name="Shape 183"/>
+        <p:cNvPr id="199" name="Shape 199"/>
         <p:cNvGrpSpPr/>
         <p:nvPr/>
       </p:nvGrpSpPr>
@@ -1104,7 +1207,7 @@
       </p:grpSpPr>
       <p:sp>
         <p:nvSpPr>
-          <p:cNvPr id="184" name="Google Shape;184;p9:notes"/>
+          <p:cNvPr id="200" name="Google Shape;200;g1e3aae6ef86_0_12:notes"/>
           <p:cNvSpPr txBox="1"/>
           <p:nvPr>
             <p:ph idx="1" type="body"/>
@@ -1151,7 +1254,7 @@
       </p:sp>
       <p:sp>
         <p:nvSpPr>
-          <p:cNvPr id="185" name="Google Shape;185;p9:notes"/>
+          <p:cNvPr id="201" name="Google Shape;201;g1e3aae6ef86_0_12:notes"/>
           <p:cNvSpPr/>
           <p:nvPr>
             <p:ph idx="2" type="sldImg"/>
@@ -1160,7 +1263,7 @@
         <p:spPr>
           <a:xfrm>
             <a:off x="1143225" y="685800"/>
-            <a:ext cx="4572225" cy="3429000"/>
+            <a:ext cx="4572300" cy="3429000"/>
           </a:xfrm>
           <a:custGeom>
             <a:rect b="b" l="l" r="r" t="t"/>
@@ -1202,12 +1305,12 @@
 </p:notes>
 </file>
 
-<file path=ppt/notesSlides/notesSlide12.xml><?xml version="1.0" encoding="utf-8"?>
+<file path=ppt/notesSlides/notesSlide13.xml><?xml version="1.0" encoding="utf-8"?>
 <p:notes xmlns:a="http://schemas.openxmlformats.org/drawingml/2006/main" xmlns:r="http://schemas.openxmlformats.org/officeDocument/2006/relationships" xmlns:mc="http://schemas.openxmlformats.org/markup-compatibility/2006" xmlns:mv="urn:schemas-microsoft-com:mac:vml" xmlns:p="http://schemas.openxmlformats.org/presentationml/2006/main" xmlns:c="http://schemas.openxmlformats.org/drawingml/2006/chart" xmlns:dgm="http://schemas.openxmlformats.org/drawingml/2006/diagram" xmlns:o="urn:schemas-microsoft-com:office:office" xmlns:v="urn:schemas-microsoft-com:vml" xmlns:pvml="urn:schemas-microsoft-com:office:powerpoint" xmlns:com="http://schemas.openxmlformats.org/drawingml/2006/compatibility" xmlns:p14="http://schemas.microsoft.com/office/powerpoint/2010/main" xmlns:p15="http://schemas.microsoft.com/office/powerpoint/2012/main" xmlns:ahyp="http://schemas.microsoft.com/office/drawing/2018/hyperlinkcolor" showMasterPhAnim="0" showMasterSp="0">
   <p:cSld>
     <p:spTree>
       <p:nvGrpSpPr>
-        <p:cNvPr id="192" name="Shape 192"/>
+        <p:cNvPr id="208" name="Shape 208"/>
         <p:cNvGrpSpPr/>
         <p:nvPr/>
       </p:nvGrpSpPr>
@@ -1221,7 +1324,7 @@
       </p:grpSpPr>
       <p:sp>
         <p:nvSpPr>
-          <p:cNvPr id="193" name="Google Shape;193;g1e3b50694ee_0_0:notes"/>
+          <p:cNvPr id="209" name="Google Shape;209;g1e3aae6ef86_0_25:notes"/>
           <p:cNvSpPr txBox="1"/>
           <p:nvPr>
             <p:ph idx="1" type="body"/>
@@ -1268,7 +1371,7 @@
       </p:sp>
       <p:sp>
         <p:nvSpPr>
-          <p:cNvPr id="194" name="Google Shape;194;g1e3b50694ee_0_0:notes"/>
+          <p:cNvPr id="210" name="Google Shape;210;g1e3aae6ef86_0_25:notes"/>
           <p:cNvSpPr/>
           <p:nvPr>
             <p:ph idx="2" type="sldImg"/>
@@ -1319,12 +1422,12 @@
 </p:notes>
 </file>
 
-<file path=ppt/notesSlides/notesSlide13.xml><?xml version="1.0" encoding="utf-8"?>
+<file path=ppt/notesSlides/notesSlide14.xml><?xml version="1.0" encoding="utf-8"?>
 <p:notes xmlns:a="http://schemas.openxmlformats.org/drawingml/2006/main" xmlns:r="http://schemas.openxmlformats.org/officeDocument/2006/relationships" xmlns:mc="http://schemas.openxmlformats.org/markup-compatibility/2006" xmlns:mv="urn:schemas-microsoft-com:mac:vml" xmlns:p="http://schemas.openxmlformats.org/presentationml/2006/main" xmlns:c="http://schemas.openxmlformats.org/drawingml/2006/chart" xmlns:dgm="http://schemas.openxmlformats.org/drawingml/2006/diagram" xmlns:o="urn:schemas-microsoft-com:office:office" xmlns:v="urn:schemas-microsoft-com:vml" xmlns:pvml="urn:schemas-microsoft-com:office:powerpoint" xmlns:com="http://schemas.openxmlformats.org/drawingml/2006/compatibility" xmlns:p14="http://schemas.microsoft.com/office/powerpoint/2010/main" xmlns:p15="http://schemas.microsoft.com/office/powerpoint/2012/main" xmlns:ahyp="http://schemas.microsoft.com/office/drawing/2018/hyperlinkcolor" showMasterPhAnim="0" showMasterSp="0">
   <p:cSld>
     <p:spTree>
       <p:nvGrpSpPr>
-        <p:cNvPr id="201" name="Shape 201"/>
+        <p:cNvPr id="219" name="Shape 219"/>
         <p:cNvGrpSpPr/>
         <p:nvPr/>
       </p:nvGrpSpPr>
@@ -1338,7 +1441,7 @@
       </p:grpSpPr>
       <p:sp>
         <p:nvSpPr>
-          <p:cNvPr id="202" name="Google Shape;202;p10:notes"/>
+          <p:cNvPr id="220" name="Google Shape;220;p9:notes"/>
           <p:cNvSpPr txBox="1"/>
           <p:nvPr>
             <p:ph idx="1" type="body"/>
@@ -1385,7 +1488,7 @@
       </p:sp>
       <p:sp>
         <p:nvSpPr>
-          <p:cNvPr id="203" name="Google Shape;203;p10:notes"/>
+          <p:cNvPr id="221" name="Google Shape;221;p9:notes"/>
           <p:cNvSpPr/>
           <p:nvPr>
             <p:ph idx="2" type="sldImg"/>
@@ -1436,12 +1539,12 @@
 </p:notes>
 </file>
 
-<file path=ppt/notesSlides/notesSlide14.xml><?xml version="1.0" encoding="utf-8"?>
+<file path=ppt/notesSlides/notesSlide15.xml><?xml version="1.0" encoding="utf-8"?>
 <p:notes xmlns:a="http://schemas.openxmlformats.org/drawingml/2006/main" xmlns:r="http://schemas.openxmlformats.org/officeDocument/2006/relationships" xmlns:mc="http://schemas.openxmlformats.org/markup-compatibility/2006" xmlns:mv="urn:schemas-microsoft-com:mac:vml" xmlns:p="http://schemas.openxmlformats.org/presentationml/2006/main" xmlns:c="http://schemas.openxmlformats.org/drawingml/2006/chart" xmlns:dgm="http://schemas.openxmlformats.org/drawingml/2006/diagram" xmlns:o="urn:schemas-microsoft-com:office:office" xmlns:v="urn:schemas-microsoft-com:vml" xmlns:pvml="urn:schemas-microsoft-com:office:powerpoint" xmlns:com="http://schemas.openxmlformats.org/drawingml/2006/compatibility" xmlns:p14="http://schemas.microsoft.com/office/powerpoint/2010/main" xmlns:p15="http://schemas.microsoft.com/office/powerpoint/2012/main" xmlns:ahyp="http://schemas.microsoft.com/office/drawing/2018/hyperlinkcolor" showMasterPhAnim="0" showMasterSp="0">
   <p:cSld>
     <p:spTree>
       <p:nvGrpSpPr>
-        <p:cNvPr id="210" name="Shape 210"/>
+        <p:cNvPr id="228" name="Shape 228"/>
         <p:cNvGrpSpPr/>
         <p:nvPr/>
       </p:nvGrpSpPr>
@@ -1455,7 +1558,7 @@
       </p:grpSpPr>
       <p:sp>
         <p:nvSpPr>
-          <p:cNvPr id="211" name="Google Shape;211;g1e3b2cf0910_1_0:notes"/>
+          <p:cNvPr id="229" name="Google Shape;229;g1e3b50694ee_0_0:notes"/>
           <p:cNvSpPr txBox="1"/>
           <p:nvPr>
             <p:ph idx="1" type="body"/>
@@ -1502,7 +1605,7 @@
       </p:sp>
       <p:sp>
         <p:nvSpPr>
-          <p:cNvPr id="212" name="Google Shape;212;g1e3b2cf0910_1_0:notes"/>
+          <p:cNvPr id="230" name="Google Shape;230;g1e3b50694ee_0_0:notes"/>
           <p:cNvSpPr/>
           <p:nvPr>
             <p:ph idx="2" type="sldImg"/>
@@ -1553,12 +1656,12 @@
 </p:notes>
 </file>
 
-<file path=ppt/notesSlides/notesSlide15.xml><?xml version="1.0" encoding="utf-8"?>
+<file path=ppt/notesSlides/notesSlide16.xml><?xml version="1.0" encoding="utf-8"?>
 <p:notes xmlns:a="http://schemas.openxmlformats.org/drawingml/2006/main" xmlns:r="http://schemas.openxmlformats.org/officeDocument/2006/relationships" xmlns:mc="http://schemas.openxmlformats.org/markup-compatibility/2006" xmlns:mv="urn:schemas-microsoft-com:mac:vml" xmlns:p="http://schemas.openxmlformats.org/presentationml/2006/main" xmlns:c="http://schemas.openxmlformats.org/drawingml/2006/chart" xmlns:dgm="http://schemas.openxmlformats.org/drawingml/2006/diagram" xmlns:o="urn:schemas-microsoft-com:office:office" xmlns:v="urn:schemas-microsoft-com:vml" xmlns:pvml="urn:schemas-microsoft-com:office:powerpoint" xmlns:com="http://schemas.openxmlformats.org/drawingml/2006/compatibility" xmlns:p14="http://schemas.microsoft.com/office/powerpoint/2010/main" xmlns:p15="http://schemas.microsoft.com/office/powerpoint/2012/main" xmlns:ahyp="http://schemas.microsoft.com/office/drawing/2018/hyperlinkcolor" showMasterPhAnim="0" showMasterSp="0">
   <p:cSld>
     <p:spTree>
       <p:nvGrpSpPr>
-        <p:cNvPr id="217" name="Shape 217"/>
+        <p:cNvPr id="237" name="Shape 237"/>
         <p:cNvGrpSpPr/>
         <p:nvPr/>
       </p:nvGrpSpPr>
@@ -1572,7 +1675,7 @@
       </p:grpSpPr>
       <p:sp>
         <p:nvSpPr>
-          <p:cNvPr id="218" name="Google Shape;218;g1e3b2cf0910_1_83:notes"/>
+          <p:cNvPr id="238" name="Google Shape;238;p10:notes"/>
           <p:cNvSpPr txBox="1"/>
           <p:nvPr>
             <p:ph idx="1" type="body"/>
@@ -1619,7 +1722,7 @@
       </p:sp>
       <p:sp>
         <p:nvSpPr>
-          <p:cNvPr id="219" name="Google Shape;219;g1e3b2cf0910_1_83:notes"/>
+          <p:cNvPr id="239" name="Google Shape;239;p10:notes"/>
           <p:cNvSpPr/>
           <p:nvPr>
             <p:ph idx="2" type="sldImg"/>
@@ -1628,7 +1731,7 @@
         <p:spPr>
           <a:xfrm>
             <a:off x="1143225" y="685800"/>
-            <a:ext cx="4572300" cy="3429000"/>
+            <a:ext cx="4572225" cy="3429000"/>
           </a:xfrm>
           <a:custGeom>
             <a:rect b="b" l="l" r="r" t="t"/>
@@ -1670,12 +1773,12 @@
 </p:notes>
 </file>
 
-<file path=ppt/notesSlides/notesSlide16.xml><?xml version="1.0" encoding="utf-8"?>
+<file path=ppt/notesSlides/notesSlide17.xml><?xml version="1.0" encoding="utf-8"?>
 <p:notes xmlns:a="http://schemas.openxmlformats.org/drawingml/2006/main" xmlns:r="http://schemas.openxmlformats.org/officeDocument/2006/relationships" xmlns:mc="http://schemas.openxmlformats.org/markup-compatibility/2006" xmlns:mv="urn:schemas-microsoft-com:mac:vml" xmlns:p="http://schemas.openxmlformats.org/presentationml/2006/main" xmlns:c="http://schemas.openxmlformats.org/drawingml/2006/chart" xmlns:dgm="http://schemas.openxmlformats.org/drawingml/2006/diagram" xmlns:o="urn:schemas-microsoft-com:office:office" xmlns:v="urn:schemas-microsoft-com:vml" xmlns:pvml="urn:schemas-microsoft-com:office:powerpoint" xmlns:com="http://schemas.openxmlformats.org/drawingml/2006/compatibility" xmlns:p14="http://schemas.microsoft.com/office/powerpoint/2010/main" xmlns:p15="http://schemas.microsoft.com/office/powerpoint/2012/main" xmlns:ahyp="http://schemas.microsoft.com/office/drawing/2018/hyperlinkcolor" showMasterPhAnim="0" showMasterSp="0">
   <p:cSld>
     <p:spTree>
       <p:nvGrpSpPr>
-        <p:cNvPr id="225" name="Shape 225"/>
+        <p:cNvPr id="246" name="Shape 246"/>
         <p:cNvGrpSpPr/>
         <p:nvPr/>
       </p:nvGrpSpPr>
@@ -1689,7 +1792,7 @@
       </p:grpSpPr>
       <p:sp>
         <p:nvSpPr>
-          <p:cNvPr id="226" name="Google Shape;226;p12:notes"/>
+          <p:cNvPr id="247" name="Google Shape;247;g1e3b2cf0910_1_0:notes"/>
           <p:cNvSpPr txBox="1"/>
           <p:nvPr>
             <p:ph idx="1" type="body"/>
@@ -1736,7 +1839,7 @@
       </p:sp>
       <p:sp>
         <p:nvSpPr>
-          <p:cNvPr id="227" name="Google Shape;227;p12:notes"/>
+          <p:cNvPr id="248" name="Google Shape;248;g1e3b2cf0910_1_0:notes"/>
           <p:cNvSpPr/>
           <p:nvPr>
             <p:ph idx="2" type="sldImg"/>
@@ -1745,7 +1848,7 @@
         <p:spPr>
           <a:xfrm>
             <a:off x="1143225" y="685800"/>
-            <a:ext cx="4572225" cy="3429000"/>
+            <a:ext cx="4572300" cy="3429000"/>
           </a:xfrm>
           <a:custGeom>
             <a:rect b="b" l="l" r="r" t="t"/>
@@ -1787,12 +1890,12 @@
 </p:notes>
 </file>
 
-<file path=ppt/notesSlides/notesSlide17.xml><?xml version="1.0" encoding="utf-8"?>
+<file path=ppt/notesSlides/notesSlide18.xml><?xml version="1.0" encoding="utf-8"?>
 <p:notes xmlns:a="http://schemas.openxmlformats.org/drawingml/2006/main" xmlns:r="http://schemas.openxmlformats.org/officeDocument/2006/relationships" xmlns:mc="http://schemas.openxmlformats.org/markup-compatibility/2006" xmlns:mv="urn:schemas-microsoft-com:mac:vml" xmlns:p="http://schemas.openxmlformats.org/presentationml/2006/main" xmlns:c="http://schemas.openxmlformats.org/drawingml/2006/chart" xmlns:dgm="http://schemas.openxmlformats.org/drawingml/2006/diagram" xmlns:o="urn:schemas-microsoft-com:office:office" xmlns:v="urn:schemas-microsoft-com:vml" xmlns:pvml="urn:schemas-microsoft-com:office:powerpoint" xmlns:com="http://schemas.openxmlformats.org/drawingml/2006/compatibility" xmlns:p14="http://schemas.microsoft.com/office/powerpoint/2010/main" xmlns:p15="http://schemas.microsoft.com/office/powerpoint/2012/main" xmlns:ahyp="http://schemas.microsoft.com/office/drawing/2018/hyperlinkcolor" showMasterPhAnim="0" showMasterSp="0">
   <p:cSld>
     <p:spTree>
       <p:nvGrpSpPr>
-        <p:cNvPr id="236" name="Shape 236"/>
+        <p:cNvPr id="253" name="Shape 253"/>
         <p:cNvGrpSpPr/>
         <p:nvPr/>
       </p:nvGrpSpPr>
@@ -1806,7 +1909,7 @@
       </p:grpSpPr>
       <p:sp>
         <p:nvSpPr>
-          <p:cNvPr id="237" name="Google Shape;237;g24f1b9561a3_0_3:notes"/>
+          <p:cNvPr id="254" name="Google Shape;254;g1e3b2cf0910_1_83:notes"/>
           <p:cNvSpPr txBox="1"/>
           <p:nvPr>
             <p:ph idx="1" type="body"/>
@@ -1853,7 +1956,7 @@
       </p:sp>
       <p:sp>
         <p:nvSpPr>
-          <p:cNvPr id="238" name="Google Shape;238;g24f1b9561a3_0_3:notes"/>
+          <p:cNvPr id="255" name="Google Shape;255;g1e3b2cf0910_1_83:notes"/>
           <p:cNvSpPr/>
           <p:nvPr>
             <p:ph idx="2" type="sldImg"/>
@@ -1904,12 +2007,12 @@
 </p:notes>
 </file>
 
-<file path=ppt/notesSlides/notesSlide18.xml><?xml version="1.0" encoding="utf-8"?>
+<file path=ppt/notesSlides/notesSlide19.xml><?xml version="1.0" encoding="utf-8"?>
 <p:notes xmlns:a="http://schemas.openxmlformats.org/drawingml/2006/main" xmlns:r="http://schemas.openxmlformats.org/officeDocument/2006/relationships" xmlns:mc="http://schemas.openxmlformats.org/markup-compatibility/2006" xmlns:mv="urn:schemas-microsoft-com:mac:vml" xmlns:p="http://schemas.openxmlformats.org/presentationml/2006/main" xmlns:c="http://schemas.openxmlformats.org/drawingml/2006/chart" xmlns:dgm="http://schemas.openxmlformats.org/drawingml/2006/diagram" xmlns:o="urn:schemas-microsoft-com:office:office" xmlns:v="urn:schemas-microsoft-com:vml" xmlns:pvml="urn:schemas-microsoft-com:office:powerpoint" xmlns:com="http://schemas.openxmlformats.org/drawingml/2006/compatibility" xmlns:p14="http://schemas.microsoft.com/office/powerpoint/2010/main" xmlns:p15="http://schemas.microsoft.com/office/powerpoint/2012/main" xmlns:ahyp="http://schemas.microsoft.com/office/drawing/2018/hyperlinkcolor" showMasterPhAnim="0" showMasterSp="0">
   <p:cSld>
     <p:spTree>
       <p:nvGrpSpPr>
-        <p:cNvPr id="245" name="Shape 245"/>
+        <p:cNvPr id="261" name="Shape 261"/>
         <p:cNvGrpSpPr/>
         <p:nvPr/>
       </p:nvGrpSpPr>
@@ -1923,7 +2026,7 @@
       </p:grpSpPr>
       <p:sp>
         <p:nvSpPr>
-          <p:cNvPr id="246" name="Google Shape;246;g24f1b9561a3_0_10:notes"/>
+          <p:cNvPr id="262" name="Google Shape;262;g1e3c4f8711e_0_87:notes"/>
           <p:cNvSpPr txBox="1"/>
           <p:nvPr>
             <p:ph idx="1" type="body"/>
@@ -1970,124 +2073,7 @@
       </p:sp>
       <p:sp>
         <p:nvSpPr>
-          <p:cNvPr id="247" name="Google Shape;247;g24f1b9561a3_0_10:notes"/>
-          <p:cNvSpPr/>
-          <p:nvPr>
-            <p:ph idx="2" type="sldImg"/>
-          </p:nvPr>
-        </p:nvSpPr>
-        <p:spPr>
-          <a:xfrm>
-            <a:off x="1143225" y="685800"/>
-            <a:ext cx="4572300" cy="3429000"/>
-          </a:xfrm>
-          <a:custGeom>
-            <a:rect b="b" l="l" r="r" t="t"/>
-            <a:pathLst>
-              <a:path extrusionOk="0" h="120000" w="120000">
-                <a:moveTo>
-                  <a:pt x="0" y="0"/>
-                </a:moveTo>
-                <a:lnTo>
-                  <a:pt x="120000" y="0"/>
-                </a:lnTo>
-                <a:lnTo>
-                  <a:pt x="120000" y="120000"/>
-                </a:lnTo>
-                <a:lnTo>
-                  <a:pt x="0" y="120000"/>
-                </a:lnTo>
-                <a:close/>
-              </a:path>
-            </a:pathLst>
-          </a:custGeom>
-          <a:noFill/>
-          <a:ln cap="flat" cmpd="sng" w="9525">
-            <a:solidFill>
-              <a:srgbClr val="000000"/>
-            </a:solidFill>
-            <a:prstDash val="solid"/>
-            <a:round/>
-            <a:headEnd len="sm" w="sm" type="none"/>
-            <a:tailEnd len="sm" w="sm" type="none"/>
-          </a:ln>
-        </p:spPr>
-      </p:sp>
-    </p:spTree>
-  </p:cSld>
-  <p:clrMapOvr>
-    <a:masterClrMapping/>
-  </p:clrMapOvr>
-</p:notes>
-</file>
-
-<file path=ppt/notesSlides/notesSlide19.xml><?xml version="1.0" encoding="utf-8"?>
-<p:notes xmlns:a="http://schemas.openxmlformats.org/drawingml/2006/main" xmlns:r="http://schemas.openxmlformats.org/officeDocument/2006/relationships" xmlns:mc="http://schemas.openxmlformats.org/markup-compatibility/2006" xmlns:mv="urn:schemas-microsoft-com:mac:vml" xmlns:p="http://schemas.openxmlformats.org/presentationml/2006/main" xmlns:c="http://schemas.openxmlformats.org/drawingml/2006/chart" xmlns:dgm="http://schemas.openxmlformats.org/drawingml/2006/diagram" xmlns:o="urn:schemas-microsoft-com:office:office" xmlns:v="urn:schemas-microsoft-com:vml" xmlns:pvml="urn:schemas-microsoft-com:office:powerpoint" xmlns:com="http://schemas.openxmlformats.org/drawingml/2006/compatibility" xmlns:p14="http://schemas.microsoft.com/office/powerpoint/2010/main" xmlns:p15="http://schemas.microsoft.com/office/powerpoint/2012/main" xmlns:ahyp="http://schemas.microsoft.com/office/drawing/2018/hyperlinkcolor" showMasterPhAnim="0" showMasterSp="0">
-  <p:cSld>
-    <p:spTree>
-      <p:nvGrpSpPr>
-        <p:cNvPr id="259" name="Shape 259"/>
-        <p:cNvGrpSpPr/>
-        <p:nvPr/>
-      </p:nvGrpSpPr>
-      <p:grpSpPr>
-        <a:xfrm>
-          <a:off x="0" y="0"/>
-          <a:ext cx="0" cy="0"/>
-          <a:chOff x="0" y="0"/>
-          <a:chExt cx="0" cy="0"/>
-        </a:xfrm>
-      </p:grpSpPr>
-      <p:sp>
-        <p:nvSpPr>
-          <p:cNvPr id="260" name="Google Shape;260;g24f1b9561a3_0_54:notes"/>
-          <p:cNvSpPr txBox="1"/>
-          <p:nvPr>
-            <p:ph idx="1" type="body"/>
-          </p:nvPr>
-        </p:nvSpPr>
-        <p:spPr>
-          <a:xfrm>
-            <a:off x="685800" y="4343400"/>
-            <a:ext cx="5486400" cy="4114800"/>
-          </a:xfrm>
-          <a:prstGeom prst="rect">
-            <a:avLst/>
-          </a:prstGeom>
-          <a:noFill/>
-          <a:ln>
-            <a:noFill/>
-          </a:ln>
-        </p:spPr>
-        <p:txBody>
-          <a:bodyPr anchorCtr="0" anchor="t" bIns="91425" lIns="91425" spcFirstLastPara="1" rIns="91425" wrap="square" tIns="91425">
-            <a:noAutofit/>
-          </a:bodyPr>
-          <a:lstStyle/>
-          <a:p>
-            <a:pPr indent="0" lvl="0" marL="0" rtl="0" algn="l">
-              <a:lnSpc>
-                <a:spcPct val="100000"/>
-              </a:lnSpc>
-              <a:spcBef>
-                <a:spcPts val="0"/>
-              </a:spcBef>
-              <a:spcAft>
-                <a:spcPts val="0"/>
-              </a:spcAft>
-              <a:buSzPts val="1100"/>
-              <a:buNone/>
-            </a:pPr>
-            <a:r>
-              <a:t/>
-            </a:r>
-            <a:endParaRPr/>
-          </a:p>
-        </p:txBody>
-      </p:sp>
-      <p:sp>
-        <p:nvSpPr>
-          <p:cNvPr id="261" name="Google Shape;261;g24f1b9561a3_0_54:notes"/>
+          <p:cNvPr id="263" name="Google Shape;263;g1e3c4f8711e_0_87:notes"/>
           <p:cNvSpPr/>
           <p:nvPr>
             <p:ph idx="2" type="sldImg"/>
@@ -2260,7 +2246,7 @@
   <p:cSld>
     <p:spTree>
       <p:nvGrpSpPr>
-        <p:cNvPr id="271" name="Shape 271"/>
+        <p:cNvPr id="272" name="Shape 272"/>
         <p:cNvGrpSpPr/>
         <p:nvPr/>
       </p:nvGrpSpPr>
@@ -2274,7 +2260,7 @@
       </p:grpSpPr>
       <p:sp>
         <p:nvSpPr>
-          <p:cNvPr id="272" name="Google Shape;272;g24f1b9561a3_0_99:notes"/>
+          <p:cNvPr id="273" name="Google Shape;273;g1e3c4f8711e_0_97:notes"/>
           <p:cNvSpPr txBox="1"/>
           <p:nvPr>
             <p:ph idx="1" type="body"/>
@@ -2321,7 +2307,7 @@
       </p:sp>
       <p:sp>
         <p:nvSpPr>
-          <p:cNvPr id="273" name="Google Shape;273;g24f1b9561a3_0_99:notes"/>
+          <p:cNvPr id="274" name="Google Shape;274;g1e3c4f8711e_0_97:notes"/>
           <p:cNvSpPr/>
           <p:nvPr>
             <p:ph idx="2" type="sldImg"/>
@@ -2377,7 +2363,7 @@
   <p:cSld>
     <p:spTree>
       <p:nvGrpSpPr>
-        <p:cNvPr id="283" name="Shape 283"/>
+        <p:cNvPr id="281" name="Shape 281"/>
         <p:cNvGrpSpPr/>
         <p:nvPr/>
       </p:nvGrpSpPr>
@@ -2391,7 +2377,7 @@
       </p:grpSpPr>
       <p:sp>
         <p:nvSpPr>
-          <p:cNvPr id="284" name="Google Shape;284;g24f1b9561a3_0_20:notes"/>
+          <p:cNvPr id="282" name="Google Shape;282;g1e3c4f8711e_0_105:notes"/>
           <p:cNvSpPr txBox="1"/>
           <p:nvPr>
             <p:ph idx="1" type="body"/>
@@ -2438,7 +2424,7 @@
       </p:sp>
       <p:sp>
         <p:nvSpPr>
-          <p:cNvPr id="285" name="Google Shape;285;g24f1b9561a3_0_20:notes"/>
+          <p:cNvPr id="283" name="Google Shape;283;g1e3c4f8711e_0_105:notes"/>
           <p:cNvSpPr/>
           <p:nvPr>
             <p:ph idx="2" type="sldImg"/>
@@ -2494,7 +2480,7 @@
   <p:cSld>
     <p:spTree>
       <p:nvGrpSpPr>
-        <p:cNvPr id="290" name="Shape 290"/>
+        <p:cNvPr id="295" name="Shape 295"/>
         <p:cNvGrpSpPr/>
         <p:nvPr/>
       </p:nvGrpSpPr>
@@ -2508,7 +2494,7 @@
       </p:grpSpPr>
       <p:sp>
         <p:nvSpPr>
-          <p:cNvPr id="291" name="Google Shape;291;g24f1b9561a3_0_38:notes"/>
+          <p:cNvPr id="296" name="Google Shape;296;g1e3c4f8711e_0_118:notes"/>
           <p:cNvSpPr txBox="1"/>
           <p:nvPr>
             <p:ph idx="1" type="body"/>
@@ -2555,7 +2541,7 @@
       </p:sp>
       <p:sp>
         <p:nvSpPr>
-          <p:cNvPr id="292" name="Google Shape;292;g24f1b9561a3_0_38:notes"/>
+          <p:cNvPr id="297" name="Google Shape;297;g1e3c4f8711e_0_118:notes"/>
           <p:cNvSpPr/>
           <p:nvPr>
             <p:ph idx="2" type="sldImg"/>
@@ -2611,7 +2597,7 @@
   <p:cSld>
     <p:spTree>
       <p:nvGrpSpPr>
-        <p:cNvPr id="300" name="Shape 300"/>
+        <p:cNvPr id="308" name="Shape 308"/>
         <p:cNvGrpSpPr/>
         <p:nvPr/>
       </p:nvGrpSpPr>
@@ -2625,7 +2611,7 @@
       </p:grpSpPr>
       <p:sp>
         <p:nvSpPr>
-          <p:cNvPr id="301" name="Google Shape;301;g24f1b9561a3_0_43:notes"/>
+          <p:cNvPr id="309" name="Google Shape;309;g1e3c4f8711e_0_130:notes"/>
           <p:cNvSpPr txBox="1"/>
           <p:nvPr>
             <p:ph idx="1" type="body"/>
@@ -2672,7 +2658,7 @@
       </p:sp>
       <p:sp>
         <p:nvSpPr>
-          <p:cNvPr id="302" name="Google Shape;302;g24f1b9561a3_0_43:notes"/>
+          <p:cNvPr id="310" name="Google Shape;310;g1e3c4f8711e_0_130:notes"/>
           <p:cNvSpPr/>
           <p:nvPr>
             <p:ph idx="2" type="sldImg"/>
@@ -2728,7 +2714,7 @@
   <p:cSld>
     <p:spTree>
       <p:nvGrpSpPr>
-        <p:cNvPr id="307" name="Shape 307"/>
+        <p:cNvPr id="321" name="Shape 321"/>
         <p:cNvGrpSpPr/>
         <p:nvPr/>
       </p:nvGrpSpPr>
@@ -2742,7 +2728,7 @@
       </p:grpSpPr>
       <p:sp>
         <p:nvSpPr>
-          <p:cNvPr id="308" name="Google Shape;308;g24f1b9561a3_0_27:notes"/>
+          <p:cNvPr id="322" name="Google Shape;322;g1e3c4f8711e_0_142:notes"/>
           <p:cNvSpPr txBox="1"/>
           <p:nvPr>
             <p:ph idx="1" type="body"/>
@@ -2789,7 +2775,7 @@
       </p:sp>
       <p:sp>
         <p:nvSpPr>
-          <p:cNvPr id="309" name="Google Shape;309;g24f1b9561a3_0_27:notes"/>
+          <p:cNvPr id="323" name="Google Shape;323;g1e3c4f8711e_0_142:notes"/>
           <p:cNvSpPr/>
           <p:nvPr>
             <p:ph idx="2" type="sldImg"/>
@@ -2845,7 +2831,7 @@
   <p:cSld>
     <p:spTree>
       <p:nvGrpSpPr>
-        <p:cNvPr id="313" name="Shape 313"/>
+        <p:cNvPr id="327" name="Shape 327"/>
         <p:cNvGrpSpPr/>
         <p:nvPr/>
       </p:nvGrpSpPr>
@@ -2859,7 +2845,7 @@
       </p:grpSpPr>
       <p:sp>
         <p:nvSpPr>
-          <p:cNvPr id="314" name="Google Shape;314;p13:notes"/>
+          <p:cNvPr id="328" name="Google Shape;328;g1e3c4f8711e_0_147:notes"/>
           <p:cNvSpPr txBox="1"/>
           <p:nvPr>
             <p:ph idx="1" type="body"/>
@@ -2906,7 +2892,7 @@
       </p:sp>
       <p:sp>
         <p:nvSpPr>
-          <p:cNvPr id="315" name="Google Shape;315;p13:notes"/>
+          <p:cNvPr id="329" name="Google Shape;329;g1e3c4f8711e_0_147:notes"/>
           <p:cNvSpPr/>
           <p:nvPr>
             <p:ph idx="2" type="sldImg"/>
@@ -2915,7 +2901,7 @@
         <p:spPr>
           <a:xfrm>
             <a:off x="1143225" y="685800"/>
-            <a:ext cx="4572225" cy="3429000"/>
+            <a:ext cx="4572300" cy="3429000"/>
           </a:xfrm>
           <a:custGeom>
             <a:rect b="b" l="l" r="r" t="t"/>
@@ -2962,7 +2948,7 @@
   <p:cSld>
     <p:spTree>
       <p:nvGrpSpPr>
-        <p:cNvPr id="319" name="Shape 319"/>
+        <p:cNvPr id="337" name="Shape 337"/>
         <p:cNvGrpSpPr/>
         <p:nvPr/>
       </p:nvGrpSpPr>
@@ -2976,7 +2962,7 @@
       </p:grpSpPr>
       <p:sp>
         <p:nvSpPr>
-          <p:cNvPr id="320" name="Google Shape;320;p14:notes"/>
+          <p:cNvPr id="338" name="Google Shape;338;g1e3c4f8711e_0_156:notes"/>
           <p:cNvSpPr txBox="1"/>
           <p:nvPr>
             <p:ph idx="1" type="body"/>
@@ -3023,7 +3009,7 @@
       </p:sp>
       <p:sp>
         <p:nvSpPr>
-          <p:cNvPr id="321" name="Google Shape;321;p14:notes"/>
+          <p:cNvPr id="339" name="Google Shape;339;g1e3c4f8711e_0_156:notes"/>
           <p:cNvSpPr/>
           <p:nvPr>
             <p:ph idx="2" type="sldImg"/>
@@ -3032,7 +3018,358 @@
         <p:spPr>
           <a:xfrm>
             <a:off x="1143225" y="685800"/>
-            <a:ext cx="4572225" cy="3429000"/>
+            <a:ext cx="4572300" cy="3429000"/>
+          </a:xfrm>
+          <a:custGeom>
+            <a:rect b="b" l="l" r="r" t="t"/>
+            <a:pathLst>
+              <a:path extrusionOk="0" h="120000" w="120000">
+                <a:moveTo>
+                  <a:pt x="0" y="0"/>
+                </a:moveTo>
+                <a:lnTo>
+                  <a:pt x="120000" y="0"/>
+                </a:lnTo>
+                <a:lnTo>
+                  <a:pt x="120000" y="120000"/>
+                </a:lnTo>
+                <a:lnTo>
+                  <a:pt x="0" y="120000"/>
+                </a:lnTo>
+                <a:close/>
+              </a:path>
+            </a:pathLst>
+          </a:custGeom>
+          <a:noFill/>
+          <a:ln cap="flat" cmpd="sng" w="9525">
+            <a:solidFill>
+              <a:srgbClr val="000000"/>
+            </a:solidFill>
+            <a:prstDash val="solid"/>
+            <a:round/>
+            <a:headEnd len="sm" w="sm" type="none"/>
+            <a:tailEnd len="sm" w="sm" type="none"/>
+          </a:ln>
+        </p:spPr>
+      </p:sp>
+    </p:spTree>
+  </p:cSld>
+  <p:clrMapOvr>
+    <a:masterClrMapping/>
+  </p:clrMapOvr>
+</p:notes>
+</file>
+
+<file path=ppt/notesSlides/notesSlide27.xml><?xml version="1.0" encoding="utf-8"?>
+<p:notes xmlns:a="http://schemas.openxmlformats.org/drawingml/2006/main" xmlns:r="http://schemas.openxmlformats.org/officeDocument/2006/relationships" xmlns:mc="http://schemas.openxmlformats.org/markup-compatibility/2006" xmlns:mv="urn:schemas-microsoft-com:mac:vml" xmlns:p="http://schemas.openxmlformats.org/presentationml/2006/main" xmlns:c="http://schemas.openxmlformats.org/drawingml/2006/chart" xmlns:dgm="http://schemas.openxmlformats.org/drawingml/2006/diagram" xmlns:o="urn:schemas-microsoft-com:office:office" xmlns:v="urn:schemas-microsoft-com:vml" xmlns:pvml="urn:schemas-microsoft-com:office:powerpoint" xmlns:com="http://schemas.openxmlformats.org/drawingml/2006/compatibility" xmlns:p14="http://schemas.microsoft.com/office/powerpoint/2010/main" xmlns:p15="http://schemas.microsoft.com/office/powerpoint/2012/main" xmlns:ahyp="http://schemas.microsoft.com/office/drawing/2018/hyperlinkcolor" showMasterPhAnim="0" showMasterSp="0">
+  <p:cSld>
+    <p:spTree>
+      <p:nvGrpSpPr>
+        <p:cNvPr id="344" name="Shape 344"/>
+        <p:cNvGrpSpPr/>
+        <p:nvPr/>
+      </p:nvGrpSpPr>
+      <p:grpSpPr>
+        <a:xfrm>
+          <a:off x="0" y="0"/>
+          <a:ext cx="0" cy="0"/>
+          <a:chOff x="0" y="0"/>
+          <a:chExt cx="0" cy="0"/>
+        </a:xfrm>
+      </p:grpSpPr>
+      <p:sp>
+        <p:nvSpPr>
+          <p:cNvPr id="345" name="Google Shape;345;g1e3c4f8711e_0_162:notes"/>
+          <p:cNvSpPr txBox="1"/>
+          <p:nvPr>
+            <p:ph idx="1" type="body"/>
+          </p:nvPr>
+        </p:nvSpPr>
+        <p:spPr>
+          <a:xfrm>
+            <a:off x="685800" y="4343400"/>
+            <a:ext cx="5486400" cy="4114800"/>
+          </a:xfrm>
+          <a:prstGeom prst="rect">
+            <a:avLst/>
+          </a:prstGeom>
+          <a:noFill/>
+          <a:ln>
+            <a:noFill/>
+          </a:ln>
+        </p:spPr>
+        <p:txBody>
+          <a:bodyPr anchorCtr="0" anchor="t" bIns="91425" lIns="91425" spcFirstLastPara="1" rIns="91425" wrap="square" tIns="91425">
+            <a:noAutofit/>
+          </a:bodyPr>
+          <a:lstStyle/>
+          <a:p>
+            <a:pPr indent="0" lvl="0" marL="0" rtl="0" algn="l">
+              <a:lnSpc>
+                <a:spcPct val="100000"/>
+              </a:lnSpc>
+              <a:spcBef>
+                <a:spcPts val="0"/>
+              </a:spcBef>
+              <a:spcAft>
+                <a:spcPts val="0"/>
+              </a:spcAft>
+              <a:buSzPts val="1100"/>
+              <a:buNone/>
+            </a:pPr>
+            <a:r>
+              <a:t/>
+            </a:r>
+            <a:endParaRPr/>
+          </a:p>
+        </p:txBody>
+      </p:sp>
+      <p:sp>
+        <p:nvSpPr>
+          <p:cNvPr id="346" name="Google Shape;346;g1e3c4f8711e_0_162:notes"/>
+          <p:cNvSpPr/>
+          <p:nvPr>
+            <p:ph idx="2" type="sldImg"/>
+          </p:nvPr>
+        </p:nvSpPr>
+        <p:spPr>
+          <a:xfrm>
+            <a:off x="1143225" y="685800"/>
+            <a:ext cx="4572300" cy="3429000"/>
+          </a:xfrm>
+          <a:custGeom>
+            <a:rect b="b" l="l" r="r" t="t"/>
+            <a:pathLst>
+              <a:path extrusionOk="0" h="120000" w="120000">
+                <a:moveTo>
+                  <a:pt x="0" y="0"/>
+                </a:moveTo>
+                <a:lnTo>
+                  <a:pt x="120000" y="0"/>
+                </a:lnTo>
+                <a:lnTo>
+                  <a:pt x="120000" y="120000"/>
+                </a:lnTo>
+                <a:lnTo>
+                  <a:pt x="0" y="120000"/>
+                </a:lnTo>
+                <a:close/>
+              </a:path>
+            </a:pathLst>
+          </a:custGeom>
+          <a:noFill/>
+          <a:ln cap="flat" cmpd="sng" w="9525">
+            <a:solidFill>
+              <a:srgbClr val="000000"/>
+            </a:solidFill>
+            <a:prstDash val="solid"/>
+            <a:round/>
+            <a:headEnd len="sm" w="sm" type="none"/>
+            <a:tailEnd len="sm" w="sm" type="none"/>
+          </a:ln>
+        </p:spPr>
+      </p:sp>
+    </p:spTree>
+  </p:cSld>
+  <p:clrMapOvr>
+    <a:masterClrMapping/>
+  </p:clrMapOvr>
+</p:notes>
+</file>
+
+<file path=ppt/notesSlides/notesSlide28.xml><?xml version="1.0" encoding="utf-8"?>
+<p:notes xmlns:a="http://schemas.openxmlformats.org/drawingml/2006/main" xmlns:r="http://schemas.openxmlformats.org/officeDocument/2006/relationships" xmlns:mc="http://schemas.openxmlformats.org/markup-compatibility/2006" xmlns:mv="urn:schemas-microsoft-com:mac:vml" xmlns:p="http://schemas.openxmlformats.org/presentationml/2006/main" xmlns:c="http://schemas.openxmlformats.org/drawingml/2006/chart" xmlns:dgm="http://schemas.openxmlformats.org/drawingml/2006/diagram" xmlns:o="urn:schemas-microsoft-com:office:office" xmlns:v="urn:schemas-microsoft-com:vml" xmlns:pvml="urn:schemas-microsoft-com:office:powerpoint" xmlns:com="http://schemas.openxmlformats.org/drawingml/2006/compatibility" xmlns:p14="http://schemas.microsoft.com/office/powerpoint/2010/main" xmlns:p15="http://schemas.microsoft.com/office/powerpoint/2012/main" xmlns:ahyp="http://schemas.microsoft.com/office/drawing/2018/hyperlinkcolor" showMasterPhAnim="0" showMasterSp="0">
+  <p:cSld>
+    <p:spTree>
+      <p:nvGrpSpPr>
+        <p:cNvPr id="352" name="Shape 352"/>
+        <p:cNvGrpSpPr/>
+        <p:nvPr/>
+      </p:nvGrpSpPr>
+      <p:grpSpPr>
+        <a:xfrm>
+          <a:off x="0" y="0"/>
+          <a:ext cx="0" cy="0"/>
+          <a:chOff x="0" y="0"/>
+          <a:chExt cx="0" cy="0"/>
+        </a:xfrm>
+      </p:grpSpPr>
+      <p:sp>
+        <p:nvSpPr>
+          <p:cNvPr id="353" name="Google Shape;353;g1e3c4f8711e_0_169:notes"/>
+          <p:cNvSpPr txBox="1"/>
+          <p:nvPr>
+            <p:ph idx="1" type="body"/>
+          </p:nvPr>
+        </p:nvSpPr>
+        <p:spPr>
+          <a:xfrm>
+            <a:off x="685800" y="4343400"/>
+            <a:ext cx="5486400" cy="4114800"/>
+          </a:xfrm>
+          <a:prstGeom prst="rect">
+            <a:avLst/>
+          </a:prstGeom>
+          <a:noFill/>
+          <a:ln>
+            <a:noFill/>
+          </a:ln>
+        </p:spPr>
+        <p:txBody>
+          <a:bodyPr anchorCtr="0" anchor="t" bIns="91425" lIns="91425" spcFirstLastPara="1" rIns="91425" wrap="square" tIns="91425">
+            <a:noAutofit/>
+          </a:bodyPr>
+          <a:lstStyle/>
+          <a:p>
+            <a:pPr indent="0" lvl="0" marL="0" rtl="0" algn="l">
+              <a:lnSpc>
+                <a:spcPct val="100000"/>
+              </a:lnSpc>
+              <a:spcBef>
+                <a:spcPts val="0"/>
+              </a:spcBef>
+              <a:spcAft>
+                <a:spcPts val="0"/>
+              </a:spcAft>
+              <a:buSzPts val="1100"/>
+              <a:buNone/>
+            </a:pPr>
+            <a:r>
+              <a:t/>
+            </a:r>
+            <a:endParaRPr/>
+          </a:p>
+        </p:txBody>
+      </p:sp>
+      <p:sp>
+        <p:nvSpPr>
+          <p:cNvPr id="354" name="Google Shape;354;g1e3c4f8711e_0_169:notes"/>
+          <p:cNvSpPr/>
+          <p:nvPr>
+            <p:ph idx="2" type="sldImg"/>
+          </p:nvPr>
+        </p:nvSpPr>
+        <p:spPr>
+          <a:xfrm>
+            <a:off x="1143225" y="685800"/>
+            <a:ext cx="4572300" cy="3429000"/>
+          </a:xfrm>
+          <a:custGeom>
+            <a:rect b="b" l="l" r="r" t="t"/>
+            <a:pathLst>
+              <a:path extrusionOk="0" h="120000" w="120000">
+                <a:moveTo>
+                  <a:pt x="0" y="0"/>
+                </a:moveTo>
+                <a:lnTo>
+                  <a:pt x="120000" y="0"/>
+                </a:lnTo>
+                <a:lnTo>
+                  <a:pt x="120000" y="120000"/>
+                </a:lnTo>
+                <a:lnTo>
+                  <a:pt x="0" y="120000"/>
+                </a:lnTo>
+                <a:close/>
+              </a:path>
+            </a:pathLst>
+          </a:custGeom>
+          <a:noFill/>
+          <a:ln cap="flat" cmpd="sng" w="9525">
+            <a:solidFill>
+              <a:srgbClr val="000000"/>
+            </a:solidFill>
+            <a:prstDash val="solid"/>
+            <a:round/>
+            <a:headEnd len="sm" w="sm" type="none"/>
+            <a:tailEnd len="sm" w="sm" type="none"/>
+          </a:ln>
+        </p:spPr>
+      </p:sp>
+    </p:spTree>
+  </p:cSld>
+  <p:clrMapOvr>
+    <a:masterClrMapping/>
+  </p:clrMapOvr>
+</p:notes>
+</file>
+
+<file path=ppt/notesSlides/notesSlide29.xml><?xml version="1.0" encoding="utf-8"?>
+<p:notes xmlns:a="http://schemas.openxmlformats.org/drawingml/2006/main" xmlns:r="http://schemas.openxmlformats.org/officeDocument/2006/relationships" xmlns:mc="http://schemas.openxmlformats.org/markup-compatibility/2006" xmlns:mv="urn:schemas-microsoft-com:mac:vml" xmlns:p="http://schemas.openxmlformats.org/presentationml/2006/main" xmlns:c="http://schemas.openxmlformats.org/drawingml/2006/chart" xmlns:dgm="http://schemas.openxmlformats.org/drawingml/2006/diagram" xmlns:o="urn:schemas-microsoft-com:office:office" xmlns:v="urn:schemas-microsoft-com:vml" xmlns:pvml="urn:schemas-microsoft-com:office:powerpoint" xmlns:com="http://schemas.openxmlformats.org/drawingml/2006/compatibility" xmlns:p14="http://schemas.microsoft.com/office/powerpoint/2010/main" xmlns:p15="http://schemas.microsoft.com/office/powerpoint/2012/main" xmlns:ahyp="http://schemas.microsoft.com/office/drawing/2018/hyperlinkcolor" showMasterPhAnim="0" showMasterSp="0">
+  <p:cSld>
+    <p:spTree>
+      <p:nvGrpSpPr>
+        <p:cNvPr id="361" name="Shape 361"/>
+        <p:cNvGrpSpPr/>
+        <p:nvPr/>
+      </p:nvGrpSpPr>
+      <p:grpSpPr>
+        <a:xfrm>
+          <a:off x="0" y="0"/>
+          <a:ext cx="0" cy="0"/>
+          <a:chOff x="0" y="0"/>
+          <a:chExt cx="0" cy="0"/>
+        </a:xfrm>
+      </p:grpSpPr>
+      <p:sp>
+        <p:nvSpPr>
+          <p:cNvPr id="362" name="Google Shape;362;g1e3c4f8711e_0_254:notes"/>
+          <p:cNvSpPr txBox="1"/>
+          <p:nvPr>
+            <p:ph idx="1" type="body"/>
+          </p:nvPr>
+        </p:nvSpPr>
+        <p:spPr>
+          <a:xfrm>
+            <a:off x="685800" y="4343400"/>
+            <a:ext cx="5486400" cy="4114800"/>
+          </a:xfrm>
+          <a:prstGeom prst="rect">
+            <a:avLst/>
+          </a:prstGeom>
+          <a:noFill/>
+          <a:ln>
+            <a:noFill/>
+          </a:ln>
+        </p:spPr>
+        <p:txBody>
+          <a:bodyPr anchorCtr="0" anchor="t" bIns="91425" lIns="91425" spcFirstLastPara="1" rIns="91425" wrap="square" tIns="91425">
+            <a:noAutofit/>
+          </a:bodyPr>
+          <a:lstStyle/>
+          <a:p>
+            <a:pPr indent="0" lvl="0" marL="0" rtl="0" algn="l">
+              <a:lnSpc>
+                <a:spcPct val="100000"/>
+              </a:lnSpc>
+              <a:spcBef>
+                <a:spcPts val="0"/>
+              </a:spcBef>
+              <a:spcAft>
+                <a:spcPts val="0"/>
+              </a:spcAft>
+              <a:buSzPts val="1100"/>
+              <a:buNone/>
+            </a:pPr>
+            <a:r>
+              <a:t/>
+            </a:r>
+            <a:endParaRPr/>
+          </a:p>
+        </p:txBody>
+      </p:sp>
+      <p:sp>
+        <p:nvSpPr>
+          <p:cNvPr id="363" name="Google Shape;363;g1e3c4f8711e_0_254:notes"/>
+          <p:cNvSpPr/>
+          <p:nvPr>
+            <p:ph idx="2" type="sldImg"/>
+          </p:nvPr>
+        </p:nvSpPr>
+        <p:spPr>
+          <a:xfrm>
+            <a:off x="1143225" y="685800"/>
+            <a:ext cx="4572300" cy="3429000"/>
           </a:xfrm>
           <a:custGeom>
             <a:rect b="b" l="l" r="r" t="t"/>
@@ -3191,6 +3528,123 @@
 </p:notes>
 </file>
 
+<file path=ppt/notesSlides/notesSlide30.xml><?xml version="1.0" encoding="utf-8"?>
+<p:notes xmlns:a="http://schemas.openxmlformats.org/drawingml/2006/main" xmlns:r="http://schemas.openxmlformats.org/officeDocument/2006/relationships" xmlns:mc="http://schemas.openxmlformats.org/markup-compatibility/2006" xmlns:mv="urn:schemas-microsoft-com:mac:vml" xmlns:p="http://schemas.openxmlformats.org/presentationml/2006/main" xmlns:c="http://schemas.openxmlformats.org/drawingml/2006/chart" xmlns:dgm="http://schemas.openxmlformats.org/drawingml/2006/diagram" xmlns:o="urn:schemas-microsoft-com:office:office" xmlns:v="urn:schemas-microsoft-com:vml" xmlns:pvml="urn:schemas-microsoft-com:office:powerpoint" xmlns:com="http://schemas.openxmlformats.org/drawingml/2006/compatibility" xmlns:p14="http://schemas.microsoft.com/office/powerpoint/2010/main" xmlns:p15="http://schemas.microsoft.com/office/powerpoint/2012/main" xmlns:ahyp="http://schemas.microsoft.com/office/drawing/2018/hyperlinkcolor" showMasterPhAnim="0" showMasterSp="0">
+  <p:cSld>
+    <p:spTree>
+      <p:nvGrpSpPr>
+        <p:cNvPr id="367" name="Shape 367"/>
+        <p:cNvGrpSpPr/>
+        <p:nvPr/>
+      </p:nvGrpSpPr>
+      <p:grpSpPr>
+        <a:xfrm>
+          <a:off x="0" y="0"/>
+          <a:ext cx="0" cy="0"/>
+          <a:chOff x="0" y="0"/>
+          <a:chExt cx="0" cy="0"/>
+        </a:xfrm>
+      </p:grpSpPr>
+      <p:sp>
+        <p:nvSpPr>
+          <p:cNvPr id="368" name="Google Shape;368;p14:notes"/>
+          <p:cNvSpPr txBox="1"/>
+          <p:nvPr>
+            <p:ph idx="1" type="body"/>
+          </p:nvPr>
+        </p:nvSpPr>
+        <p:spPr>
+          <a:xfrm>
+            <a:off x="685800" y="4343400"/>
+            <a:ext cx="5486400" cy="4114800"/>
+          </a:xfrm>
+          <a:prstGeom prst="rect">
+            <a:avLst/>
+          </a:prstGeom>
+          <a:noFill/>
+          <a:ln>
+            <a:noFill/>
+          </a:ln>
+        </p:spPr>
+        <p:txBody>
+          <a:bodyPr anchorCtr="0" anchor="t" bIns="91425" lIns="91425" spcFirstLastPara="1" rIns="91425" wrap="square" tIns="91425">
+            <a:noAutofit/>
+          </a:bodyPr>
+          <a:lstStyle/>
+          <a:p>
+            <a:pPr indent="0" lvl="0" marL="0" rtl="0" algn="l">
+              <a:lnSpc>
+                <a:spcPct val="100000"/>
+              </a:lnSpc>
+              <a:spcBef>
+                <a:spcPts val="0"/>
+              </a:spcBef>
+              <a:spcAft>
+                <a:spcPts val="0"/>
+              </a:spcAft>
+              <a:buSzPts val="1100"/>
+              <a:buNone/>
+            </a:pPr>
+            <a:r>
+              <a:t/>
+            </a:r>
+            <a:endParaRPr/>
+          </a:p>
+        </p:txBody>
+      </p:sp>
+      <p:sp>
+        <p:nvSpPr>
+          <p:cNvPr id="369" name="Google Shape;369;p14:notes"/>
+          <p:cNvSpPr/>
+          <p:nvPr>
+            <p:ph idx="2" type="sldImg"/>
+          </p:nvPr>
+        </p:nvSpPr>
+        <p:spPr>
+          <a:xfrm>
+            <a:off x="1143225" y="685800"/>
+            <a:ext cx="4572225" cy="3429000"/>
+          </a:xfrm>
+          <a:custGeom>
+            <a:rect b="b" l="l" r="r" t="t"/>
+            <a:pathLst>
+              <a:path extrusionOk="0" h="120000" w="120000">
+                <a:moveTo>
+                  <a:pt x="0" y="0"/>
+                </a:moveTo>
+                <a:lnTo>
+                  <a:pt x="120000" y="0"/>
+                </a:lnTo>
+                <a:lnTo>
+                  <a:pt x="120000" y="120000"/>
+                </a:lnTo>
+                <a:lnTo>
+                  <a:pt x="0" y="120000"/>
+                </a:lnTo>
+                <a:close/>
+              </a:path>
+            </a:pathLst>
+          </a:custGeom>
+          <a:noFill/>
+          <a:ln cap="flat" cmpd="sng" w="9525">
+            <a:solidFill>
+              <a:srgbClr val="000000"/>
+            </a:solidFill>
+            <a:prstDash val="solid"/>
+            <a:round/>
+            <a:headEnd len="sm" w="sm" type="none"/>
+            <a:tailEnd len="sm" w="sm" type="none"/>
+          </a:ln>
+        </p:spPr>
+      </p:sp>
+    </p:spTree>
+  </p:cSld>
+  <p:clrMapOvr>
+    <a:masterClrMapping/>
+  </p:clrMapOvr>
+</p:notes>
+</file>
+
 <file path=ppt/notesSlides/notesSlide4.xml><?xml version="1.0" encoding="utf-8"?>
 <p:notes xmlns:a="http://schemas.openxmlformats.org/drawingml/2006/main" xmlns:r="http://schemas.openxmlformats.org/officeDocument/2006/relationships" xmlns:mc="http://schemas.openxmlformats.org/markup-compatibility/2006" xmlns:mv="urn:schemas-microsoft-com:mac:vml" xmlns:p="http://schemas.openxmlformats.org/presentationml/2006/main" xmlns:c="http://schemas.openxmlformats.org/drawingml/2006/chart" xmlns:dgm="http://schemas.openxmlformats.org/drawingml/2006/diagram" xmlns:o="urn:schemas-microsoft-com:office:office" xmlns:v="urn:schemas-microsoft-com:vml" xmlns:pvml="urn:schemas-microsoft-com:office:powerpoint" xmlns:com="http://schemas.openxmlformats.org/drawingml/2006/compatibility" xmlns:p14="http://schemas.microsoft.com/office/powerpoint/2010/main" xmlns:p15="http://schemas.microsoft.com/office/powerpoint/2012/main" xmlns:ahyp="http://schemas.microsoft.com/office/drawing/2018/hyperlinkcolor" showMasterPhAnim="0" showMasterSp="0">
   <p:cSld>
@@ -3444,7 +3898,7 @@
       </p:grpSpPr>
       <p:sp>
         <p:nvSpPr>
-          <p:cNvPr id="140" name="Google Shape;140;p6:notes"/>
+          <p:cNvPr id="140" name="Google Shape;140;g1e3c4f8711e_0_259:notes"/>
           <p:cNvSpPr txBox="1"/>
           <p:nvPr>
             <p:ph idx="1" type="body"/>
@@ -3491,7 +3945,7 @@
       </p:sp>
       <p:sp>
         <p:nvSpPr>
-          <p:cNvPr id="141" name="Google Shape;141;p6:notes"/>
+          <p:cNvPr id="141" name="Google Shape;141;g1e3c4f8711e_0_259:notes"/>
           <p:cNvSpPr/>
           <p:nvPr>
             <p:ph idx="2" type="sldImg"/>
@@ -3500,7 +3954,7 @@
         <p:spPr>
           <a:xfrm>
             <a:off x="1143225" y="685800"/>
-            <a:ext cx="4572225" cy="3429000"/>
+            <a:ext cx="4572300" cy="3429000"/>
           </a:xfrm>
           <a:custGeom>
             <a:rect b="b" l="l" r="r" t="t"/>
@@ -3561,7 +4015,7 @@
       </p:grpSpPr>
       <p:sp>
         <p:nvSpPr>
-          <p:cNvPr id="147" name="Google Shape;147;p7:notes"/>
+          <p:cNvPr id="147" name="Google Shape;147;g1e3c4f8711e_0_265:notes"/>
           <p:cNvSpPr txBox="1"/>
           <p:nvPr>
             <p:ph idx="1" type="body"/>
@@ -3608,7 +4062,7 @@
       </p:sp>
       <p:sp>
         <p:nvSpPr>
-          <p:cNvPr id="148" name="Google Shape;148;p7:notes"/>
+          <p:cNvPr id="148" name="Google Shape;148;g1e3c4f8711e_0_265:notes"/>
           <p:cNvSpPr/>
           <p:nvPr>
             <p:ph idx="2" type="sldImg"/>
@@ -3617,7 +4071,7 @@
         <p:spPr>
           <a:xfrm>
             <a:off x="1143225" y="685800"/>
-            <a:ext cx="4572225" cy="3429000"/>
+            <a:ext cx="4572300" cy="3429000"/>
           </a:xfrm>
           <a:custGeom>
             <a:rect b="b" l="l" r="r" t="t"/>
@@ -3664,7 +4118,7 @@
   <p:cSld>
     <p:spTree>
       <p:nvGrpSpPr>
-        <p:cNvPr id="153" name="Shape 153"/>
+        <p:cNvPr id="158" name="Shape 158"/>
         <p:cNvGrpSpPr/>
         <p:nvPr/>
       </p:nvGrpSpPr>
@@ -3678,7 +4132,7 @@
       </p:grpSpPr>
       <p:sp>
         <p:nvSpPr>
-          <p:cNvPr id="154" name="Google Shape;154;p8:notes"/>
+          <p:cNvPr id="159" name="Google Shape;159;g1e3c4f8711e_0_276:notes"/>
           <p:cNvSpPr txBox="1"/>
           <p:nvPr>
             <p:ph idx="1" type="body"/>
@@ -3725,7 +4179,7 @@
       </p:sp>
       <p:sp>
         <p:nvSpPr>
-          <p:cNvPr id="155" name="Google Shape;155;p8:notes"/>
+          <p:cNvPr id="160" name="Google Shape;160;g1e3c4f8711e_0_276:notes"/>
           <p:cNvSpPr/>
           <p:nvPr>
             <p:ph idx="2" type="sldImg"/>
@@ -3734,7 +4188,7 @@
         <p:spPr>
           <a:xfrm>
             <a:off x="1143225" y="685800"/>
-            <a:ext cx="4572225" cy="3429000"/>
+            <a:ext cx="4572300" cy="3429000"/>
           </a:xfrm>
           <a:custGeom>
             <a:rect b="b" l="l" r="r" t="t"/>
@@ -3781,7 +4235,7 @@
   <p:cSld>
     <p:spTree>
       <p:nvGrpSpPr>
-        <p:cNvPr id="163" name="Shape 163"/>
+        <p:cNvPr id="173" name="Shape 173"/>
         <p:cNvGrpSpPr/>
         <p:nvPr/>
       </p:nvGrpSpPr>
@@ -3795,7 +4249,7 @@
       </p:grpSpPr>
       <p:sp>
         <p:nvSpPr>
-          <p:cNvPr id="164" name="Google Shape;164;g1e3aae6ef86_0_12:notes"/>
+          <p:cNvPr id="174" name="Google Shape;174;g1e3c4f8711e_0_290:notes"/>
           <p:cNvSpPr txBox="1"/>
           <p:nvPr>
             <p:ph idx="1" type="body"/>
@@ -3842,7 +4296,7 @@
       </p:sp>
       <p:sp>
         <p:nvSpPr>
-          <p:cNvPr id="165" name="Google Shape;165;g1e3aae6ef86_0_12:notes"/>
+          <p:cNvPr id="175" name="Google Shape;175;g1e3c4f8711e_0_290:notes"/>
           <p:cNvSpPr/>
           <p:nvPr>
             <p:ph idx="2" type="sldImg"/>
@@ -17029,7 +17483,7 @@
       </p:grpSpPr>
       <p:sp>
         <p:nvSpPr>
-          <p:cNvPr id="86" name="Google Shape;86;p1"/>
+          <p:cNvPr id="86" name="Google Shape;86;g1e3c4f8711e_0_0"/>
           <p:cNvSpPr/>
           <p:nvPr/>
         </p:nvSpPr>
@@ -17055,20 +17509,12 @@
           <a:lstStyle/>
           <a:p>
             <a:pPr indent="0" lvl="0" marL="0" marR="0" rtl="0" algn="ctr">
-              <a:lnSpc>
-                <a:spcPct val="100000"/>
-              </a:lnSpc>
-              <a:spcBef>
-                <a:spcPts val="0"/>
-              </a:spcBef>
-              <a:spcAft>
-                <a:spcPts val="0"/>
-              </a:spcAft>
-              <a:buClr>
-                <a:srgbClr val="000000"/>
-              </a:buClr>
-              <a:buSzPts val="1800"/>
-              <a:buFont typeface="Arial"/>
+              <a:spcBef>
+                <a:spcPts val="0"/>
+              </a:spcBef>
+              <a:spcAft>
+                <a:spcPts val="0"/>
+              </a:spcAft>
               <a:buNone/>
             </a:pPr>
             <a:r>
@@ -17088,7 +17534,7 @@
       </p:sp>
       <p:pic>
         <p:nvPicPr>
-          <p:cNvPr descr="Fondo vectorial de salpicaduras de colores brillantes" id="87" name="Google Shape;87;p1"/>
+          <p:cNvPr descr="Fondo vectorial de salpicaduras de colores brillantes" id="87" name="Google Shape;87;g1e3c4f8711e_0_0"/>
           <p:cNvPicPr preferRelativeResize="0"/>
           <p:nvPr/>
         </p:nvPicPr>
@@ -17102,7 +17548,7 @@
         <p:spPr>
           <a:xfrm>
             <a:off x="1" y="10"/>
-            <a:ext cx="12191999" cy="6857990"/>
+            <a:ext cx="12192000" cy="6857991"/>
           </a:xfrm>
           <a:prstGeom prst="rect">
             <a:avLst/>
@@ -17115,14 +17561,14 @@
       </p:pic>
       <p:sp>
         <p:nvSpPr>
-          <p:cNvPr id="88" name="Google Shape;88;p1"/>
+          <p:cNvPr id="88" name="Google Shape;88;g1e3c4f8711e_0_0"/>
           <p:cNvSpPr/>
           <p:nvPr/>
         </p:nvSpPr>
         <p:spPr>
           <a:xfrm rot="5400000">
-            <a:off x="257781" y="-257784"/>
-            <a:ext cx="6857999" cy="7373570"/>
+            <a:off x="257715" y="-257849"/>
+            <a:ext cx="6858000" cy="7373700"/>
           </a:xfrm>
           <a:prstGeom prst="rect">
             <a:avLst/>
@@ -17141,16 +17587,16 @@
               </a:gs>
               <a:gs pos="73000">
                 <a:srgbClr val="000000">
-                  <a:alpha val="47450"/>
+                  <a:alpha val="47843"/>
                 </a:srgbClr>
               </a:gs>
               <a:gs pos="100000">
                 <a:srgbClr val="000000">
-                  <a:alpha val="57254"/>
+                  <a:alpha val="57647"/>
                 </a:srgbClr>
               </a:gs>
             </a:gsLst>
-            <a:lin ang="5400000" scaled="0"/>
+            <a:lin ang="5400012" scaled="0"/>
           </a:gradFill>
           <a:ln>
             <a:noFill/>
@@ -17163,20 +17609,12 @@
           <a:lstStyle/>
           <a:p>
             <a:pPr indent="0" lvl="0" marL="0" marR="0" rtl="0" algn="ctr">
-              <a:lnSpc>
-                <a:spcPct val="100000"/>
-              </a:lnSpc>
-              <a:spcBef>
-                <a:spcPts val="0"/>
-              </a:spcBef>
-              <a:spcAft>
-                <a:spcPts val="0"/>
-              </a:spcAft>
-              <a:buClr>
-                <a:srgbClr val="000000"/>
-              </a:buClr>
-              <a:buSzPts val="1800"/>
-              <a:buFont typeface="Arial"/>
+              <a:spcBef>
+                <a:spcPts val="0"/>
+              </a:spcBef>
+              <a:spcAft>
+                <a:spcPts val="0"/>
+              </a:spcAft>
               <a:buNone/>
             </a:pPr>
             <a:r>
@@ -17196,7 +17634,7 @@
       </p:sp>
       <p:sp>
         <p:nvSpPr>
-          <p:cNvPr id="89" name="Google Shape;89;p1"/>
+          <p:cNvPr id="89" name="Google Shape;89;g1e3c4f8711e_0_0"/>
           <p:cNvSpPr txBox="1"/>
           <p:nvPr>
             <p:ph type="ctrTitle"/>
@@ -17205,7 +17643,7 @@
         <p:spPr>
           <a:xfrm>
             <a:off x="548640" y="3928770"/>
-            <a:ext cx="5127674" cy="2129129"/>
+            <a:ext cx="5127600" cy="2129100"/>
           </a:xfrm>
           <a:prstGeom prst="rect">
             <a:avLst/>
@@ -17252,7 +17690,7 @@
       </p:sp>
       <p:sp>
         <p:nvSpPr>
-          <p:cNvPr id="90" name="Google Shape;90;p1"/>
+          <p:cNvPr id="90" name="Google Shape;90;g1e3c4f8711e_0_0"/>
           <p:cNvSpPr txBox="1"/>
           <p:nvPr>
             <p:ph idx="1" type="subTitle"/>
@@ -17260,8 +17698,8 @@
         </p:nvSpPr>
         <p:spPr>
           <a:xfrm>
-            <a:off x="567186" y="952506"/>
-            <a:ext cx="5127674" cy="1338358"/>
+            <a:off x="567175" y="952499"/>
+            <a:ext cx="5127600" cy="1462500"/>
           </a:xfrm>
           <a:prstGeom prst="rect">
             <a:avLst/>
@@ -17273,7 +17711,7 @@
         </p:spPr>
         <p:txBody>
           <a:bodyPr anchorCtr="0" anchor="t" bIns="45700" lIns="91425" spcFirstLastPara="1" rIns="91425" wrap="square" tIns="45700">
-            <a:normAutofit/>
+            <a:normAutofit lnSpcReduction="10000"/>
           </a:bodyPr>
           <a:lstStyle/>
           <a:p>
@@ -17299,22 +17737,119 @@
                   <a:srgbClr val="FFFFFF"/>
                 </a:solidFill>
               </a:rPr>
-              <a:t>Integrantes:</a:t>
+              <a:t>Integrantes: </a:t>
             </a:r>
-            <a:endParaRPr/>
+            <a:endParaRPr>
+              <a:solidFill>
+                <a:srgbClr val="FFFFFF"/>
+              </a:solidFill>
+            </a:endParaRPr>
+          </a:p>
+          <a:p>
+            <a:pPr indent="0" lvl="0" marL="0" rtl="0" algn="l">
+              <a:lnSpc>
+                <a:spcPct val="120000"/>
+              </a:lnSpc>
+              <a:spcBef>
+                <a:spcPts val="0"/>
+              </a:spcBef>
+              <a:spcAft>
+                <a:spcPts val="0"/>
+              </a:spcAft>
+              <a:buClr>
+                <a:srgbClr val="FFFFFF"/>
+              </a:buClr>
+              <a:buSzPts val="2000"/>
+              <a:buNone/>
+            </a:pPr>
+            <a:r>
+              <a:rPr lang="es-CO">
+                <a:solidFill>
+                  <a:srgbClr val="FFFFFF"/>
+                </a:solidFill>
+              </a:rPr>
+              <a:t>Cristian David Gutierrez Cespedes</a:t>
+            </a:r>
+            <a:endParaRPr>
+              <a:solidFill>
+                <a:srgbClr val="FFFFFF"/>
+              </a:solidFill>
+            </a:endParaRPr>
+          </a:p>
+          <a:p>
+            <a:pPr indent="0" lvl="0" marL="0" rtl="0" algn="l">
+              <a:lnSpc>
+                <a:spcPct val="120000"/>
+              </a:lnSpc>
+              <a:spcBef>
+                <a:spcPts val="0"/>
+              </a:spcBef>
+              <a:spcAft>
+                <a:spcPts val="0"/>
+              </a:spcAft>
+              <a:buClr>
+                <a:srgbClr val="FFFFFF"/>
+              </a:buClr>
+              <a:buSzPts val="2000"/>
+              <a:buNone/>
+            </a:pPr>
+            <a:r>
+              <a:rPr lang="es-CO">
+                <a:solidFill>
+                  <a:srgbClr val="FFFFFF"/>
+                </a:solidFill>
+              </a:rPr>
+              <a:t>Maria José Dominguez Mesa</a:t>
+            </a:r>
+            <a:endParaRPr>
+              <a:solidFill>
+                <a:srgbClr val="FFFFFF"/>
+              </a:solidFill>
+            </a:endParaRPr>
+          </a:p>
+          <a:p>
+            <a:pPr indent="0" lvl="0" marL="0" rtl="0" algn="l">
+              <a:lnSpc>
+                <a:spcPct val="120000"/>
+              </a:lnSpc>
+              <a:spcBef>
+                <a:spcPts val="0"/>
+              </a:spcBef>
+              <a:spcAft>
+                <a:spcPts val="0"/>
+              </a:spcAft>
+              <a:buClr>
+                <a:srgbClr val="FFFFFF"/>
+              </a:buClr>
+              <a:buSzPts val="2000"/>
+              <a:buNone/>
+            </a:pPr>
+            <a:r>
+              <a:rPr lang="es-CO">
+                <a:solidFill>
+                  <a:srgbClr val="FFFFFF"/>
+                </a:solidFill>
+              </a:rPr>
+              <a:t>Daniela Andrea Torres Gómez</a:t>
+            </a:r>
+            <a:endParaRPr>
+              <a:solidFill>
+                <a:srgbClr val="FFFFFF"/>
+              </a:solidFill>
+            </a:endParaRPr>
           </a:p>
         </p:txBody>
       </p:sp>
       <p:cxnSp>
         <p:nvCxnSpPr>
-          <p:cNvPr id="91" name="Google Shape;91;p1"/>
+          <p:cNvPr id="91" name="Google Shape;91;g1e3c4f8711e_0_0"/>
           <p:cNvCxnSpPr/>
           <p:nvPr/>
         </p:nvCxnSpPr>
         <p:spPr>
           <a:xfrm>
             <a:off x="643467" y="678719"/>
-            <a:ext cx="10905066" cy="0"/>
+            <a:ext cx="10905000" cy="0"/>
           </a:xfrm>
           <a:prstGeom prst="straightConnector1">
             <a:avLst/>
@@ -17333,14 +17868,14 @@
       </p:cxnSp>
       <p:cxnSp>
         <p:nvCxnSpPr>
-          <p:cNvPr id="92" name="Google Shape;92;p1"/>
+          <p:cNvPr id="92" name="Google Shape;92;g1e3c4f8711e_0_0"/>
           <p:cNvCxnSpPr/>
           <p:nvPr/>
         </p:nvCxnSpPr>
         <p:spPr>
           <a:xfrm>
             <a:off x="643467" y="6309695"/>
-            <a:ext cx="10905066" cy="0"/>
+            <a:ext cx="10905000" cy="0"/>
           </a:xfrm>
           <a:prstGeom prst="straightConnector1">
             <a:avLst/>
@@ -17385,13 +17920,13 @@
               <a:srgbClr val="282251"/>
             </a:gs>
           </a:gsLst>
-          <a:lin ang="10800025" scaled="0"/>
+          <a:lin ang="10800000" scaled="0"/>
         </a:gradFill>
       </p:bgPr>
     </p:bg>
     <p:spTree>
       <p:nvGrpSpPr>
-        <p:cNvPr id="175" name="Shape 175"/>
+        <p:cNvPr id="185" name="Shape 185"/>
         <p:cNvGrpSpPr/>
         <p:nvPr/>
       </p:nvGrpSpPr>
@@ -17405,7 +17940,7 @@
       </p:grpSpPr>
       <p:sp>
         <p:nvSpPr>
-          <p:cNvPr id="176" name="Google Shape;176;g1e3aae6ef86_0_25"/>
+          <p:cNvPr id="186" name="Google Shape;186;p7"/>
           <p:cNvSpPr txBox="1"/>
           <p:nvPr>
             <p:ph type="title"/>
@@ -17413,7 +17948,7 @@
         </p:nvSpPr>
         <p:spPr>
           <a:xfrm>
-            <a:off x="548639" y="950976"/>
+            <a:off x="598189" y="1002451"/>
             <a:ext cx="10995600" cy="1077900"/>
           </a:xfrm>
           <a:prstGeom prst="rect">
@@ -17453,7 +17988,7 @@
                   <a:schemeClr val="lt1"/>
                 </a:solidFill>
               </a:rPr>
-              <a:t>Workspace: Factory syntax. </a:t>
+              <a:t>Workspace: Factory. </a:t>
             </a:r>
             <a:endParaRPr/>
           </a:p>
@@ -17461,37 +17996,26 @@
       </p:sp>
       <p:sp>
         <p:nvSpPr>
-          <p:cNvPr id="177" name="Google Shape;177;g1e3aae6ef86_0_25"/>
-          <p:cNvSpPr/>
+          <p:cNvPr id="187" name="Google Shape;187;p7"/>
+          <p:cNvSpPr txBox="1"/>
           <p:nvPr/>
         </p:nvSpPr>
         <p:spPr>
           <a:xfrm>
-            <a:off x="5933988" y="4121600"/>
-            <a:ext cx="324000" cy="666000"/>
-          </a:xfrm>
-          <a:prstGeom prst="downArrow">
-            <a:avLst>
-              <a:gd fmla="val 50000" name="adj1"/>
-              <a:gd fmla="val 50000" name="adj2"/>
-            </a:avLst>
+            <a:off x="1458000" y="2520000"/>
+            <a:ext cx="10368000" cy="400200"/>
+          </a:xfrm>
+          <a:prstGeom prst="rect">
+            <a:avLst/>
           </a:prstGeom>
-          <a:solidFill>
-            <a:schemeClr val="lt2"/>
-          </a:solidFill>
-          <a:ln cap="flat" cmpd="sng" w="9525">
-            <a:solidFill>
-              <a:schemeClr val="dk2"/>
-            </a:solidFill>
-            <a:prstDash val="solid"/>
-            <a:round/>
-            <a:headEnd len="sm" w="sm" type="none"/>
-            <a:tailEnd len="sm" w="sm" type="none"/>
+          <a:noFill/>
+          <a:ln>
+            <a:noFill/>
           </a:ln>
         </p:spPr>
         <p:txBody>
-          <a:bodyPr anchorCtr="0" anchor="ctr" bIns="91425" lIns="91425" spcFirstLastPara="1" rIns="91425" wrap="square" tIns="91425">
-            <a:noAutofit/>
+          <a:bodyPr anchorCtr="0" anchor="t" bIns="91425" lIns="91425" spcFirstLastPara="1" rIns="91425" wrap="square" tIns="91425">
+            <a:spAutoFit/>
           </a:bodyPr>
           <a:lstStyle/>
           <a:p>
@@ -17519,24 +18043,24 @@
               <a:solidFill>
                 <a:srgbClr val="000000"/>
               </a:solidFill>
-              <a:latin typeface="Arial"/>
-              <a:ea typeface="Arial"/>
-              <a:cs typeface="Arial"/>
-              <a:sym typeface="Arial"/>
+              <a:latin typeface="Open Sans Light"/>
+              <a:ea typeface="Open Sans Light"/>
+              <a:cs typeface="Open Sans Light"/>
+              <a:sym typeface="Open Sans Light"/>
             </a:endParaRPr>
           </a:p>
         </p:txBody>
       </p:sp>
       <p:sp>
         <p:nvSpPr>
-          <p:cNvPr id="178" name="Google Shape;178;g1e3aae6ef86_0_25"/>
+          <p:cNvPr id="188" name="Google Shape;188;p7"/>
           <p:cNvSpPr txBox="1"/>
           <p:nvPr/>
         </p:nvSpPr>
         <p:spPr>
           <a:xfrm>
-            <a:off x="864000" y="2321425"/>
-            <a:ext cx="1638000" cy="646500"/>
+            <a:off x="666000" y="2016000"/>
+            <a:ext cx="10062000" cy="2955300"/>
           </a:xfrm>
           <a:prstGeom prst="rect">
             <a:avLst/>
@@ -17552,154 +18076,22 @@
           </a:bodyPr>
           <a:lstStyle/>
           <a:p>
-            <a:pPr indent="0" lvl="0" marL="0" marR="0" rtl="0" algn="l">
-              <a:lnSpc>
-                <a:spcPct val="100000"/>
-              </a:lnSpc>
-              <a:spcBef>
-                <a:spcPts val="0"/>
-              </a:spcBef>
-              <a:spcAft>
-                <a:spcPts val="0"/>
-              </a:spcAft>
-              <a:buClr>
-                <a:srgbClr val="000000"/>
+            <a:pPr indent="-419100" lvl="0" marL="457200" marR="0" rtl="0" algn="l">
+              <a:lnSpc>
+                <a:spcPct val="100000"/>
+              </a:lnSpc>
+              <a:spcBef>
+                <a:spcPts val="0"/>
+              </a:spcBef>
+              <a:spcAft>
+                <a:spcPts val="0"/>
+              </a:spcAft>
+              <a:buClr>
+                <a:schemeClr val="lt1"/>
               </a:buClr>
               <a:buSzPts val="3000"/>
               <a:buFont typeface="Arial"/>
-              <a:buNone/>
-            </a:pPr>
-            <a:r>
-              <a:rPr b="0" i="0" lang="es-CO" sz="3000" u="none" cap="none" strike="noStrike">
-                <a:solidFill>
-                  <a:srgbClr val="CACACA"/>
-                </a:solidFill>
-                <a:latin typeface="Arial"/>
-                <a:ea typeface="Arial"/>
-                <a:cs typeface="Arial"/>
-                <a:sym typeface="Arial"/>
-              </a:rPr>
-              <a:t>RooFit:</a:t>
-            </a:r>
-            <a:endParaRPr b="0" i="0" sz="3000" u="none" cap="none" strike="noStrike">
-              <a:solidFill>
-                <a:srgbClr val="CACACA"/>
-              </a:solidFill>
-              <a:latin typeface="Arial"/>
-              <a:ea typeface="Arial"/>
-              <a:cs typeface="Arial"/>
-              <a:sym typeface="Arial"/>
-            </a:endParaRPr>
-          </a:p>
-        </p:txBody>
-      </p:sp>
-      <p:sp>
-        <p:nvSpPr>
-          <p:cNvPr id="179" name="Google Shape;179;g1e3aae6ef86_0_25"/>
-          <p:cNvSpPr txBox="1"/>
-          <p:nvPr/>
-        </p:nvSpPr>
-        <p:spPr>
-          <a:xfrm>
-            <a:off x="864000" y="4222950"/>
-            <a:ext cx="1638000" cy="646500"/>
-          </a:xfrm>
-          <a:prstGeom prst="rect">
-            <a:avLst/>
-          </a:prstGeom>
-          <a:noFill/>
-          <a:ln>
-            <a:noFill/>
-          </a:ln>
-        </p:spPr>
-        <p:txBody>
-          <a:bodyPr anchorCtr="0" anchor="t" bIns="91425" lIns="91425" spcFirstLastPara="1" rIns="91425" wrap="square" tIns="91425">
-            <a:spAutoFit/>
-          </a:bodyPr>
-          <a:lstStyle/>
-          <a:p>
-            <a:pPr indent="0" lvl="0" marL="0" marR="0" rtl="0" algn="l">
-              <a:lnSpc>
-                <a:spcPct val="100000"/>
-              </a:lnSpc>
-              <a:spcBef>
-                <a:spcPts val="0"/>
-              </a:spcBef>
-              <a:spcAft>
-                <a:spcPts val="0"/>
-              </a:spcAft>
-              <a:buClr>
-                <a:srgbClr val="000000"/>
-              </a:buClr>
-              <a:buSzPts val="3000"/>
-              <a:buFont typeface="Arial"/>
-              <a:buNone/>
-            </a:pPr>
-            <a:r>
-              <a:rPr b="0" i="0" lang="es-CO" sz="3000" u="none" cap="none" strike="noStrike">
-                <a:solidFill>
-                  <a:srgbClr val="CACACA"/>
-                </a:solidFill>
-                <a:latin typeface="Arial"/>
-                <a:ea typeface="Arial"/>
-                <a:cs typeface="Arial"/>
-                <a:sym typeface="Arial"/>
-              </a:rPr>
-              <a:t>Factory:</a:t>
-            </a:r>
-            <a:endParaRPr b="0" i="0" sz="3000" u="none" cap="none" strike="noStrike">
-              <a:solidFill>
-                <a:srgbClr val="CACACA"/>
-              </a:solidFill>
-              <a:latin typeface="Arial"/>
-              <a:ea typeface="Arial"/>
-              <a:cs typeface="Arial"/>
-              <a:sym typeface="Arial"/>
-            </a:endParaRPr>
-          </a:p>
-        </p:txBody>
-      </p:sp>
-      <p:sp>
-        <p:nvSpPr>
-          <p:cNvPr id="180" name="Google Shape;180;g1e3aae6ef86_0_25"/>
-          <p:cNvSpPr txBox="1"/>
-          <p:nvPr/>
-        </p:nvSpPr>
-        <p:spPr>
-          <a:xfrm>
-            <a:off x="674400" y="1674925"/>
-            <a:ext cx="3447600" cy="646500"/>
-          </a:xfrm>
-          <a:prstGeom prst="rect">
-            <a:avLst/>
-          </a:prstGeom>
-          <a:noFill/>
-          <a:ln>
-            <a:noFill/>
-          </a:ln>
-        </p:spPr>
-        <p:txBody>
-          <a:bodyPr anchorCtr="0" anchor="t" bIns="91425" lIns="91425" spcFirstLastPara="1" rIns="91425" wrap="square" tIns="91425">
-            <a:spAutoFit/>
-          </a:bodyPr>
-          <a:lstStyle/>
-          <a:p>
-            <a:pPr indent="0" lvl="0" marL="0" marR="0" rtl="0" algn="l">
-              <a:lnSpc>
-                <a:spcPct val="100000"/>
-              </a:lnSpc>
-              <a:spcBef>
-                <a:spcPts val="0"/>
-              </a:spcBef>
-              <a:spcAft>
-                <a:spcPts val="0"/>
-              </a:spcAft>
-              <a:buClr>
-                <a:srgbClr val="000000"/>
-              </a:buClr>
-              <a:buSzPts val="3000"/>
-              <a:buFont typeface="Arial"/>
-              <a:buNone/>
+              <a:buChar char="●"/>
             </a:pPr>
             <a:r>
               <a:rPr b="0" i="0" lang="es-CO" sz="3000" u="none" cap="none" strike="noStrike">
@@ -17711,7 +18103,158 @@
                 <a:cs typeface="Arial"/>
                 <a:sym typeface="Arial"/>
               </a:rPr>
-              <a:t>Sets y listas:</a:t>
+              <a:t>Método para llenar el workspace con lenguaje simplificado</a:t>
+            </a:r>
+            <a:endParaRPr b="0" i="0" sz="3000" u="none" cap="none" strike="noStrike">
+              <a:solidFill>
+                <a:schemeClr val="lt1"/>
+              </a:solidFill>
+              <a:latin typeface="Arial"/>
+              <a:ea typeface="Arial"/>
+              <a:cs typeface="Arial"/>
+              <a:sym typeface="Arial"/>
+            </a:endParaRPr>
+          </a:p>
+          <a:p>
+            <a:pPr indent="0" lvl="0" marL="457200" marR="0" rtl="0" algn="l">
+              <a:lnSpc>
+                <a:spcPct val="100000"/>
+              </a:lnSpc>
+              <a:spcBef>
+                <a:spcPts val="0"/>
+              </a:spcBef>
+              <a:spcAft>
+                <a:spcPts val="0"/>
+              </a:spcAft>
+              <a:buClr>
+                <a:srgbClr val="000000"/>
+              </a:buClr>
+              <a:buSzPts val="3000"/>
+              <a:buFont typeface="Arial"/>
+              <a:buNone/>
+            </a:pPr>
+            <a:r>
+              <a:t/>
+            </a:r>
+            <a:endParaRPr b="0" i="0" sz="3000" u="none" cap="none" strike="noStrike">
+              <a:solidFill>
+                <a:schemeClr val="lt1"/>
+              </a:solidFill>
+              <a:latin typeface="Arial"/>
+              <a:ea typeface="Arial"/>
+              <a:cs typeface="Arial"/>
+              <a:sym typeface="Arial"/>
+            </a:endParaRPr>
+          </a:p>
+          <a:p>
+            <a:pPr indent="-419100" lvl="0" marL="457200" marR="0" rtl="0" algn="l">
+              <a:lnSpc>
+                <a:spcPct val="100000"/>
+              </a:lnSpc>
+              <a:spcBef>
+                <a:spcPts val="0"/>
+              </a:spcBef>
+              <a:spcAft>
+                <a:spcPts val="0"/>
+              </a:spcAft>
+              <a:buClr>
+                <a:schemeClr val="lt1"/>
+              </a:buClr>
+              <a:buSzPts val="3000"/>
+              <a:buFont typeface="Arial"/>
+              <a:buChar char="●"/>
+            </a:pPr>
+            <a:r>
+              <a:rPr b="0" i="0" lang="es-CO" sz="3000" u="none" cap="none" strike="noStrike">
+                <a:solidFill>
+                  <a:schemeClr val="lt1"/>
+                </a:solidFill>
+                <a:latin typeface="Arial"/>
+                <a:ea typeface="Arial"/>
+                <a:cs typeface="Arial"/>
+                <a:sym typeface="Arial"/>
+              </a:rPr>
+              <a:t>Funciones principales:</a:t>
+            </a:r>
+            <a:endParaRPr b="0" i="0" sz="3000" u="none" cap="none" strike="noStrike">
+              <a:solidFill>
+                <a:schemeClr val="lt1"/>
+              </a:solidFill>
+              <a:latin typeface="Arial"/>
+              <a:ea typeface="Arial"/>
+              <a:cs typeface="Arial"/>
+              <a:sym typeface="Arial"/>
+            </a:endParaRPr>
+          </a:p>
+          <a:p>
+            <a:pPr indent="-419100" lvl="0" marL="1371600" marR="0" rtl="0" algn="l">
+              <a:lnSpc>
+                <a:spcPct val="100000"/>
+              </a:lnSpc>
+              <a:spcBef>
+                <a:spcPts val="0"/>
+              </a:spcBef>
+              <a:spcAft>
+                <a:spcPts val="0"/>
+              </a:spcAft>
+              <a:buClr>
+                <a:schemeClr val="lt1"/>
+              </a:buClr>
+              <a:buSzPts val="3000"/>
+              <a:buFont typeface="Arial"/>
+              <a:buAutoNum type="arabicPeriod"/>
+            </a:pPr>
+            <a:r>
+              <a:rPr b="0" i="0" lang="es-CO" sz="3000" u="none" cap="none" strike="noStrike">
+                <a:solidFill>
+                  <a:schemeClr val="lt1"/>
+                </a:solidFill>
+                <a:latin typeface="Arial"/>
+                <a:ea typeface="Arial"/>
+                <a:cs typeface="Arial"/>
+                <a:sym typeface="Arial"/>
+              </a:rPr>
+              <a:t>Crear variables</a:t>
+            </a:r>
+            <a:endParaRPr b="0" i="0" sz="3000" u="none" cap="none" strike="noStrike">
+              <a:solidFill>
+                <a:schemeClr val="lt1"/>
+              </a:solidFill>
+              <a:latin typeface="Arial"/>
+              <a:ea typeface="Arial"/>
+              <a:cs typeface="Arial"/>
+              <a:sym typeface="Arial"/>
+            </a:endParaRPr>
+          </a:p>
+          <a:p>
+            <a:pPr indent="-419100" lvl="0" marL="1371600" marR="0" rtl="0" algn="l">
+              <a:lnSpc>
+                <a:spcPct val="100000"/>
+              </a:lnSpc>
+              <a:spcBef>
+                <a:spcPts val="0"/>
+              </a:spcBef>
+              <a:spcAft>
+                <a:spcPts val="0"/>
+              </a:spcAft>
+              <a:buClr>
+                <a:schemeClr val="lt1"/>
+              </a:buClr>
+              <a:buSzPts val="3000"/>
+              <a:buFont typeface="Arial"/>
+              <a:buAutoNum type="arabicPeriod"/>
+            </a:pPr>
+            <a:r>
+              <a:rPr b="0" i="0" lang="es-CO" sz="3000" u="none" cap="none" strike="noStrike">
+                <a:solidFill>
+                  <a:schemeClr val="lt1"/>
+                </a:solidFill>
+                <a:latin typeface="Arial"/>
+                <a:ea typeface="Arial"/>
+                <a:cs typeface="Arial"/>
+                <a:sym typeface="Arial"/>
+              </a:rPr>
+              <a:t>Crear PDFs</a:t>
             </a:r>
             <a:endParaRPr b="0" i="0" sz="3000" u="none" cap="none" strike="noStrike">
               <a:solidFill>
@@ -17725,60 +18268,6 @@
           </a:p>
         </p:txBody>
       </p:sp>
-      <p:pic>
-        <p:nvPicPr>
-          <p:cNvPr id="181" name="Google Shape;181;g1e3aae6ef86_0_25"/>
-          <p:cNvPicPr preferRelativeResize="0"/>
-          <p:nvPr/>
-        </p:nvPicPr>
-        <p:blipFill rotWithShape="1">
-          <a:blip r:embed="rId3">
-            <a:alphaModFix/>
-          </a:blip>
-          <a:srcRect b="0" l="0" r="0" t="0"/>
-          <a:stretch/>
-        </p:blipFill>
-        <p:spPr>
-          <a:xfrm>
-            <a:off x="1261825" y="3221500"/>
-            <a:ext cx="10282425" cy="646500"/>
-          </a:xfrm>
-          <a:prstGeom prst="rect">
-            <a:avLst/>
-          </a:prstGeom>
-          <a:noFill/>
-          <a:ln>
-            <a:noFill/>
-          </a:ln>
-        </p:spPr>
-      </p:pic>
-      <p:pic>
-        <p:nvPicPr>
-          <p:cNvPr id="182" name="Google Shape;182;g1e3aae6ef86_0_25"/>
-          <p:cNvPicPr preferRelativeResize="0"/>
-          <p:nvPr/>
-        </p:nvPicPr>
-        <p:blipFill rotWithShape="1">
-          <a:blip r:embed="rId4">
-            <a:alphaModFix/>
-          </a:blip>
-          <a:srcRect b="0" l="0" r="0" t="0"/>
-          <a:stretch/>
-        </p:blipFill>
-        <p:spPr>
-          <a:xfrm>
-            <a:off x="1560863" y="5211450"/>
-            <a:ext cx="9070286" cy="666000"/>
-          </a:xfrm>
-          <a:prstGeom prst="rect">
-            <a:avLst/>
-          </a:prstGeom>
-          <a:noFill/>
-          <a:ln>
-            <a:noFill/>
-          </a:ln>
-        </p:spPr>
-      </p:pic>
     </p:spTree>
   </p:cSld>
   <p:clrMapOvr>
@@ -17813,7 +18302,7 @@
     </p:bg>
     <p:spTree>
       <p:nvGrpSpPr>
-        <p:cNvPr id="186" name="Shape 186"/>
+        <p:cNvPr id="192" name="Shape 192"/>
         <p:cNvGrpSpPr/>
         <p:nvPr/>
       </p:nvGrpSpPr>
@@ -17827,7 +18316,7 @@
       </p:grpSpPr>
       <p:sp>
         <p:nvSpPr>
-          <p:cNvPr id="187" name="Google Shape;187;p9"/>
+          <p:cNvPr id="193" name="Google Shape;193;p8"/>
           <p:cNvSpPr txBox="1"/>
           <p:nvPr>
             <p:ph type="title"/>
@@ -17875,7 +18364,7 @@
                   <a:schemeClr val="lt1"/>
                 </a:solidFill>
               </a:rPr>
-              <a:t>Workspace: Factory syntax (expresiones propias). </a:t>
+              <a:t>Workspace: Factory syntax. </a:t>
             </a:r>
             <a:endParaRPr/>
           </a:p>
@@ -17883,14 +18372,136 @@
       </p:sp>
       <p:sp>
         <p:nvSpPr>
-          <p:cNvPr id="188" name="Google Shape;188;p9"/>
+          <p:cNvPr id="194" name="Google Shape;194;p8"/>
+          <p:cNvSpPr/>
+          <p:nvPr/>
+        </p:nvSpPr>
+        <p:spPr>
+          <a:xfrm>
+            <a:off x="6743988" y="3781050"/>
+            <a:ext cx="324000" cy="666000"/>
+          </a:xfrm>
+          <a:prstGeom prst="downArrow">
+            <a:avLst>
+              <a:gd fmla="val 50000" name="adj1"/>
+              <a:gd fmla="val 50000" name="adj2"/>
+            </a:avLst>
+          </a:prstGeom>
+          <a:solidFill>
+            <a:schemeClr val="lt2"/>
+          </a:solidFill>
+          <a:ln cap="flat" cmpd="sng" w="9525">
+            <a:solidFill>
+              <a:schemeClr val="dk2"/>
+            </a:solidFill>
+            <a:prstDash val="solid"/>
+            <a:round/>
+            <a:headEnd len="sm" w="sm" type="none"/>
+            <a:tailEnd len="sm" w="sm" type="none"/>
+          </a:ln>
+        </p:spPr>
+        <p:txBody>
+          <a:bodyPr anchorCtr="0" anchor="ctr" bIns="91425" lIns="91425" spcFirstLastPara="1" rIns="91425" wrap="square" tIns="91425">
+            <a:noAutofit/>
+          </a:bodyPr>
+          <a:lstStyle/>
+          <a:p>
+            <a:pPr indent="0" lvl="0" marL="0" marR="0" rtl="0" algn="l">
+              <a:lnSpc>
+                <a:spcPct val="100000"/>
+              </a:lnSpc>
+              <a:spcBef>
+                <a:spcPts val="0"/>
+              </a:spcBef>
+              <a:spcAft>
+                <a:spcPts val="0"/>
+              </a:spcAft>
+              <a:buClr>
+                <a:srgbClr val="000000"/>
+              </a:buClr>
+              <a:buSzPts val="1400"/>
+              <a:buFont typeface="Arial"/>
+              <a:buNone/>
+            </a:pPr>
+            <a:r>
+              <a:t/>
+            </a:r>
+            <a:endParaRPr b="0" i="0" sz="1400" u="none" cap="none" strike="noStrike">
+              <a:solidFill>
+                <a:srgbClr val="000000"/>
+              </a:solidFill>
+              <a:latin typeface="Arial"/>
+              <a:ea typeface="Arial"/>
+              <a:cs typeface="Arial"/>
+              <a:sym typeface="Arial"/>
+            </a:endParaRPr>
+          </a:p>
+        </p:txBody>
+      </p:sp>
+      <p:pic>
+        <p:nvPicPr>
+          <p:cNvPr id="195" name="Google Shape;195;p8"/>
+          <p:cNvPicPr preferRelativeResize="0"/>
+          <p:nvPr/>
+        </p:nvPicPr>
+        <p:blipFill rotWithShape="1">
+          <a:blip r:embed="rId3">
+            <a:alphaModFix/>
+          </a:blip>
+          <a:srcRect b="0" l="0" r="0" t="0"/>
+          <a:stretch/>
+        </p:blipFill>
+        <p:spPr>
+          <a:xfrm>
+            <a:off x="4143900" y="1836775"/>
+            <a:ext cx="5524200" cy="1674000"/>
+          </a:xfrm>
+          <a:prstGeom prst="rect">
+            <a:avLst/>
+          </a:prstGeom>
+          <a:noFill/>
+          <a:ln>
+            <a:noFill/>
+          </a:ln>
+        </p:spPr>
+      </p:pic>
+      <p:pic>
+        <p:nvPicPr>
+          <p:cNvPr id="196" name="Google Shape;196;p8"/>
+          <p:cNvPicPr preferRelativeResize="0"/>
+          <p:nvPr/>
+        </p:nvPicPr>
+        <p:blipFill rotWithShape="1">
+          <a:blip r:embed="rId4">
+            <a:alphaModFix/>
+          </a:blip>
+          <a:srcRect b="0" l="0" r="0" t="0"/>
+          <a:stretch/>
+        </p:blipFill>
+        <p:spPr>
+          <a:xfrm>
+            <a:off x="2888025" y="4770534"/>
+            <a:ext cx="8656275" cy="741966"/>
+          </a:xfrm>
+          <a:prstGeom prst="rect">
+            <a:avLst/>
+          </a:prstGeom>
+          <a:noFill/>
+          <a:ln>
+            <a:noFill/>
+          </a:ln>
+        </p:spPr>
+      </p:pic>
+      <p:sp>
+        <p:nvSpPr>
+          <p:cNvPr id="197" name="Google Shape;197;p8"/>
           <p:cNvSpPr txBox="1"/>
           <p:nvPr/>
         </p:nvSpPr>
         <p:spPr>
           <a:xfrm>
-            <a:off x="548650" y="1835425"/>
-            <a:ext cx="9801300" cy="646500"/>
+            <a:off x="864000" y="2350525"/>
+            <a:ext cx="1638000" cy="646500"/>
           </a:xfrm>
           <a:prstGeom prst="rect">
             <a:avLst/>
@@ -17933,7 +18544,7 @@
                 <a:cs typeface="Arial"/>
                 <a:sym typeface="Arial"/>
               </a:rPr>
-              <a:t>PDFs:		EXPR —&gt; RooAbsPdf</a:t>
+              <a:t>RooFit:</a:t>
             </a:r>
             <a:endParaRPr b="0" i="0" sz="3000" u="none" cap="none" strike="noStrike">
               <a:solidFill>
@@ -17949,14 +18560,14 @@
       </p:sp>
       <p:sp>
         <p:nvSpPr>
-          <p:cNvPr id="189" name="Google Shape;189;p9"/>
+          <p:cNvPr id="198" name="Google Shape;198;p8"/>
           <p:cNvSpPr txBox="1"/>
           <p:nvPr/>
         </p:nvSpPr>
         <p:spPr>
           <a:xfrm>
-            <a:off x="548650" y="4013525"/>
-            <a:ext cx="7119300" cy="646500"/>
+            <a:off x="864000" y="4818250"/>
+            <a:ext cx="1638000" cy="646500"/>
           </a:xfrm>
           <a:prstGeom prst="rect">
             <a:avLst/>
@@ -17999,7 +18610,7 @@
                 <a:cs typeface="Arial"/>
                 <a:sym typeface="Arial"/>
               </a:rPr>
-              <a:t>Funciones:		expr —&gt; RooAbsReal</a:t>
+              <a:t>Factory:</a:t>
             </a:r>
             <a:endParaRPr b="0" i="0" sz="3000" u="none" cap="none" strike="noStrike">
               <a:solidFill>
@@ -18013,60 +18624,6 @@
           </a:p>
         </p:txBody>
       </p:sp>
-      <p:pic>
-        <p:nvPicPr>
-          <p:cNvPr id="190" name="Google Shape;190;p9"/>
-          <p:cNvPicPr preferRelativeResize="0"/>
-          <p:nvPr/>
-        </p:nvPicPr>
-        <p:blipFill rotWithShape="1">
-          <a:blip r:embed="rId3">
-            <a:alphaModFix/>
-          </a:blip>
-          <a:srcRect b="0" l="0" r="0" t="0"/>
-          <a:stretch/>
-        </p:blipFill>
-        <p:spPr>
-          <a:xfrm>
-            <a:off x="908650" y="2697929"/>
-            <a:ext cx="10900290" cy="646500"/>
-          </a:xfrm>
-          <a:prstGeom prst="rect">
-            <a:avLst/>
-          </a:prstGeom>
-          <a:noFill/>
-          <a:ln>
-            <a:noFill/>
-          </a:ln>
-        </p:spPr>
-      </p:pic>
-      <p:pic>
-        <p:nvPicPr>
-          <p:cNvPr id="191" name="Google Shape;191;p9"/>
-          <p:cNvPicPr preferRelativeResize="0"/>
-          <p:nvPr/>
-        </p:nvPicPr>
-        <p:blipFill rotWithShape="1">
-          <a:blip r:embed="rId4">
-            <a:alphaModFix/>
-          </a:blip>
-          <a:srcRect b="0" l="0" r="0" t="0"/>
-          <a:stretch/>
-        </p:blipFill>
-        <p:spPr>
-          <a:xfrm>
-            <a:off x="1562675" y="5008822"/>
-            <a:ext cx="9592255" cy="646500"/>
-          </a:xfrm>
-          <a:prstGeom prst="rect">
-            <a:avLst/>
-          </a:prstGeom>
-          <a:noFill/>
-          <a:ln>
-            <a:noFill/>
-          </a:ln>
-        </p:spPr>
-      </p:pic>
     </p:spTree>
   </p:cSld>
   <p:clrMapOvr>
@@ -18101,7 +18658,7 @@
     </p:bg>
     <p:spTree>
       <p:nvGrpSpPr>
-        <p:cNvPr id="195" name="Shape 195"/>
+        <p:cNvPr id="202" name="Shape 202"/>
         <p:cNvGrpSpPr/>
         <p:nvPr/>
       </p:nvGrpSpPr>
@@ -18115,7 +18672,7 @@
       </p:grpSpPr>
       <p:sp>
         <p:nvSpPr>
-          <p:cNvPr id="196" name="Google Shape;196;g1e3b50694ee_0_0"/>
+          <p:cNvPr id="203" name="Google Shape;203;g1e3aae6ef86_0_12"/>
           <p:cNvSpPr txBox="1"/>
           <p:nvPr>
             <p:ph type="title"/>
@@ -18163,7 +18720,7 @@
                   <a:schemeClr val="lt1"/>
                 </a:solidFill>
               </a:rPr>
-              <a:t>Workspace: Factory syntax (expresiones propias). </a:t>
+              <a:t>Workspace: Factory syntax. </a:t>
             </a:r>
             <a:endParaRPr/>
           </a:p>
@@ -18171,14 +18728,14 @@
       </p:sp>
       <p:sp>
         <p:nvSpPr>
-          <p:cNvPr id="197" name="Google Shape;197;g1e3b50694ee_0_0"/>
+          <p:cNvPr id="204" name="Google Shape;204;g1e3aae6ef86_0_12"/>
           <p:cNvSpPr txBox="1"/>
           <p:nvPr/>
         </p:nvSpPr>
         <p:spPr>
           <a:xfrm>
-            <a:off x="548650" y="1835425"/>
-            <a:ext cx="9801300" cy="646500"/>
+            <a:off x="548650" y="1902138"/>
+            <a:ext cx="1908000" cy="646500"/>
           </a:xfrm>
           <a:prstGeom prst="rect">
             <a:avLst/>
@@ -18214,84 +18771,18 @@
             <a:r>
               <a:rPr b="0" i="0" lang="es-CO" sz="3000" u="none" cap="none" strike="noStrike">
                 <a:solidFill>
-                  <a:schemeClr val="lt1"/>
+                  <a:srgbClr val="CACACA"/>
                 </a:solidFill>
                 <a:latin typeface="Arial"/>
                 <a:ea typeface="Arial"/>
                 <a:cs typeface="Arial"/>
                 <a:sym typeface="Arial"/>
               </a:rPr>
-              <a:t>Uso de variables existentes:</a:t>
+              <a:t>Variables:</a:t>
             </a:r>
             <a:endParaRPr b="0" i="0" sz="3000" u="none" cap="none" strike="noStrike">
               <a:solidFill>
-                <a:schemeClr val="lt1"/>
-              </a:solidFill>
-              <a:latin typeface="Arial"/>
-              <a:ea typeface="Arial"/>
-              <a:cs typeface="Arial"/>
-              <a:sym typeface="Arial"/>
-            </a:endParaRPr>
-          </a:p>
-        </p:txBody>
-      </p:sp>
-      <p:sp>
-        <p:nvSpPr>
-          <p:cNvPr id="198" name="Google Shape;198;g1e3b50694ee_0_0"/>
-          <p:cNvSpPr txBox="1"/>
-          <p:nvPr/>
-        </p:nvSpPr>
-        <p:spPr>
-          <a:xfrm>
-            <a:off x="548650" y="4013525"/>
-            <a:ext cx="7119300" cy="646500"/>
-          </a:xfrm>
-          <a:prstGeom prst="rect">
-            <a:avLst/>
-          </a:prstGeom>
-          <a:noFill/>
-          <a:ln>
-            <a:noFill/>
-          </a:ln>
-        </p:spPr>
-        <p:txBody>
-          <a:bodyPr anchorCtr="0" anchor="t" bIns="91425" lIns="91425" spcFirstLastPara="1" rIns="91425" wrap="square" tIns="91425">
-            <a:spAutoFit/>
-          </a:bodyPr>
-          <a:lstStyle/>
-          <a:p>
-            <a:pPr indent="0" lvl="0" marL="0" marR="0" rtl="0" algn="l">
-              <a:lnSpc>
-                <a:spcPct val="100000"/>
-              </a:lnSpc>
-              <a:spcBef>
-                <a:spcPts val="0"/>
-              </a:spcBef>
-              <a:spcAft>
-                <a:spcPts val="0"/>
-              </a:spcAft>
-              <a:buClr>
-                <a:srgbClr val="000000"/>
-              </a:buClr>
-              <a:buSzPts val="3000"/>
-              <a:buFont typeface="Arial"/>
-              <a:buNone/>
-            </a:pPr>
-            <a:r>
-              <a:rPr b="0" i="0" lang="es-CO" sz="3000" u="none" cap="none" strike="noStrike">
-                <a:solidFill>
-                  <a:schemeClr val="lt1"/>
-                </a:solidFill>
-                <a:latin typeface="Arial"/>
-                <a:ea typeface="Arial"/>
-                <a:cs typeface="Arial"/>
-                <a:sym typeface="Arial"/>
-              </a:rPr>
-              <a:t>Uso de funciones reales en PDFs:</a:t>
-            </a:r>
-            <a:endParaRPr b="0" i="0" sz="3000" u="none" cap="none" strike="noStrike">
-              <a:solidFill>
-                <a:schemeClr val="lt1"/>
+                <a:srgbClr val="CACACA"/>
               </a:solidFill>
               <a:latin typeface="Arial"/>
               <a:ea typeface="Arial"/>
@@ -18303,7 +18794,7 @@
       </p:sp>
       <p:pic>
         <p:nvPicPr>
-          <p:cNvPr id="199" name="Google Shape;199;g1e3b50694ee_0_0"/>
+          <p:cNvPr id="205" name="Google Shape;205;g1e3aae6ef86_0_12"/>
           <p:cNvPicPr preferRelativeResize="0"/>
           <p:nvPr/>
         </p:nvPicPr>
@@ -18316,8 +18807,8 @@
         </p:blipFill>
         <p:spPr>
           <a:xfrm>
-            <a:off x="82325" y="2617838"/>
-            <a:ext cx="12027351" cy="806713"/>
+            <a:off x="4437000" y="1686450"/>
+            <a:ext cx="4478285" cy="1077900"/>
           </a:xfrm>
           <a:prstGeom prst="rect">
             <a:avLst/>
@@ -18328,9 +18819,75 @@
           </a:ln>
         </p:spPr>
       </p:pic>
+      <p:sp>
+        <p:nvSpPr>
+          <p:cNvPr id="206" name="Google Shape;206;g1e3aae6ef86_0_12"/>
+          <p:cNvSpPr txBox="1"/>
+          <p:nvPr/>
+        </p:nvSpPr>
+        <p:spPr>
+          <a:xfrm>
+            <a:off x="548650" y="4255625"/>
+            <a:ext cx="2250900" cy="646500"/>
+          </a:xfrm>
+          <a:prstGeom prst="rect">
+            <a:avLst/>
+          </a:prstGeom>
+          <a:noFill/>
+          <a:ln>
+            <a:noFill/>
+          </a:ln>
+        </p:spPr>
+        <p:txBody>
+          <a:bodyPr anchorCtr="0" anchor="t" bIns="91425" lIns="91425" spcFirstLastPara="1" rIns="91425" wrap="square" tIns="91425">
+            <a:spAutoFit/>
+          </a:bodyPr>
+          <a:lstStyle/>
+          <a:p>
+            <a:pPr indent="0" lvl="0" marL="0" marR="0" rtl="0" algn="l">
+              <a:lnSpc>
+                <a:spcPct val="100000"/>
+              </a:lnSpc>
+              <a:spcBef>
+                <a:spcPts val="0"/>
+              </a:spcBef>
+              <a:spcAft>
+                <a:spcPts val="0"/>
+              </a:spcAft>
+              <a:buClr>
+                <a:srgbClr val="000000"/>
+              </a:buClr>
+              <a:buSzPts val="3000"/>
+              <a:buFont typeface="Arial"/>
+              <a:buNone/>
+            </a:pPr>
+            <a:r>
+              <a:rPr b="0" i="0" lang="es-CO" sz="3000" u="none" cap="none" strike="noStrike">
+                <a:solidFill>
+                  <a:srgbClr val="CACACA"/>
+                </a:solidFill>
+                <a:latin typeface="Arial"/>
+                <a:ea typeface="Arial"/>
+                <a:cs typeface="Arial"/>
+                <a:sym typeface="Arial"/>
+              </a:rPr>
+              <a:t>Anidación:</a:t>
+            </a:r>
+            <a:endParaRPr b="0" i="0" sz="3000" u="none" cap="none" strike="noStrike">
+              <a:solidFill>
+                <a:srgbClr val="CACACA"/>
+              </a:solidFill>
+              <a:latin typeface="Arial"/>
+              <a:ea typeface="Arial"/>
+              <a:cs typeface="Arial"/>
+              <a:sym typeface="Arial"/>
+            </a:endParaRPr>
+          </a:p>
+        </p:txBody>
+      </p:sp>
       <p:pic>
         <p:nvPicPr>
-          <p:cNvPr id="200" name="Google Shape;200;g1e3b50694ee_0_0"/>
+          <p:cNvPr id="207" name="Google Shape;207;g1e3aae6ef86_0_12"/>
           <p:cNvPicPr preferRelativeResize="0"/>
           <p:nvPr/>
         </p:nvPicPr>
@@ -18343,8 +18900,8 @@
         </p:blipFill>
         <p:spPr>
           <a:xfrm>
-            <a:off x="269788" y="4794425"/>
-            <a:ext cx="11652425" cy="929575"/>
+            <a:off x="2816025" y="3343750"/>
+            <a:ext cx="8728226" cy="2470250"/>
           </a:xfrm>
           <a:prstGeom prst="rect">
             <a:avLst/>
@@ -18383,13 +18940,13 @@
               <a:srgbClr val="282251"/>
             </a:gs>
           </a:gsLst>
-          <a:lin ang="10800000" scaled="0"/>
+          <a:lin ang="10800025" scaled="0"/>
         </a:gradFill>
       </p:bgPr>
     </p:bg>
     <p:spTree>
       <p:nvGrpSpPr>
-        <p:cNvPr id="204" name="Shape 204"/>
+        <p:cNvPr id="211" name="Shape 211"/>
         <p:cNvGrpSpPr/>
         <p:nvPr/>
       </p:nvGrpSpPr>
@@ -18403,7 +18960,7 @@
       </p:grpSpPr>
       <p:sp>
         <p:nvSpPr>
-          <p:cNvPr id="205" name="Google Shape;205;p10"/>
+          <p:cNvPr id="212" name="Google Shape;212;g1e3aae6ef86_0_25"/>
           <p:cNvSpPr txBox="1"/>
           <p:nvPr>
             <p:ph type="title"/>
@@ -18412,7 +18969,7 @@
         <p:spPr>
           <a:xfrm>
             <a:off x="548639" y="950976"/>
-            <a:ext cx="10995659" cy="1077849"/>
+            <a:ext cx="10995600" cy="1077900"/>
           </a:xfrm>
           <a:prstGeom prst="rect">
             <a:avLst/>
@@ -18451,7 +19008,7 @@
                   <a:schemeClr val="lt1"/>
                 </a:solidFill>
               </a:rPr>
-              <a:t>Workspace: Factory syntax (operaciones). </a:t>
+              <a:t>Workspace: Factory syntax. </a:t>
             </a:r>
             <a:endParaRPr/>
           </a:p>
@@ -18459,14 +19016,82 @@
       </p:sp>
       <p:sp>
         <p:nvSpPr>
-          <p:cNvPr id="206" name="Google Shape;206;p10"/>
+          <p:cNvPr id="213" name="Google Shape;213;g1e3aae6ef86_0_25"/>
+          <p:cNvSpPr/>
+          <p:nvPr/>
+        </p:nvSpPr>
+        <p:spPr>
+          <a:xfrm>
+            <a:off x="5933988" y="4121600"/>
+            <a:ext cx="324000" cy="666000"/>
+          </a:xfrm>
+          <a:prstGeom prst="downArrow">
+            <a:avLst>
+              <a:gd fmla="val 50000" name="adj1"/>
+              <a:gd fmla="val 50000" name="adj2"/>
+            </a:avLst>
+          </a:prstGeom>
+          <a:solidFill>
+            <a:schemeClr val="lt2"/>
+          </a:solidFill>
+          <a:ln cap="flat" cmpd="sng" w="9525">
+            <a:solidFill>
+              <a:schemeClr val="dk2"/>
+            </a:solidFill>
+            <a:prstDash val="solid"/>
+            <a:round/>
+            <a:headEnd len="sm" w="sm" type="none"/>
+            <a:tailEnd len="sm" w="sm" type="none"/>
+          </a:ln>
+        </p:spPr>
+        <p:txBody>
+          <a:bodyPr anchorCtr="0" anchor="ctr" bIns="91425" lIns="91425" spcFirstLastPara="1" rIns="91425" wrap="square" tIns="91425">
+            <a:noAutofit/>
+          </a:bodyPr>
+          <a:lstStyle/>
+          <a:p>
+            <a:pPr indent="0" lvl="0" marL="0" marR="0" rtl="0" algn="l">
+              <a:lnSpc>
+                <a:spcPct val="100000"/>
+              </a:lnSpc>
+              <a:spcBef>
+                <a:spcPts val="0"/>
+              </a:spcBef>
+              <a:spcAft>
+                <a:spcPts val="0"/>
+              </a:spcAft>
+              <a:buClr>
+                <a:srgbClr val="000000"/>
+              </a:buClr>
+              <a:buSzPts val="1400"/>
+              <a:buFont typeface="Arial"/>
+              <a:buNone/>
+            </a:pPr>
+            <a:r>
+              <a:t/>
+            </a:r>
+            <a:endParaRPr b="0" i="0" sz="1400" u="none" cap="none" strike="noStrike">
+              <a:solidFill>
+                <a:srgbClr val="000000"/>
+              </a:solidFill>
+              <a:latin typeface="Arial"/>
+              <a:ea typeface="Arial"/>
+              <a:cs typeface="Arial"/>
+              <a:sym typeface="Arial"/>
+            </a:endParaRPr>
+          </a:p>
+        </p:txBody>
+      </p:sp>
+      <p:sp>
+        <p:nvSpPr>
+          <p:cNvPr id="214" name="Google Shape;214;g1e3aae6ef86_0_25"/>
           <p:cNvSpPr txBox="1"/>
           <p:nvPr/>
         </p:nvSpPr>
         <p:spPr>
           <a:xfrm>
-            <a:off x="548650" y="1382325"/>
-            <a:ext cx="9801300" cy="646500"/>
+            <a:off x="864000" y="2321425"/>
+            <a:ext cx="1638000" cy="646500"/>
           </a:xfrm>
           <a:prstGeom prst="rect">
             <a:avLst/>
@@ -18482,22 +19107,154 @@
           </a:bodyPr>
           <a:lstStyle/>
           <a:p>
-            <a:pPr indent="-419100" lvl="0" marL="457200" marR="0" rtl="0" algn="l">
-              <a:lnSpc>
-                <a:spcPct val="100000"/>
-              </a:lnSpc>
-              <a:spcBef>
-                <a:spcPts val="0"/>
-              </a:spcBef>
-              <a:spcAft>
-                <a:spcPts val="0"/>
-              </a:spcAft>
-              <a:buClr>
-                <a:schemeClr val="lt1"/>
+            <a:pPr indent="0" lvl="0" marL="0" marR="0" rtl="0" algn="l">
+              <a:lnSpc>
+                <a:spcPct val="100000"/>
+              </a:lnSpc>
+              <a:spcBef>
+                <a:spcPts val="0"/>
+              </a:spcBef>
+              <a:spcAft>
+                <a:spcPts val="0"/>
+              </a:spcAft>
+              <a:buClr>
+                <a:srgbClr val="000000"/>
               </a:buClr>
               <a:buSzPts val="3000"/>
               <a:buFont typeface="Arial"/>
-              <a:buChar char="●"/>
+              <a:buNone/>
+            </a:pPr>
+            <a:r>
+              <a:rPr b="0" i="0" lang="es-CO" sz="3000" u="none" cap="none" strike="noStrike">
+                <a:solidFill>
+                  <a:srgbClr val="CACACA"/>
+                </a:solidFill>
+                <a:latin typeface="Arial"/>
+                <a:ea typeface="Arial"/>
+                <a:cs typeface="Arial"/>
+                <a:sym typeface="Arial"/>
+              </a:rPr>
+              <a:t>RooFit:</a:t>
+            </a:r>
+            <a:endParaRPr b="0" i="0" sz="3000" u="none" cap="none" strike="noStrike">
+              <a:solidFill>
+                <a:srgbClr val="CACACA"/>
+              </a:solidFill>
+              <a:latin typeface="Arial"/>
+              <a:ea typeface="Arial"/>
+              <a:cs typeface="Arial"/>
+              <a:sym typeface="Arial"/>
+            </a:endParaRPr>
+          </a:p>
+        </p:txBody>
+      </p:sp>
+      <p:sp>
+        <p:nvSpPr>
+          <p:cNvPr id="215" name="Google Shape;215;g1e3aae6ef86_0_25"/>
+          <p:cNvSpPr txBox="1"/>
+          <p:nvPr/>
+        </p:nvSpPr>
+        <p:spPr>
+          <a:xfrm>
+            <a:off x="864000" y="4222950"/>
+            <a:ext cx="1638000" cy="646500"/>
+          </a:xfrm>
+          <a:prstGeom prst="rect">
+            <a:avLst/>
+          </a:prstGeom>
+          <a:noFill/>
+          <a:ln>
+            <a:noFill/>
+          </a:ln>
+        </p:spPr>
+        <p:txBody>
+          <a:bodyPr anchorCtr="0" anchor="t" bIns="91425" lIns="91425" spcFirstLastPara="1" rIns="91425" wrap="square" tIns="91425">
+            <a:spAutoFit/>
+          </a:bodyPr>
+          <a:lstStyle/>
+          <a:p>
+            <a:pPr indent="0" lvl="0" marL="0" marR="0" rtl="0" algn="l">
+              <a:lnSpc>
+                <a:spcPct val="100000"/>
+              </a:lnSpc>
+              <a:spcBef>
+                <a:spcPts val="0"/>
+              </a:spcBef>
+              <a:spcAft>
+                <a:spcPts val="0"/>
+              </a:spcAft>
+              <a:buClr>
+                <a:srgbClr val="000000"/>
+              </a:buClr>
+              <a:buSzPts val="3000"/>
+              <a:buFont typeface="Arial"/>
+              <a:buNone/>
+            </a:pPr>
+            <a:r>
+              <a:rPr b="0" i="0" lang="es-CO" sz="3000" u="none" cap="none" strike="noStrike">
+                <a:solidFill>
+                  <a:srgbClr val="CACACA"/>
+                </a:solidFill>
+                <a:latin typeface="Arial"/>
+                <a:ea typeface="Arial"/>
+                <a:cs typeface="Arial"/>
+                <a:sym typeface="Arial"/>
+              </a:rPr>
+              <a:t>Factory:</a:t>
+            </a:r>
+            <a:endParaRPr b="0" i="0" sz="3000" u="none" cap="none" strike="noStrike">
+              <a:solidFill>
+                <a:srgbClr val="CACACA"/>
+              </a:solidFill>
+              <a:latin typeface="Arial"/>
+              <a:ea typeface="Arial"/>
+              <a:cs typeface="Arial"/>
+              <a:sym typeface="Arial"/>
+            </a:endParaRPr>
+          </a:p>
+        </p:txBody>
+      </p:sp>
+      <p:sp>
+        <p:nvSpPr>
+          <p:cNvPr id="216" name="Google Shape;216;g1e3aae6ef86_0_25"/>
+          <p:cNvSpPr txBox="1"/>
+          <p:nvPr/>
+        </p:nvSpPr>
+        <p:spPr>
+          <a:xfrm>
+            <a:off x="674400" y="1674925"/>
+            <a:ext cx="3447600" cy="646500"/>
+          </a:xfrm>
+          <a:prstGeom prst="rect">
+            <a:avLst/>
+          </a:prstGeom>
+          <a:noFill/>
+          <a:ln>
+            <a:noFill/>
+          </a:ln>
+        </p:spPr>
+        <p:txBody>
+          <a:bodyPr anchorCtr="0" anchor="t" bIns="91425" lIns="91425" spcFirstLastPara="1" rIns="91425" wrap="square" tIns="91425">
+            <a:spAutoFit/>
+          </a:bodyPr>
+          <a:lstStyle/>
+          <a:p>
+            <a:pPr indent="0" lvl="0" marL="0" marR="0" rtl="0" algn="l">
+              <a:lnSpc>
+                <a:spcPct val="100000"/>
+              </a:lnSpc>
+              <a:spcBef>
+                <a:spcPts val="0"/>
+              </a:spcBef>
+              <a:spcAft>
+                <a:spcPts val="0"/>
+              </a:spcAft>
+              <a:buClr>
+                <a:srgbClr val="000000"/>
+              </a:buClr>
+              <a:buSzPts val="3000"/>
+              <a:buFont typeface="Arial"/>
+              <a:buNone/>
             </a:pPr>
             <a:r>
               <a:rPr b="0" i="0" lang="es-CO" sz="3000" u="none" cap="none" strike="noStrike">
@@ -18509,7 +19266,7 @@
                 <a:cs typeface="Arial"/>
                 <a:sym typeface="Arial"/>
               </a:rPr>
-              <a:t>Sumar, multiplicar, y convolucionar PDFs:</a:t>
+              <a:t>Sets y listas:</a:t>
             </a:r>
             <a:endParaRPr b="0" i="0" sz="3000" u="none" cap="none" strike="noStrike">
               <a:solidFill>
@@ -18525,7 +19282,7 @@
       </p:sp>
       <p:pic>
         <p:nvPicPr>
-          <p:cNvPr id="207" name="Google Shape;207;p10"/>
+          <p:cNvPr id="217" name="Google Shape;217;g1e3aae6ef86_0_25"/>
           <p:cNvPicPr preferRelativeResize="0"/>
           <p:nvPr/>
         </p:nvPicPr>
@@ -18538,8 +19295,8 @@
         </p:blipFill>
         <p:spPr>
           <a:xfrm>
-            <a:off x="548650" y="2028825"/>
-            <a:ext cx="10995650" cy="1098433"/>
+            <a:off x="1261825" y="3221500"/>
+            <a:ext cx="10282425" cy="646500"/>
           </a:xfrm>
           <a:prstGeom prst="rect">
             <a:avLst/>
@@ -18552,7 +19309,7 @@
       </p:pic>
       <p:pic>
         <p:nvPicPr>
-          <p:cNvPr id="208" name="Google Shape;208;p10"/>
+          <p:cNvPr id="218" name="Google Shape;218;g1e3aae6ef86_0_25"/>
           <p:cNvPicPr preferRelativeResize="0"/>
           <p:nvPr/>
         </p:nvPicPr>
@@ -18565,35 +19322,8 @@
         </p:blipFill>
         <p:spPr>
           <a:xfrm>
-            <a:off x="1759125" y="3391350"/>
-            <a:ext cx="8673741" cy="1168550"/>
-          </a:xfrm>
-          <a:prstGeom prst="rect">
-            <a:avLst/>
-          </a:prstGeom>
-          <a:noFill/>
-          <a:ln>
-            <a:noFill/>
-          </a:ln>
-        </p:spPr>
-      </p:pic>
-      <p:pic>
-        <p:nvPicPr>
-          <p:cNvPr id="209" name="Google Shape;209;p10"/>
-          <p:cNvPicPr preferRelativeResize="0"/>
-          <p:nvPr/>
-        </p:nvPicPr>
-        <p:blipFill rotWithShape="1">
-          <a:blip r:embed="rId5">
-            <a:alphaModFix/>
-          </a:blip>
-          <a:srcRect b="0" l="0" r="0" t="0"/>
-          <a:stretch/>
-        </p:blipFill>
-        <p:spPr>
-          <a:xfrm>
-            <a:off x="997225" y="4824000"/>
-            <a:ext cx="10197549" cy="1348528"/>
+            <a:off x="1560863" y="5211450"/>
+            <a:ext cx="9070286" cy="666000"/>
           </a:xfrm>
           <a:prstGeom prst="rect">
             <a:avLst/>
@@ -18632,13 +19362,13 @@
               <a:srgbClr val="282251"/>
             </a:gs>
           </a:gsLst>
-          <a:lin ang="10800025" scaled="0"/>
+          <a:lin ang="10800000" scaled="0"/>
         </a:gradFill>
       </p:bgPr>
     </p:bg>
     <p:spTree>
       <p:nvGrpSpPr>
-        <p:cNvPr id="213" name="Shape 213"/>
+        <p:cNvPr id="222" name="Shape 222"/>
         <p:cNvGrpSpPr/>
         <p:nvPr/>
       </p:nvGrpSpPr>
@@ -18652,7 +19382,7 @@
       </p:grpSpPr>
       <p:sp>
         <p:nvSpPr>
-          <p:cNvPr id="214" name="Google Shape;214;g1e3b2cf0910_1_0"/>
+          <p:cNvPr id="223" name="Google Shape;223;p9"/>
           <p:cNvSpPr txBox="1"/>
           <p:nvPr>
             <p:ph type="title"/>
@@ -18661,7 +19391,7 @@
         <p:spPr>
           <a:xfrm>
             <a:off x="548639" y="950976"/>
-            <a:ext cx="10995600" cy="1077900"/>
+            <a:ext cx="10995659" cy="1077849"/>
           </a:xfrm>
           <a:prstGeom prst="rect">
             <a:avLst/>
@@ -18700,15 +19430,147 @@
                   <a:schemeClr val="lt1"/>
                 </a:solidFill>
               </a:rPr>
-              <a:t>Workspace: Factory, rehaciendo el bosón de Higgs. </a:t>
+              <a:t>Workspace: Factory syntax (expresiones propias). </a:t>
             </a:r>
             <a:endParaRPr/>
           </a:p>
         </p:txBody>
       </p:sp>
+      <p:sp>
+        <p:nvSpPr>
+          <p:cNvPr id="224" name="Google Shape;224;p9"/>
+          <p:cNvSpPr txBox="1"/>
+          <p:nvPr/>
+        </p:nvSpPr>
+        <p:spPr>
+          <a:xfrm>
+            <a:off x="548650" y="1835425"/>
+            <a:ext cx="9801300" cy="646500"/>
+          </a:xfrm>
+          <a:prstGeom prst="rect">
+            <a:avLst/>
+          </a:prstGeom>
+          <a:noFill/>
+          <a:ln>
+            <a:noFill/>
+          </a:ln>
+        </p:spPr>
+        <p:txBody>
+          <a:bodyPr anchorCtr="0" anchor="t" bIns="91425" lIns="91425" spcFirstLastPara="1" rIns="91425" wrap="square" tIns="91425">
+            <a:spAutoFit/>
+          </a:bodyPr>
+          <a:lstStyle/>
+          <a:p>
+            <a:pPr indent="0" lvl="0" marL="0" marR="0" rtl="0" algn="l">
+              <a:lnSpc>
+                <a:spcPct val="100000"/>
+              </a:lnSpc>
+              <a:spcBef>
+                <a:spcPts val="0"/>
+              </a:spcBef>
+              <a:spcAft>
+                <a:spcPts val="0"/>
+              </a:spcAft>
+              <a:buClr>
+                <a:srgbClr val="000000"/>
+              </a:buClr>
+              <a:buSzPts val="3000"/>
+              <a:buFont typeface="Arial"/>
+              <a:buNone/>
+            </a:pPr>
+            <a:r>
+              <a:rPr b="0" i="0" lang="es-CO" sz="3000" u="none" cap="none" strike="noStrike">
+                <a:solidFill>
+                  <a:srgbClr val="CACACA"/>
+                </a:solidFill>
+                <a:latin typeface="Arial"/>
+                <a:ea typeface="Arial"/>
+                <a:cs typeface="Arial"/>
+                <a:sym typeface="Arial"/>
+              </a:rPr>
+              <a:t>PDFs:		EXPR —&gt; RooAbsPdf</a:t>
+            </a:r>
+            <a:endParaRPr b="0" i="0" sz="3000" u="none" cap="none" strike="noStrike">
+              <a:solidFill>
+                <a:srgbClr val="CACACA"/>
+              </a:solidFill>
+              <a:latin typeface="Arial"/>
+              <a:ea typeface="Arial"/>
+              <a:cs typeface="Arial"/>
+              <a:sym typeface="Arial"/>
+            </a:endParaRPr>
+          </a:p>
+        </p:txBody>
+      </p:sp>
+      <p:sp>
+        <p:nvSpPr>
+          <p:cNvPr id="225" name="Google Shape;225;p9"/>
+          <p:cNvSpPr txBox="1"/>
+          <p:nvPr/>
+        </p:nvSpPr>
+        <p:spPr>
+          <a:xfrm>
+            <a:off x="548650" y="4013525"/>
+            <a:ext cx="7119300" cy="646500"/>
+          </a:xfrm>
+          <a:prstGeom prst="rect">
+            <a:avLst/>
+          </a:prstGeom>
+          <a:noFill/>
+          <a:ln>
+            <a:noFill/>
+          </a:ln>
+        </p:spPr>
+        <p:txBody>
+          <a:bodyPr anchorCtr="0" anchor="t" bIns="91425" lIns="91425" spcFirstLastPara="1" rIns="91425" wrap="square" tIns="91425">
+            <a:spAutoFit/>
+          </a:bodyPr>
+          <a:lstStyle/>
+          <a:p>
+            <a:pPr indent="0" lvl="0" marL="0" marR="0" rtl="0" algn="l">
+              <a:lnSpc>
+                <a:spcPct val="100000"/>
+              </a:lnSpc>
+              <a:spcBef>
+                <a:spcPts val="0"/>
+              </a:spcBef>
+              <a:spcAft>
+                <a:spcPts val="0"/>
+              </a:spcAft>
+              <a:buClr>
+                <a:srgbClr val="000000"/>
+              </a:buClr>
+              <a:buSzPts val="3000"/>
+              <a:buFont typeface="Arial"/>
+              <a:buNone/>
+            </a:pPr>
+            <a:r>
+              <a:rPr b="0" i="0" lang="es-CO" sz="3000" u="none" cap="none" strike="noStrike">
+                <a:solidFill>
+                  <a:srgbClr val="CACACA"/>
+                </a:solidFill>
+                <a:latin typeface="Arial"/>
+                <a:ea typeface="Arial"/>
+                <a:cs typeface="Arial"/>
+                <a:sym typeface="Arial"/>
+              </a:rPr>
+              <a:t>Funciones:		expr —&gt; RooAbsReal</a:t>
+            </a:r>
+            <a:endParaRPr b="0" i="0" sz="3000" u="none" cap="none" strike="noStrike">
+              <a:solidFill>
+                <a:srgbClr val="CACACA"/>
+              </a:solidFill>
+              <a:latin typeface="Arial"/>
+              <a:ea typeface="Arial"/>
+              <a:cs typeface="Arial"/>
+              <a:sym typeface="Arial"/>
+            </a:endParaRPr>
+          </a:p>
+        </p:txBody>
+      </p:sp>
       <p:pic>
         <p:nvPicPr>
-          <p:cNvPr id="215" name="Google Shape;215;g1e3b2cf0910_1_0"/>
+          <p:cNvPr id="226" name="Google Shape;226;p9"/>
           <p:cNvPicPr preferRelativeResize="0"/>
           <p:nvPr/>
         </p:nvPicPr>
@@ -18721,8 +19583,8 @@
         </p:blipFill>
         <p:spPr>
           <a:xfrm>
-            <a:off x="548639" y="1710618"/>
-            <a:ext cx="8342582" cy="3954457"/>
+            <a:off x="908650" y="2697929"/>
+            <a:ext cx="10900290" cy="646500"/>
           </a:xfrm>
           <a:prstGeom prst="rect">
             <a:avLst/>
@@ -18733,16 +19595,23 @@
           </a:ln>
         </p:spPr>
       </p:pic>
-      <p:sp>
-        <p:nvSpPr>
-          <p:cNvPr id="216" name="Google Shape;216;g1e3b2cf0910_1_0"/>
-          <p:cNvSpPr txBox="1"/>
+      <p:pic>
+        <p:nvPicPr>
+          <p:cNvPr id="227" name="Google Shape;227;p9"/>
+          <p:cNvPicPr preferRelativeResize="0"/>
           <p:nvPr/>
-        </p:nvSpPr>
+        </p:nvPicPr>
+        <p:blipFill rotWithShape="1">
+          <a:blip r:embed="rId4">
+            <a:alphaModFix/>
+          </a:blip>
+          <a:srcRect b="0" l="0" r="0" t="0"/>
+          <a:stretch/>
+        </p:blipFill>
         <p:spPr>
           <a:xfrm>
-            <a:off x="7470390" y="5762716"/>
-            <a:ext cx="4192200" cy="461700"/>
+            <a:off x="1562675" y="5008822"/>
+            <a:ext cx="9592255" cy="646500"/>
           </a:xfrm>
           <a:prstGeom prst="rect">
             <a:avLst/>
@@ -18752,53 +19621,7 @@
             <a:noFill/>
           </a:ln>
         </p:spPr>
-        <p:txBody>
-          <a:bodyPr anchorCtr="0" anchor="t" bIns="45700" lIns="91425" spcFirstLastPara="1" rIns="91425" wrap="square" tIns="45700">
-            <a:spAutoFit/>
-          </a:bodyPr>
-          <a:lstStyle/>
-          <a:p>
-            <a:pPr indent="0" lvl="0" marL="0" marR="0" rtl="0" algn="l">
-              <a:lnSpc>
-                <a:spcPct val="100000"/>
-              </a:lnSpc>
-              <a:spcBef>
-                <a:spcPts val="0"/>
-              </a:spcBef>
-              <a:spcAft>
-                <a:spcPts val="0"/>
-              </a:spcAft>
-              <a:buClr>
-                <a:srgbClr val="000000"/>
-              </a:buClr>
-              <a:buSzPts val="2400"/>
-              <a:buFont typeface="Arial"/>
-              <a:buNone/>
-            </a:pPr>
-            <a:r>
-              <a:rPr b="0" i="0" lang="es-CO" sz="2400" u="none" cap="none" strike="noStrike">
-                <a:solidFill>
-                  <a:schemeClr val="lt1"/>
-                </a:solidFill>
-                <a:latin typeface="Open Sans Light"/>
-                <a:ea typeface="Open Sans Light"/>
-                <a:cs typeface="Open Sans Light"/>
-                <a:sym typeface="Open Sans Light"/>
-              </a:rPr>
-              <a:t>Higgs/HiggsModelFactory2.C</a:t>
-            </a:r>
-            <a:endParaRPr b="0" i="0" sz="1400" u="none" cap="none" strike="noStrike">
-              <a:solidFill>
-                <a:srgbClr val="000000"/>
-              </a:solidFill>
-              <a:latin typeface="Arial"/>
-              <a:ea typeface="Arial"/>
-              <a:cs typeface="Arial"/>
-              <a:sym typeface="Arial"/>
-            </a:endParaRPr>
-          </a:p>
-        </p:txBody>
-      </p:sp>
+      </p:pic>
     </p:spTree>
   </p:cSld>
   <p:clrMapOvr>
@@ -18833,7 +19656,7 @@
     </p:bg>
     <p:spTree>
       <p:nvGrpSpPr>
-        <p:cNvPr id="220" name="Shape 220"/>
+        <p:cNvPr id="231" name="Shape 231"/>
         <p:cNvGrpSpPr/>
         <p:nvPr/>
       </p:nvGrpSpPr>
@@ -18847,7 +19670,7 @@
       </p:grpSpPr>
       <p:sp>
         <p:nvSpPr>
-          <p:cNvPr id="221" name="Google Shape;221;g1e3b2cf0910_1_83"/>
+          <p:cNvPr id="232" name="Google Shape;232;g1e3b50694ee_0_0"/>
           <p:cNvSpPr txBox="1"/>
           <p:nvPr>
             <p:ph type="title"/>
@@ -18895,19 +19718,147 @@
                   <a:schemeClr val="lt1"/>
                 </a:solidFill>
               </a:rPr>
-              <a:t>Workspace: Factory, rehaciendo el bosón de Higgs. </a:t>
+              <a:t>Workspace: Factory syntax (expresiones propias). </a:t>
             </a:r>
-            <a:endParaRPr>
+            <a:endParaRPr/>
+          </a:p>
+        </p:txBody>
+      </p:sp>
+      <p:sp>
+        <p:nvSpPr>
+          <p:cNvPr id="233" name="Google Shape;233;g1e3b50694ee_0_0"/>
+          <p:cNvSpPr txBox="1"/>
+          <p:nvPr/>
+        </p:nvSpPr>
+        <p:spPr>
+          <a:xfrm>
+            <a:off x="548650" y="1835425"/>
+            <a:ext cx="9801300" cy="646500"/>
+          </a:xfrm>
+          <a:prstGeom prst="rect">
+            <a:avLst/>
+          </a:prstGeom>
+          <a:noFill/>
+          <a:ln>
+            <a:noFill/>
+          </a:ln>
+        </p:spPr>
+        <p:txBody>
+          <a:bodyPr anchorCtr="0" anchor="t" bIns="91425" lIns="91425" spcFirstLastPara="1" rIns="91425" wrap="square" tIns="91425">
+            <a:spAutoFit/>
+          </a:bodyPr>
+          <a:lstStyle/>
+          <a:p>
+            <a:pPr indent="0" lvl="0" marL="0" marR="0" rtl="0" algn="l">
+              <a:lnSpc>
+                <a:spcPct val="100000"/>
+              </a:lnSpc>
+              <a:spcBef>
+                <a:spcPts val="0"/>
+              </a:spcBef>
+              <a:spcAft>
+                <a:spcPts val="0"/>
+              </a:spcAft>
+              <a:buClr>
+                <a:srgbClr val="000000"/>
+              </a:buClr>
+              <a:buSzPts val="3000"/>
+              <a:buFont typeface="Arial"/>
+              <a:buNone/>
+            </a:pPr>
+            <a:r>
+              <a:rPr b="0" i="0" lang="es-CO" sz="3000" u="none" cap="none" strike="noStrike">
+                <a:solidFill>
+                  <a:schemeClr val="lt1"/>
+                </a:solidFill>
+                <a:latin typeface="Arial"/>
+                <a:ea typeface="Arial"/>
+                <a:cs typeface="Arial"/>
+                <a:sym typeface="Arial"/>
+              </a:rPr>
+              <a:t>Uso de variables existentes:</a:t>
+            </a:r>
+            <a:endParaRPr b="0" i="0" sz="3000" u="none" cap="none" strike="noStrike">
               <a:solidFill>
                 <a:schemeClr val="lt1"/>
               </a:solidFill>
+              <a:latin typeface="Arial"/>
+              <a:ea typeface="Arial"/>
+              <a:cs typeface="Arial"/>
+              <a:sym typeface="Arial"/>
+            </a:endParaRPr>
+          </a:p>
+        </p:txBody>
+      </p:sp>
+      <p:sp>
+        <p:nvSpPr>
+          <p:cNvPr id="234" name="Google Shape;234;g1e3b50694ee_0_0"/>
+          <p:cNvSpPr txBox="1"/>
+          <p:nvPr/>
+        </p:nvSpPr>
+        <p:spPr>
+          <a:xfrm>
+            <a:off x="548650" y="4013525"/>
+            <a:ext cx="7119300" cy="646500"/>
+          </a:xfrm>
+          <a:prstGeom prst="rect">
+            <a:avLst/>
+          </a:prstGeom>
+          <a:noFill/>
+          <a:ln>
+            <a:noFill/>
+          </a:ln>
+        </p:spPr>
+        <p:txBody>
+          <a:bodyPr anchorCtr="0" anchor="t" bIns="91425" lIns="91425" spcFirstLastPara="1" rIns="91425" wrap="square" tIns="91425">
+            <a:spAutoFit/>
+          </a:bodyPr>
+          <a:lstStyle/>
+          <a:p>
+            <a:pPr indent="0" lvl="0" marL="0" marR="0" rtl="0" algn="l">
+              <a:lnSpc>
+                <a:spcPct val="100000"/>
+              </a:lnSpc>
+              <a:spcBef>
+                <a:spcPts val="0"/>
+              </a:spcBef>
+              <a:spcAft>
+                <a:spcPts val="0"/>
+              </a:spcAft>
+              <a:buClr>
+                <a:srgbClr val="000000"/>
+              </a:buClr>
+              <a:buSzPts val="3000"/>
+              <a:buFont typeface="Arial"/>
+              <a:buNone/>
+            </a:pPr>
+            <a:r>
+              <a:rPr b="0" i="0" lang="es-CO" sz="3000" u="none" cap="none" strike="noStrike">
+                <a:solidFill>
+                  <a:schemeClr val="lt1"/>
+                </a:solidFill>
+                <a:latin typeface="Arial"/>
+                <a:ea typeface="Arial"/>
+                <a:cs typeface="Arial"/>
+                <a:sym typeface="Arial"/>
+              </a:rPr>
+              <a:t>Uso de funciones reales en PDFs:</a:t>
+            </a:r>
+            <a:endParaRPr b="0" i="0" sz="3000" u="none" cap="none" strike="noStrike">
+              <a:solidFill>
+                <a:schemeClr val="lt1"/>
+              </a:solidFill>
+              <a:latin typeface="Arial"/>
+              <a:ea typeface="Arial"/>
+              <a:cs typeface="Arial"/>
+              <a:sym typeface="Arial"/>
             </a:endParaRPr>
           </a:p>
         </p:txBody>
       </p:sp>
       <p:pic>
         <p:nvPicPr>
-          <p:cNvPr id="222" name="Google Shape;222;g1e3b2cf0910_1_83"/>
+          <p:cNvPr id="235" name="Google Shape;235;g1e3b50694ee_0_0"/>
           <p:cNvPicPr preferRelativeResize="0"/>
           <p:nvPr/>
         </p:nvPicPr>
@@ -18920,8 +19871,8 @@
         </p:blipFill>
         <p:spPr>
           <a:xfrm>
-            <a:off x="290351" y="1605514"/>
-            <a:ext cx="6131469" cy="2906371"/>
+            <a:off x="82325" y="2617838"/>
+            <a:ext cx="12027351" cy="806713"/>
           </a:xfrm>
           <a:prstGeom prst="rect">
             <a:avLst/>
@@ -18934,7 +19885,7 @@
       </p:pic>
       <p:pic>
         <p:nvPicPr>
-          <p:cNvPr id="223" name="Google Shape;223;g1e3b2cf0910_1_83"/>
+          <p:cNvPr id="236" name="Google Shape;236;g1e3b50694ee_0_0"/>
           <p:cNvPicPr preferRelativeResize="0"/>
           <p:nvPr/>
         </p:nvPicPr>
@@ -18947,8 +19898,8 @@
         </p:blipFill>
         <p:spPr>
           <a:xfrm>
-            <a:off x="5671647" y="4106976"/>
-            <a:ext cx="6131469" cy="1934557"/>
+            <a:off x="269788" y="4794425"/>
+            <a:ext cx="11652425" cy="929575"/>
           </a:xfrm>
           <a:prstGeom prst="rect">
             <a:avLst/>
@@ -18959,32 +19910,6 @@
           </a:ln>
         </p:spPr>
       </p:pic>
-      <p:cxnSp>
-        <p:nvCxnSpPr>
-          <p:cNvPr id="224" name="Google Shape;224;g1e3b2cf0910_1_83"/>
-          <p:cNvCxnSpPr/>
-          <p:nvPr/>
-        </p:nvCxnSpPr>
-        <p:spPr>
-          <a:xfrm>
-            <a:off x="5129048" y="3825766"/>
-            <a:ext cx="966900" cy="686100"/>
-          </a:xfrm>
-          <a:prstGeom prst="straightConnector1">
-            <a:avLst/>
-          </a:prstGeom>
-          <a:noFill/>
-          <a:ln cap="flat" cmpd="sng" w="76200">
-            <a:solidFill>
-              <a:srgbClr val="00B050"/>
-            </a:solidFill>
-            <a:prstDash val="solid"/>
-            <a:miter lim="800000"/>
-            <a:headEnd len="sm" w="sm" type="none"/>
-            <a:tailEnd len="med" w="med" type="triangle"/>
-          </a:ln>
-        </p:spPr>
-      </p:cxnSp>
     </p:spTree>
   </p:cSld>
   <p:clrMapOvr>
@@ -19019,7 +19944,7 @@
     </p:bg>
     <p:spTree>
       <p:nvGrpSpPr>
-        <p:cNvPr id="228" name="Shape 228"/>
+        <p:cNvPr id="240" name="Shape 240"/>
         <p:cNvGrpSpPr/>
         <p:nvPr/>
       </p:nvGrpSpPr>
@@ -19033,7 +19958,7 @@
       </p:grpSpPr>
       <p:sp>
         <p:nvSpPr>
-          <p:cNvPr id="229" name="Google Shape;229;p12"/>
+          <p:cNvPr id="241" name="Google Shape;241;p10"/>
           <p:cNvSpPr txBox="1"/>
           <p:nvPr>
             <p:ph type="title"/>
@@ -19081,23 +20006,81 @@
                   <a:schemeClr val="lt1"/>
                 </a:solidFill>
               </a:rPr>
-              <a:t>Workspace: </a:t>
-            </a:r>
-            <a:r>
-              <a:rPr lang="es-CO">
-                <a:solidFill>
-                  <a:schemeClr val="lt1"/>
-                </a:solidFill>
-              </a:rPr>
-              <a:t>Toy Monte Carlo</a:t>
+              <a:t>Workspace: Factory syntax (operaciones). </a:t>
             </a:r>
             <a:endParaRPr/>
           </a:p>
         </p:txBody>
       </p:sp>
+      <p:sp>
+        <p:nvSpPr>
+          <p:cNvPr id="242" name="Google Shape;242;p10"/>
+          <p:cNvSpPr txBox="1"/>
+          <p:nvPr/>
+        </p:nvSpPr>
+        <p:spPr>
+          <a:xfrm>
+            <a:off x="548650" y="1382325"/>
+            <a:ext cx="9801300" cy="646500"/>
+          </a:xfrm>
+          <a:prstGeom prst="rect">
+            <a:avLst/>
+          </a:prstGeom>
+          <a:noFill/>
+          <a:ln>
+            <a:noFill/>
+          </a:ln>
+        </p:spPr>
+        <p:txBody>
+          <a:bodyPr anchorCtr="0" anchor="t" bIns="91425" lIns="91425" spcFirstLastPara="1" rIns="91425" wrap="square" tIns="91425">
+            <a:spAutoFit/>
+          </a:bodyPr>
+          <a:lstStyle/>
+          <a:p>
+            <a:pPr indent="-419100" lvl="0" marL="457200" marR="0" rtl="0" algn="l">
+              <a:lnSpc>
+                <a:spcPct val="100000"/>
+              </a:lnSpc>
+              <a:spcBef>
+                <a:spcPts val="0"/>
+              </a:spcBef>
+              <a:spcAft>
+                <a:spcPts val="0"/>
+              </a:spcAft>
+              <a:buClr>
+                <a:schemeClr val="lt1"/>
+              </a:buClr>
+              <a:buSzPts val="3000"/>
+              <a:buFont typeface="Arial"/>
+              <a:buChar char="●"/>
+            </a:pPr>
+            <a:r>
+              <a:rPr b="0" i="0" lang="es-CO" sz="3000" u="none" cap="none" strike="noStrike">
+                <a:solidFill>
+                  <a:schemeClr val="lt1"/>
+                </a:solidFill>
+                <a:latin typeface="Arial"/>
+                <a:ea typeface="Arial"/>
+                <a:cs typeface="Arial"/>
+                <a:sym typeface="Arial"/>
+              </a:rPr>
+              <a:t>Sumar, multiplicar, y convolucionar PDFs:</a:t>
+            </a:r>
+            <a:endParaRPr b="0" i="0" sz="3000" u="none" cap="none" strike="noStrike">
+              <a:solidFill>
+                <a:schemeClr val="lt1"/>
+              </a:solidFill>
+              <a:latin typeface="Arial"/>
+              <a:ea typeface="Arial"/>
+              <a:cs typeface="Arial"/>
+              <a:sym typeface="Arial"/>
+            </a:endParaRPr>
+          </a:p>
+        </p:txBody>
+      </p:sp>
       <p:pic>
         <p:nvPicPr>
-          <p:cNvPr id="230" name="Google Shape;230;p12"/>
+          <p:cNvPr id="243" name="Google Shape;243;p10"/>
           <p:cNvPicPr preferRelativeResize="0"/>
           <p:nvPr/>
         </p:nvPicPr>
@@ -19105,13 +20088,13 @@
           <a:blip r:embed="rId3">
             <a:alphaModFix/>
           </a:blip>
-          <a:srcRect b="43575" l="0" r="0" t="22653"/>
+          <a:srcRect b="0" l="0" r="0" t="0"/>
           <a:stretch/>
         </p:blipFill>
         <p:spPr>
           <a:xfrm>
-            <a:off x="548650" y="1757100"/>
-            <a:ext cx="9018474" cy="1385475"/>
+            <a:off x="548650" y="2028825"/>
+            <a:ext cx="10995650" cy="1098433"/>
           </a:xfrm>
           <a:prstGeom prst="rect">
             <a:avLst/>
@@ -19124,21 +20107,21 @@
       </p:pic>
       <p:pic>
         <p:nvPicPr>
-          <p:cNvPr id="231" name="Google Shape;231;p12"/>
+          <p:cNvPr id="244" name="Google Shape;244;p10"/>
           <p:cNvPicPr preferRelativeResize="0"/>
           <p:nvPr/>
         </p:nvPicPr>
         <p:blipFill rotWithShape="1">
-          <a:blip r:embed="rId3">
+          <a:blip r:embed="rId4">
             <a:alphaModFix/>
           </a:blip>
-          <a:srcRect b="14834" l="0" r="0" t="54976"/>
+          <a:srcRect b="0" l="0" r="0" t="0"/>
           <a:stretch/>
         </p:blipFill>
         <p:spPr>
           <a:xfrm>
-            <a:off x="548650" y="3545537"/>
-            <a:ext cx="9018474" cy="1238450"/>
+            <a:off x="1759125" y="3391350"/>
+            <a:ext cx="8673741" cy="1168550"/>
           </a:xfrm>
           <a:prstGeom prst="rect">
             <a:avLst/>
@@ -19151,21 +20134,21 @@
       </p:pic>
       <p:pic>
         <p:nvPicPr>
-          <p:cNvPr id="232" name="Google Shape;232;p12"/>
+          <p:cNvPr id="245" name="Google Shape;245;p10"/>
           <p:cNvPicPr preferRelativeResize="0"/>
           <p:nvPr/>
         </p:nvPicPr>
         <p:blipFill rotWithShape="1">
-          <a:blip r:embed="rId3">
+          <a:blip r:embed="rId5">
             <a:alphaModFix/>
           </a:blip>
-          <a:srcRect b="0" l="0" r="0" t="84845"/>
+          <a:srcRect b="0" l="0" r="0" t="0"/>
           <a:stretch/>
         </p:blipFill>
         <p:spPr>
           <a:xfrm>
-            <a:off x="548650" y="5186950"/>
-            <a:ext cx="9018474" cy="621700"/>
+            <a:off x="997225" y="4824000"/>
+            <a:ext cx="10197549" cy="1348528"/>
           </a:xfrm>
           <a:prstGeom prst="rect">
             <a:avLst/>
@@ -19176,190 +20159,6 @@
           </a:ln>
         </p:spPr>
       </p:pic>
-      <p:sp>
-        <p:nvSpPr>
-          <p:cNvPr id="233" name="Google Shape;233;p12"/>
-          <p:cNvSpPr/>
-          <p:nvPr/>
-        </p:nvSpPr>
-        <p:spPr>
-          <a:xfrm>
-            <a:off x="727600" y="4148850"/>
-            <a:ext cx="3591600" cy="278700"/>
-          </a:xfrm>
-          <a:prstGeom prst="rect">
-            <a:avLst/>
-          </a:prstGeom>
-          <a:noFill/>
-          <a:ln cap="flat" cmpd="sng" w="9525">
-            <a:solidFill>
-              <a:srgbClr val="9900FF"/>
-            </a:solidFill>
-            <a:prstDash val="solid"/>
-            <a:round/>
-            <a:headEnd len="sm" w="sm" type="none"/>
-            <a:tailEnd len="sm" w="sm" type="none"/>
-          </a:ln>
-        </p:spPr>
-        <p:txBody>
-          <a:bodyPr anchorCtr="0" anchor="ctr" bIns="91425" lIns="91425" spcFirstLastPara="1" rIns="91425" wrap="square" tIns="91425">
-            <a:noAutofit/>
-          </a:bodyPr>
-          <a:lstStyle/>
-          <a:p>
-            <a:pPr indent="0" lvl="0" marL="0" rtl="0" algn="l">
-              <a:spcBef>
-                <a:spcPts val="0"/>
-              </a:spcBef>
-              <a:spcAft>
-                <a:spcPts val="0"/>
-              </a:spcAft>
-              <a:buNone/>
-            </a:pPr>
-            <a:r>
-              <a:t/>
-            </a:r>
-            <a:endParaRPr/>
-          </a:p>
-        </p:txBody>
-      </p:sp>
-      <p:sp>
-        <p:nvSpPr>
-          <p:cNvPr id="234" name="Google Shape;234;p12"/>
-          <p:cNvSpPr txBox="1"/>
-          <p:nvPr/>
-        </p:nvSpPr>
-        <p:spPr>
-          <a:xfrm>
-            <a:off x="5424775" y="4148850"/>
-            <a:ext cx="5573100" cy="615600"/>
-          </a:xfrm>
-          <a:prstGeom prst="rect">
-            <a:avLst/>
-          </a:prstGeom>
-          <a:noFill/>
-          <a:ln>
-            <a:noFill/>
-          </a:ln>
-        </p:spPr>
-        <p:txBody>
-          <a:bodyPr anchorCtr="0" anchor="t" bIns="91425" lIns="91425" spcFirstLastPara="1" rIns="91425" wrap="square" tIns="91425">
-            <a:spAutoFit/>
-          </a:bodyPr>
-          <a:lstStyle/>
-          <a:p>
-            <a:pPr indent="0" lvl="0" marL="0" rtl="0" algn="l">
-              <a:spcBef>
-                <a:spcPts val="0"/>
-              </a:spcBef>
-              <a:spcAft>
-                <a:spcPts val="0"/>
-              </a:spcAft>
-              <a:buNone/>
-            </a:pPr>
-            <a:r>
-              <a:rPr lang="es-CO">
-                <a:solidFill>
-                  <a:schemeClr val="dk1"/>
-                </a:solidFill>
-                <a:latin typeface="Open Sans Light"/>
-                <a:ea typeface="Open Sans Light"/>
-                <a:cs typeface="Open Sans Light"/>
-                <a:sym typeface="Open Sans Light"/>
-              </a:rPr>
-              <a:t>Se pueden obtener el modelo y los parámetros</a:t>
-            </a:r>
-            <a:endParaRPr>
-              <a:solidFill>
-                <a:schemeClr val="dk1"/>
-              </a:solidFill>
-              <a:latin typeface="Open Sans Light"/>
-              <a:ea typeface="Open Sans Light"/>
-              <a:cs typeface="Open Sans Light"/>
-              <a:sym typeface="Open Sans Light"/>
-            </a:endParaRPr>
-          </a:p>
-          <a:p>
-            <a:pPr indent="0" lvl="0" marL="0" rtl="0" algn="l">
-              <a:spcBef>
-                <a:spcPts val="0"/>
-              </a:spcBef>
-              <a:spcAft>
-                <a:spcPts val="0"/>
-              </a:spcAft>
-              <a:buNone/>
-            </a:pPr>
-            <a:r>
-              <a:rPr lang="es-CO">
-                <a:solidFill>
-                  <a:schemeClr val="dk1"/>
-                </a:solidFill>
-                <a:latin typeface="Open Sans Light"/>
-                <a:ea typeface="Open Sans Light"/>
-                <a:cs typeface="Open Sans Light"/>
-                <a:sym typeface="Open Sans Light"/>
-              </a:rPr>
-              <a:t>desde el  Workspace</a:t>
-            </a:r>
-            <a:endParaRPr>
-              <a:solidFill>
-                <a:schemeClr val="dk1"/>
-              </a:solidFill>
-              <a:latin typeface="Open Sans Light"/>
-              <a:ea typeface="Open Sans Light"/>
-              <a:cs typeface="Open Sans Light"/>
-              <a:sym typeface="Open Sans Light"/>
-            </a:endParaRPr>
-          </a:p>
-        </p:txBody>
-      </p:sp>
-      <p:sp>
-        <p:nvSpPr>
-          <p:cNvPr id="235" name="Google Shape;235;p12"/>
-          <p:cNvSpPr/>
-          <p:nvPr/>
-        </p:nvSpPr>
-        <p:spPr>
-          <a:xfrm>
-            <a:off x="6948475" y="5292025"/>
-            <a:ext cx="2525700" cy="342900"/>
-          </a:xfrm>
-          <a:prstGeom prst="rect">
-            <a:avLst/>
-          </a:prstGeom>
-          <a:noFill/>
-          <a:ln cap="flat" cmpd="sng" w="9525">
-            <a:solidFill>
-              <a:srgbClr val="9900FF"/>
-            </a:solidFill>
-            <a:prstDash val="solid"/>
-            <a:round/>
-            <a:headEnd len="sm" w="sm" type="none"/>
-            <a:tailEnd len="sm" w="sm" type="none"/>
-          </a:ln>
-        </p:spPr>
-        <p:txBody>
-          <a:bodyPr anchorCtr="0" anchor="ctr" bIns="91425" lIns="91425" spcFirstLastPara="1" rIns="91425" wrap="square" tIns="91425">
-            <a:noAutofit/>
-          </a:bodyPr>
-          <a:lstStyle/>
-          <a:p>
-            <a:pPr indent="0" lvl="0" marL="0" rtl="0" algn="l">
-              <a:spcBef>
-                <a:spcPts val="0"/>
-              </a:spcBef>
-              <a:spcAft>
-                <a:spcPts val="0"/>
-              </a:spcAft>
-              <a:buNone/>
-            </a:pPr>
-            <a:r>
-              <a:t/>
-            </a:r>
-            <a:endParaRPr/>
-          </a:p>
-        </p:txBody>
-      </p:sp>
     </p:spTree>
   </p:cSld>
   <p:clrMapOvr>
@@ -19394,7 +20193,7 @@
     </p:bg>
     <p:spTree>
       <p:nvGrpSpPr>
-        <p:cNvPr id="239" name="Shape 239"/>
+        <p:cNvPr id="249" name="Shape 249"/>
         <p:cNvGrpSpPr/>
         <p:nvPr/>
       </p:nvGrpSpPr>
@@ -19408,7 +20207,7 @@
       </p:grpSpPr>
       <p:sp>
         <p:nvSpPr>
-          <p:cNvPr id="240" name="Google Shape;240;g24f1b9561a3_0_3"/>
+          <p:cNvPr id="250" name="Google Shape;250;g1e3b2cf0910_1_0"/>
           <p:cNvSpPr txBox="1"/>
           <p:nvPr>
             <p:ph type="title"/>
@@ -19456,7 +20255,7 @@
                   <a:schemeClr val="lt1"/>
                 </a:solidFill>
               </a:rPr>
-              <a:t>Workspace: Toy Monte Carlo</a:t>
+              <a:t>Workspace: Factory, rehaciendo el bosón de Higgs. </a:t>
             </a:r>
             <a:endParaRPr/>
           </a:p>
@@ -19464,7 +20263,7 @@
       </p:sp>
       <p:pic>
         <p:nvPicPr>
-          <p:cNvPr id="241" name="Google Shape;241;g24f1b9561a3_0_3"/>
+          <p:cNvPr id="251" name="Google Shape;251;g1e3b2cf0910_1_0"/>
           <p:cNvPicPr preferRelativeResize="0"/>
           <p:nvPr/>
         </p:nvPicPr>
@@ -19472,13 +20271,13 @@
           <a:blip r:embed="rId3">
             <a:alphaModFix/>
           </a:blip>
-          <a:srcRect b="0" l="0" r="0" t="48464"/>
+          <a:srcRect b="0" l="0" r="0" t="0"/>
           <a:stretch/>
         </p:blipFill>
         <p:spPr>
           <a:xfrm>
-            <a:off x="703450" y="2771075"/>
-            <a:ext cx="9757350" cy="2586500"/>
+            <a:off x="548639" y="1710618"/>
+            <a:ext cx="8342582" cy="3954457"/>
           </a:xfrm>
           <a:prstGeom prst="rect">
             <a:avLst/>
@@ -19489,23 +20288,16 @@
           </a:ln>
         </p:spPr>
       </p:pic>
-      <p:pic>
-        <p:nvPicPr>
-          <p:cNvPr id="242" name="Google Shape;242;g24f1b9561a3_0_3"/>
-          <p:cNvPicPr preferRelativeResize="0"/>
+      <p:sp>
+        <p:nvSpPr>
+          <p:cNvPr id="252" name="Google Shape;252;g1e3b2cf0910_1_0"/>
+          <p:cNvSpPr txBox="1"/>
           <p:nvPr/>
-        </p:nvPicPr>
-        <p:blipFill rotWithShape="1">
-          <a:blip r:embed="rId4">
-            <a:alphaModFix/>
-          </a:blip>
-          <a:srcRect b="23524" l="0" r="44582" t="63267"/>
-          <a:stretch/>
-        </p:blipFill>
+        </p:nvSpPr>
         <p:spPr>
           <a:xfrm>
-            <a:off x="5243550" y="1826750"/>
-            <a:ext cx="5407249" cy="586225"/>
+            <a:off x="7470390" y="5762716"/>
+            <a:ext cx="4192200" cy="461700"/>
           </a:xfrm>
           <a:prstGeom prst="rect">
             <a:avLst/>
@@ -19515,98 +20307,50 @@
             <a:noFill/>
           </a:ln>
         </p:spPr>
-      </p:pic>
-      <p:sp>
-        <p:nvSpPr>
-          <p:cNvPr id="243" name="Google Shape;243;g24f1b9561a3_0_3"/>
-          <p:cNvSpPr/>
-          <p:nvPr/>
-        </p:nvSpPr>
-        <p:spPr>
-          <a:xfrm>
-            <a:off x="6749625" y="3808275"/>
-            <a:ext cx="1269300" cy="278700"/>
-          </a:xfrm>
-          <a:prstGeom prst="rect">
-            <a:avLst/>
-          </a:prstGeom>
-          <a:noFill/>
-          <a:ln cap="flat" cmpd="sng" w="9525">
-            <a:solidFill>
-              <a:srgbClr val="9900FF"/>
-            </a:solidFill>
-            <a:prstDash val="solid"/>
-            <a:round/>
-            <a:headEnd len="sm" w="sm" type="none"/>
-            <a:tailEnd len="sm" w="sm" type="none"/>
-          </a:ln>
-        </p:spPr>
         <p:txBody>
-          <a:bodyPr anchorCtr="0" anchor="ctr" bIns="91425" lIns="91425" spcFirstLastPara="1" rIns="91425" wrap="square" tIns="91425">
-            <a:noAutofit/>
+          <a:bodyPr anchorCtr="0" anchor="t" bIns="45700" lIns="91425" spcFirstLastPara="1" rIns="91425" wrap="square" tIns="45700">
+            <a:spAutoFit/>
           </a:bodyPr>
           <a:lstStyle/>
           <a:p>
-            <a:pPr indent="0" lvl="0" marL="0" rtl="0" algn="l">
-              <a:spcBef>
-                <a:spcPts val="0"/>
-              </a:spcBef>
-              <a:spcAft>
-                <a:spcPts val="0"/>
-              </a:spcAft>
+            <a:pPr indent="0" lvl="0" marL="0" marR="0" rtl="0" algn="l">
+              <a:lnSpc>
+                <a:spcPct val="100000"/>
+              </a:lnSpc>
+              <a:spcBef>
+                <a:spcPts val="0"/>
+              </a:spcBef>
+              <a:spcAft>
+                <a:spcPts val="0"/>
+              </a:spcAft>
+              <a:buClr>
+                <a:srgbClr val="000000"/>
+              </a:buClr>
+              <a:buSzPts val="2400"/>
+              <a:buFont typeface="Arial"/>
               <a:buNone/>
             </a:pPr>
             <a:r>
-              <a:t/>
+              <a:rPr b="0" i="0" lang="es-CO" sz="2400" u="none" cap="none" strike="noStrike">
+                <a:solidFill>
+                  <a:schemeClr val="lt1"/>
+                </a:solidFill>
+                <a:latin typeface="Open Sans Light"/>
+                <a:ea typeface="Open Sans Light"/>
+                <a:cs typeface="Open Sans Light"/>
+                <a:sym typeface="Open Sans Light"/>
+              </a:rPr>
+              <a:t>Higgs/HiggsModelFactory2.C</a:t>
             </a:r>
-            <a:endParaRPr/>
-          </a:p>
-        </p:txBody>
-      </p:sp>
-      <p:sp>
-        <p:nvSpPr>
-          <p:cNvPr id="244" name="Google Shape;244;g24f1b9561a3_0_3"/>
-          <p:cNvSpPr/>
-          <p:nvPr/>
-        </p:nvSpPr>
-        <p:spPr>
-          <a:xfrm>
-            <a:off x="6626800" y="1826750"/>
-            <a:ext cx="1269300" cy="278700"/>
-          </a:xfrm>
-          <a:prstGeom prst="rect">
-            <a:avLst/>
-          </a:prstGeom>
-          <a:noFill/>
-          <a:ln cap="flat" cmpd="sng" w="9525">
-            <a:solidFill>
-              <a:srgbClr val="9900FF"/>
-            </a:solidFill>
-            <a:prstDash val="solid"/>
-            <a:round/>
-            <a:headEnd len="sm" w="sm" type="none"/>
-            <a:tailEnd len="sm" w="sm" type="none"/>
-          </a:ln>
-        </p:spPr>
-        <p:txBody>
-          <a:bodyPr anchorCtr="0" anchor="ctr" bIns="91425" lIns="91425" spcFirstLastPara="1" rIns="91425" wrap="square" tIns="91425">
-            <a:noAutofit/>
-          </a:bodyPr>
-          <a:lstStyle/>
-          <a:p>
-            <a:pPr indent="0" lvl="0" marL="0" rtl="0" algn="l">
-              <a:spcBef>
-                <a:spcPts val="0"/>
-              </a:spcBef>
-              <a:spcAft>
-                <a:spcPts val="0"/>
-              </a:spcAft>
-              <a:buNone/>
-            </a:pPr>
-            <a:r>
-              <a:t/>
-            </a:r>
-            <a:endParaRPr/>
+            <a:endParaRPr b="0" i="0" sz="1400" u="none" cap="none" strike="noStrike">
+              <a:solidFill>
+                <a:srgbClr val="000000"/>
+              </a:solidFill>
+              <a:latin typeface="Arial"/>
+              <a:ea typeface="Arial"/>
+              <a:cs typeface="Arial"/>
+              <a:sym typeface="Arial"/>
+            </a:endParaRPr>
           </a:p>
         </p:txBody>
       </p:sp>
@@ -19644,7 +20388,7 @@
     </p:bg>
     <p:spTree>
       <p:nvGrpSpPr>
-        <p:cNvPr id="248" name="Shape 248"/>
+        <p:cNvPr id="256" name="Shape 256"/>
         <p:cNvGrpSpPr/>
         <p:nvPr/>
       </p:nvGrpSpPr>
@@ -19658,7 +20402,7 @@
       </p:grpSpPr>
       <p:sp>
         <p:nvSpPr>
-          <p:cNvPr id="249" name="Google Shape;249;g24f1b9561a3_0_10"/>
+          <p:cNvPr id="257" name="Google Shape;257;g1e3b2cf0910_1_83"/>
           <p:cNvSpPr txBox="1"/>
           <p:nvPr>
             <p:ph type="title"/>
@@ -19706,15 +20450,19 @@
                   <a:schemeClr val="lt1"/>
                 </a:solidFill>
               </a:rPr>
-              <a:t>Workspace: Toy Monte Carlo</a:t>
+              <a:t>Workspace: Factory, rehaciendo el bosón de Higgs. </a:t>
             </a:r>
-            <a:endParaRPr/>
+            <a:endParaRPr>
+              <a:solidFill>
+                <a:schemeClr val="lt1"/>
+              </a:solidFill>
+            </a:endParaRPr>
           </a:p>
         </p:txBody>
       </p:sp>
       <p:pic>
         <p:nvPicPr>
-          <p:cNvPr id="250" name="Google Shape;250;g24f1b9561a3_0_10"/>
+          <p:cNvPr id="258" name="Google Shape;258;g1e3b2cf0910_1_83"/>
           <p:cNvPicPr preferRelativeResize="0"/>
           <p:nvPr/>
         </p:nvPicPr>
@@ -19722,13 +20470,13 @@
           <a:blip r:embed="rId3">
             <a:alphaModFix/>
           </a:blip>
-          <a:srcRect b="0" l="0" r="0" t="31530"/>
+          <a:srcRect b="0" l="0" r="0" t="0"/>
           <a:stretch/>
         </p:blipFill>
         <p:spPr>
           <a:xfrm>
-            <a:off x="3383750" y="1656450"/>
-            <a:ext cx="7492700" cy="678875"/>
+            <a:off x="290351" y="1605514"/>
+            <a:ext cx="6131469" cy="2906371"/>
           </a:xfrm>
           <a:prstGeom prst="rect">
             <a:avLst/>
@@ -19741,7 +20489,7 @@
       </p:pic>
       <p:pic>
         <p:nvPicPr>
-          <p:cNvPr id="251" name="Google Shape;251;g24f1b9561a3_0_10"/>
+          <p:cNvPr id="259" name="Google Shape;259;g1e3b2cf0910_1_83"/>
           <p:cNvPicPr preferRelativeResize="0"/>
           <p:nvPr/>
         </p:nvPicPr>
@@ -19749,13 +20497,13 @@
           <a:blip r:embed="rId4">
             <a:alphaModFix/>
           </a:blip>
-          <a:srcRect b="0" l="0" r="0" t="57716"/>
+          <a:srcRect b="0" l="0" r="0" t="0"/>
           <a:stretch/>
         </p:blipFill>
         <p:spPr>
           <a:xfrm>
-            <a:off x="3387075" y="5038925"/>
-            <a:ext cx="5318750" cy="1563550"/>
+            <a:off x="5671647" y="4106976"/>
+            <a:ext cx="6131469" cy="1934557"/>
           </a:xfrm>
           <a:prstGeom prst="rect">
             <a:avLst/>
@@ -19766,430 +20514,32 @@
           </a:ln>
         </p:spPr>
       </p:pic>
-      <p:pic>
-        <p:nvPicPr>
-          <p:cNvPr id="252" name="Google Shape;252;g24f1b9561a3_0_10"/>
-          <p:cNvPicPr preferRelativeResize="0"/>
+      <p:cxnSp>
+        <p:nvCxnSpPr>
+          <p:cNvPr id="260" name="Google Shape;260;g1e3b2cf0910_1_83"/>
+          <p:cNvCxnSpPr/>
           <p:nvPr/>
-        </p:nvPicPr>
-        <p:blipFill>
-          <a:blip r:embed="rId5">
-            <a:alphaModFix/>
-          </a:blip>
-          <a:stretch>
-            <a:fillRect/>
-          </a:stretch>
-        </p:blipFill>
+        </p:nvCxnSpPr>
         <p:spPr>
           <a:xfrm>
-            <a:off x="3383750" y="4360363"/>
-            <a:ext cx="7315200" cy="609600"/>
-          </a:xfrm>
-          <a:prstGeom prst="rect">
+            <a:off x="5129048" y="3825766"/>
+            <a:ext cx="966900" cy="686100"/>
+          </a:xfrm>
+          <a:prstGeom prst="straightConnector1">
             <a:avLst/>
           </a:prstGeom>
           <a:noFill/>
-          <a:ln>
-            <a:noFill/>
-          </a:ln>
-        </p:spPr>
-      </p:pic>
-      <p:sp>
-        <p:nvSpPr>
-          <p:cNvPr id="253" name="Google Shape;253;g24f1b9561a3_0_10"/>
-          <p:cNvSpPr/>
-          <p:nvPr/>
-        </p:nvSpPr>
-        <p:spPr>
-          <a:xfrm>
-            <a:off x="3634525" y="5340875"/>
-            <a:ext cx="2294700" cy="278700"/>
-          </a:xfrm>
-          <a:prstGeom prst="rect">
-            <a:avLst/>
-          </a:prstGeom>
-          <a:noFill/>
-          <a:ln cap="flat" cmpd="sng" w="9525">
+          <a:ln cap="flat" cmpd="sng" w="76200">
             <a:solidFill>
-              <a:srgbClr val="9900FF"/>
+              <a:srgbClr val="00B050"/>
             </a:solidFill>
             <a:prstDash val="solid"/>
-            <a:round/>
+            <a:miter lim="800000"/>
             <a:headEnd len="sm" w="sm" type="none"/>
-            <a:tailEnd len="sm" w="sm" type="none"/>
-          </a:ln>
-        </p:spPr>
-        <p:txBody>
-          <a:bodyPr anchorCtr="0" anchor="ctr" bIns="91425" lIns="91425" spcFirstLastPara="1" rIns="91425" wrap="square" tIns="91425">
-            <a:noAutofit/>
-          </a:bodyPr>
-          <a:lstStyle/>
-          <a:p>
-            <a:pPr indent="0" lvl="0" marL="0" rtl="0" algn="l">
-              <a:spcBef>
-                <a:spcPts val="0"/>
-              </a:spcBef>
-              <a:spcAft>
-                <a:spcPts val="0"/>
-              </a:spcAft>
-              <a:buNone/>
-            </a:pPr>
-            <a:r>
-              <a:t/>
-            </a:r>
-            <a:endParaRPr/>
-          </a:p>
-        </p:txBody>
-      </p:sp>
-      <p:sp>
-        <p:nvSpPr>
-          <p:cNvPr id="254" name="Google Shape;254;g24f1b9561a3_0_10"/>
-          <p:cNvSpPr txBox="1"/>
-          <p:nvPr/>
-        </p:nvSpPr>
-        <p:spPr>
-          <a:xfrm>
-            <a:off x="671075" y="4923500"/>
-            <a:ext cx="4731900" cy="969600"/>
-          </a:xfrm>
-          <a:prstGeom prst="rect">
-            <a:avLst/>
-          </a:prstGeom>
-          <a:noFill/>
-          <a:ln>
-            <a:noFill/>
-          </a:ln>
-        </p:spPr>
-        <p:txBody>
-          <a:bodyPr anchorCtr="0" anchor="t" bIns="91425" lIns="91425" spcFirstLastPara="1" rIns="91425" wrap="square" tIns="91425">
-            <a:spAutoFit/>
-          </a:bodyPr>
-          <a:lstStyle/>
-          <a:p>
-            <a:pPr indent="0" lvl="0" marL="0" rtl="0" algn="l">
-              <a:spcBef>
-                <a:spcPts val="0"/>
-              </a:spcBef>
-              <a:spcAft>
-                <a:spcPts val="0"/>
-              </a:spcAft>
-              <a:buNone/>
-            </a:pPr>
-            <a:r>
-              <a:rPr b="1" lang="es-CO" sz="1700">
-                <a:solidFill>
-                  <a:schemeClr val="lt1"/>
-                </a:solidFill>
-                <a:latin typeface="Open Sans"/>
-                <a:ea typeface="Open Sans"/>
-                <a:cs typeface="Open Sans"/>
-                <a:sym typeface="Open Sans"/>
-              </a:rPr>
-              <a:t>ToyMCHiggs.C: </a:t>
-            </a:r>
-            <a:endParaRPr b="1" sz="1700">
-              <a:solidFill>
-                <a:schemeClr val="lt1"/>
-              </a:solidFill>
-              <a:latin typeface="Open Sans"/>
-              <a:ea typeface="Open Sans"/>
-              <a:cs typeface="Open Sans"/>
-              <a:sym typeface="Open Sans"/>
-            </a:endParaRPr>
-          </a:p>
-          <a:p>
-            <a:pPr indent="0" lvl="0" marL="0" rtl="0" algn="l">
-              <a:spcBef>
-                <a:spcPts val="0"/>
-              </a:spcBef>
-              <a:spcAft>
-                <a:spcPts val="0"/>
-              </a:spcAft>
-              <a:buNone/>
-            </a:pPr>
-            <a:r>
-              <a:rPr lang="es-CO" sz="1700">
-                <a:solidFill>
-                  <a:schemeClr val="lt1"/>
-                </a:solidFill>
-                <a:latin typeface="Open Sans Light"/>
-                <a:ea typeface="Open Sans Light"/>
-                <a:cs typeface="Open Sans Light"/>
-                <a:sym typeface="Open Sans Light"/>
-              </a:rPr>
-              <a:t>Import </a:t>
-            </a:r>
-            <a:r>
-              <a:rPr lang="es-CO" sz="1700">
-                <a:solidFill>
-                  <a:schemeClr val="lt1"/>
-                </a:solidFill>
-                <a:latin typeface="Open Sans Light"/>
-                <a:ea typeface="Open Sans Light"/>
-                <a:cs typeface="Open Sans Light"/>
-                <a:sym typeface="Open Sans Light"/>
-              </a:rPr>
-              <a:t>dataset con</a:t>
-            </a:r>
-            <a:endParaRPr sz="1700">
-              <a:solidFill>
-                <a:schemeClr val="lt1"/>
-              </a:solidFill>
-              <a:latin typeface="Open Sans Light"/>
-              <a:ea typeface="Open Sans Light"/>
-              <a:cs typeface="Open Sans Light"/>
-              <a:sym typeface="Open Sans Light"/>
-            </a:endParaRPr>
-          </a:p>
-          <a:p>
-            <a:pPr indent="0" lvl="0" marL="0" rtl="0" algn="l">
-              <a:spcBef>
-                <a:spcPts val="0"/>
-              </a:spcBef>
-              <a:spcAft>
-                <a:spcPts val="0"/>
-              </a:spcAft>
-              <a:buNone/>
-            </a:pPr>
-            <a:r>
-              <a:rPr lang="es-CO" sz="1700">
-                <a:solidFill>
-                  <a:schemeClr val="lt1"/>
-                </a:solidFill>
-                <a:latin typeface="Open Sans Light"/>
-                <a:ea typeface="Open Sans Light"/>
-                <a:cs typeface="Open Sans Light"/>
-                <a:sym typeface="Open Sans Light"/>
-              </a:rPr>
-              <a:t>el Pull en el  workspace</a:t>
-            </a:r>
-            <a:endParaRPr sz="1700">
-              <a:solidFill>
-                <a:schemeClr val="lt1"/>
-              </a:solidFill>
-              <a:latin typeface="Open Sans Light"/>
-              <a:ea typeface="Open Sans Light"/>
-              <a:cs typeface="Open Sans Light"/>
-              <a:sym typeface="Open Sans Light"/>
-            </a:endParaRPr>
-          </a:p>
-        </p:txBody>
-      </p:sp>
-      <p:sp>
-        <p:nvSpPr>
-          <p:cNvPr id="255" name="Google Shape;255;g24f1b9561a3_0_10"/>
-          <p:cNvSpPr txBox="1"/>
-          <p:nvPr/>
-        </p:nvSpPr>
-        <p:spPr>
-          <a:xfrm>
-            <a:off x="733000" y="1641888"/>
-            <a:ext cx="2294700" cy="708000"/>
-          </a:xfrm>
-          <a:prstGeom prst="rect">
-            <a:avLst/>
-          </a:prstGeom>
-          <a:noFill/>
-          <a:ln>
-            <a:noFill/>
-          </a:ln>
-        </p:spPr>
-        <p:txBody>
-          <a:bodyPr anchorCtr="0" anchor="t" bIns="91425" lIns="91425" spcFirstLastPara="1" rIns="91425" wrap="square" tIns="91425">
-            <a:spAutoFit/>
-          </a:bodyPr>
-          <a:lstStyle/>
-          <a:p>
-            <a:pPr indent="0" lvl="0" marL="0" rtl="0" algn="l">
-              <a:spcBef>
-                <a:spcPts val="0"/>
-              </a:spcBef>
-              <a:spcAft>
-                <a:spcPts val="0"/>
-              </a:spcAft>
-              <a:buNone/>
-            </a:pPr>
-            <a:r>
-              <a:rPr b="1" lang="es-CO" sz="1700">
-                <a:solidFill>
-                  <a:schemeClr val="lt1"/>
-                </a:solidFill>
-                <a:latin typeface="Open Sans"/>
-                <a:ea typeface="Open Sans"/>
-                <a:cs typeface="Open Sans"/>
-                <a:sym typeface="Open Sans"/>
-              </a:rPr>
-              <a:t>ToyMCHiggs.C: </a:t>
-            </a:r>
-            <a:r>
-              <a:rPr lang="es-CO" sz="1700">
-                <a:solidFill>
-                  <a:schemeClr val="lt1"/>
-                </a:solidFill>
-                <a:latin typeface="Open Sans Light"/>
-                <a:ea typeface="Open Sans Light"/>
-                <a:cs typeface="Open Sans Light"/>
-                <a:sym typeface="Open Sans Light"/>
-              </a:rPr>
-              <a:t>Pull de la masa del Higgs.</a:t>
-            </a:r>
-            <a:endParaRPr sz="1700">
-              <a:solidFill>
-                <a:schemeClr val="lt1"/>
-              </a:solidFill>
-              <a:latin typeface="Open Sans Light"/>
-              <a:ea typeface="Open Sans Light"/>
-              <a:cs typeface="Open Sans Light"/>
-              <a:sym typeface="Open Sans Light"/>
-            </a:endParaRPr>
-          </a:p>
-        </p:txBody>
-      </p:sp>
-      <p:pic>
-        <p:nvPicPr>
-          <p:cNvPr id="256" name="Google Shape;256;g24f1b9561a3_0_10"/>
-          <p:cNvPicPr preferRelativeResize="0"/>
-          <p:nvPr/>
-        </p:nvPicPr>
-        <p:blipFill>
-          <a:blip r:embed="rId6">
-            <a:alphaModFix/>
-          </a:blip>
-          <a:stretch>
-            <a:fillRect/>
-          </a:stretch>
-        </p:blipFill>
-        <p:spPr>
-          <a:xfrm>
-            <a:off x="3383750" y="2487725"/>
-            <a:ext cx="4959677" cy="1710775"/>
-          </a:xfrm>
-          <a:prstGeom prst="rect">
-            <a:avLst/>
-          </a:prstGeom>
-          <a:noFill/>
-          <a:ln>
-            <a:noFill/>
-          </a:ln>
-        </p:spPr>
-      </p:pic>
-      <p:sp>
-        <p:nvSpPr>
-          <p:cNvPr id="257" name="Google Shape;257;g24f1b9561a3_0_10"/>
-          <p:cNvSpPr txBox="1"/>
-          <p:nvPr/>
-        </p:nvSpPr>
-        <p:spPr>
-          <a:xfrm>
-            <a:off x="733000" y="2813250"/>
-            <a:ext cx="2456100" cy="1231500"/>
-          </a:xfrm>
-          <a:prstGeom prst="rect">
-            <a:avLst/>
-          </a:prstGeom>
-          <a:noFill/>
-          <a:ln>
-            <a:noFill/>
-          </a:ln>
-        </p:spPr>
-        <p:txBody>
-          <a:bodyPr anchorCtr="0" anchor="t" bIns="91425" lIns="91425" spcFirstLastPara="1" rIns="91425" wrap="square" tIns="91425">
-            <a:spAutoFit/>
-          </a:bodyPr>
-          <a:lstStyle/>
-          <a:p>
-            <a:pPr indent="0" lvl="0" marL="0" rtl="0" algn="l">
-              <a:spcBef>
-                <a:spcPts val="0"/>
-              </a:spcBef>
-              <a:spcAft>
-                <a:spcPts val="0"/>
-              </a:spcAft>
-              <a:buNone/>
-            </a:pPr>
-            <a:r>
-              <a:rPr b="1" lang="es-CO" sz="1700">
-                <a:solidFill>
-                  <a:schemeClr val="lt1"/>
-                </a:solidFill>
-                <a:latin typeface="Open Sans"/>
-                <a:ea typeface="Open Sans"/>
-                <a:cs typeface="Open Sans"/>
-                <a:sym typeface="Open Sans"/>
-              </a:rPr>
-              <a:t>HiggsModel.C </a:t>
-            </a:r>
-            <a:r>
-              <a:rPr lang="es-CO" sz="1700">
-                <a:solidFill>
-                  <a:schemeClr val="lt1"/>
-                </a:solidFill>
-                <a:latin typeface="Open Sans Light"/>
-                <a:ea typeface="Open Sans Light"/>
-                <a:cs typeface="Open Sans Light"/>
-                <a:sym typeface="Open Sans Light"/>
-              </a:rPr>
-              <a:t>Guardó el modelo y los parámetros en el Workspace</a:t>
-            </a:r>
-            <a:endParaRPr sz="1700">
-              <a:solidFill>
-                <a:schemeClr val="lt1"/>
-              </a:solidFill>
-              <a:latin typeface="Open Sans Light"/>
-              <a:ea typeface="Open Sans Light"/>
-              <a:cs typeface="Open Sans Light"/>
-              <a:sym typeface="Open Sans Light"/>
-            </a:endParaRPr>
-          </a:p>
-        </p:txBody>
-      </p:sp>
-      <p:sp>
-        <p:nvSpPr>
-          <p:cNvPr id="258" name="Google Shape;258;g24f1b9561a3_0_10"/>
-          <p:cNvSpPr/>
-          <p:nvPr/>
-        </p:nvSpPr>
-        <p:spPr>
-          <a:xfrm>
-            <a:off x="6703200" y="2487725"/>
-            <a:ext cx="1574400" cy="278700"/>
-          </a:xfrm>
-          <a:prstGeom prst="rect">
-            <a:avLst/>
-          </a:prstGeom>
-          <a:noFill/>
-          <a:ln cap="flat" cmpd="sng" w="9525">
-            <a:solidFill>
-              <a:srgbClr val="9900FF"/>
-            </a:solidFill>
-            <a:prstDash val="solid"/>
-            <a:round/>
-            <a:headEnd len="sm" w="sm" type="none"/>
-            <a:tailEnd len="sm" w="sm" type="none"/>
-          </a:ln>
-        </p:spPr>
-        <p:txBody>
-          <a:bodyPr anchorCtr="0" anchor="ctr" bIns="91425" lIns="91425" spcFirstLastPara="1" rIns="91425" wrap="square" tIns="91425">
-            <a:noAutofit/>
-          </a:bodyPr>
-          <a:lstStyle/>
-          <a:p>
-            <a:pPr indent="0" lvl="0" marL="0" rtl="0" algn="l">
-              <a:spcBef>
-                <a:spcPts val="0"/>
-              </a:spcBef>
-              <a:spcAft>
-                <a:spcPts val="0"/>
-              </a:spcAft>
-              <a:buNone/>
-            </a:pPr>
-            <a:r>
-              <a:t/>
-            </a:r>
-            <a:endParaRPr/>
-          </a:p>
-        </p:txBody>
-      </p:sp>
+            <a:tailEnd len="med" w="med" type="triangle"/>
+          </a:ln>
+        </p:spPr>
+      </p:cxnSp>
     </p:spTree>
   </p:cSld>
   <p:clrMapOvr>
@@ -20224,7 +20574,7 @@
     </p:bg>
     <p:spTree>
       <p:nvGrpSpPr>
-        <p:cNvPr id="262" name="Shape 262"/>
+        <p:cNvPr id="264" name="Shape 264"/>
         <p:cNvGrpSpPr/>
         <p:nvPr/>
       </p:nvGrpSpPr>
@@ -20238,7 +20588,7 @@
       </p:grpSpPr>
       <p:sp>
         <p:nvSpPr>
-          <p:cNvPr id="263" name="Google Shape;263;g24f1b9561a3_0_54"/>
+          <p:cNvPr id="265" name="Google Shape;265;g1e3c4f8711e_0_87"/>
           <p:cNvSpPr txBox="1"/>
           <p:nvPr>
             <p:ph type="title"/>
@@ -20294,22 +20644,21 @@
       </p:sp>
       <p:pic>
         <p:nvPicPr>
-          <p:cNvPr id="264" name="Google Shape;264;g24f1b9561a3_0_54"/>
+          <p:cNvPr id="266" name="Google Shape;266;g1e3c4f8711e_0_87"/>
           <p:cNvPicPr preferRelativeResize="0"/>
           <p:nvPr/>
         </p:nvPicPr>
-        <p:blipFill>
+        <p:blipFill rotWithShape="1">
           <a:blip r:embed="rId3">
             <a:alphaModFix/>
           </a:blip>
-          <a:stretch>
-            <a:fillRect/>
-          </a:stretch>
+          <a:srcRect b="43575" l="0" r="0" t="22653"/>
+          <a:stretch/>
         </p:blipFill>
         <p:spPr>
           <a:xfrm>
-            <a:off x="709700" y="1577500"/>
-            <a:ext cx="7650526" cy="2339150"/>
+            <a:off x="548650" y="1757100"/>
+            <a:ext cx="9018474" cy="1385475"/>
           </a:xfrm>
           <a:prstGeom prst="rect">
             <a:avLst/>
@@ -20320,16 +20669,70 @@
           </a:ln>
         </p:spPr>
       </p:pic>
+      <p:pic>
+        <p:nvPicPr>
+          <p:cNvPr id="267" name="Google Shape;267;g1e3c4f8711e_0_87"/>
+          <p:cNvPicPr preferRelativeResize="0"/>
+          <p:nvPr/>
+        </p:nvPicPr>
+        <p:blipFill rotWithShape="1">
+          <a:blip r:embed="rId3">
+            <a:alphaModFix/>
+          </a:blip>
+          <a:srcRect b="14834" l="0" r="0" t="54976"/>
+          <a:stretch/>
+        </p:blipFill>
+        <p:spPr>
+          <a:xfrm>
+            <a:off x="548650" y="3545537"/>
+            <a:ext cx="9018474" cy="1238450"/>
+          </a:xfrm>
+          <a:prstGeom prst="rect">
+            <a:avLst/>
+          </a:prstGeom>
+          <a:noFill/>
+          <a:ln>
+            <a:noFill/>
+          </a:ln>
+        </p:spPr>
+      </p:pic>
+      <p:pic>
+        <p:nvPicPr>
+          <p:cNvPr id="268" name="Google Shape;268;g1e3c4f8711e_0_87"/>
+          <p:cNvPicPr preferRelativeResize="0"/>
+          <p:nvPr/>
+        </p:nvPicPr>
+        <p:blipFill rotWithShape="1">
+          <a:blip r:embed="rId3">
+            <a:alphaModFix/>
+          </a:blip>
+          <a:srcRect b="0" l="0" r="0" t="84845"/>
+          <a:stretch/>
+        </p:blipFill>
+        <p:spPr>
+          <a:xfrm>
+            <a:off x="548650" y="5186950"/>
+            <a:ext cx="9018474" cy="621700"/>
+          </a:xfrm>
+          <a:prstGeom prst="rect">
+            <a:avLst/>
+          </a:prstGeom>
+          <a:noFill/>
+          <a:ln>
+            <a:noFill/>
+          </a:ln>
+        </p:spPr>
+      </p:pic>
       <p:sp>
         <p:nvSpPr>
-          <p:cNvPr id="265" name="Google Shape;265;g24f1b9561a3_0_54"/>
+          <p:cNvPr id="269" name="Google Shape;269;g1e3c4f8711e_0_87"/>
           <p:cNvSpPr/>
           <p:nvPr/>
         </p:nvSpPr>
         <p:spPr>
           <a:xfrm>
-            <a:off x="709700" y="2507900"/>
-            <a:ext cx="7510500" cy="897900"/>
+            <a:off x="727600" y="4148850"/>
+            <a:ext cx="3591600" cy="278700"/>
           </a:xfrm>
           <a:prstGeom prst="rect">
             <a:avLst/>
@@ -20367,24 +20770,16 @@
           </a:p>
         </p:txBody>
       </p:sp>
-      <p:pic>
-        <p:nvPicPr>
-          <p:cNvPr id="266" name="Google Shape;266;g24f1b9561a3_0_54"/>
-          <p:cNvPicPr preferRelativeResize="0"/>
+      <p:sp>
+        <p:nvSpPr>
+          <p:cNvPr id="270" name="Google Shape;270;g1e3c4f8711e_0_87"/>
+          <p:cNvSpPr txBox="1"/>
           <p:nvPr/>
-        </p:nvPicPr>
-        <p:blipFill>
-          <a:blip r:embed="rId4">
-            <a:alphaModFix/>
-          </a:blip>
-          <a:stretch>
-            <a:fillRect/>
-          </a:stretch>
-        </p:blipFill>
+        </p:nvSpPr>
         <p:spPr>
           <a:xfrm>
-            <a:off x="6802950" y="3991625"/>
-            <a:ext cx="4741297" cy="2636550"/>
+            <a:off x="5424775" y="4148850"/>
+            <a:ext cx="5573100" cy="615600"/>
           </a:xfrm>
           <a:prstGeom prst="rect">
             <a:avLst/>
@@ -20394,17 +20789,87 @@
             <a:noFill/>
           </a:ln>
         </p:spPr>
-      </p:pic>
+        <p:txBody>
+          <a:bodyPr anchorCtr="0" anchor="t" bIns="91425" lIns="91425" spcFirstLastPara="1" rIns="91425" wrap="square" tIns="91425">
+            <a:spAutoFit/>
+          </a:bodyPr>
+          <a:lstStyle/>
+          <a:p>
+            <a:pPr indent="0" lvl="0" marL="0" rtl="0" algn="l">
+              <a:spcBef>
+                <a:spcPts val="0"/>
+              </a:spcBef>
+              <a:spcAft>
+                <a:spcPts val="0"/>
+              </a:spcAft>
+              <a:buNone/>
+            </a:pPr>
+            <a:r>
+              <a:rPr lang="es-CO">
+                <a:solidFill>
+                  <a:schemeClr val="dk1"/>
+                </a:solidFill>
+                <a:latin typeface="Open Sans Light"/>
+                <a:ea typeface="Open Sans Light"/>
+                <a:cs typeface="Open Sans Light"/>
+                <a:sym typeface="Open Sans Light"/>
+              </a:rPr>
+              <a:t>Se pueden obtener el modelo y los parámetros</a:t>
+            </a:r>
+            <a:endParaRPr>
+              <a:solidFill>
+                <a:schemeClr val="dk1"/>
+              </a:solidFill>
+              <a:latin typeface="Open Sans Light"/>
+              <a:ea typeface="Open Sans Light"/>
+              <a:cs typeface="Open Sans Light"/>
+              <a:sym typeface="Open Sans Light"/>
+            </a:endParaRPr>
+          </a:p>
+          <a:p>
+            <a:pPr indent="0" lvl="0" marL="0" rtl="0" algn="l">
+              <a:spcBef>
+                <a:spcPts val="0"/>
+              </a:spcBef>
+              <a:spcAft>
+                <a:spcPts val="0"/>
+              </a:spcAft>
+              <a:buNone/>
+            </a:pPr>
+            <a:r>
+              <a:rPr lang="es-CO">
+                <a:solidFill>
+                  <a:schemeClr val="dk1"/>
+                </a:solidFill>
+                <a:latin typeface="Open Sans Light"/>
+                <a:ea typeface="Open Sans Light"/>
+                <a:cs typeface="Open Sans Light"/>
+                <a:sym typeface="Open Sans Light"/>
+              </a:rPr>
+              <a:t>desde el  Workspace</a:t>
+            </a:r>
+            <a:endParaRPr>
+              <a:solidFill>
+                <a:schemeClr val="dk1"/>
+              </a:solidFill>
+              <a:latin typeface="Open Sans Light"/>
+              <a:ea typeface="Open Sans Light"/>
+              <a:cs typeface="Open Sans Light"/>
+              <a:sym typeface="Open Sans Light"/>
+            </a:endParaRPr>
+          </a:p>
+        </p:txBody>
+      </p:sp>
       <p:sp>
         <p:nvSpPr>
-          <p:cNvPr id="267" name="Google Shape;267;g24f1b9561a3_0_54"/>
+          <p:cNvPr id="271" name="Google Shape;271;g1e3c4f8711e_0_87"/>
           <p:cNvSpPr/>
           <p:nvPr/>
         </p:nvSpPr>
         <p:spPr>
           <a:xfrm>
-            <a:off x="6802950" y="4860975"/>
-            <a:ext cx="3737100" cy="139500"/>
+            <a:off x="6948475" y="5292025"/>
+            <a:ext cx="2525700" cy="342900"/>
           </a:xfrm>
           <a:prstGeom prst="rect">
             <a:avLst/>
@@ -20439,193 +20904,6 @@
               <a:t/>
             </a:r>
             <a:endParaRPr/>
-          </a:p>
-        </p:txBody>
-      </p:sp>
-      <p:sp>
-        <p:nvSpPr>
-          <p:cNvPr id="268" name="Google Shape;268;g24f1b9561a3_0_54"/>
-          <p:cNvSpPr/>
-          <p:nvPr/>
-        </p:nvSpPr>
-        <p:spPr>
-          <a:xfrm>
-            <a:off x="6802950" y="6455650"/>
-            <a:ext cx="3737100" cy="139500"/>
-          </a:xfrm>
-          <a:prstGeom prst="rect">
-            <a:avLst/>
-          </a:prstGeom>
-          <a:noFill/>
-          <a:ln cap="flat" cmpd="sng" w="9525">
-            <a:solidFill>
-              <a:srgbClr val="9900FF"/>
-            </a:solidFill>
-            <a:prstDash val="solid"/>
-            <a:round/>
-            <a:headEnd len="sm" w="sm" type="none"/>
-            <a:tailEnd len="sm" w="sm" type="none"/>
-          </a:ln>
-        </p:spPr>
-        <p:txBody>
-          <a:bodyPr anchorCtr="0" anchor="ctr" bIns="91425" lIns="91425" spcFirstLastPara="1" rIns="91425" wrap="square" tIns="91425">
-            <a:noAutofit/>
-          </a:bodyPr>
-          <a:lstStyle/>
-          <a:p>
-            <a:pPr indent="0" lvl="0" marL="0" rtl="0" algn="l">
-              <a:spcBef>
-                <a:spcPts val="0"/>
-              </a:spcBef>
-              <a:spcAft>
-                <a:spcPts val="0"/>
-              </a:spcAft>
-              <a:buNone/>
-            </a:pPr>
-            <a:r>
-              <a:t/>
-            </a:r>
-            <a:endParaRPr/>
-          </a:p>
-        </p:txBody>
-      </p:sp>
-      <p:sp>
-        <p:nvSpPr>
-          <p:cNvPr id="269" name="Google Shape;269;g24f1b9561a3_0_54"/>
-          <p:cNvSpPr txBox="1"/>
-          <p:nvPr/>
-        </p:nvSpPr>
-        <p:spPr>
-          <a:xfrm>
-            <a:off x="8705625" y="1861825"/>
-            <a:ext cx="2502600" cy="1231500"/>
-          </a:xfrm>
-          <a:prstGeom prst="rect">
-            <a:avLst/>
-          </a:prstGeom>
-          <a:noFill/>
-          <a:ln>
-            <a:noFill/>
-          </a:ln>
-        </p:spPr>
-        <p:txBody>
-          <a:bodyPr anchorCtr="0" anchor="t" bIns="91425" lIns="91425" spcFirstLastPara="1" rIns="91425" wrap="square" tIns="91425">
-            <a:spAutoFit/>
-          </a:bodyPr>
-          <a:lstStyle/>
-          <a:p>
-            <a:pPr indent="0" lvl="0" marL="0" rtl="0" algn="l">
-              <a:spcBef>
-                <a:spcPts val="0"/>
-              </a:spcBef>
-              <a:spcAft>
-                <a:spcPts val="0"/>
-              </a:spcAft>
-              <a:buNone/>
-            </a:pPr>
-            <a:r>
-              <a:rPr b="1" lang="es-CO" sz="1700">
-                <a:solidFill>
-                  <a:schemeClr val="lt1"/>
-                </a:solidFill>
-                <a:latin typeface="Open Sans"/>
-                <a:ea typeface="Open Sans"/>
-                <a:cs typeface="Open Sans"/>
-                <a:sym typeface="Open Sans"/>
-              </a:rPr>
-              <a:t>ToyMCHiggs.C: </a:t>
-            </a:r>
-            <a:r>
-              <a:rPr lang="es-CO" sz="1700">
-                <a:solidFill>
-                  <a:schemeClr val="lt1"/>
-                </a:solidFill>
-                <a:latin typeface="Open Sans Light"/>
-                <a:ea typeface="Open Sans Light"/>
-                <a:cs typeface="Open Sans Light"/>
-                <a:sym typeface="Open Sans Light"/>
-              </a:rPr>
-              <a:t>Graficar uno de los resultados del Monte Carlo.</a:t>
-            </a:r>
-            <a:endParaRPr sz="1700">
-              <a:solidFill>
-                <a:schemeClr val="lt1"/>
-              </a:solidFill>
-              <a:latin typeface="Open Sans Light"/>
-              <a:ea typeface="Open Sans Light"/>
-              <a:cs typeface="Open Sans Light"/>
-              <a:sym typeface="Open Sans Light"/>
-            </a:endParaRPr>
-          </a:p>
-        </p:txBody>
-      </p:sp>
-      <p:sp>
-        <p:nvSpPr>
-          <p:cNvPr id="270" name="Google Shape;270;g24f1b9561a3_0_54"/>
-          <p:cNvSpPr txBox="1"/>
-          <p:nvPr/>
-        </p:nvSpPr>
-        <p:spPr>
-          <a:xfrm>
-            <a:off x="3906575" y="4694150"/>
-            <a:ext cx="2456100" cy="1231500"/>
-          </a:xfrm>
-          <a:prstGeom prst="rect">
-            <a:avLst/>
-          </a:prstGeom>
-          <a:noFill/>
-          <a:ln>
-            <a:noFill/>
-          </a:ln>
-        </p:spPr>
-        <p:txBody>
-          <a:bodyPr anchorCtr="0" anchor="t" bIns="91425" lIns="91425" spcFirstLastPara="1" rIns="91425" wrap="square" tIns="91425">
-            <a:spAutoFit/>
-          </a:bodyPr>
-          <a:lstStyle/>
-          <a:p>
-            <a:pPr indent="0" lvl="0" marL="0" rtl="0" algn="l">
-              <a:spcBef>
-                <a:spcPts val="0"/>
-              </a:spcBef>
-              <a:spcAft>
-                <a:spcPts val="0"/>
-              </a:spcAft>
-              <a:buNone/>
-            </a:pPr>
-            <a:r>
-              <a:rPr b="1" lang="es-CO" sz="1700">
-                <a:solidFill>
-                  <a:schemeClr val="lt1"/>
-                </a:solidFill>
-                <a:latin typeface="Open Sans"/>
-                <a:ea typeface="Open Sans"/>
-                <a:cs typeface="Open Sans"/>
-                <a:sym typeface="Open Sans"/>
-              </a:rPr>
-              <a:t>HiggsModel.C </a:t>
-            </a:r>
-            <a:r>
-              <a:rPr lang="es-CO" sz="1700">
-                <a:solidFill>
-                  <a:schemeClr val="lt1"/>
-                </a:solidFill>
-                <a:latin typeface="Open Sans Light"/>
-                <a:ea typeface="Open Sans Light"/>
-                <a:cs typeface="Open Sans Light"/>
-                <a:sym typeface="Open Sans Light"/>
-              </a:rPr>
-              <a:t>Guardó el modelo y los parámetros en el Workspace</a:t>
-            </a:r>
-            <a:endParaRPr sz="1700">
-              <a:solidFill>
-                <a:schemeClr val="lt1"/>
-              </a:solidFill>
-              <a:latin typeface="Open Sans Light"/>
-              <a:ea typeface="Open Sans Light"/>
-              <a:cs typeface="Open Sans Light"/>
-              <a:sym typeface="Open Sans Light"/>
-            </a:endParaRPr>
           </a:p>
         </p:txBody>
       </p:sp>
@@ -20922,7 +21200,7 @@
             <a:tbl>
               <a:tblPr bandRow="1" firstRow="1">
                 <a:noFill/>
-                <a:tableStyleId>{1F3E8805-CC0A-41EF-B613-1D83028AA3A9}</a:tableStyleId>
+                <a:tableStyleId>{19DA4C38-AC11-48B6-AA3E-D645015AE892}</a:tableStyleId>
               </a:tblPr>
               <a:tblGrid>
                 <a:gridCol w="922750"/>
@@ -21430,7 +21708,7 @@
     </p:bg>
     <p:spTree>
       <p:nvGrpSpPr>
-        <p:cNvPr id="274" name="Shape 274"/>
+        <p:cNvPr id="275" name="Shape 275"/>
         <p:cNvGrpSpPr/>
         <p:nvPr/>
       </p:nvGrpSpPr>
@@ -21444,7 +21722,7 @@
       </p:grpSpPr>
       <p:sp>
         <p:nvSpPr>
-          <p:cNvPr id="275" name="Google Shape;275;g24f1b9561a3_0_99"/>
+          <p:cNvPr id="276" name="Google Shape;276;g1e3c4f8711e_0_97"/>
           <p:cNvSpPr txBox="1"/>
           <p:nvPr>
             <p:ph type="title"/>
@@ -21500,22 +21778,21 @@
       </p:sp>
       <p:pic>
         <p:nvPicPr>
-          <p:cNvPr id="276" name="Google Shape;276;g24f1b9561a3_0_99"/>
+          <p:cNvPr id="277" name="Google Shape;277;g1e3c4f8711e_0_97"/>
           <p:cNvPicPr preferRelativeResize="0"/>
           <p:nvPr/>
         </p:nvPicPr>
-        <p:blipFill>
+        <p:blipFill rotWithShape="1">
           <a:blip r:embed="rId3">
             <a:alphaModFix/>
           </a:blip>
-          <a:stretch>
-            <a:fillRect/>
-          </a:stretch>
+          <a:srcRect b="0" l="0" r="0" t="48464"/>
+          <a:stretch/>
         </p:blipFill>
         <p:spPr>
           <a:xfrm>
-            <a:off x="6802950" y="3991625"/>
-            <a:ext cx="4741297" cy="2636550"/>
+            <a:off x="703450" y="2771075"/>
+            <a:ext cx="9757350" cy="2586500"/>
           </a:xfrm>
           <a:prstGeom prst="rect">
             <a:avLst/>
@@ -21526,16 +21803,43 @@
           </a:ln>
         </p:spPr>
       </p:pic>
+      <p:pic>
+        <p:nvPicPr>
+          <p:cNvPr id="278" name="Google Shape;278;g1e3c4f8711e_0_97"/>
+          <p:cNvPicPr preferRelativeResize="0"/>
+          <p:nvPr/>
+        </p:nvPicPr>
+        <p:blipFill rotWithShape="1">
+          <a:blip r:embed="rId4">
+            <a:alphaModFix/>
+          </a:blip>
+          <a:srcRect b="23524" l="0" r="44582" t="63267"/>
+          <a:stretch/>
+        </p:blipFill>
+        <p:spPr>
+          <a:xfrm>
+            <a:off x="5243550" y="1826750"/>
+            <a:ext cx="5407249" cy="586225"/>
+          </a:xfrm>
+          <a:prstGeom prst="rect">
+            <a:avLst/>
+          </a:prstGeom>
+          <a:noFill/>
+          <a:ln>
+            <a:noFill/>
+          </a:ln>
+        </p:spPr>
+      </p:pic>
       <p:sp>
         <p:nvSpPr>
-          <p:cNvPr id="277" name="Google Shape;277;g24f1b9561a3_0_99"/>
+          <p:cNvPr id="279" name="Google Shape;279;g1e3c4f8711e_0_97"/>
           <p:cNvSpPr/>
           <p:nvPr/>
         </p:nvSpPr>
         <p:spPr>
           <a:xfrm>
-            <a:off x="6802950" y="5000300"/>
-            <a:ext cx="3737100" cy="240000"/>
+            <a:off x="6749625" y="3808275"/>
+            <a:ext cx="1269300" cy="278700"/>
           </a:xfrm>
           <a:prstGeom prst="rect">
             <a:avLst/>
@@ -21575,229 +21879,14 @@
       </p:sp>
       <p:sp>
         <p:nvSpPr>
-          <p:cNvPr id="278" name="Google Shape;278;g24f1b9561a3_0_99"/>
+          <p:cNvPr id="280" name="Google Shape;280;g1e3c4f8711e_0_97"/>
           <p:cNvSpPr/>
           <p:nvPr/>
         </p:nvSpPr>
         <p:spPr>
           <a:xfrm>
-            <a:off x="6802950" y="6455650"/>
-            <a:ext cx="3737100" cy="139500"/>
-          </a:xfrm>
-          <a:prstGeom prst="rect">
-            <a:avLst/>
-          </a:prstGeom>
-          <a:noFill/>
-          <a:ln cap="flat" cmpd="sng" w="9525">
-            <a:solidFill>
-              <a:srgbClr val="9900FF"/>
-            </a:solidFill>
-            <a:prstDash val="solid"/>
-            <a:round/>
-            <a:headEnd len="sm" w="sm" type="none"/>
-            <a:tailEnd len="sm" w="sm" type="none"/>
-          </a:ln>
-        </p:spPr>
-        <p:txBody>
-          <a:bodyPr anchorCtr="0" anchor="ctr" bIns="91425" lIns="91425" spcFirstLastPara="1" rIns="91425" wrap="square" tIns="91425">
-            <a:noAutofit/>
-          </a:bodyPr>
-          <a:lstStyle/>
-          <a:p>
-            <a:pPr indent="0" lvl="0" marL="0" rtl="0" algn="l">
-              <a:spcBef>
-                <a:spcPts val="0"/>
-              </a:spcBef>
-              <a:spcAft>
-                <a:spcPts val="0"/>
-              </a:spcAft>
-              <a:buNone/>
-            </a:pPr>
-            <a:r>
-              <a:t/>
-            </a:r>
-            <a:endParaRPr/>
-          </a:p>
-        </p:txBody>
-      </p:sp>
-      <p:sp>
-        <p:nvSpPr>
-          <p:cNvPr id="279" name="Google Shape;279;g24f1b9561a3_0_99"/>
-          <p:cNvSpPr txBox="1"/>
-          <p:nvPr/>
-        </p:nvSpPr>
-        <p:spPr>
-          <a:xfrm>
-            <a:off x="8519850" y="1861825"/>
-            <a:ext cx="2502600" cy="1231500"/>
-          </a:xfrm>
-          <a:prstGeom prst="rect">
-            <a:avLst/>
-          </a:prstGeom>
-          <a:noFill/>
-          <a:ln>
-            <a:noFill/>
-          </a:ln>
-        </p:spPr>
-        <p:txBody>
-          <a:bodyPr anchorCtr="0" anchor="t" bIns="91425" lIns="91425" spcFirstLastPara="1" rIns="91425" wrap="square" tIns="91425">
-            <a:spAutoFit/>
-          </a:bodyPr>
-          <a:lstStyle/>
-          <a:p>
-            <a:pPr indent="0" lvl="0" marL="0" rtl="0" algn="l">
-              <a:spcBef>
-                <a:spcPts val="0"/>
-              </a:spcBef>
-              <a:spcAft>
-                <a:spcPts val="0"/>
-              </a:spcAft>
-              <a:buNone/>
-            </a:pPr>
-            <a:r>
-              <a:rPr b="1" lang="es-CO" sz="1700">
-                <a:solidFill>
-                  <a:schemeClr val="lt1"/>
-                </a:solidFill>
-                <a:latin typeface="Open Sans"/>
-                <a:ea typeface="Open Sans"/>
-                <a:cs typeface="Open Sans"/>
-                <a:sym typeface="Open Sans"/>
-              </a:rPr>
-              <a:t>ToyMCHiggs.C: </a:t>
-            </a:r>
-            <a:r>
-              <a:rPr lang="es-CO" sz="1700">
-                <a:solidFill>
-                  <a:schemeClr val="lt1"/>
-                </a:solidFill>
-                <a:latin typeface="Open Sans Light"/>
-                <a:ea typeface="Open Sans Light"/>
-                <a:cs typeface="Open Sans Light"/>
-                <a:sym typeface="Open Sans Light"/>
-              </a:rPr>
-              <a:t>Graficar uno de los resultados del Monte Carlo.</a:t>
-            </a:r>
-            <a:endParaRPr sz="1700">
-              <a:solidFill>
-                <a:schemeClr val="lt1"/>
-              </a:solidFill>
-              <a:latin typeface="Open Sans Light"/>
-              <a:ea typeface="Open Sans Light"/>
-              <a:cs typeface="Open Sans Light"/>
-              <a:sym typeface="Open Sans Light"/>
-            </a:endParaRPr>
-          </a:p>
-        </p:txBody>
-      </p:sp>
-      <p:sp>
-        <p:nvSpPr>
-          <p:cNvPr id="280" name="Google Shape;280;g24f1b9561a3_0_99"/>
-          <p:cNvSpPr txBox="1"/>
-          <p:nvPr/>
-        </p:nvSpPr>
-        <p:spPr>
-          <a:xfrm>
-            <a:off x="3906575" y="4694150"/>
-            <a:ext cx="2456100" cy="1231500"/>
-          </a:xfrm>
-          <a:prstGeom prst="rect">
-            <a:avLst/>
-          </a:prstGeom>
-          <a:noFill/>
-          <a:ln>
-            <a:noFill/>
-          </a:ln>
-        </p:spPr>
-        <p:txBody>
-          <a:bodyPr anchorCtr="0" anchor="t" bIns="91425" lIns="91425" spcFirstLastPara="1" rIns="91425" wrap="square" tIns="91425">
-            <a:spAutoFit/>
-          </a:bodyPr>
-          <a:lstStyle/>
-          <a:p>
-            <a:pPr indent="0" lvl="0" marL="0" rtl="0" algn="l">
-              <a:spcBef>
-                <a:spcPts val="0"/>
-              </a:spcBef>
-              <a:spcAft>
-                <a:spcPts val="0"/>
-              </a:spcAft>
-              <a:buNone/>
-            </a:pPr>
-            <a:r>
-              <a:rPr b="1" lang="es-CO" sz="1700">
-                <a:solidFill>
-                  <a:schemeClr val="lt1"/>
-                </a:solidFill>
-                <a:latin typeface="Open Sans"/>
-                <a:ea typeface="Open Sans"/>
-                <a:cs typeface="Open Sans"/>
-                <a:sym typeface="Open Sans"/>
-              </a:rPr>
-              <a:t>HiggsModel.C </a:t>
-            </a:r>
-            <a:r>
-              <a:rPr lang="es-CO" sz="1700">
-                <a:solidFill>
-                  <a:schemeClr val="lt1"/>
-                </a:solidFill>
-                <a:latin typeface="Open Sans Light"/>
-                <a:ea typeface="Open Sans Light"/>
-                <a:cs typeface="Open Sans Light"/>
-                <a:sym typeface="Open Sans Light"/>
-              </a:rPr>
-              <a:t>Guardó el modelo y los parámetros en el Workspace</a:t>
-            </a:r>
-            <a:endParaRPr sz="1700">
-              <a:solidFill>
-                <a:schemeClr val="lt1"/>
-              </a:solidFill>
-              <a:latin typeface="Open Sans Light"/>
-              <a:ea typeface="Open Sans Light"/>
-              <a:cs typeface="Open Sans Light"/>
-              <a:sym typeface="Open Sans Light"/>
-            </a:endParaRPr>
-          </a:p>
-        </p:txBody>
-      </p:sp>
-      <p:pic>
-        <p:nvPicPr>
-          <p:cNvPr id="281" name="Google Shape;281;g24f1b9561a3_0_99"/>
-          <p:cNvPicPr preferRelativeResize="0"/>
-          <p:nvPr/>
-        </p:nvPicPr>
-        <p:blipFill>
-          <a:blip r:embed="rId4">
-            <a:alphaModFix/>
-          </a:blip>
-          <a:stretch>
-            <a:fillRect/>
-          </a:stretch>
-        </p:blipFill>
-        <p:spPr>
-          <a:xfrm>
-            <a:off x="694225" y="1685875"/>
-            <a:ext cx="6984274" cy="2122400"/>
-          </a:xfrm>
-          <a:prstGeom prst="rect">
-            <a:avLst/>
-          </a:prstGeom>
-          <a:noFill/>
-          <a:ln>
-            <a:noFill/>
-          </a:ln>
-        </p:spPr>
-      </p:pic>
-      <p:sp>
-        <p:nvSpPr>
-          <p:cNvPr id="282" name="Google Shape;282;g24f1b9561a3_0_99"/>
-          <p:cNvSpPr/>
-          <p:nvPr/>
-        </p:nvSpPr>
-        <p:spPr>
-          <a:xfrm>
-            <a:off x="694225" y="2907975"/>
-            <a:ext cx="6860400" cy="420300"/>
+            <a:off x="6626800" y="1826750"/>
+            <a:ext cx="1269300" cy="278700"/>
           </a:xfrm>
           <a:prstGeom prst="rect">
             <a:avLst/>
@@ -21869,7 +21958,7 @@
     </p:bg>
     <p:spTree>
       <p:nvGrpSpPr>
-        <p:cNvPr id="286" name="Shape 286"/>
+        <p:cNvPr id="284" name="Shape 284"/>
         <p:cNvGrpSpPr/>
         <p:nvPr/>
       </p:nvGrpSpPr>
@@ -21883,7 +21972,7 @@
       </p:grpSpPr>
       <p:sp>
         <p:nvSpPr>
-          <p:cNvPr id="287" name="Google Shape;287;g24f1b9561a3_0_20"/>
+          <p:cNvPr id="285" name="Google Shape;285;g1e3c4f8711e_0_105"/>
           <p:cNvSpPr txBox="1"/>
           <p:nvPr>
             <p:ph type="title"/>
@@ -21939,12 +22028,66 @@
       </p:sp>
       <p:pic>
         <p:nvPicPr>
-          <p:cNvPr id="288" name="Google Shape;288;g24f1b9561a3_0_20"/>
+          <p:cNvPr id="286" name="Google Shape;286;g1e3c4f8711e_0_105"/>
+          <p:cNvPicPr preferRelativeResize="0"/>
+          <p:nvPr/>
+        </p:nvPicPr>
+        <p:blipFill rotWithShape="1">
+          <a:blip r:embed="rId3">
+            <a:alphaModFix/>
+          </a:blip>
+          <a:srcRect b="0" l="0" r="0" t="31530"/>
+          <a:stretch/>
+        </p:blipFill>
+        <p:spPr>
+          <a:xfrm>
+            <a:off x="3383750" y="1656450"/>
+            <a:ext cx="7492700" cy="678875"/>
+          </a:xfrm>
+          <a:prstGeom prst="rect">
+            <a:avLst/>
+          </a:prstGeom>
+          <a:noFill/>
+          <a:ln>
+            <a:noFill/>
+          </a:ln>
+        </p:spPr>
+      </p:pic>
+      <p:pic>
+        <p:nvPicPr>
+          <p:cNvPr id="287" name="Google Shape;287;g1e3c4f8711e_0_105"/>
+          <p:cNvPicPr preferRelativeResize="0"/>
+          <p:nvPr/>
+        </p:nvPicPr>
+        <p:blipFill rotWithShape="1">
+          <a:blip r:embed="rId4">
+            <a:alphaModFix/>
+          </a:blip>
+          <a:srcRect b="0" l="0" r="0" t="57716"/>
+          <a:stretch/>
+        </p:blipFill>
+        <p:spPr>
+          <a:xfrm>
+            <a:off x="3387075" y="5038925"/>
+            <a:ext cx="5318750" cy="1563550"/>
+          </a:xfrm>
+          <a:prstGeom prst="rect">
+            <a:avLst/>
+          </a:prstGeom>
+          <a:noFill/>
+          <a:ln>
+            <a:noFill/>
+          </a:ln>
+        </p:spPr>
+      </p:pic>
+      <p:pic>
+        <p:nvPicPr>
+          <p:cNvPr id="288" name="Google Shape;288;g1e3c4f8711e_0_105"/>
           <p:cNvPicPr preferRelativeResize="0"/>
           <p:nvPr/>
         </p:nvPicPr>
         <p:blipFill>
-          <a:blip r:embed="rId3">
+          <a:blip r:embed="rId5">
             <a:alphaModFix/>
           </a:blip>
           <a:stretch>
@@ -21953,8 +22096,8 @@
         </p:blipFill>
         <p:spPr>
           <a:xfrm>
-            <a:off x="2923500" y="1701351"/>
-            <a:ext cx="6648375" cy="4524324"/>
+            <a:off x="3383750" y="4360363"/>
+            <a:ext cx="7315200" cy="609600"/>
           </a:xfrm>
           <a:prstGeom prst="rect">
             <a:avLst/>
@@ -21967,14 +22110,351 @@
       </p:pic>
       <p:sp>
         <p:nvSpPr>
-          <p:cNvPr id="289" name="Google Shape;289;g24f1b9561a3_0_20"/>
+          <p:cNvPr id="289" name="Google Shape;289;g1e3c4f8711e_0_105"/>
           <p:cNvSpPr/>
           <p:nvPr/>
         </p:nvSpPr>
         <p:spPr>
           <a:xfrm>
-            <a:off x="6618725" y="2216175"/>
-            <a:ext cx="2286300" cy="240000"/>
+            <a:off x="3634525" y="5340875"/>
+            <a:ext cx="2294700" cy="278700"/>
+          </a:xfrm>
+          <a:prstGeom prst="rect">
+            <a:avLst/>
+          </a:prstGeom>
+          <a:noFill/>
+          <a:ln cap="flat" cmpd="sng" w="9525">
+            <a:solidFill>
+              <a:srgbClr val="9900FF"/>
+            </a:solidFill>
+            <a:prstDash val="solid"/>
+            <a:round/>
+            <a:headEnd len="sm" w="sm" type="none"/>
+            <a:tailEnd len="sm" w="sm" type="none"/>
+          </a:ln>
+        </p:spPr>
+        <p:txBody>
+          <a:bodyPr anchorCtr="0" anchor="ctr" bIns="91425" lIns="91425" spcFirstLastPara="1" rIns="91425" wrap="square" tIns="91425">
+            <a:noAutofit/>
+          </a:bodyPr>
+          <a:lstStyle/>
+          <a:p>
+            <a:pPr indent="0" lvl="0" marL="0" rtl="0" algn="l">
+              <a:spcBef>
+                <a:spcPts val="0"/>
+              </a:spcBef>
+              <a:spcAft>
+                <a:spcPts val="0"/>
+              </a:spcAft>
+              <a:buNone/>
+            </a:pPr>
+            <a:r>
+              <a:t/>
+            </a:r>
+            <a:endParaRPr/>
+          </a:p>
+        </p:txBody>
+      </p:sp>
+      <p:sp>
+        <p:nvSpPr>
+          <p:cNvPr id="290" name="Google Shape;290;g1e3c4f8711e_0_105"/>
+          <p:cNvSpPr txBox="1"/>
+          <p:nvPr/>
+        </p:nvSpPr>
+        <p:spPr>
+          <a:xfrm>
+            <a:off x="671075" y="4923500"/>
+            <a:ext cx="4731900" cy="969600"/>
+          </a:xfrm>
+          <a:prstGeom prst="rect">
+            <a:avLst/>
+          </a:prstGeom>
+          <a:noFill/>
+          <a:ln>
+            <a:noFill/>
+          </a:ln>
+        </p:spPr>
+        <p:txBody>
+          <a:bodyPr anchorCtr="0" anchor="t" bIns="91425" lIns="91425" spcFirstLastPara="1" rIns="91425" wrap="square" tIns="91425">
+            <a:spAutoFit/>
+          </a:bodyPr>
+          <a:lstStyle/>
+          <a:p>
+            <a:pPr indent="0" lvl="0" marL="0" rtl="0" algn="l">
+              <a:spcBef>
+                <a:spcPts val="0"/>
+              </a:spcBef>
+              <a:spcAft>
+                <a:spcPts val="0"/>
+              </a:spcAft>
+              <a:buNone/>
+            </a:pPr>
+            <a:r>
+              <a:rPr b="1" lang="es-CO" sz="1700">
+                <a:solidFill>
+                  <a:schemeClr val="lt1"/>
+                </a:solidFill>
+                <a:latin typeface="Open Sans"/>
+                <a:ea typeface="Open Sans"/>
+                <a:cs typeface="Open Sans"/>
+                <a:sym typeface="Open Sans"/>
+              </a:rPr>
+              <a:t>ToyMCHiggs.C: </a:t>
+            </a:r>
+            <a:endParaRPr b="1" sz="1700">
+              <a:solidFill>
+                <a:schemeClr val="lt1"/>
+              </a:solidFill>
+              <a:latin typeface="Open Sans"/>
+              <a:ea typeface="Open Sans"/>
+              <a:cs typeface="Open Sans"/>
+              <a:sym typeface="Open Sans"/>
+            </a:endParaRPr>
+          </a:p>
+          <a:p>
+            <a:pPr indent="0" lvl="0" marL="0" rtl="0" algn="l">
+              <a:spcBef>
+                <a:spcPts val="0"/>
+              </a:spcBef>
+              <a:spcAft>
+                <a:spcPts val="0"/>
+              </a:spcAft>
+              <a:buNone/>
+            </a:pPr>
+            <a:r>
+              <a:rPr lang="es-CO" sz="1700">
+                <a:solidFill>
+                  <a:schemeClr val="lt1"/>
+                </a:solidFill>
+                <a:latin typeface="Open Sans Light"/>
+                <a:ea typeface="Open Sans Light"/>
+                <a:cs typeface="Open Sans Light"/>
+                <a:sym typeface="Open Sans Light"/>
+              </a:rPr>
+              <a:t>Import dataset con</a:t>
+            </a:r>
+            <a:endParaRPr sz="1700">
+              <a:solidFill>
+                <a:schemeClr val="lt1"/>
+              </a:solidFill>
+              <a:latin typeface="Open Sans Light"/>
+              <a:ea typeface="Open Sans Light"/>
+              <a:cs typeface="Open Sans Light"/>
+              <a:sym typeface="Open Sans Light"/>
+            </a:endParaRPr>
+          </a:p>
+          <a:p>
+            <a:pPr indent="0" lvl="0" marL="0" rtl="0" algn="l">
+              <a:spcBef>
+                <a:spcPts val="0"/>
+              </a:spcBef>
+              <a:spcAft>
+                <a:spcPts val="0"/>
+              </a:spcAft>
+              <a:buNone/>
+            </a:pPr>
+            <a:r>
+              <a:rPr lang="es-CO" sz="1700">
+                <a:solidFill>
+                  <a:schemeClr val="lt1"/>
+                </a:solidFill>
+                <a:latin typeface="Open Sans Light"/>
+                <a:ea typeface="Open Sans Light"/>
+                <a:cs typeface="Open Sans Light"/>
+                <a:sym typeface="Open Sans Light"/>
+              </a:rPr>
+              <a:t>el Pull en el  workspace</a:t>
+            </a:r>
+            <a:endParaRPr sz="1700">
+              <a:solidFill>
+                <a:schemeClr val="lt1"/>
+              </a:solidFill>
+              <a:latin typeface="Open Sans Light"/>
+              <a:ea typeface="Open Sans Light"/>
+              <a:cs typeface="Open Sans Light"/>
+              <a:sym typeface="Open Sans Light"/>
+            </a:endParaRPr>
+          </a:p>
+        </p:txBody>
+      </p:sp>
+      <p:sp>
+        <p:nvSpPr>
+          <p:cNvPr id="291" name="Google Shape;291;g1e3c4f8711e_0_105"/>
+          <p:cNvSpPr txBox="1"/>
+          <p:nvPr/>
+        </p:nvSpPr>
+        <p:spPr>
+          <a:xfrm>
+            <a:off x="733000" y="1641888"/>
+            <a:ext cx="2294700" cy="708000"/>
+          </a:xfrm>
+          <a:prstGeom prst="rect">
+            <a:avLst/>
+          </a:prstGeom>
+          <a:noFill/>
+          <a:ln>
+            <a:noFill/>
+          </a:ln>
+        </p:spPr>
+        <p:txBody>
+          <a:bodyPr anchorCtr="0" anchor="t" bIns="91425" lIns="91425" spcFirstLastPara="1" rIns="91425" wrap="square" tIns="91425">
+            <a:spAutoFit/>
+          </a:bodyPr>
+          <a:lstStyle/>
+          <a:p>
+            <a:pPr indent="0" lvl="0" marL="0" rtl="0" algn="l">
+              <a:spcBef>
+                <a:spcPts val="0"/>
+              </a:spcBef>
+              <a:spcAft>
+                <a:spcPts val="0"/>
+              </a:spcAft>
+              <a:buNone/>
+            </a:pPr>
+            <a:r>
+              <a:rPr b="1" lang="es-CO" sz="1700">
+                <a:solidFill>
+                  <a:schemeClr val="lt1"/>
+                </a:solidFill>
+                <a:latin typeface="Open Sans"/>
+                <a:ea typeface="Open Sans"/>
+                <a:cs typeface="Open Sans"/>
+                <a:sym typeface="Open Sans"/>
+              </a:rPr>
+              <a:t>ToyMCHiggs.C: </a:t>
+            </a:r>
+            <a:r>
+              <a:rPr lang="es-CO" sz="1700">
+                <a:solidFill>
+                  <a:schemeClr val="lt1"/>
+                </a:solidFill>
+                <a:latin typeface="Open Sans Light"/>
+                <a:ea typeface="Open Sans Light"/>
+                <a:cs typeface="Open Sans Light"/>
+                <a:sym typeface="Open Sans Light"/>
+              </a:rPr>
+              <a:t>Pull de la masa del Higgs.</a:t>
+            </a:r>
+            <a:endParaRPr sz="1700">
+              <a:solidFill>
+                <a:schemeClr val="lt1"/>
+              </a:solidFill>
+              <a:latin typeface="Open Sans Light"/>
+              <a:ea typeface="Open Sans Light"/>
+              <a:cs typeface="Open Sans Light"/>
+              <a:sym typeface="Open Sans Light"/>
+            </a:endParaRPr>
+          </a:p>
+        </p:txBody>
+      </p:sp>
+      <p:pic>
+        <p:nvPicPr>
+          <p:cNvPr id="292" name="Google Shape;292;g1e3c4f8711e_0_105"/>
+          <p:cNvPicPr preferRelativeResize="0"/>
+          <p:nvPr/>
+        </p:nvPicPr>
+        <p:blipFill>
+          <a:blip r:embed="rId6">
+            <a:alphaModFix/>
+          </a:blip>
+          <a:stretch>
+            <a:fillRect/>
+          </a:stretch>
+        </p:blipFill>
+        <p:spPr>
+          <a:xfrm>
+            <a:off x="3383750" y="2487725"/>
+            <a:ext cx="4959677" cy="1710775"/>
+          </a:xfrm>
+          <a:prstGeom prst="rect">
+            <a:avLst/>
+          </a:prstGeom>
+          <a:noFill/>
+          <a:ln>
+            <a:noFill/>
+          </a:ln>
+        </p:spPr>
+      </p:pic>
+      <p:sp>
+        <p:nvSpPr>
+          <p:cNvPr id="293" name="Google Shape;293;g1e3c4f8711e_0_105"/>
+          <p:cNvSpPr txBox="1"/>
+          <p:nvPr/>
+        </p:nvSpPr>
+        <p:spPr>
+          <a:xfrm>
+            <a:off x="733000" y="2813250"/>
+            <a:ext cx="2456100" cy="1231500"/>
+          </a:xfrm>
+          <a:prstGeom prst="rect">
+            <a:avLst/>
+          </a:prstGeom>
+          <a:noFill/>
+          <a:ln>
+            <a:noFill/>
+          </a:ln>
+        </p:spPr>
+        <p:txBody>
+          <a:bodyPr anchorCtr="0" anchor="t" bIns="91425" lIns="91425" spcFirstLastPara="1" rIns="91425" wrap="square" tIns="91425">
+            <a:spAutoFit/>
+          </a:bodyPr>
+          <a:lstStyle/>
+          <a:p>
+            <a:pPr indent="0" lvl="0" marL="0" rtl="0" algn="l">
+              <a:spcBef>
+                <a:spcPts val="0"/>
+              </a:spcBef>
+              <a:spcAft>
+                <a:spcPts val="0"/>
+              </a:spcAft>
+              <a:buNone/>
+            </a:pPr>
+            <a:r>
+              <a:rPr b="1" lang="es-CO" sz="1700">
+                <a:solidFill>
+                  <a:schemeClr val="lt1"/>
+                </a:solidFill>
+                <a:latin typeface="Open Sans"/>
+                <a:ea typeface="Open Sans"/>
+                <a:cs typeface="Open Sans"/>
+                <a:sym typeface="Open Sans"/>
+              </a:rPr>
+              <a:t>HiggsModel.C </a:t>
+            </a:r>
+            <a:r>
+              <a:rPr lang="es-CO" sz="1700">
+                <a:solidFill>
+                  <a:schemeClr val="lt1"/>
+                </a:solidFill>
+                <a:latin typeface="Open Sans Light"/>
+                <a:ea typeface="Open Sans Light"/>
+                <a:cs typeface="Open Sans Light"/>
+                <a:sym typeface="Open Sans Light"/>
+              </a:rPr>
+              <a:t>Guardó el modelo y los parámetros en el Workspace</a:t>
+            </a:r>
+            <a:endParaRPr sz="1700">
+              <a:solidFill>
+                <a:schemeClr val="lt1"/>
+              </a:solidFill>
+              <a:latin typeface="Open Sans Light"/>
+              <a:ea typeface="Open Sans Light"/>
+              <a:cs typeface="Open Sans Light"/>
+              <a:sym typeface="Open Sans Light"/>
+            </a:endParaRPr>
+          </a:p>
+        </p:txBody>
+      </p:sp>
+      <p:sp>
+        <p:nvSpPr>
+          <p:cNvPr id="294" name="Google Shape;294;g1e3c4f8711e_0_105"/>
+          <p:cNvSpPr/>
+          <p:nvPr/>
+        </p:nvSpPr>
+        <p:spPr>
+          <a:xfrm>
+            <a:off x="6703200" y="2487725"/>
+            <a:ext cx="1574400" cy="278700"/>
           </a:xfrm>
           <a:prstGeom prst="rect">
             <a:avLst/>
@@ -22046,7 +22526,7 @@
     </p:bg>
     <p:spTree>
       <p:nvGrpSpPr>
-        <p:cNvPr id="293" name="Shape 293"/>
+        <p:cNvPr id="298" name="Shape 298"/>
         <p:cNvGrpSpPr/>
         <p:nvPr/>
       </p:nvGrpSpPr>
@@ -22060,7 +22540,7 @@
       </p:grpSpPr>
       <p:sp>
         <p:nvSpPr>
-          <p:cNvPr id="294" name="Google Shape;294;g24f1b9561a3_0_38"/>
+          <p:cNvPr id="299" name="Google Shape;299;g1e3c4f8711e_0_118"/>
           <p:cNvSpPr txBox="1"/>
           <p:nvPr>
             <p:ph type="title"/>
@@ -22108,23 +22588,7 @@
                   <a:schemeClr val="lt1"/>
                 </a:solidFill>
               </a:rPr>
-              <a:t>Workspace: </a:t>
-            </a:r>
-            <a:r>
-              <a:rPr lang="es-CO">
-                <a:solidFill>
-                  <a:schemeClr val="lt1"/>
-                </a:solidFill>
-              </a:rPr>
-              <a:t>Análisis - </a:t>
-            </a:r>
-            <a:r>
-              <a:rPr lang="es-CO">
-                <a:solidFill>
-                  <a:schemeClr val="lt1"/>
-                </a:solidFill>
-              </a:rPr>
-              <a:t>Toy Monte Carlo</a:t>
+              <a:t>Workspace: Toy Monte Carlo</a:t>
             </a:r>
             <a:endParaRPr/>
           </a:p>
@@ -22132,21 +22596,22 @@
       </p:sp>
       <p:pic>
         <p:nvPicPr>
-          <p:cNvPr id="295" name="Google Shape;295;g24f1b9561a3_0_38"/>
+          <p:cNvPr id="300" name="Google Shape;300;g1e3c4f8711e_0_118"/>
           <p:cNvPicPr preferRelativeResize="0"/>
           <p:nvPr/>
         </p:nvPicPr>
-        <p:blipFill rotWithShape="1">
+        <p:blipFill>
           <a:blip r:embed="rId3">
             <a:alphaModFix/>
           </a:blip>
-          <a:srcRect b="0" l="0" r="0" t="74816"/>
-          <a:stretch/>
+          <a:stretch>
+            <a:fillRect/>
+          </a:stretch>
         </p:blipFill>
         <p:spPr>
           <a:xfrm>
-            <a:off x="548650" y="4303625"/>
-            <a:ext cx="9816148" cy="1077900"/>
+            <a:off x="6802950" y="3991625"/>
+            <a:ext cx="4741297" cy="2636550"/>
           </a:xfrm>
           <a:prstGeom prst="rect">
             <a:avLst/>
@@ -22157,43 +22622,16 @@
           </a:ln>
         </p:spPr>
       </p:pic>
-      <p:pic>
-        <p:nvPicPr>
-          <p:cNvPr id="296" name="Google Shape;296;g24f1b9561a3_0_38"/>
-          <p:cNvPicPr preferRelativeResize="0"/>
-          <p:nvPr/>
-        </p:nvPicPr>
-        <p:blipFill rotWithShape="1">
-          <a:blip r:embed="rId3">
-            <a:alphaModFix/>
-          </a:blip>
-          <a:srcRect b="26671" l="0" r="29627" t="22185"/>
-          <a:stretch/>
-        </p:blipFill>
-        <p:spPr>
-          <a:xfrm>
-            <a:off x="548650" y="1919625"/>
-            <a:ext cx="6448676" cy="2043475"/>
-          </a:xfrm>
-          <a:prstGeom prst="rect">
-            <a:avLst/>
-          </a:prstGeom>
-          <a:noFill/>
-          <a:ln>
-            <a:noFill/>
-          </a:ln>
-        </p:spPr>
-      </p:pic>
       <p:sp>
         <p:nvSpPr>
-          <p:cNvPr id="297" name="Google Shape;297;g24f1b9561a3_0_38"/>
+          <p:cNvPr id="301" name="Google Shape;301;g1e3c4f8711e_0_118"/>
           <p:cNvSpPr/>
           <p:nvPr/>
         </p:nvSpPr>
         <p:spPr>
           <a:xfrm>
-            <a:off x="616800" y="3297425"/>
-            <a:ext cx="6210300" cy="580500"/>
+            <a:off x="6802950" y="4860975"/>
+            <a:ext cx="3737100" cy="139500"/>
           </a:xfrm>
           <a:prstGeom prst="rect">
             <a:avLst/>
@@ -22233,14 +22671,14 @@
       </p:sp>
       <p:sp>
         <p:nvSpPr>
-          <p:cNvPr id="298" name="Google Shape;298;g24f1b9561a3_0_38"/>
+          <p:cNvPr id="302" name="Google Shape;302;g1e3c4f8711e_0_118"/>
           <p:cNvSpPr/>
           <p:nvPr/>
         </p:nvSpPr>
         <p:spPr>
           <a:xfrm>
-            <a:off x="667850" y="4889525"/>
-            <a:ext cx="9472200" cy="420300"/>
+            <a:off x="6802950" y="6455650"/>
+            <a:ext cx="3737100" cy="139500"/>
           </a:xfrm>
           <a:prstGeom prst="rect">
             <a:avLst/>
@@ -22280,14 +22718,14 @@
       </p:sp>
       <p:sp>
         <p:nvSpPr>
-          <p:cNvPr id="299" name="Google Shape;299;g24f1b9561a3_0_38"/>
+          <p:cNvPr id="303" name="Google Shape;303;g1e3c4f8711e_0_118"/>
           <p:cNvSpPr txBox="1"/>
           <p:nvPr/>
         </p:nvSpPr>
         <p:spPr>
           <a:xfrm>
-            <a:off x="7792275" y="2325612"/>
-            <a:ext cx="2502600" cy="969600"/>
+            <a:off x="8705625" y="1861825"/>
+            <a:ext cx="2502600" cy="1231500"/>
           </a:xfrm>
           <a:prstGeom prst="rect">
             <a:avLst/>
@@ -22322,19 +22760,7 @@
                 <a:cs typeface="Open Sans"/>
                 <a:sym typeface="Open Sans"/>
               </a:rPr>
-              <a:t>AnalysisMCHiggs</a:t>
-            </a:r>
-            <a:r>
-              <a:rPr b="1" lang="es-CO" sz="1700">
-                <a:solidFill>
-                  <a:schemeClr val="lt1"/>
-                </a:solidFill>
-                <a:latin typeface="Open Sans"/>
-                <a:ea typeface="Open Sans"/>
-                <a:cs typeface="Open Sans"/>
-                <a:sym typeface="Open Sans"/>
-              </a:rPr>
-              <a:t>.C: </a:t>
+              <a:t>ToyMCHiggs.C: </a:t>
             </a:r>
             <a:r>
               <a:rPr lang="es-CO" sz="1700">
@@ -22346,7 +22772,7 @@
                 <a:cs typeface="Open Sans Light"/>
                 <a:sym typeface="Open Sans Light"/>
               </a:rPr>
-              <a:t>Obtiene los resultados del pull. </a:t>
+              <a:t>Graficar uno de los resultados del Monte Carlo.</a:t>
             </a:r>
             <a:endParaRPr sz="1700">
               <a:solidFill>
@@ -22360,6 +22786,179 @@
           </a:p>
         </p:txBody>
       </p:sp>
+      <p:sp>
+        <p:nvSpPr>
+          <p:cNvPr id="304" name="Google Shape;304;g1e3c4f8711e_0_118"/>
+          <p:cNvSpPr txBox="1"/>
+          <p:nvPr/>
+        </p:nvSpPr>
+        <p:spPr>
+          <a:xfrm>
+            <a:off x="4346850" y="5000475"/>
+            <a:ext cx="2456100" cy="1231500"/>
+          </a:xfrm>
+          <a:prstGeom prst="rect">
+            <a:avLst/>
+          </a:prstGeom>
+          <a:noFill/>
+          <a:ln>
+            <a:noFill/>
+          </a:ln>
+        </p:spPr>
+        <p:txBody>
+          <a:bodyPr anchorCtr="0" anchor="t" bIns="91425" lIns="91425" spcFirstLastPara="1" rIns="91425" wrap="square" tIns="91425">
+            <a:spAutoFit/>
+          </a:bodyPr>
+          <a:lstStyle/>
+          <a:p>
+            <a:pPr indent="0" lvl="0" marL="0" rtl="0" algn="l">
+              <a:spcBef>
+                <a:spcPts val="0"/>
+              </a:spcBef>
+              <a:spcAft>
+                <a:spcPts val="0"/>
+              </a:spcAft>
+              <a:buNone/>
+            </a:pPr>
+            <a:r>
+              <a:rPr b="1" lang="es-CO" sz="1700">
+                <a:solidFill>
+                  <a:schemeClr val="lt1"/>
+                </a:solidFill>
+                <a:latin typeface="Open Sans"/>
+                <a:ea typeface="Open Sans"/>
+                <a:cs typeface="Open Sans"/>
+                <a:sym typeface="Open Sans"/>
+              </a:rPr>
+              <a:t>HiggsModel.C </a:t>
+            </a:r>
+            <a:r>
+              <a:rPr lang="es-CO" sz="1700">
+                <a:solidFill>
+                  <a:schemeClr val="lt1"/>
+                </a:solidFill>
+                <a:latin typeface="Open Sans Light"/>
+                <a:ea typeface="Open Sans Light"/>
+                <a:cs typeface="Open Sans Light"/>
+                <a:sym typeface="Open Sans Light"/>
+              </a:rPr>
+              <a:t>Guardó el modelo y los parámetros en el Workspace</a:t>
+            </a:r>
+            <a:endParaRPr sz="1700">
+              <a:solidFill>
+                <a:schemeClr val="lt1"/>
+              </a:solidFill>
+              <a:latin typeface="Open Sans Light"/>
+              <a:ea typeface="Open Sans Light"/>
+              <a:cs typeface="Open Sans Light"/>
+              <a:sym typeface="Open Sans Light"/>
+            </a:endParaRPr>
+          </a:p>
+        </p:txBody>
+      </p:sp>
+      <p:pic>
+        <p:nvPicPr>
+          <p:cNvPr id="305" name="Google Shape;305;g1e3c4f8711e_0_118"/>
+          <p:cNvPicPr preferRelativeResize="0"/>
+          <p:nvPr/>
+        </p:nvPicPr>
+        <p:blipFill>
+          <a:blip r:embed="rId4">
+            <a:alphaModFix/>
+          </a:blip>
+          <a:stretch>
+            <a:fillRect/>
+          </a:stretch>
+        </p:blipFill>
+        <p:spPr>
+          <a:xfrm>
+            <a:off x="548638" y="1728675"/>
+            <a:ext cx="6829425" cy="1838325"/>
+          </a:xfrm>
+          <a:prstGeom prst="rect">
+            <a:avLst/>
+          </a:prstGeom>
+          <a:noFill/>
+          <a:ln>
+            <a:noFill/>
+          </a:ln>
+        </p:spPr>
+      </p:pic>
+      <p:sp>
+        <p:nvSpPr>
+          <p:cNvPr id="306" name="Google Shape;306;g1e3c4f8711e_0_118"/>
+          <p:cNvSpPr/>
+          <p:nvPr/>
+        </p:nvSpPr>
+        <p:spPr>
+          <a:xfrm>
+            <a:off x="548650" y="2507900"/>
+            <a:ext cx="6758400" cy="897900"/>
+          </a:xfrm>
+          <a:prstGeom prst="rect">
+            <a:avLst/>
+          </a:prstGeom>
+          <a:noFill/>
+          <a:ln cap="flat" cmpd="sng" w="9525">
+            <a:solidFill>
+              <a:srgbClr val="9900FF"/>
+            </a:solidFill>
+            <a:prstDash val="solid"/>
+            <a:round/>
+            <a:headEnd len="sm" w="sm" type="none"/>
+            <a:tailEnd len="sm" w="sm" type="none"/>
+          </a:ln>
+        </p:spPr>
+        <p:txBody>
+          <a:bodyPr anchorCtr="0" anchor="ctr" bIns="91425" lIns="91425" spcFirstLastPara="1" rIns="91425" wrap="square" tIns="91425">
+            <a:noAutofit/>
+          </a:bodyPr>
+          <a:lstStyle/>
+          <a:p>
+            <a:pPr indent="0" lvl="0" marL="0" rtl="0" algn="l">
+              <a:spcBef>
+                <a:spcPts val="0"/>
+              </a:spcBef>
+              <a:spcAft>
+                <a:spcPts val="0"/>
+              </a:spcAft>
+              <a:buNone/>
+            </a:pPr>
+            <a:r>
+              <a:t/>
+            </a:r>
+            <a:endParaRPr/>
+          </a:p>
+        </p:txBody>
+      </p:sp>
+      <p:pic>
+        <p:nvPicPr>
+          <p:cNvPr id="307" name="Google Shape;307;g1e3c4f8711e_0_118"/>
+          <p:cNvPicPr preferRelativeResize="0"/>
+          <p:nvPr/>
+        </p:nvPicPr>
+        <p:blipFill>
+          <a:blip r:embed="rId5">
+            <a:alphaModFix/>
+          </a:blip>
+          <a:stretch>
+            <a:fillRect/>
+          </a:stretch>
+        </p:blipFill>
+        <p:spPr>
+          <a:xfrm>
+            <a:off x="548650" y="3991625"/>
+            <a:ext cx="3737100" cy="1157439"/>
+          </a:xfrm>
+          <a:prstGeom prst="rect">
+            <a:avLst/>
+          </a:prstGeom>
+          <a:noFill/>
+          <a:ln>
+            <a:noFill/>
+          </a:ln>
+        </p:spPr>
+      </p:pic>
     </p:spTree>
   </p:cSld>
   <p:clrMapOvr>
@@ -22394,7 +22993,7 @@
     </p:bg>
     <p:spTree>
       <p:nvGrpSpPr>
-        <p:cNvPr id="303" name="Shape 303"/>
+        <p:cNvPr id="311" name="Shape 311"/>
         <p:cNvGrpSpPr/>
         <p:nvPr/>
       </p:nvGrpSpPr>
@@ -22408,7 +23007,7 @@
       </p:grpSpPr>
       <p:sp>
         <p:nvSpPr>
-          <p:cNvPr id="304" name="Google Shape;304;g24f1b9561a3_0_43"/>
+          <p:cNvPr id="312" name="Google Shape;312;g1e3c4f8711e_0_130"/>
           <p:cNvSpPr txBox="1"/>
           <p:nvPr>
             <p:ph type="title"/>
@@ -22456,23 +23055,7 @@
                   <a:schemeClr val="lt1"/>
                 </a:solidFill>
               </a:rPr>
-              <a:t>Workspace: </a:t>
-            </a:r>
-            <a:r>
-              <a:rPr lang="es-CO">
-                <a:solidFill>
-                  <a:schemeClr val="lt1"/>
-                </a:solidFill>
-              </a:rPr>
-              <a:t>Análisis - </a:t>
-            </a:r>
-            <a:r>
-              <a:rPr lang="es-CO">
-                <a:solidFill>
-                  <a:schemeClr val="lt1"/>
-                </a:solidFill>
-              </a:rPr>
-              <a:t>Toy Monte Carlo</a:t>
+              <a:t>Workspace: Toy Monte Carlo</a:t>
             </a:r>
             <a:endParaRPr/>
           </a:p>
@@ -22480,21 +23063,22 @@
       </p:sp>
       <p:pic>
         <p:nvPicPr>
-          <p:cNvPr id="305" name="Google Shape;305;g24f1b9561a3_0_43"/>
+          <p:cNvPr id="313" name="Google Shape;313;g1e3c4f8711e_0_130"/>
           <p:cNvPicPr preferRelativeResize="0"/>
           <p:nvPr/>
         </p:nvPicPr>
-        <p:blipFill rotWithShape="1">
+        <p:blipFill>
           <a:blip r:embed="rId3">
             <a:alphaModFix/>
           </a:blip>
-          <a:srcRect b="0" l="0" r="0" t="71821"/>
-          <a:stretch/>
+          <a:stretch>
+            <a:fillRect/>
+          </a:stretch>
         </p:blipFill>
         <p:spPr>
           <a:xfrm>
-            <a:off x="613625" y="4216525"/>
-            <a:ext cx="10865649" cy="1077900"/>
+            <a:off x="6802950" y="3991625"/>
+            <a:ext cx="4741297" cy="2636550"/>
           </a:xfrm>
           <a:prstGeom prst="rect">
             <a:avLst/>
@@ -22505,23 +23089,333 @@
           </a:ln>
         </p:spPr>
       </p:pic>
+      <p:sp>
+        <p:nvSpPr>
+          <p:cNvPr id="314" name="Google Shape;314;g1e3c4f8711e_0_130"/>
+          <p:cNvSpPr/>
+          <p:nvPr/>
+        </p:nvSpPr>
+        <p:spPr>
+          <a:xfrm>
+            <a:off x="6802950" y="5000300"/>
+            <a:ext cx="3737100" cy="240000"/>
+          </a:xfrm>
+          <a:prstGeom prst="rect">
+            <a:avLst/>
+          </a:prstGeom>
+          <a:noFill/>
+          <a:ln cap="flat" cmpd="sng" w="9525">
+            <a:solidFill>
+              <a:srgbClr val="9900FF"/>
+            </a:solidFill>
+            <a:prstDash val="solid"/>
+            <a:round/>
+            <a:headEnd len="sm" w="sm" type="none"/>
+            <a:tailEnd len="sm" w="sm" type="none"/>
+          </a:ln>
+        </p:spPr>
+        <p:txBody>
+          <a:bodyPr anchorCtr="0" anchor="ctr" bIns="91425" lIns="91425" spcFirstLastPara="1" rIns="91425" wrap="square" tIns="91425">
+            <a:noAutofit/>
+          </a:bodyPr>
+          <a:lstStyle/>
+          <a:p>
+            <a:pPr indent="0" lvl="0" marL="0" rtl="0" algn="l">
+              <a:spcBef>
+                <a:spcPts val="0"/>
+              </a:spcBef>
+              <a:spcAft>
+                <a:spcPts val="0"/>
+              </a:spcAft>
+              <a:buNone/>
+            </a:pPr>
+            <a:r>
+              <a:t/>
+            </a:r>
+            <a:endParaRPr/>
+          </a:p>
+        </p:txBody>
+      </p:sp>
+      <p:sp>
+        <p:nvSpPr>
+          <p:cNvPr id="315" name="Google Shape;315;g1e3c4f8711e_0_130"/>
+          <p:cNvSpPr/>
+          <p:nvPr/>
+        </p:nvSpPr>
+        <p:spPr>
+          <a:xfrm>
+            <a:off x="6802950" y="6455650"/>
+            <a:ext cx="3737100" cy="139500"/>
+          </a:xfrm>
+          <a:prstGeom prst="rect">
+            <a:avLst/>
+          </a:prstGeom>
+          <a:noFill/>
+          <a:ln cap="flat" cmpd="sng" w="9525">
+            <a:solidFill>
+              <a:srgbClr val="9900FF"/>
+            </a:solidFill>
+            <a:prstDash val="solid"/>
+            <a:round/>
+            <a:headEnd len="sm" w="sm" type="none"/>
+            <a:tailEnd len="sm" w="sm" type="none"/>
+          </a:ln>
+        </p:spPr>
+        <p:txBody>
+          <a:bodyPr anchorCtr="0" anchor="ctr" bIns="91425" lIns="91425" spcFirstLastPara="1" rIns="91425" wrap="square" tIns="91425">
+            <a:noAutofit/>
+          </a:bodyPr>
+          <a:lstStyle/>
+          <a:p>
+            <a:pPr indent="0" lvl="0" marL="0" rtl="0" algn="l">
+              <a:spcBef>
+                <a:spcPts val="0"/>
+              </a:spcBef>
+              <a:spcAft>
+                <a:spcPts val="0"/>
+              </a:spcAft>
+              <a:buNone/>
+            </a:pPr>
+            <a:r>
+              <a:t/>
+            </a:r>
+            <a:endParaRPr/>
+          </a:p>
+        </p:txBody>
+      </p:sp>
+      <p:sp>
+        <p:nvSpPr>
+          <p:cNvPr id="316" name="Google Shape;316;g1e3c4f8711e_0_130"/>
+          <p:cNvSpPr txBox="1"/>
+          <p:nvPr/>
+        </p:nvSpPr>
+        <p:spPr>
+          <a:xfrm>
+            <a:off x="8519850" y="1861825"/>
+            <a:ext cx="2502600" cy="1231500"/>
+          </a:xfrm>
+          <a:prstGeom prst="rect">
+            <a:avLst/>
+          </a:prstGeom>
+          <a:noFill/>
+          <a:ln>
+            <a:noFill/>
+          </a:ln>
+        </p:spPr>
+        <p:txBody>
+          <a:bodyPr anchorCtr="0" anchor="t" bIns="91425" lIns="91425" spcFirstLastPara="1" rIns="91425" wrap="square" tIns="91425">
+            <a:spAutoFit/>
+          </a:bodyPr>
+          <a:lstStyle/>
+          <a:p>
+            <a:pPr indent="0" lvl="0" marL="0" rtl="0" algn="l">
+              <a:spcBef>
+                <a:spcPts val="0"/>
+              </a:spcBef>
+              <a:spcAft>
+                <a:spcPts val="0"/>
+              </a:spcAft>
+              <a:buNone/>
+            </a:pPr>
+            <a:r>
+              <a:rPr b="1" lang="es-CO" sz="1700">
+                <a:solidFill>
+                  <a:schemeClr val="lt1"/>
+                </a:solidFill>
+                <a:latin typeface="Open Sans"/>
+                <a:ea typeface="Open Sans"/>
+                <a:cs typeface="Open Sans"/>
+                <a:sym typeface="Open Sans"/>
+              </a:rPr>
+              <a:t>ToyMCHiggs.C: </a:t>
+            </a:r>
+            <a:r>
+              <a:rPr lang="es-CO" sz="1700">
+                <a:solidFill>
+                  <a:schemeClr val="lt1"/>
+                </a:solidFill>
+                <a:latin typeface="Open Sans Light"/>
+                <a:ea typeface="Open Sans Light"/>
+                <a:cs typeface="Open Sans Light"/>
+                <a:sym typeface="Open Sans Light"/>
+              </a:rPr>
+              <a:t>Graficar uno de los resultados del Monte Carlo.</a:t>
+            </a:r>
+            <a:endParaRPr sz="1700">
+              <a:solidFill>
+                <a:schemeClr val="lt1"/>
+              </a:solidFill>
+              <a:latin typeface="Open Sans Light"/>
+              <a:ea typeface="Open Sans Light"/>
+              <a:cs typeface="Open Sans Light"/>
+              <a:sym typeface="Open Sans Light"/>
+            </a:endParaRPr>
+          </a:p>
+        </p:txBody>
+      </p:sp>
+      <p:sp>
+        <p:nvSpPr>
+          <p:cNvPr id="317" name="Google Shape;317;g1e3c4f8711e_0_130"/>
+          <p:cNvSpPr txBox="1"/>
+          <p:nvPr/>
+        </p:nvSpPr>
+        <p:spPr>
+          <a:xfrm>
+            <a:off x="3906575" y="4694150"/>
+            <a:ext cx="2456100" cy="1231500"/>
+          </a:xfrm>
+          <a:prstGeom prst="rect">
+            <a:avLst/>
+          </a:prstGeom>
+          <a:noFill/>
+          <a:ln>
+            <a:noFill/>
+          </a:ln>
+        </p:spPr>
+        <p:txBody>
+          <a:bodyPr anchorCtr="0" anchor="t" bIns="91425" lIns="91425" spcFirstLastPara="1" rIns="91425" wrap="square" tIns="91425">
+            <a:spAutoFit/>
+          </a:bodyPr>
+          <a:lstStyle/>
+          <a:p>
+            <a:pPr indent="0" lvl="0" marL="0" rtl="0" algn="l">
+              <a:spcBef>
+                <a:spcPts val="0"/>
+              </a:spcBef>
+              <a:spcAft>
+                <a:spcPts val="0"/>
+              </a:spcAft>
+              <a:buNone/>
+            </a:pPr>
+            <a:r>
+              <a:rPr b="1" lang="es-CO" sz="1700">
+                <a:solidFill>
+                  <a:schemeClr val="lt1"/>
+                </a:solidFill>
+                <a:latin typeface="Open Sans"/>
+                <a:ea typeface="Open Sans"/>
+                <a:cs typeface="Open Sans"/>
+                <a:sym typeface="Open Sans"/>
+              </a:rPr>
+              <a:t>HiggsModel.C </a:t>
+            </a:r>
+            <a:r>
+              <a:rPr lang="es-CO" sz="1700">
+                <a:solidFill>
+                  <a:schemeClr val="lt1"/>
+                </a:solidFill>
+                <a:latin typeface="Open Sans Light"/>
+                <a:ea typeface="Open Sans Light"/>
+                <a:cs typeface="Open Sans Light"/>
+                <a:sym typeface="Open Sans Light"/>
+              </a:rPr>
+              <a:t>Guardó el modelo y los parámetros en el Workspace</a:t>
+            </a:r>
+            <a:endParaRPr sz="1700">
+              <a:solidFill>
+                <a:schemeClr val="lt1"/>
+              </a:solidFill>
+              <a:latin typeface="Open Sans Light"/>
+              <a:ea typeface="Open Sans Light"/>
+              <a:cs typeface="Open Sans Light"/>
+              <a:sym typeface="Open Sans Light"/>
+            </a:endParaRPr>
+          </a:p>
+        </p:txBody>
+      </p:sp>
       <p:pic>
         <p:nvPicPr>
-          <p:cNvPr id="306" name="Google Shape;306;g24f1b9561a3_0_43"/>
+          <p:cNvPr id="318" name="Google Shape;318;g1e3c4f8711e_0_130"/>
           <p:cNvPicPr preferRelativeResize="0"/>
           <p:nvPr/>
         </p:nvPicPr>
-        <p:blipFill rotWithShape="1">
-          <a:blip r:embed="rId3">
+        <p:blipFill>
+          <a:blip r:embed="rId4">
             <a:alphaModFix/>
           </a:blip>
-          <a:srcRect b="36765" l="0" r="0" t="25599"/>
-          <a:stretch/>
+          <a:stretch>
+            <a:fillRect/>
+          </a:stretch>
         </p:blipFill>
         <p:spPr>
           <a:xfrm>
-            <a:off x="613625" y="2028875"/>
-            <a:ext cx="10865649" cy="1439700"/>
+            <a:off x="694225" y="1685875"/>
+            <a:ext cx="6984274" cy="2122400"/>
+          </a:xfrm>
+          <a:prstGeom prst="rect">
+            <a:avLst/>
+          </a:prstGeom>
+          <a:noFill/>
+          <a:ln>
+            <a:noFill/>
+          </a:ln>
+        </p:spPr>
+      </p:pic>
+      <p:sp>
+        <p:nvSpPr>
+          <p:cNvPr id="319" name="Google Shape;319;g1e3c4f8711e_0_130"/>
+          <p:cNvSpPr/>
+          <p:nvPr/>
+        </p:nvSpPr>
+        <p:spPr>
+          <a:xfrm>
+            <a:off x="694225" y="2907975"/>
+            <a:ext cx="6860400" cy="420300"/>
+          </a:xfrm>
+          <a:prstGeom prst="rect">
+            <a:avLst/>
+          </a:prstGeom>
+          <a:noFill/>
+          <a:ln cap="flat" cmpd="sng" w="9525">
+            <a:solidFill>
+              <a:srgbClr val="9900FF"/>
+            </a:solidFill>
+            <a:prstDash val="solid"/>
+            <a:round/>
+            <a:headEnd len="sm" w="sm" type="none"/>
+            <a:tailEnd len="sm" w="sm" type="none"/>
+          </a:ln>
+        </p:spPr>
+        <p:txBody>
+          <a:bodyPr anchorCtr="0" anchor="ctr" bIns="91425" lIns="91425" spcFirstLastPara="1" rIns="91425" wrap="square" tIns="91425">
+            <a:noAutofit/>
+          </a:bodyPr>
+          <a:lstStyle/>
+          <a:p>
+            <a:pPr indent="0" lvl="0" marL="0" rtl="0" algn="l">
+              <a:spcBef>
+                <a:spcPts val="0"/>
+              </a:spcBef>
+              <a:spcAft>
+                <a:spcPts val="0"/>
+              </a:spcAft>
+              <a:buNone/>
+            </a:pPr>
+            <a:r>
+              <a:t/>
+            </a:r>
+            <a:endParaRPr/>
+          </a:p>
+        </p:txBody>
+      </p:sp>
+      <p:pic>
+        <p:nvPicPr>
+          <p:cNvPr id="320" name="Google Shape;320;g1e3c4f8711e_0_130"/>
+          <p:cNvPicPr preferRelativeResize="0"/>
+          <p:nvPr/>
+        </p:nvPicPr>
+        <p:blipFill>
+          <a:blip r:embed="rId5">
+            <a:alphaModFix/>
+          </a:blip>
+          <a:stretch>
+            <a:fillRect/>
+          </a:stretch>
+        </p:blipFill>
+        <p:spPr>
+          <a:xfrm>
+            <a:off x="548650" y="5925650"/>
+            <a:ext cx="6108724" cy="609998"/>
           </a:xfrm>
           <a:prstGeom prst="rect">
             <a:avLst/>
@@ -22566,7 +23460,7 @@
     </p:bg>
     <p:spTree>
       <p:nvGrpSpPr>
-        <p:cNvPr id="310" name="Shape 310"/>
+        <p:cNvPr id="324" name="Shape 324"/>
         <p:cNvGrpSpPr/>
         <p:nvPr/>
       </p:nvGrpSpPr>
@@ -22580,7 +23474,7 @@
       </p:grpSpPr>
       <p:sp>
         <p:nvSpPr>
-          <p:cNvPr id="311" name="Google Shape;311;g24f1b9561a3_0_27"/>
+          <p:cNvPr id="325" name="Google Shape;325;g1e3c4f8711e_0_142"/>
           <p:cNvSpPr txBox="1"/>
           <p:nvPr>
             <p:ph type="title"/>
@@ -22628,7 +23522,7 @@
                   <a:schemeClr val="lt1"/>
                 </a:solidFill>
               </a:rPr>
-              <a:t>Workspace: Análisis - Toy Monte Carlo</a:t>
+              <a:t>Workspace: Toy Monte Carlo</a:t>
             </a:r>
             <a:endParaRPr/>
           </a:p>
@@ -22636,7 +23530,7 @@
       </p:sp>
       <p:pic>
         <p:nvPicPr>
-          <p:cNvPr id="312" name="Google Shape;312;g24f1b9561a3_0_27"/>
+          <p:cNvPr id="326" name="Google Shape;326;g1e3c4f8711e_0_142"/>
           <p:cNvPicPr preferRelativeResize="0"/>
           <p:nvPr/>
         </p:nvPicPr>
@@ -22650,8 +23544,8 @@
         </p:blipFill>
         <p:spPr>
           <a:xfrm>
-            <a:off x="2907975" y="1685876"/>
-            <a:ext cx="6648375" cy="4524324"/>
+            <a:off x="2613850" y="1632872"/>
+            <a:ext cx="6483801" cy="4698775"/>
           </a:xfrm>
           <a:prstGeom prst="rect">
             <a:avLst/>
@@ -22690,13 +23584,13 @@
               <a:srgbClr val="282251"/>
             </a:gs>
           </a:gsLst>
-          <a:lin ang="10800000" scaled="0"/>
+          <a:lin ang="10800025" scaled="0"/>
         </a:gradFill>
       </p:bgPr>
     </p:bg>
     <p:spTree>
       <p:nvGrpSpPr>
-        <p:cNvPr id="316" name="Shape 316"/>
+        <p:cNvPr id="330" name="Shape 330"/>
         <p:cNvGrpSpPr/>
         <p:nvPr/>
       </p:nvGrpSpPr>
@@ -22710,7 +23604,7 @@
       </p:grpSpPr>
       <p:sp>
         <p:nvSpPr>
-          <p:cNvPr id="317" name="Google Shape;317;p13"/>
+          <p:cNvPr id="331" name="Google Shape;331;g1e3c4f8711e_0_147"/>
           <p:cNvSpPr txBox="1"/>
           <p:nvPr>
             <p:ph type="title"/>
@@ -22719,7 +23613,940 @@
         <p:spPr>
           <a:xfrm>
             <a:off x="548639" y="950976"/>
-            <a:ext cx="10995659" cy="1077849"/>
+            <a:ext cx="10995600" cy="1077900"/>
+          </a:xfrm>
+          <a:prstGeom prst="rect">
+            <a:avLst/>
+          </a:prstGeom>
+          <a:noFill/>
+          <a:ln>
+            <a:noFill/>
+          </a:ln>
+        </p:spPr>
+        <p:txBody>
+          <a:bodyPr anchorCtr="0" anchor="t" bIns="45700" lIns="91425" spcFirstLastPara="1" rIns="91425" wrap="square" tIns="45700">
+            <a:normAutofit/>
+          </a:bodyPr>
+          <a:lstStyle/>
+          <a:p>
+            <a:pPr indent="0" lvl="0" marL="0" rtl="0" algn="l">
+              <a:lnSpc>
+                <a:spcPct val="85000"/>
+              </a:lnSpc>
+              <a:spcBef>
+                <a:spcPts val="0"/>
+              </a:spcBef>
+              <a:spcAft>
+                <a:spcPts val="0"/>
+              </a:spcAft>
+              <a:buClr>
+                <a:schemeClr val="lt1"/>
+              </a:buClr>
+              <a:buSzPts val="3600"/>
+              <a:buFont typeface="Arial"/>
+              <a:buNone/>
+            </a:pPr>
+            <a:r>
+              <a:rPr lang="es-CO">
+                <a:solidFill>
+                  <a:schemeClr val="lt1"/>
+                </a:solidFill>
+              </a:rPr>
+              <a:t>Workspace: Análisis - Toy Monte Carlo</a:t>
+            </a:r>
+            <a:endParaRPr/>
+          </a:p>
+        </p:txBody>
+      </p:sp>
+      <p:pic>
+        <p:nvPicPr>
+          <p:cNvPr id="332" name="Google Shape;332;g1e3c4f8711e_0_147"/>
+          <p:cNvPicPr preferRelativeResize="0"/>
+          <p:nvPr/>
+        </p:nvPicPr>
+        <p:blipFill rotWithShape="1">
+          <a:blip r:embed="rId3">
+            <a:alphaModFix/>
+          </a:blip>
+          <a:srcRect b="0" l="0" r="0" t="74816"/>
+          <a:stretch/>
+        </p:blipFill>
+        <p:spPr>
+          <a:xfrm>
+            <a:off x="548650" y="4303625"/>
+            <a:ext cx="9816148" cy="1077900"/>
+          </a:xfrm>
+          <a:prstGeom prst="rect">
+            <a:avLst/>
+          </a:prstGeom>
+          <a:noFill/>
+          <a:ln>
+            <a:noFill/>
+          </a:ln>
+        </p:spPr>
+      </p:pic>
+      <p:pic>
+        <p:nvPicPr>
+          <p:cNvPr id="333" name="Google Shape;333;g1e3c4f8711e_0_147"/>
+          <p:cNvPicPr preferRelativeResize="0"/>
+          <p:nvPr/>
+        </p:nvPicPr>
+        <p:blipFill rotWithShape="1">
+          <a:blip r:embed="rId3">
+            <a:alphaModFix/>
+          </a:blip>
+          <a:srcRect b="26671" l="0" r="29627" t="22185"/>
+          <a:stretch/>
+        </p:blipFill>
+        <p:spPr>
+          <a:xfrm>
+            <a:off x="548650" y="1919625"/>
+            <a:ext cx="6448676" cy="2043475"/>
+          </a:xfrm>
+          <a:prstGeom prst="rect">
+            <a:avLst/>
+          </a:prstGeom>
+          <a:noFill/>
+          <a:ln>
+            <a:noFill/>
+          </a:ln>
+        </p:spPr>
+      </p:pic>
+      <p:sp>
+        <p:nvSpPr>
+          <p:cNvPr id="334" name="Google Shape;334;g1e3c4f8711e_0_147"/>
+          <p:cNvSpPr/>
+          <p:nvPr/>
+        </p:nvSpPr>
+        <p:spPr>
+          <a:xfrm>
+            <a:off x="616800" y="3297425"/>
+            <a:ext cx="6210300" cy="580500"/>
+          </a:xfrm>
+          <a:prstGeom prst="rect">
+            <a:avLst/>
+          </a:prstGeom>
+          <a:noFill/>
+          <a:ln cap="flat" cmpd="sng" w="9525">
+            <a:solidFill>
+              <a:srgbClr val="9900FF"/>
+            </a:solidFill>
+            <a:prstDash val="solid"/>
+            <a:round/>
+            <a:headEnd len="sm" w="sm" type="none"/>
+            <a:tailEnd len="sm" w="sm" type="none"/>
+          </a:ln>
+        </p:spPr>
+        <p:txBody>
+          <a:bodyPr anchorCtr="0" anchor="ctr" bIns="91425" lIns="91425" spcFirstLastPara="1" rIns="91425" wrap="square" tIns="91425">
+            <a:noAutofit/>
+          </a:bodyPr>
+          <a:lstStyle/>
+          <a:p>
+            <a:pPr indent="0" lvl="0" marL="0" rtl="0" algn="l">
+              <a:spcBef>
+                <a:spcPts val="0"/>
+              </a:spcBef>
+              <a:spcAft>
+                <a:spcPts val="0"/>
+              </a:spcAft>
+              <a:buNone/>
+            </a:pPr>
+            <a:r>
+              <a:t/>
+            </a:r>
+            <a:endParaRPr/>
+          </a:p>
+        </p:txBody>
+      </p:sp>
+      <p:sp>
+        <p:nvSpPr>
+          <p:cNvPr id="335" name="Google Shape;335;g1e3c4f8711e_0_147"/>
+          <p:cNvSpPr/>
+          <p:nvPr/>
+        </p:nvSpPr>
+        <p:spPr>
+          <a:xfrm>
+            <a:off x="667850" y="4889525"/>
+            <a:ext cx="9472200" cy="420300"/>
+          </a:xfrm>
+          <a:prstGeom prst="rect">
+            <a:avLst/>
+          </a:prstGeom>
+          <a:noFill/>
+          <a:ln cap="flat" cmpd="sng" w="9525">
+            <a:solidFill>
+              <a:srgbClr val="9900FF"/>
+            </a:solidFill>
+            <a:prstDash val="solid"/>
+            <a:round/>
+            <a:headEnd len="sm" w="sm" type="none"/>
+            <a:tailEnd len="sm" w="sm" type="none"/>
+          </a:ln>
+        </p:spPr>
+        <p:txBody>
+          <a:bodyPr anchorCtr="0" anchor="ctr" bIns="91425" lIns="91425" spcFirstLastPara="1" rIns="91425" wrap="square" tIns="91425">
+            <a:noAutofit/>
+          </a:bodyPr>
+          <a:lstStyle/>
+          <a:p>
+            <a:pPr indent="0" lvl="0" marL="0" rtl="0" algn="l">
+              <a:spcBef>
+                <a:spcPts val="0"/>
+              </a:spcBef>
+              <a:spcAft>
+                <a:spcPts val="0"/>
+              </a:spcAft>
+              <a:buNone/>
+            </a:pPr>
+            <a:r>
+              <a:t/>
+            </a:r>
+            <a:endParaRPr/>
+          </a:p>
+        </p:txBody>
+      </p:sp>
+      <p:sp>
+        <p:nvSpPr>
+          <p:cNvPr id="336" name="Google Shape;336;g1e3c4f8711e_0_147"/>
+          <p:cNvSpPr txBox="1"/>
+          <p:nvPr/>
+        </p:nvSpPr>
+        <p:spPr>
+          <a:xfrm>
+            <a:off x="7792275" y="2325612"/>
+            <a:ext cx="2502600" cy="969600"/>
+          </a:xfrm>
+          <a:prstGeom prst="rect">
+            <a:avLst/>
+          </a:prstGeom>
+          <a:noFill/>
+          <a:ln>
+            <a:noFill/>
+          </a:ln>
+        </p:spPr>
+        <p:txBody>
+          <a:bodyPr anchorCtr="0" anchor="t" bIns="91425" lIns="91425" spcFirstLastPara="1" rIns="91425" wrap="square" tIns="91425">
+            <a:spAutoFit/>
+          </a:bodyPr>
+          <a:lstStyle/>
+          <a:p>
+            <a:pPr indent="0" lvl="0" marL="0" rtl="0" algn="l">
+              <a:spcBef>
+                <a:spcPts val="0"/>
+              </a:spcBef>
+              <a:spcAft>
+                <a:spcPts val="0"/>
+              </a:spcAft>
+              <a:buNone/>
+            </a:pPr>
+            <a:r>
+              <a:rPr b="1" lang="es-CO" sz="1700">
+                <a:solidFill>
+                  <a:schemeClr val="lt1"/>
+                </a:solidFill>
+                <a:latin typeface="Open Sans"/>
+                <a:ea typeface="Open Sans"/>
+                <a:cs typeface="Open Sans"/>
+                <a:sym typeface="Open Sans"/>
+              </a:rPr>
+              <a:t>AnalysisMCHiggs.C: </a:t>
+            </a:r>
+            <a:r>
+              <a:rPr lang="es-CO" sz="1700">
+                <a:solidFill>
+                  <a:schemeClr val="lt1"/>
+                </a:solidFill>
+                <a:latin typeface="Open Sans Light"/>
+                <a:ea typeface="Open Sans Light"/>
+                <a:cs typeface="Open Sans Light"/>
+                <a:sym typeface="Open Sans Light"/>
+              </a:rPr>
+              <a:t>Obtiene los resultados del pull. </a:t>
+            </a:r>
+            <a:endParaRPr sz="1700">
+              <a:solidFill>
+                <a:schemeClr val="lt1"/>
+              </a:solidFill>
+              <a:latin typeface="Open Sans Light"/>
+              <a:ea typeface="Open Sans Light"/>
+              <a:cs typeface="Open Sans Light"/>
+              <a:sym typeface="Open Sans Light"/>
+            </a:endParaRPr>
+          </a:p>
+        </p:txBody>
+      </p:sp>
+    </p:spTree>
+  </p:cSld>
+  <p:clrMapOvr>
+    <a:masterClrMapping/>
+  </p:clrMapOvr>
+</p:sld>
+</file>
+
+<file path=ppt/slides/slide26.xml><?xml version="1.0" encoding="utf-8"?>
+<p:sld xmlns:a="http://schemas.openxmlformats.org/drawingml/2006/main" xmlns:r="http://schemas.openxmlformats.org/officeDocument/2006/relationships" xmlns:mc="http://schemas.openxmlformats.org/markup-compatibility/2006" xmlns:mv="urn:schemas-microsoft-com:mac:vml" xmlns:p="http://schemas.openxmlformats.org/presentationml/2006/main" xmlns:c="http://schemas.openxmlformats.org/drawingml/2006/chart" xmlns:dgm="http://schemas.openxmlformats.org/drawingml/2006/diagram" xmlns:o="urn:schemas-microsoft-com:office:office" xmlns:v="urn:schemas-microsoft-com:vml" xmlns:pvml="urn:schemas-microsoft-com:office:powerpoint" xmlns:com="http://schemas.openxmlformats.org/drawingml/2006/compatibility" xmlns:p14="http://schemas.microsoft.com/office/powerpoint/2010/main" xmlns:p15="http://schemas.microsoft.com/office/powerpoint/2012/main" xmlns:ahyp="http://schemas.microsoft.com/office/drawing/2018/hyperlinkcolor">
+  <p:cSld>
+    <p:bg>
+      <p:bgPr>
+        <a:gradFill>
+          <a:gsLst>
+            <a:gs pos="0">
+              <a:srgbClr val="5B4FBB"/>
+            </a:gs>
+            <a:gs pos="74000">
+              <a:srgbClr val="403783"/>
+            </a:gs>
+            <a:gs pos="83000">
+              <a:srgbClr val="2D275D"/>
+            </a:gs>
+            <a:gs pos="100000">
+              <a:srgbClr val="282251"/>
+            </a:gs>
+          </a:gsLst>
+          <a:lin ang="10800025" scaled="0"/>
+        </a:gradFill>
+      </p:bgPr>
+    </p:bg>
+    <p:spTree>
+      <p:nvGrpSpPr>
+        <p:cNvPr id="340" name="Shape 340"/>
+        <p:cNvGrpSpPr/>
+        <p:nvPr/>
+      </p:nvGrpSpPr>
+      <p:grpSpPr>
+        <a:xfrm>
+          <a:off x="0" y="0"/>
+          <a:ext cx="0" cy="0"/>
+          <a:chOff x="0" y="0"/>
+          <a:chExt cx="0" cy="0"/>
+        </a:xfrm>
+      </p:grpSpPr>
+      <p:sp>
+        <p:nvSpPr>
+          <p:cNvPr id="341" name="Google Shape;341;g1e3c4f8711e_0_156"/>
+          <p:cNvSpPr txBox="1"/>
+          <p:nvPr>
+            <p:ph type="title"/>
+          </p:nvPr>
+        </p:nvSpPr>
+        <p:spPr>
+          <a:xfrm>
+            <a:off x="548639" y="950976"/>
+            <a:ext cx="10995600" cy="1077900"/>
+          </a:xfrm>
+          <a:prstGeom prst="rect">
+            <a:avLst/>
+          </a:prstGeom>
+          <a:noFill/>
+          <a:ln>
+            <a:noFill/>
+          </a:ln>
+        </p:spPr>
+        <p:txBody>
+          <a:bodyPr anchorCtr="0" anchor="t" bIns="45700" lIns="91425" spcFirstLastPara="1" rIns="91425" wrap="square" tIns="45700">
+            <a:normAutofit/>
+          </a:bodyPr>
+          <a:lstStyle/>
+          <a:p>
+            <a:pPr indent="0" lvl="0" marL="0" rtl="0" algn="l">
+              <a:lnSpc>
+                <a:spcPct val="85000"/>
+              </a:lnSpc>
+              <a:spcBef>
+                <a:spcPts val="0"/>
+              </a:spcBef>
+              <a:spcAft>
+                <a:spcPts val="0"/>
+              </a:spcAft>
+              <a:buClr>
+                <a:schemeClr val="lt1"/>
+              </a:buClr>
+              <a:buSzPts val="3600"/>
+              <a:buFont typeface="Arial"/>
+              <a:buNone/>
+            </a:pPr>
+            <a:r>
+              <a:rPr lang="es-CO">
+                <a:solidFill>
+                  <a:schemeClr val="lt1"/>
+                </a:solidFill>
+              </a:rPr>
+              <a:t>Workspace: Análisis - Toy Monte Carlo</a:t>
+            </a:r>
+            <a:endParaRPr/>
+          </a:p>
+        </p:txBody>
+      </p:sp>
+      <p:pic>
+        <p:nvPicPr>
+          <p:cNvPr id="342" name="Google Shape;342;g1e3c4f8711e_0_156"/>
+          <p:cNvPicPr preferRelativeResize="0"/>
+          <p:nvPr/>
+        </p:nvPicPr>
+        <p:blipFill rotWithShape="1">
+          <a:blip r:embed="rId3">
+            <a:alphaModFix/>
+          </a:blip>
+          <a:srcRect b="0" l="0" r="0" t="71821"/>
+          <a:stretch/>
+        </p:blipFill>
+        <p:spPr>
+          <a:xfrm>
+            <a:off x="613625" y="4216525"/>
+            <a:ext cx="10865649" cy="1077900"/>
+          </a:xfrm>
+          <a:prstGeom prst="rect">
+            <a:avLst/>
+          </a:prstGeom>
+          <a:noFill/>
+          <a:ln>
+            <a:noFill/>
+          </a:ln>
+        </p:spPr>
+      </p:pic>
+      <p:pic>
+        <p:nvPicPr>
+          <p:cNvPr id="343" name="Google Shape;343;g1e3c4f8711e_0_156"/>
+          <p:cNvPicPr preferRelativeResize="0"/>
+          <p:nvPr/>
+        </p:nvPicPr>
+        <p:blipFill rotWithShape="1">
+          <a:blip r:embed="rId3">
+            <a:alphaModFix/>
+          </a:blip>
+          <a:srcRect b="36765" l="0" r="0" t="25599"/>
+          <a:stretch/>
+        </p:blipFill>
+        <p:spPr>
+          <a:xfrm>
+            <a:off x="613625" y="2028875"/>
+            <a:ext cx="10865649" cy="1439700"/>
+          </a:xfrm>
+          <a:prstGeom prst="rect">
+            <a:avLst/>
+          </a:prstGeom>
+          <a:noFill/>
+          <a:ln>
+            <a:noFill/>
+          </a:ln>
+        </p:spPr>
+      </p:pic>
+    </p:spTree>
+  </p:cSld>
+  <p:clrMapOvr>
+    <a:masterClrMapping/>
+  </p:clrMapOvr>
+</p:sld>
+</file>
+
+<file path=ppt/slides/slide27.xml><?xml version="1.0" encoding="utf-8"?>
+<p:sld xmlns:a="http://schemas.openxmlformats.org/drawingml/2006/main" xmlns:r="http://schemas.openxmlformats.org/officeDocument/2006/relationships" xmlns:mc="http://schemas.openxmlformats.org/markup-compatibility/2006" xmlns:mv="urn:schemas-microsoft-com:mac:vml" xmlns:p="http://schemas.openxmlformats.org/presentationml/2006/main" xmlns:c="http://schemas.openxmlformats.org/drawingml/2006/chart" xmlns:dgm="http://schemas.openxmlformats.org/drawingml/2006/diagram" xmlns:o="urn:schemas-microsoft-com:office:office" xmlns:v="urn:schemas-microsoft-com:vml" xmlns:pvml="urn:schemas-microsoft-com:office:powerpoint" xmlns:com="http://schemas.openxmlformats.org/drawingml/2006/compatibility" xmlns:p14="http://schemas.microsoft.com/office/powerpoint/2010/main" xmlns:p15="http://schemas.microsoft.com/office/powerpoint/2012/main" xmlns:ahyp="http://schemas.microsoft.com/office/drawing/2018/hyperlinkcolor">
+  <p:cSld>
+    <p:bg>
+      <p:bgPr>
+        <a:gradFill>
+          <a:gsLst>
+            <a:gs pos="0">
+              <a:srgbClr val="5B4FBB"/>
+            </a:gs>
+            <a:gs pos="74000">
+              <a:srgbClr val="403783"/>
+            </a:gs>
+            <a:gs pos="83000">
+              <a:srgbClr val="2D275D"/>
+            </a:gs>
+            <a:gs pos="100000">
+              <a:srgbClr val="282251"/>
+            </a:gs>
+          </a:gsLst>
+          <a:lin ang="10800025" scaled="0"/>
+        </a:gradFill>
+      </p:bgPr>
+    </p:bg>
+    <p:spTree>
+      <p:nvGrpSpPr>
+        <p:cNvPr id="347" name="Shape 347"/>
+        <p:cNvGrpSpPr/>
+        <p:nvPr/>
+      </p:nvGrpSpPr>
+      <p:grpSpPr>
+        <a:xfrm>
+          <a:off x="0" y="0"/>
+          <a:ext cx="0" cy="0"/>
+          <a:chOff x="0" y="0"/>
+          <a:chExt cx="0" cy="0"/>
+        </a:xfrm>
+      </p:grpSpPr>
+      <p:sp>
+        <p:nvSpPr>
+          <p:cNvPr id="348" name="Google Shape;348;g1e3c4f8711e_0_162"/>
+          <p:cNvSpPr txBox="1"/>
+          <p:nvPr>
+            <p:ph type="title"/>
+          </p:nvPr>
+        </p:nvSpPr>
+        <p:spPr>
+          <a:xfrm>
+            <a:off x="548639" y="950976"/>
+            <a:ext cx="10995600" cy="1077900"/>
+          </a:xfrm>
+          <a:prstGeom prst="rect">
+            <a:avLst/>
+          </a:prstGeom>
+          <a:noFill/>
+          <a:ln>
+            <a:noFill/>
+          </a:ln>
+        </p:spPr>
+        <p:txBody>
+          <a:bodyPr anchorCtr="0" anchor="t" bIns="45700" lIns="91425" spcFirstLastPara="1" rIns="91425" wrap="square" tIns="45700">
+            <a:normAutofit/>
+          </a:bodyPr>
+          <a:lstStyle/>
+          <a:p>
+            <a:pPr indent="0" lvl="0" marL="0" rtl="0" algn="l">
+              <a:lnSpc>
+                <a:spcPct val="85000"/>
+              </a:lnSpc>
+              <a:spcBef>
+                <a:spcPts val="0"/>
+              </a:spcBef>
+              <a:spcAft>
+                <a:spcPts val="0"/>
+              </a:spcAft>
+              <a:buClr>
+                <a:schemeClr val="lt1"/>
+              </a:buClr>
+              <a:buSzPts val="3600"/>
+              <a:buFont typeface="Arial"/>
+              <a:buNone/>
+            </a:pPr>
+            <a:r>
+              <a:rPr lang="es-CO">
+                <a:solidFill>
+                  <a:schemeClr val="lt1"/>
+                </a:solidFill>
+              </a:rPr>
+              <a:t>Workspace + RooMCStudy</a:t>
+            </a:r>
+            <a:endParaRPr/>
+          </a:p>
+        </p:txBody>
+      </p:sp>
+      <p:pic>
+        <p:nvPicPr>
+          <p:cNvPr id="349" name="Google Shape;349;g1e3c4f8711e_0_162"/>
+          <p:cNvPicPr preferRelativeResize="0"/>
+          <p:nvPr/>
+        </p:nvPicPr>
+        <p:blipFill rotWithShape="1">
+          <a:blip r:embed="rId3">
+            <a:alphaModFix/>
+          </a:blip>
+          <a:srcRect b="33244" l="0" r="0" t="47251"/>
+          <a:stretch/>
+        </p:blipFill>
+        <p:spPr>
+          <a:xfrm>
+            <a:off x="939525" y="3591550"/>
+            <a:ext cx="10245304" cy="1013575"/>
+          </a:xfrm>
+          <a:prstGeom prst="rect">
+            <a:avLst/>
+          </a:prstGeom>
+          <a:noFill/>
+          <a:ln>
+            <a:noFill/>
+          </a:ln>
+        </p:spPr>
+      </p:pic>
+      <p:pic>
+        <p:nvPicPr>
+          <p:cNvPr id="350" name="Google Shape;350;g1e3c4f8711e_0_162"/>
+          <p:cNvPicPr preferRelativeResize="0"/>
+          <p:nvPr/>
+        </p:nvPicPr>
+        <p:blipFill rotWithShape="1">
+          <a:blip r:embed="rId3">
+            <a:alphaModFix/>
+          </a:blip>
+          <a:srcRect b="69684" l="0" r="48253" t="0"/>
+          <a:stretch/>
+        </p:blipFill>
+        <p:spPr>
+          <a:xfrm>
+            <a:off x="939525" y="1881613"/>
+            <a:ext cx="4761226" cy="1414925"/>
+          </a:xfrm>
+          <a:prstGeom prst="rect">
+            <a:avLst/>
+          </a:prstGeom>
+          <a:noFill/>
+          <a:ln>
+            <a:noFill/>
+          </a:ln>
+        </p:spPr>
+      </p:pic>
+      <p:pic>
+        <p:nvPicPr>
+          <p:cNvPr id="351" name="Google Shape;351;g1e3c4f8711e_0_162"/>
+          <p:cNvPicPr preferRelativeResize="0"/>
+          <p:nvPr/>
+        </p:nvPicPr>
+        <p:blipFill rotWithShape="1">
+          <a:blip r:embed="rId3">
+            <a:alphaModFix/>
+          </a:blip>
+          <a:srcRect b="0" l="0" r="0" t="84655"/>
+          <a:stretch/>
+        </p:blipFill>
+        <p:spPr>
+          <a:xfrm>
+            <a:off x="939525" y="4938400"/>
+            <a:ext cx="10284075" cy="800451"/>
+          </a:xfrm>
+          <a:prstGeom prst="rect">
+            <a:avLst/>
+          </a:prstGeom>
+          <a:noFill/>
+          <a:ln>
+            <a:noFill/>
+          </a:ln>
+        </p:spPr>
+      </p:pic>
+    </p:spTree>
+  </p:cSld>
+  <p:clrMapOvr>
+    <a:masterClrMapping/>
+  </p:clrMapOvr>
+</p:sld>
+</file>
+
+<file path=ppt/slides/slide28.xml><?xml version="1.0" encoding="utf-8"?>
+<p:sld xmlns:a="http://schemas.openxmlformats.org/drawingml/2006/main" xmlns:r="http://schemas.openxmlformats.org/officeDocument/2006/relationships" xmlns:mc="http://schemas.openxmlformats.org/markup-compatibility/2006" xmlns:mv="urn:schemas-microsoft-com:mac:vml" xmlns:p="http://schemas.openxmlformats.org/presentationml/2006/main" xmlns:c="http://schemas.openxmlformats.org/drawingml/2006/chart" xmlns:dgm="http://schemas.openxmlformats.org/drawingml/2006/diagram" xmlns:o="urn:schemas-microsoft-com:office:office" xmlns:v="urn:schemas-microsoft-com:vml" xmlns:pvml="urn:schemas-microsoft-com:office:powerpoint" xmlns:com="http://schemas.openxmlformats.org/drawingml/2006/compatibility" xmlns:p14="http://schemas.microsoft.com/office/powerpoint/2010/main" xmlns:p15="http://schemas.microsoft.com/office/powerpoint/2012/main" xmlns:ahyp="http://schemas.microsoft.com/office/drawing/2018/hyperlinkcolor">
+  <p:cSld>
+    <p:bg>
+      <p:bgPr>
+        <a:gradFill>
+          <a:gsLst>
+            <a:gs pos="0">
+              <a:srgbClr val="5B4FBB"/>
+            </a:gs>
+            <a:gs pos="74000">
+              <a:srgbClr val="403783"/>
+            </a:gs>
+            <a:gs pos="83000">
+              <a:srgbClr val="2D275D"/>
+            </a:gs>
+            <a:gs pos="100000">
+              <a:srgbClr val="282251"/>
+            </a:gs>
+          </a:gsLst>
+          <a:lin ang="10800025" scaled="0"/>
+        </a:gradFill>
+      </p:bgPr>
+    </p:bg>
+    <p:spTree>
+      <p:nvGrpSpPr>
+        <p:cNvPr id="355" name="Shape 355"/>
+        <p:cNvGrpSpPr/>
+        <p:nvPr/>
+      </p:nvGrpSpPr>
+      <p:grpSpPr>
+        <a:xfrm>
+          <a:off x="0" y="0"/>
+          <a:ext cx="0" cy="0"/>
+          <a:chOff x="0" y="0"/>
+          <a:chExt cx="0" cy="0"/>
+        </a:xfrm>
+      </p:grpSpPr>
+      <p:sp>
+        <p:nvSpPr>
+          <p:cNvPr id="356" name="Google Shape;356;g1e3c4f8711e_0_169"/>
+          <p:cNvSpPr txBox="1"/>
+          <p:nvPr>
+            <p:ph type="title"/>
+          </p:nvPr>
+        </p:nvSpPr>
+        <p:spPr>
+          <a:xfrm>
+            <a:off x="548639" y="950976"/>
+            <a:ext cx="10995600" cy="1077900"/>
+          </a:xfrm>
+          <a:prstGeom prst="rect">
+            <a:avLst/>
+          </a:prstGeom>
+          <a:noFill/>
+          <a:ln>
+            <a:noFill/>
+          </a:ln>
+        </p:spPr>
+        <p:txBody>
+          <a:bodyPr anchorCtr="0" anchor="t" bIns="45700" lIns="91425" spcFirstLastPara="1" rIns="91425" wrap="square" tIns="45700">
+            <a:normAutofit/>
+          </a:bodyPr>
+          <a:lstStyle/>
+          <a:p>
+            <a:pPr indent="0" lvl="0" marL="0" rtl="0" algn="l">
+              <a:lnSpc>
+                <a:spcPct val="85000"/>
+              </a:lnSpc>
+              <a:spcBef>
+                <a:spcPts val="0"/>
+              </a:spcBef>
+              <a:spcAft>
+                <a:spcPts val="0"/>
+              </a:spcAft>
+              <a:buClr>
+                <a:schemeClr val="lt1"/>
+              </a:buClr>
+              <a:buSzPts val="3600"/>
+              <a:buFont typeface="Arial"/>
+              <a:buNone/>
+            </a:pPr>
+            <a:r>
+              <a:rPr lang="es-CO">
+                <a:solidFill>
+                  <a:schemeClr val="lt1"/>
+                </a:solidFill>
+              </a:rPr>
+              <a:t>Workspace: Resutados Toy Monte Carlo</a:t>
+            </a:r>
+            <a:endParaRPr/>
+          </a:p>
+        </p:txBody>
+      </p:sp>
+      <p:pic>
+        <p:nvPicPr>
+          <p:cNvPr id="357" name="Google Shape;357;g1e3c4f8711e_0_169"/>
+          <p:cNvPicPr preferRelativeResize="0"/>
+          <p:nvPr/>
+        </p:nvPicPr>
+        <p:blipFill>
+          <a:blip r:embed="rId3">
+            <a:alphaModFix/>
+          </a:blip>
+          <a:stretch>
+            <a:fillRect/>
+          </a:stretch>
+        </p:blipFill>
+        <p:spPr>
+          <a:xfrm>
+            <a:off x="709700" y="1562050"/>
+            <a:ext cx="5552874" cy="3778824"/>
+          </a:xfrm>
+          <a:prstGeom prst="rect">
+            <a:avLst/>
+          </a:prstGeom>
+          <a:noFill/>
+          <a:ln>
+            <a:noFill/>
+          </a:ln>
+        </p:spPr>
+      </p:pic>
+      <p:pic>
+        <p:nvPicPr>
+          <p:cNvPr id="358" name="Google Shape;358;g1e3c4f8711e_0_169"/>
+          <p:cNvPicPr preferRelativeResize="0"/>
+          <p:nvPr/>
+        </p:nvPicPr>
+        <p:blipFill>
+          <a:blip r:embed="rId4">
+            <a:alphaModFix/>
+          </a:blip>
+          <a:stretch>
+            <a:fillRect/>
+          </a:stretch>
+        </p:blipFill>
+        <p:spPr>
+          <a:xfrm>
+            <a:off x="6641275" y="1562050"/>
+            <a:ext cx="4768075" cy="4584675"/>
+          </a:xfrm>
+          <a:prstGeom prst="rect">
+            <a:avLst/>
+          </a:prstGeom>
+          <a:noFill/>
+          <a:ln>
+            <a:noFill/>
+          </a:ln>
+        </p:spPr>
+      </p:pic>
+      <p:sp>
+        <p:nvSpPr>
+          <p:cNvPr id="359" name="Google Shape;359;g1e3c4f8711e_0_169"/>
+          <p:cNvSpPr txBox="1"/>
+          <p:nvPr/>
+        </p:nvSpPr>
+        <p:spPr>
+          <a:xfrm>
+            <a:off x="709700" y="5592050"/>
+            <a:ext cx="3632700" cy="446400"/>
+          </a:xfrm>
+          <a:prstGeom prst="rect">
+            <a:avLst/>
+          </a:prstGeom>
+          <a:noFill/>
+          <a:ln>
+            <a:noFill/>
+          </a:ln>
+        </p:spPr>
+        <p:txBody>
+          <a:bodyPr anchorCtr="0" anchor="t" bIns="91425" lIns="91425" spcFirstLastPara="1" rIns="91425" wrap="square" tIns="91425">
+            <a:spAutoFit/>
+          </a:bodyPr>
+          <a:lstStyle/>
+          <a:p>
+            <a:pPr indent="0" lvl="0" marL="0" rtl="0" algn="l">
+              <a:spcBef>
+                <a:spcPts val="0"/>
+              </a:spcBef>
+              <a:spcAft>
+                <a:spcPts val="0"/>
+              </a:spcAft>
+              <a:buNone/>
+            </a:pPr>
+            <a:r>
+              <a:rPr b="1" lang="es-CO" sz="1700">
+                <a:solidFill>
+                  <a:schemeClr val="lt1"/>
+                </a:solidFill>
+                <a:latin typeface="Open Sans"/>
+                <a:ea typeface="Open Sans"/>
+                <a:cs typeface="Open Sans"/>
+                <a:sym typeface="Open Sans"/>
+              </a:rPr>
+              <a:t>AnalysisMCHiggs.C</a:t>
+            </a:r>
+            <a:endParaRPr sz="1700">
+              <a:solidFill>
+                <a:schemeClr val="lt1"/>
+              </a:solidFill>
+              <a:latin typeface="Open Sans Light"/>
+              <a:ea typeface="Open Sans Light"/>
+              <a:cs typeface="Open Sans Light"/>
+              <a:sym typeface="Open Sans Light"/>
+            </a:endParaRPr>
+          </a:p>
+        </p:txBody>
+      </p:sp>
+      <p:sp>
+        <p:nvSpPr>
+          <p:cNvPr id="360" name="Google Shape;360;g1e3c4f8711e_0_169"/>
+          <p:cNvSpPr txBox="1"/>
+          <p:nvPr/>
+        </p:nvSpPr>
+        <p:spPr>
+          <a:xfrm>
+            <a:off x="6641275" y="6270800"/>
+            <a:ext cx="3632700" cy="446400"/>
+          </a:xfrm>
+          <a:prstGeom prst="rect">
+            <a:avLst/>
+          </a:prstGeom>
+          <a:noFill/>
+          <a:ln>
+            <a:noFill/>
+          </a:ln>
+        </p:spPr>
+        <p:txBody>
+          <a:bodyPr anchorCtr="0" anchor="t" bIns="91425" lIns="91425" spcFirstLastPara="1" rIns="91425" wrap="square" tIns="91425">
+            <a:spAutoFit/>
+          </a:bodyPr>
+          <a:lstStyle/>
+          <a:p>
+            <a:pPr indent="0" lvl="0" marL="0" rtl="0" algn="l">
+              <a:spcBef>
+                <a:spcPts val="0"/>
+              </a:spcBef>
+              <a:spcAft>
+                <a:spcPts val="0"/>
+              </a:spcAft>
+              <a:buNone/>
+            </a:pPr>
+            <a:r>
+              <a:rPr b="1" lang="es-CO" sz="1700">
+                <a:solidFill>
+                  <a:schemeClr val="lt1"/>
+                </a:solidFill>
+                <a:latin typeface="Open Sans"/>
+                <a:ea typeface="Open Sans"/>
+                <a:cs typeface="Open Sans"/>
+                <a:sym typeface="Open Sans"/>
+              </a:rPr>
+              <a:t>ToyMC_Class.C</a:t>
+            </a:r>
+            <a:endParaRPr sz="1700">
+              <a:solidFill>
+                <a:schemeClr val="lt1"/>
+              </a:solidFill>
+              <a:latin typeface="Open Sans Light"/>
+              <a:ea typeface="Open Sans Light"/>
+              <a:cs typeface="Open Sans Light"/>
+              <a:sym typeface="Open Sans Light"/>
+            </a:endParaRPr>
+          </a:p>
+        </p:txBody>
+      </p:sp>
+    </p:spTree>
+  </p:cSld>
+  <p:clrMapOvr>
+    <a:masterClrMapping/>
+  </p:clrMapOvr>
+</p:sld>
+</file>
+
+<file path=ppt/slides/slide29.xml><?xml version="1.0" encoding="utf-8"?>
+<p:sld xmlns:a="http://schemas.openxmlformats.org/drawingml/2006/main" xmlns:r="http://schemas.openxmlformats.org/officeDocument/2006/relationships" xmlns:mc="http://schemas.openxmlformats.org/markup-compatibility/2006" xmlns:mv="urn:schemas-microsoft-com:mac:vml" xmlns:p="http://schemas.openxmlformats.org/presentationml/2006/main" xmlns:c="http://schemas.openxmlformats.org/drawingml/2006/chart" xmlns:dgm="http://schemas.openxmlformats.org/drawingml/2006/diagram" xmlns:o="urn:schemas-microsoft-com:office:office" xmlns:v="urn:schemas-microsoft-com:vml" xmlns:pvml="urn:schemas-microsoft-com:office:powerpoint" xmlns:com="http://schemas.openxmlformats.org/drawingml/2006/compatibility" xmlns:p14="http://schemas.microsoft.com/office/powerpoint/2010/main" xmlns:p15="http://schemas.microsoft.com/office/powerpoint/2012/main" xmlns:ahyp="http://schemas.microsoft.com/office/drawing/2018/hyperlinkcolor">
+  <p:cSld>
+    <p:bg>
+      <p:bgPr>
+        <a:gradFill>
+          <a:gsLst>
+            <a:gs pos="0">
+              <a:srgbClr val="5B4FBB"/>
+            </a:gs>
+            <a:gs pos="74000">
+              <a:srgbClr val="403783"/>
+            </a:gs>
+            <a:gs pos="83000">
+              <a:srgbClr val="2D275D"/>
+            </a:gs>
+            <a:gs pos="100000">
+              <a:srgbClr val="282251"/>
+            </a:gs>
+          </a:gsLst>
+          <a:lin ang="10800025" scaled="0"/>
+        </a:gradFill>
+      </p:bgPr>
+    </p:bg>
+    <p:spTree>
+      <p:nvGrpSpPr>
+        <p:cNvPr id="364" name="Shape 364"/>
+        <p:cNvGrpSpPr/>
+        <p:nvPr/>
+      </p:nvGrpSpPr>
+      <p:grpSpPr>
+        <a:xfrm>
+          <a:off x="0" y="0"/>
+          <a:ext cx="0" cy="0"/>
+          <a:chOff x="0" y="0"/>
+          <a:chExt cx="0" cy="0"/>
+        </a:xfrm>
+      </p:grpSpPr>
+      <p:sp>
+        <p:nvSpPr>
+          <p:cNvPr id="365" name="Google Shape;365;g1e3c4f8711e_0_254"/>
+          <p:cNvSpPr txBox="1"/>
+          <p:nvPr>
+            <p:ph type="title"/>
+          </p:nvPr>
+        </p:nvSpPr>
+        <p:spPr>
+          <a:xfrm>
+            <a:off x="548639" y="950976"/>
+            <a:ext cx="10995600" cy="1077900"/>
           </a:xfrm>
           <a:prstGeom prst="rect">
             <a:avLst/>
@@ -22766,7 +24593,7 @@
       </p:sp>
       <p:sp>
         <p:nvSpPr>
-          <p:cNvPr id="318" name="Google Shape;318;p13"/>
+          <p:cNvPr id="366" name="Google Shape;366;g1e3c4f8711e_0_254"/>
           <p:cNvSpPr txBox="1"/>
           <p:nvPr/>
         </p:nvSpPr>
@@ -22924,108 +24751,6 @@
               <a:cs typeface="Arial"/>
               <a:sym typeface="Arial"/>
             </a:endParaRPr>
-          </a:p>
-        </p:txBody>
-      </p:sp>
-    </p:spTree>
-  </p:cSld>
-  <p:clrMapOvr>
-    <a:masterClrMapping/>
-  </p:clrMapOvr>
-</p:sld>
-</file>
-
-<file path=ppt/slides/slide26.xml><?xml version="1.0" encoding="utf-8"?>
-<p:sld xmlns:a="http://schemas.openxmlformats.org/drawingml/2006/main" xmlns:r="http://schemas.openxmlformats.org/officeDocument/2006/relationships" xmlns:mc="http://schemas.openxmlformats.org/markup-compatibility/2006" xmlns:mv="urn:schemas-microsoft-com:mac:vml" xmlns:p="http://schemas.openxmlformats.org/presentationml/2006/main" xmlns:c="http://schemas.openxmlformats.org/drawingml/2006/chart" xmlns:dgm="http://schemas.openxmlformats.org/drawingml/2006/diagram" xmlns:o="urn:schemas-microsoft-com:office:office" xmlns:v="urn:schemas-microsoft-com:vml" xmlns:pvml="urn:schemas-microsoft-com:office:powerpoint" xmlns:com="http://schemas.openxmlformats.org/drawingml/2006/compatibility" xmlns:p14="http://schemas.microsoft.com/office/powerpoint/2010/main" xmlns:p15="http://schemas.microsoft.com/office/powerpoint/2012/main" xmlns:ahyp="http://schemas.microsoft.com/office/drawing/2018/hyperlinkcolor">
-  <p:cSld>
-    <p:bg>
-      <p:bgPr>
-        <a:gradFill>
-          <a:gsLst>
-            <a:gs pos="0">
-              <a:srgbClr val="5B4FBB"/>
-            </a:gs>
-            <a:gs pos="74000">
-              <a:srgbClr val="403783"/>
-            </a:gs>
-            <a:gs pos="83000">
-              <a:srgbClr val="2D275D"/>
-            </a:gs>
-            <a:gs pos="100000">
-              <a:srgbClr val="282251"/>
-            </a:gs>
-          </a:gsLst>
-          <a:lin ang="10800000" scaled="0"/>
-        </a:gradFill>
-      </p:bgPr>
-    </p:bg>
-    <p:spTree>
-      <p:nvGrpSpPr>
-        <p:cNvPr id="322" name="Shape 322"/>
-        <p:cNvGrpSpPr/>
-        <p:nvPr/>
-      </p:nvGrpSpPr>
-      <p:grpSpPr>
-        <a:xfrm>
-          <a:off x="0" y="0"/>
-          <a:ext cx="0" cy="0"/>
-          <a:chOff x="0" y="0"/>
-          <a:chExt cx="0" cy="0"/>
-        </a:xfrm>
-      </p:grpSpPr>
-      <p:sp>
-        <p:nvSpPr>
-          <p:cNvPr id="323" name="Google Shape;323;p14"/>
-          <p:cNvSpPr txBox="1"/>
-          <p:nvPr>
-            <p:ph type="title"/>
-          </p:nvPr>
-        </p:nvSpPr>
-        <p:spPr>
-          <a:xfrm>
-            <a:off x="9752680" y="5780151"/>
-            <a:ext cx="2060947" cy="1077849"/>
-          </a:xfrm>
-          <a:prstGeom prst="rect">
-            <a:avLst/>
-          </a:prstGeom>
-          <a:noFill/>
-          <a:ln>
-            <a:noFill/>
-          </a:ln>
-        </p:spPr>
-        <p:txBody>
-          <a:bodyPr anchorCtr="0" anchor="t" bIns="45700" lIns="91425" spcFirstLastPara="1" rIns="91425" wrap="square" tIns="45700">
-            <a:normAutofit/>
-          </a:bodyPr>
-          <a:lstStyle/>
-          <a:p>
-            <a:pPr indent="0" lvl="0" marL="0" rtl="0" algn="l">
-              <a:lnSpc>
-                <a:spcPct val="85000"/>
-              </a:lnSpc>
-              <a:spcBef>
-                <a:spcPts val="0"/>
-              </a:spcBef>
-              <a:spcAft>
-                <a:spcPts val="0"/>
-              </a:spcAft>
-              <a:buClr>
-                <a:schemeClr val="lt1"/>
-              </a:buClr>
-              <a:buSzPts val="3600"/>
-              <a:buFont typeface="Arial"/>
-              <a:buNone/>
-            </a:pPr>
-            <a:r>
-              <a:rPr lang="es-CO">
-                <a:solidFill>
-                  <a:schemeClr val="lt1"/>
-                </a:solidFill>
-              </a:rPr>
-              <a:t>Gracias.</a:t>
-            </a:r>
-            <a:endParaRPr/>
           </a:p>
         </p:txBody>
       </p:sp>
@@ -23254,7 +24979,7 @@
             <a:tbl>
               <a:tblPr bandRow="1" firstRow="1">
                 <a:noFill/>
-                <a:tableStyleId>{1F3E8805-CC0A-41EF-B613-1D83028AA3A9}</a:tableStyleId>
+                <a:tableStyleId>{19DA4C38-AC11-48B6-AA3E-D645015AE892}</a:tableStyleId>
               </a:tblPr>
               <a:tblGrid>
                 <a:gridCol w="922750"/>
@@ -23555,6 +25280,108 @@
 </p:sld>
 </file>
 
+<file path=ppt/slides/slide30.xml><?xml version="1.0" encoding="utf-8"?>
+<p:sld xmlns:a="http://schemas.openxmlformats.org/drawingml/2006/main" xmlns:r="http://schemas.openxmlformats.org/officeDocument/2006/relationships" xmlns:mc="http://schemas.openxmlformats.org/markup-compatibility/2006" xmlns:mv="urn:schemas-microsoft-com:mac:vml" xmlns:p="http://schemas.openxmlformats.org/presentationml/2006/main" xmlns:c="http://schemas.openxmlformats.org/drawingml/2006/chart" xmlns:dgm="http://schemas.openxmlformats.org/drawingml/2006/diagram" xmlns:o="urn:schemas-microsoft-com:office:office" xmlns:v="urn:schemas-microsoft-com:vml" xmlns:pvml="urn:schemas-microsoft-com:office:powerpoint" xmlns:com="http://schemas.openxmlformats.org/drawingml/2006/compatibility" xmlns:p14="http://schemas.microsoft.com/office/powerpoint/2010/main" xmlns:p15="http://schemas.microsoft.com/office/powerpoint/2012/main" xmlns:ahyp="http://schemas.microsoft.com/office/drawing/2018/hyperlinkcolor">
+  <p:cSld>
+    <p:bg>
+      <p:bgPr>
+        <a:gradFill>
+          <a:gsLst>
+            <a:gs pos="0">
+              <a:srgbClr val="5B4FBB"/>
+            </a:gs>
+            <a:gs pos="74000">
+              <a:srgbClr val="403783"/>
+            </a:gs>
+            <a:gs pos="83000">
+              <a:srgbClr val="2D275D"/>
+            </a:gs>
+            <a:gs pos="100000">
+              <a:srgbClr val="282251"/>
+            </a:gs>
+          </a:gsLst>
+          <a:lin ang="10800000" scaled="0"/>
+        </a:gradFill>
+      </p:bgPr>
+    </p:bg>
+    <p:spTree>
+      <p:nvGrpSpPr>
+        <p:cNvPr id="370" name="Shape 370"/>
+        <p:cNvGrpSpPr/>
+        <p:nvPr/>
+      </p:nvGrpSpPr>
+      <p:grpSpPr>
+        <a:xfrm>
+          <a:off x="0" y="0"/>
+          <a:ext cx="0" cy="0"/>
+          <a:chOff x="0" y="0"/>
+          <a:chExt cx="0" cy="0"/>
+        </a:xfrm>
+      </p:grpSpPr>
+      <p:sp>
+        <p:nvSpPr>
+          <p:cNvPr id="371" name="Google Shape;371;p14"/>
+          <p:cNvSpPr txBox="1"/>
+          <p:nvPr>
+            <p:ph type="title"/>
+          </p:nvPr>
+        </p:nvSpPr>
+        <p:spPr>
+          <a:xfrm>
+            <a:off x="9752680" y="5780151"/>
+            <a:ext cx="2060947" cy="1077849"/>
+          </a:xfrm>
+          <a:prstGeom prst="rect">
+            <a:avLst/>
+          </a:prstGeom>
+          <a:noFill/>
+          <a:ln>
+            <a:noFill/>
+          </a:ln>
+        </p:spPr>
+        <p:txBody>
+          <a:bodyPr anchorCtr="0" anchor="t" bIns="45700" lIns="91425" spcFirstLastPara="1" rIns="91425" wrap="square" tIns="45700">
+            <a:normAutofit/>
+          </a:bodyPr>
+          <a:lstStyle/>
+          <a:p>
+            <a:pPr indent="0" lvl="0" marL="0" rtl="0" algn="l">
+              <a:lnSpc>
+                <a:spcPct val="85000"/>
+              </a:lnSpc>
+              <a:spcBef>
+                <a:spcPts val="0"/>
+              </a:spcBef>
+              <a:spcAft>
+                <a:spcPts val="0"/>
+              </a:spcAft>
+              <a:buClr>
+                <a:schemeClr val="lt1"/>
+              </a:buClr>
+              <a:buSzPts val="3600"/>
+              <a:buFont typeface="Arial"/>
+              <a:buNone/>
+            </a:pPr>
+            <a:r>
+              <a:rPr lang="es-CO">
+                <a:solidFill>
+                  <a:schemeClr val="lt1"/>
+                </a:solidFill>
+              </a:rPr>
+              <a:t>Gracias.</a:t>
+            </a:r>
+            <a:endParaRPr/>
+          </a:p>
+        </p:txBody>
+      </p:sp>
+    </p:spTree>
+  </p:cSld>
+  <p:clrMapOvr>
+    <a:masterClrMapping/>
+  </p:clrMapOvr>
+</p:sld>
+</file>
+
 <file path=ppt/slides/slide4.xml><?xml version="1.0" encoding="utf-8"?>
 <p:sld xmlns:a="http://schemas.openxmlformats.org/drawingml/2006/main" xmlns:r="http://schemas.openxmlformats.org/officeDocument/2006/relationships" xmlns:mc="http://schemas.openxmlformats.org/markup-compatibility/2006" xmlns:mv="urn:schemas-microsoft-com:mac:vml" xmlns:p="http://schemas.openxmlformats.org/presentationml/2006/main" xmlns:c="http://schemas.openxmlformats.org/drawingml/2006/chart" xmlns:dgm="http://schemas.openxmlformats.org/drawingml/2006/diagram" xmlns:o="urn:schemas-microsoft-com:office:office" xmlns:v="urn:schemas-microsoft-com:vml" xmlns:pvml="urn:schemas-microsoft-com:office:powerpoint" xmlns:com="http://schemas.openxmlformats.org/drawingml/2006/compatibility" xmlns:p14="http://schemas.microsoft.com/office/powerpoint/2010/main" xmlns:p15="http://schemas.microsoft.com/office/powerpoint/2012/main" xmlns:ahyp="http://schemas.microsoft.com/office/drawing/2018/hyperlinkcolor">
   <p:cSld>
@@ -24526,7 +26353,7 @@
               <a:srgbClr val="282251"/>
             </a:gs>
           </a:gsLst>
-          <a:lin ang="10800000" scaled="0"/>
+          <a:lin ang="10800025" scaled="0"/>
         </a:gradFill>
       </p:bgPr>
     </p:bg>
@@ -24546,7 +26373,7 @@
       </p:grpSpPr>
       <p:sp>
         <p:nvSpPr>
-          <p:cNvPr id="143" name="Google Shape;143;p6"/>
+          <p:cNvPr id="143" name="Google Shape;143;g1e3c4f8711e_0_259"/>
           <p:cNvSpPr txBox="1"/>
           <p:nvPr>
             <p:ph type="title"/>
@@ -24555,7 +26382,7 @@
         <p:spPr>
           <a:xfrm>
             <a:off x="548639" y="950976"/>
-            <a:ext cx="10995659" cy="1077849"/>
+            <a:ext cx="10995600" cy="1077900"/>
           </a:xfrm>
           <a:prstGeom prst="rect">
             <a:avLst/>
@@ -24594,7 +26421,7 @@
                   <a:schemeClr val="lt1"/>
                 </a:solidFill>
               </a:rPr>
-              <a:t>Workspace: aplicación. Bosón de Higgs</a:t>
+              <a:t>Workspace: Aplicación. Bosón de Higgs</a:t>
             </a:r>
             <a:endParaRPr/>
           </a:p>
@@ -24602,7 +26429,7 @@
       </p:sp>
       <p:pic>
         <p:nvPicPr>
-          <p:cNvPr id="144" name="Google Shape;144;p6"/>
+          <p:cNvPr id="144" name="Google Shape;144;g1e3c4f8711e_0_259"/>
           <p:cNvPicPr preferRelativeResize="0"/>
           <p:nvPr/>
         </p:nvPicPr>
@@ -24616,8 +26443,8 @@
         </p:blipFill>
         <p:spPr>
           <a:xfrm>
-            <a:off x="198850" y="2196700"/>
-            <a:ext cx="5302750" cy="3608600"/>
+            <a:off x="1081250" y="1761788"/>
+            <a:ext cx="4743450" cy="4286250"/>
           </a:xfrm>
           <a:prstGeom prst="rect">
             <a:avLst/>
@@ -24630,7 +26457,7 @@
       </p:pic>
       <p:pic>
         <p:nvPicPr>
-          <p:cNvPr id="145" name="Google Shape;145;p6"/>
+          <p:cNvPr id="145" name="Google Shape;145;g1e3c4f8711e_0_259"/>
           <p:cNvPicPr preferRelativeResize="0"/>
           <p:nvPr/>
         </p:nvPicPr>
@@ -24644,8 +26471,8 @@
         </p:blipFill>
         <p:spPr>
           <a:xfrm>
-            <a:off x="5569400" y="1794200"/>
-            <a:ext cx="6485675" cy="4413600"/>
+            <a:off x="6023550" y="2119363"/>
+            <a:ext cx="5799324" cy="3571123"/>
           </a:xfrm>
           <a:prstGeom prst="rect">
             <a:avLst/>
@@ -24684,7 +26511,7 @@
               <a:srgbClr val="282251"/>
             </a:gs>
           </a:gsLst>
-          <a:lin ang="10800000" scaled="0"/>
+          <a:lin ang="10800025" scaled="0"/>
         </a:gradFill>
       </p:bgPr>
     </p:bg>
@@ -24704,7 +26531,7 @@
       </p:grpSpPr>
       <p:sp>
         <p:nvSpPr>
-          <p:cNvPr id="150" name="Google Shape;150;p7"/>
+          <p:cNvPr id="150" name="Google Shape;150;g1e3c4f8711e_0_265"/>
           <p:cNvSpPr txBox="1"/>
           <p:nvPr>
             <p:ph type="title"/>
@@ -24712,7 +26539,7 @@
         </p:nvSpPr>
         <p:spPr>
           <a:xfrm>
-            <a:off x="598189" y="1002451"/>
+            <a:off x="548639" y="950976"/>
             <a:ext cx="10995600" cy="1077900"/>
           </a:xfrm>
           <a:prstGeom prst="rect">
@@ -24752,22 +26579,29 @@
                   <a:schemeClr val="lt1"/>
                 </a:solidFill>
               </a:rPr>
-              <a:t>Workspace: Factory. </a:t>
+              <a:t>Workspace: Aplicación. Bosón de Higgs.</a:t>
             </a:r>
             <a:endParaRPr/>
           </a:p>
         </p:txBody>
       </p:sp>
-      <p:sp>
-        <p:nvSpPr>
-          <p:cNvPr id="151" name="Google Shape;151;p7"/>
-          <p:cNvSpPr txBox="1"/>
+      <p:pic>
+        <p:nvPicPr>
+          <p:cNvPr id="151" name="Google Shape;151;g1e3c4f8711e_0_265"/>
+          <p:cNvPicPr preferRelativeResize="0"/>
           <p:nvPr/>
-        </p:nvSpPr>
+        </p:nvPicPr>
+        <p:blipFill rotWithShape="1">
+          <a:blip r:embed="rId3">
+            <a:alphaModFix/>
+          </a:blip>
+          <a:srcRect b="44563" l="0" r="0" t="21563"/>
+          <a:stretch/>
+        </p:blipFill>
         <p:spPr>
           <a:xfrm>
-            <a:off x="1458000" y="2520000"/>
-            <a:ext cx="10368000" cy="400200"/>
+            <a:off x="1027900" y="3823750"/>
+            <a:ext cx="6598324" cy="1532588"/>
           </a:xfrm>
           <a:prstGeom prst="rect">
             <a:avLst/>
@@ -24777,54 +26611,214 @@
             <a:noFill/>
           </a:ln>
         </p:spPr>
+      </p:pic>
+      <p:pic>
+        <p:nvPicPr>
+          <p:cNvPr id="152" name="Google Shape;152;g1e3c4f8711e_0_265"/>
+          <p:cNvPicPr preferRelativeResize="0"/>
+          <p:nvPr/>
+        </p:nvPicPr>
+        <p:blipFill rotWithShape="1">
+          <a:blip r:embed="rId3">
+            <a:alphaModFix/>
+          </a:blip>
+          <a:srcRect b="80441" l="0" r="39342" t="0"/>
+          <a:stretch/>
+        </p:blipFill>
+        <p:spPr>
+          <a:xfrm>
+            <a:off x="1027900" y="2768550"/>
+            <a:ext cx="4002350" cy="884900"/>
+          </a:xfrm>
+          <a:prstGeom prst="rect">
+            <a:avLst/>
+          </a:prstGeom>
+          <a:noFill/>
+          <a:ln>
+            <a:noFill/>
+          </a:ln>
+        </p:spPr>
+      </p:pic>
+      <p:pic>
+        <p:nvPicPr>
+          <p:cNvPr id="153" name="Google Shape;153;g1e3c4f8711e_0_265"/>
+          <p:cNvPicPr preferRelativeResize="0"/>
+          <p:nvPr/>
+        </p:nvPicPr>
+        <p:blipFill>
+          <a:blip r:embed="rId4">
+            <a:alphaModFix/>
+          </a:blip>
+          <a:stretch>
+            <a:fillRect/>
+          </a:stretch>
+        </p:blipFill>
+        <p:spPr>
+          <a:xfrm>
+            <a:off x="6100150" y="2734750"/>
+            <a:ext cx="5181600" cy="952500"/>
+          </a:xfrm>
+          <a:prstGeom prst="rect">
+            <a:avLst/>
+          </a:prstGeom>
+          <a:noFill/>
+          <a:ln>
+            <a:noFill/>
+          </a:ln>
+        </p:spPr>
+      </p:pic>
+      <p:pic>
+        <p:nvPicPr>
+          <p:cNvPr id="154" name="Google Shape;154;g1e3c4f8711e_0_265"/>
+          <p:cNvPicPr preferRelativeResize="0"/>
+          <p:nvPr/>
+        </p:nvPicPr>
+        <p:blipFill>
+          <a:blip r:embed="rId5">
+            <a:alphaModFix/>
+          </a:blip>
+          <a:stretch>
+            <a:fillRect/>
+          </a:stretch>
+        </p:blipFill>
+        <p:spPr>
+          <a:xfrm>
+            <a:off x="8057249" y="4042363"/>
+            <a:ext cx="2552700" cy="1095375"/>
+          </a:xfrm>
+          <a:prstGeom prst="rect">
+            <a:avLst/>
+          </a:prstGeom>
+          <a:noFill/>
+          <a:ln>
+            <a:noFill/>
+          </a:ln>
+        </p:spPr>
+      </p:pic>
+      <p:sp>
+        <p:nvSpPr>
+          <p:cNvPr id="155" name="Google Shape;155;g1e3c4f8711e_0_265"/>
+          <p:cNvSpPr txBox="1"/>
+          <p:nvPr>
+            <p:ph type="title"/>
+          </p:nvPr>
+        </p:nvSpPr>
+        <p:spPr>
+          <a:xfrm>
+            <a:off x="670071" y="1751175"/>
+            <a:ext cx="6598200" cy="676800"/>
+          </a:xfrm>
+          <a:prstGeom prst="rect">
+            <a:avLst/>
+          </a:prstGeom>
+          <a:noFill/>
+          <a:ln>
+            <a:noFill/>
+          </a:ln>
+        </p:spPr>
+        <p:txBody>
+          <a:bodyPr anchorCtr="0" anchor="t" bIns="45700" lIns="91425" spcFirstLastPara="1" rIns="91425" wrap="square" tIns="45700">
+            <a:normAutofit/>
+          </a:bodyPr>
+          <a:lstStyle/>
+          <a:p>
+            <a:pPr indent="0" lvl="0" marL="0" rtl="0" algn="l">
+              <a:lnSpc>
+                <a:spcPct val="85000"/>
+              </a:lnSpc>
+              <a:spcBef>
+                <a:spcPts val="0"/>
+              </a:spcBef>
+              <a:spcAft>
+                <a:spcPts val="0"/>
+              </a:spcAft>
+              <a:buClr>
+                <a:schemeClr val="lt1"/>
+              </a:buClr>
+              <a:buSzPts val="3600"/>
+              <a:buFont typeface="Arial"/>
+              <a:buNone/>
+            </a:pPr>
+            <a:r>
+              <a:rPr lang="es-CO" sz="2500">
+                <a:solidFill>
+                  <a:schemeClr val="lt1"/>
+                </a:solidFill>
+              </a:rPr>
+              <a:t>Guardar el modelo en el WS</a:t>
+            </a:r>
+            <a:endParaRPr sz="2500"/>
+          </a:p>
+        </p:txBody>
+      </p:sp>
+      <p:sp>
+        <p:nvSpPr>
+          <p:cNvPr id="156" name="Google Shape;156;g1e3c4f8711e_0_265"/>
+          <p:cNvSpPr txBox="1"/>
+          <p:nvPr/>
+        </p:nvSpPr>
+        <p:spPr>
+          <a:xfrm>
+            <a:off x="346750" y="2826238"/>
+            <a:ext cx="586500" cy="769500"/>
+          </a:xfrm>
+          <a:prstGeom prst="rect">
+            <a:avLst/>
+          </a:prstGeom>
+          <a:noFill/>
+          <a:ln>
+            <a:noFill/>
+          </a:ln>
+        </p:spPr>
         <p:txBody>
           <a:bodyPr anchorCtr="0" anchor="t" bIns="91425" lIns="91425" spcFirstLastPara="1" rIns="91425" wrap="square" tIns="91425">
             <a:spAutoFit/>
           </a:bodyPr>
           <a:lstStyle/>
           <a:p>
-            <a:pPr indent="0" lvl="0" marL="0" marR="0" rtl="0" algn="l">
-              <a:lnSpc>
-                <a:spcPct val="100000"/>
-              </a:lnSpc>
-              <a:spcBef>
-                <a:spcPts val="0"/>
-              </a:spcBef>
-              <a:spcAft>
-                <a:spcPts val="0"/>
-              </a:spcAft>
-              <a:buClr>
-                <a:srgbClr val="000000"/>
-              </a:buClr>
-              <a:buSzPts val="1400"/>
-              <a:buFont typeface="Arial"/>
+            <a:pPr indent="0" lvl="0" marL="0" rtl="0" algn="l">
+              <a:spcBef>
+                <a:spcPts val="0"/>
+              </a:spcBef>
+              <a:spcAft>
+                <a:spcPts val="0"/>
+              </a:spcAft>
               <a:buNone/>
             </a:pPr>
             <a:r>
-              <a:t/>
+              <a:rPr b="1" lang="es-CO" sz="3800">
+                <a:solidFill>
+                  <a:schemeClr val="lt1"/>
+                </a:solidFill>
+                <a:latin typeface="Open Sans"/>
+                <a:ea typeface="Open Sans"/>
+                <a:cs typeface="Open Sans"/>
+                <a:sym typeface="Open Sans"/>
+              </a:rPr>
+              <a:t>1</a:t>
             </a:r>
-            <a:endParaRPr b="0" i="0" sz="1400" u="none" cap="none" strike="noStrike">
+            <a:endParaRPr b="1" sz="4200">
               <a:solidFill>
-                <a:srgbClr val="000000"/>
+                <a:schemeClr val="lt1"/>
               </a:solidFill>
-              <a:latin typeface="Open Sans Light"/>
-              <a:ea typeface="Open Sans Light"/>
-              <a:cs typeface="Open Sans Light"/>
-              <a:sym typeface="Open Sans Light"/>
+              <a:latin typeface="Open Sans"/>
+              <a:ea typeface="Open Sans"/>
+              <a:cs typeface="Open Sans"/>
+              <a:sym typeface="Open Sans"/>
             </a:endParaRPr>
           </a:p>
         </p:txBody>
       </p:sp>
       <p:sp>
         <p:nvSpPr>
-          <p:cNvPr id="152" name="Google Shape;152;p7"/>
+          <p:cNvPr id="157" name="Google Shape;157;g1e3c4f8711e_0_265"/>
           <p:cNvSpPr txBox="1"/>
           <p:nvPr/>
         </p:nvSpPr>
         <p:spPr>
           <a:xfrm>
-            <a:off x="666000" y="2016000"/>
-            <a:ext cx="10062000" cy="2955300"/>
+            <a:off x="346750" y="3951603"/>
+            <a:ext cx="586500" cy="769500"/>
           </a:xfrm>
           <a:prstGeom prst="rect">
             <a:avLst/>
@@ -24840,194 +26834,35 @@
           </a:bodyPr>
           <a:lstStyle/>
           <a:p>
-            <a:pPr indent="-419100" lvl="0" marL="457200" marR="0" rtl="0" algn="l">
-              <a:lnSpc>
-                <a:spcPct val="100000"/>
-              </a:lnSpc>
-              <a:spcBef>
-                <a:spcPts val="0"/>
-              </a:spcBef>
-              <a:spcAft>
-                <a:spcPts val="0"/>
-              </a:spcAft>
-              <a:buClr>
-                <a:schemeClr val="lt1"/>
-              </a:buClr>
-              <a:buSzPts val="3000"/>
-              <a:buFont typeface="Arial"/>
-              <a:buChar char="●"/>
+            <a:pPr indent="0" lvl="0" marL="0" rtl="0" algn="l">
+              <a:spcBef>
+                <a:spcPts val="0"/>
+              </a:spcBef>
+              <a:spcAft>
+                <a:spcPts val="0"/>
+              </a:spcAft>
+              <a:buNone/>
             </a:pPr>
             <a:r>
-              <a:rPr b="0" i="0" lang="es-CO" sz="3000" u="none" cap="none" strike="noStrike">
+              <a:rPr b="1" lang="es-CO" sz="3800">
                 <a:solidFill>
                   <a:schemeClr val="lt1"/>
                 </a:solidFill>
-                <a:latin typeface="Arial"/>
-                <a:ea typeface="Arial"/>
-                <a:cs typeface="Arial"/>
-                <a:sym typeface="Arial"/>
+                <a:latin typeface="Open Sans"/>
+                <a:ea typeface="Open Sans"/>
+                <a:cs typeface="Open Sans"/>
+                <a:sym typeface="Open Sans"/>
               </a:rPr>
-              <a:t>Método para llenar el workspace con lenguaje simplificado</a:t>
+              <a:t>2</a:t>
             </a:r>
-            <a:endParaRPr b="0" i="0" sz="3000" u="none" cap="none" strike="noStrike">
+            <a:endParaRPr b="1" sz="4200">
               <a:solidFill>
                 <a:schemeClr val="lt1"/>
               </a:solidFill>
-              <a:latin typeface="Arial"/>
-              <a:ea typeface="Arial"/>
-              <a:cs typeface="Arial"/>
-              <a:sym typeface="Arial"/>
-            </a:endParaRPr>
-          </a:p>
-          <a:p>
-            <a:pPr indent="0" lvl="0" marL="457200" marR="0" rtl="0" algn="l">
-              <a:lnSpc>
-                <a:spcPct val="100000"/>
-              </a:lnSpc>
-              <a:spcBef>
-                <a:spcPts val="0"/>
-              </a:spcBef>
-              <a:spcAft>
-                <a:spcPts val="0"/>
-              </a:spcAft>
-              <a:buClr>
-                <a:srgbClr val="000000"/>
-              </a:buClr>
-              <a:buSzPts val="3000"/>
-              <a:buFont typeface="Arial"/>
-              <a:buNone/>
-            </a:pPr>
-            <a:r>
-              <a:t/>
-            </a:r>
-            <a:endParaRPr b="0" i="0" sz="3000" u="none" cap="none" strike="noStrike">
-              <a:solidFill>
-                <a:schemeClr val="lt1"/>
-              </a:solidFill>
-              <a:latin typeface="Arial"/>
-              <a:ea typeface="Arial"/>
-              <a:cs typeface="Arial"/>
-              <a:sym typeface="Arial"/>
-            </a:endParaRPr>
-          </a:p>
-          <a:p>
-            <a:pPr indent="-419100" lvl="0" marL="457200" marR="0" rtl="0" algn="l">
-              <a:lnSpc>
-                <a:spcPct val="100000"/>
-              </a:lnSpc>
-              <a:spcBef>
-                <a:spcPts val="0"/>
-              </a:spcBef>
-              <a:spcAft>
-                <a:spcPts val="0"/>
-              </a:spcAft>
-              <a:buClr>
-                <a:schemeClr val="lt1"/>
-              </a:buClr>
-              <a:buSzPts val="3000"/>
-              <a:buFont typeface="Arial"/>
-              <a:buChar char="●"/>
-            </a:pPr>
-            <a:r>
-              <a:rPr b="0" i="0" lang="es-CO" sz="3000" u="none" cap="none" strike="noStrike">
-                <a:solidFill>
-                  <a:schemeClr val="lt1"/>
-                </a:solidFill>
-                <a:latin typeface="Arial"/>
-                <a:ea typeface="Arial"/>
-                <a:cs typeface="Arial"/>
-                <a:sym typeface="Arial"/>
-              </a:rPr>
-              <a:t>Funciones principales:</a:t>
-            </a:r>
-            <a:endParaRPr b="0" i="0" sz="3000" u="none" cap="none" strike="noStrike">
-              <a:solidFill>
-                <a:schemeClr val="lt1"/>
-              </a:solidFill>
-              <a:latin typeface="Arial"/>
-              <a:ea typeface="Arial"/>
-              <a:cs typeface="Arial"/>
-              <a:sym typeface="Arial"/>
-            </a:endParaRPr>
-          </a:p>
-          <a:p>
-            <a:pPr indent="-419100" lvl="0" marL="1371600" marR="0" rtl="0" algn="l">
-              <a:lnSpc>
-                <a:spcPct val="100000"/>
-              </a:lnSpc>
-              <a:spcBef>
-                <a:spcPts val="0"/>
-              </a:spcBef>
-              <a:spcAft>
-                <a:spcPts val="0"/>
-              </a:spcAft>
-              <a:buClr>
-                <a:schemeClr val="lt1"/>
-              </a:buClr>
-              <a:buSzPts val="3000"/>
-              <a:buFont typeface="Arial"/>
-              <a:buAutoNum type="arabicPeriod"/>
-            </a:pPr>
-            <a:r>
-              <a:rPr b="0" i="0" lang="es-CO" sz="3000" u="none" cap="none" strike="noStrike">
-                <a:solidFill>
-                  <a:schemeClr val="lt1"/>
-                </a:solidFill>
-                <a:latin typeface="Arial"/>
-                <a:ea typeface="Arial"/>
-                <a:cs typeface="Arial"/>
-                <a:sym typeface="Arial"/>
-              </a:rPr>
-              <a:t>Crear variables</a:t>
-            </a:r>
-            <a:endParaRPr b="0" i="0" sz="3000" u="none" cap="none" strike="noStrike">
-              <a:solidFill>
-                <a:schemeClr val="lt1"/>
-              </a:solidFill>
-              <a:latin typeface="Arial"/>
-              <a:ea typeface="Arial"/>
-              <a:cs typeface="Arial"/>
-              <a:sym typeface="Arial"/>
-            </a:endParaRPr>
-          </a:p>
-          <a:p>
-            <a:pPr indent="-419100" lvl="0" marL="1371600" marR="0" rtl="0" algn="l">
-              <a:lnSpc>
-                <a:spcPct val="100000"/>
-              </a:lnSpc>
-              <a:spcBef>
-                <a:spcPts val="0"/>
-              </a:spcBef>
-              <a:spcAft>
-                <a:spcPts val="0"/>
-              </a:spcAft>
-              <a:buClr>
-                <a:schemeClr val="lt1"/>
-              </a:buClr>
-              <a:buSzPts val="3000"/>
-              <a:buFont typeface="Arial"/>
-              <a:buAutoNum type="arabicPeriod"/>
-            </a:pPr>
-            <a:r>
-              <a:rPr b="0" i="0" lang="es-CO" sz="3000" u="none" cap="none" strike="noStrike">
-                <a:solidFill>
-                  <a:schemeClr val="lt1"/>
-                </a:solidFill>
-                <a:latin typeface="Arial"/>
-                <a:ea typeface="Arial"/>
-                <a:cs typeface="Arial"/>
-                <a:sym typeface="Arial"/>
-              </a:rPr>
-              <a:t>Crear PDFs</a:t>
-            </a:r>
-            <a:endParaRPr b="0" i="0" sz="3000" u="none" cap="none" strike="noStrike">
-              <a:solidFill>
-                <a:schemeClr val="lt1"/>
-              </a:solidFill>
-              <a:latin typeface="Arial"/>
-              <a:ea typeface="Arial"/>
-              <a:cs typeface="Arial"/>
-              <a:sym typeface="Arial"/>
+              <a:latin typeface="Open Sans"/>
+              <a:ea typeface="Open Sans"/>
+              <a:cs typeface="Open Sans"/>
+              <a:sym typeface="Open Sans"/>
             </a:endParaRPr>
           </a:p>
         </p:txBody>
@@ -25060,13 +26895,13 @@
               <a:srgbClr val="282251"/>
             </a:gs>
           </a:gsLst>
-          <a:lin ang="10800000" scaled="0"/>
+          <a:lin ang="10800025" scaled="0"/>
         </a:gradFill>
       </p:bgPr>
     </p:bg>
     <p:spTree>
       <p:nvGrpSpPr>
-        <p:cNvPr id="156" name="Shape 156"/>
+        <p:cNvPr id="161" name="Shape 161"/>
         <p:cNvGrpSpPr/>
         <p:nvPr/>
       </p:nvGrpSpPr>
@@ -25080,7 +26915,7 @@
       </p:grpSpPr>
       <p:sp>
         <p:nvSpPr>
-          <p:cNvPr id="157" name="Google Shape;157;p8"/>
+          <p:cNvPr id="162" name="Google Shape;162;g1e3c4f8711e_0_276"/>
           <p:cNvSpPr txBox="1"/>
           <p:nvPr>
             <p:ph type="title"/>
@@ -25088,8 +26923,8 @@
         </p:nvSpPr>
         <p:spPr>
           <a:xfrm>
-            <a:off x="548639" y="950976"/>
-            <a:ext cx="10995659" cy="1077849"/>
+            <a:off x="734389" y="902763"/>
+            <a:ext cx="10995600" cy="1077900"/>
           </a:xfrm>
           <a:prstGeom prst="rect">
             <a:avLst/>
@@ -25128,7 +26963,109 @@
                   <a:schemeClr val="lt1"/>
                 </a:solidFill>
               </a:rPr>
-              <a:t>Workspace: Factory syntax. </a:t>
+              <a:t>Workspace: aplicación. Bosón de Higgs</a:t>
+            </a:r>
+            <a:endParaRPr/>
+          </a:p>
+        </p:txBody>
+      </p:sp>
+      <p:pic>
+        <p:nvPicPr>
+          <p:cNvPr id="163" name="Google Shape;163;g1e3c4f8711e_0_276"/>
+          <p:cNvPicPr preferRelativeResize="0"/>
+          <p:nvPr/>
+        </p:nvPicPr>
+        <p:blipFill rotWithShape="1">
+          <a:blip r:embed="rId3">
+            <a:alphaModFix/>
+          </a:blip>
+          <a:srcRect b="0" l="0" r="19087" t="56514"/>
+          <a:stretch/>
+        </p:blipFill>
+        <p:spPr>
+          <a:xfrm>
+            <a:off x="834073" y="1779413"/>
+            <a:ext cx="5339074" cy="1967499"/>
+          </a:xfrm>
+          <a:prstGeom prst="rect">
+            <a:avLst/>
+          </a:prstGeom>
+          <a:noFill/>
+          <a:ln>
+            <a:noFill/>
+          </a:ln>
+        </p:spPr>
+      </p:pic>
+      <p:pic>
+        <p:nvPicPr>
+          <p:cNvPr id="164" name="Google Shape;164;g1e3c4f8711e_0_276"/>
+          <p:cNvPicPr preferRelativeResize="0"/>
+          <p:nvPr/>
+        </p:nvPicPr>
+        <p:blipFill>
+          <a:blip r:embed="rId4">
+            <a:alphaModFix/>
+          </a:blip>
+          <a:stretch>
+            <a:fillRect/>
+          </a:stretch>
+        </p:blipFill>
+        <p:spPr>
+          <a:xfrm>
+            <a:off x="6792363" y="4114763"/>
+            <a:ext cx="4369400" cy="1764375"/>
+          </a:xfrm>
+          <a:prstGeom prst="rect">
+            <a:avLst/>
+          </a:prstGeom>
+          <a:noFill/>
+          <a:ln>
+            <a:noFill/>
+          </a:ln>
+        </p:spPr>
+      </p:pic>
+      <p:sp>
+        <p:nvSpPr>
+          <p:cNvPr id="165" name="Google Shape;165;g1e3c4f8711e_0_276"/>
+          <p:cNvSpPr/>
+          <p:nvPr/>
+        </p:nvSpPr>
+        <p:spPr>
+          <a:xfrm>
+            <a:off x="6792363" y="5414713"/>
+            <a:ext cx="4369500" cy="464400"/>
+          </a:xfrm>
+          <a:prstGeom prst="rect">
+            <a:avLst/>
+          </a:prstGeom>
+          <a:noFill/>
+          <a:ln cap="flat" cmpd="sng" w="9525">
+            <a:solidFill>
+              <a:srgbClr val="9900FF"/>
+            </a:solidFill>
+            <a:prstDash val="solid"/>
+            <a:round/>
+            <a:headEnd len="sm" w="sm" type="none"/>
+            <a:tailEnd len="sm" w="sm" type="none"/>
+          </a:ln>
+        </p:spPr>
+        <p:txBody>
+          <a:bodyPr anchorCtr="0" anchor="ctr" bIns="91425" lIns="91425" spcFirstLastPara="1" rIns="91425" wrap="square" tIns="91425">
+            <a:noAutofit/>
+          </a:bodyPr>
+          <a:lstStyle/>
+          <a:p>
+            <a:pPr indent="0" lvl="0" marL="0" rtl="0" algn="l">
+              <a:spcBef>
+                <a:spcPts val="0"/>
+              </a:spcBef>
+              <a:spcAft>
+                <a:spcPts val="0"/>
+              </a:spcAft>
+              <a:buNone/>
+            </a:pPr>
+            <a:r>
+              <a:t/>
             </a:r>
             <a:endParaRPr/>
           </a:p>
@@ -25136,27 +27073,22 @@
       </p:sp>
       <p:sp>
         <p:nvSpPr>
-          <p:cNvPr id="158" name="Google Shape;158;p8"/>
+          <p:cNvPr id="166" name="Google Shape;166;g1e3c4f8711e_0_276"/>
           <p:cNvSpPr/>
           <p:nvPr/>
         </p:nvSpPr>
         <p:spPr>
           <a:xfrm>
-            <a:off x="6743988" y="3781050"/>
-            <a:ext cx="324000" cy="666000"/>
-          </a:xfrm>
-          <a:prstGeom prst="downArrow">
-            <a:avLst>
-              <a:gd fmla="val 50000" name="adj1"/>
-              <a:gd fmla="val 50000" name="adj2"/>
-            </a:avLst>
+            <a:off x="834063" y="1996138"/>
+            <a:ext cx="4482300" cy="183900"/>
+          </a:xfrm>
+          <a:prstGeom prst="rect">
+            <a:avLst/>
           </a:prstGeom>
-          <a:solidFill>
-            <a:schemeClr val="lt2"/>
-          </a:solidFill>
+          <a:noFill/>
           <a:ln cap="flat" cmpd="sng" w="9525">
             <a:solidFill>
-              <a:schemeClr val="dk2"/>
+              <a:srgbClr val="9900FF"/>
             </a:solidFill>
             <a:prstDash val="solid"/>
             <a:round/>
@@ -25170,55 +27102,87 @@
           </a:bodyPr>
           <a:lstStyle/>
           <a:p>
-            <a:pPr indent="0" lvl="0" marL="0" marR="0" rtl="0" algn="l">
-              <a:lnSpc>
-                <a:spcPct val="100000"/>
-              </a:lnSpc>
-              <a:spcBef>
-                <a:spcPts val="0"/>
-              </a:spcBef>
-              <a:spcAft>
-                <a:spcPts val="0"/>
-              </a:spcAft>
-              <a:buClr>
-                <a:srgbClr val="000000"/>
-              </a:buClr>
-              <a:buSzPts val="1400"/>
-              <a:buFont typeface="Arial"/>
+            <a:pPr indent="0" lvl="0" marL="0" rtl="0" algn="l">
+              <a:spcBef>
+                <a:spcPts val="0"/>
+              </a:spcBef>
+              <a:spcAft>
+                <a:spcPts val="0"/>
+              </a:spcAft>
               <a:buNone/>
             </a:pPr>
             <a:r>
               <a:t/>
             </a:r>
-            <a:endParaRPr b="0" i="0" sz="1400" u="none" cap="none" strike="noStrike">
-              <a:solidFill>
-                <a:srgbClr val="000000"/>
-              </a:solidFill>
-              <a:latin typeface="Arial"/>
-              <a:ea typeface="Arial"/>
-              <a:cs typeface="Arial"/>
-              <a:sym typeface="Arial"/>
-            </a:endParaRPr>
+            <a:endParaRPr/>
+          </a:p>
+        </p:txBody>
+      </p:sp>
+      <p:sp>
+        <p:nvSpPr>
+          <p:cNvPr id="167" name="Google Shape;167;g1e3c4f8711e_0_276"/>
+          <p:cNvSpPr/>
+          <p:nvPr/>
+        </p:nvSpPr>
+        <p:spPr>
+          <a:xfrm>
+            <a:off x="6792313" y="4114763"/>
+            <a:ext cx="4369500" cy="464400"/>
+          </a:xfrm>
+          <a:prstGeom prst="rect">
+            <a:avLst/>
+          </a:prstGeom>
+          <a:noFill/>
+          <a:ln cap="flat" cmpd="sng" w="9525">
+            <a:solidFill>
+              <a:schemeClr val="accent3"/>
+            </a:solidFill>
+            <a:prstDash val="solid"/>
+            <a:round/>
+            <a:headEnd len="sm" w="sm" type="none"/>
+            <a:tailEnd len="sm" w="sm" type="none"/>
+          </a:ln>
+        </p:spPr>
+        <p:txBody>
+          <a:bodyPr anchorCtr="0" anchor="ctr" bIns="91425" lIns="91425" spcFirstLastPara="1" rIns="91425" wrap="square" tIns="91425">
+            <a:noAutofit/>
+          </a:bodyPr>
+          <a:lstStyle/>
+          <a:p>
+            <a:pPr indent="0" lvl="0" marL="0" rtl="0" algn="l">
+              <a:spcBef>
+                <a:spcPts val="0"/>
+              </a:spcBef>
+              <a:spcAft>
+                <a:spcPts val="0"/>
+              </a:spcAft>
+              <a:buNone/>
+            </a:pPr>
+            <a:r>
+              <a:t/>
+            </a:r>
+            <a:endParaRPr/>
           </a:p>
         </p:txBody>
       </p:sp>
       <p:pic>
         <p:nvPicPr>
-          <p:cNvPr id="159" name="Google Shape;159;p8"/>
+          <p:cNvPr id="168" name="Google Shape;168;g1e3c4f8711e_0_276"/>
           <p:cNvPicPr preferRelativeResize="0"/>
           <p:nvPr/>
         </p:nvPicPr>
-        <p:blipFill rotWithShape="1">
-          <a:blip r:embed="rId3">
+        <p:blipFill>
+          <a:blip r:embed="rId5">
             <a:alphaModFix/>
           </a:blip>
-          <a:srcRect b="0" l="0" r="0" t="0"/>
-          <a:stretch/>
+          <a:stretch>
+            <a:fillRect/>
+          </a:stretch>
         </p:blipFill>
         <p:spPr>
           <a:xfrm>
-            <a:off x="4143900" y="1836775"/>
-            <a:ext cx="5524200" cy="1674000"/>
+            <a:off x="6259675" y="1779425"/>
+            <a:ext cx="5753100" cy="1800225"/>
           </a:xfrm>
           <a:prstGeom prst="rect">
             <a:avLst/>
@@ -25231,21 +27195,22 @@
       </p:pic>
       <p:pic>
         <p:nvPicPr>
-          <p:cNvPr id="160" name="Google Shape;160;p8"/>
+          <p:cNvPr id="169" name="Google Shape;169;g1e3c4f8711e_0_276"/>
           <p:cNvPicPr preferRelativeResize="0"/>
           <p:nvPr/>
         </p:nvPicPr>
-        <p:blipFill rotWithShape="1">
-          <a:blip r:embed="rId4">
+        <p:blipFill>
+          <a:blip r:embed="rId6">
             <a:alphaModFix/>
           </a:blip>
-          <a:srcRect b="0" l="0" r="0" t="0"/>
-          <a:stretch/>
+          <a:stretch>
+            <a:fillRect/>
+          </a:stretch>
         </p:blipFill>
         <p:spPr>
           <a:xfrm>
-            <a:off x="2888025" y="4770534"/>
-            <a:ext cx="8656275" cy="741966"/>
+            <a:off x="834075" y="4114775"/>
+            <a:ext cx="5574975" cy="1840457"/>
           </a:xfrm>
           <a:prstGeom prst="rect">
             <a:avLst/>
@@ -25258,14 +27223,61 @@
       </p:pic>
       <p:sp>
         <p:nvSpPr>
-          <p:cNvPr id="161" name="Google Shape;161;p8"/>
+          <p:cNvPr id="170" name="Google Shape;170;g1e3c4f8711e_0_276"/>
+          <p:cNvSpPr/>
+          <p:nvPr/>
+        </p:nvSpPr>
+        <p:spPr>
+          <a:xfrm>
+            <a:off x="6259675" y="2058063"/>
+            <a:ext cx="4853700" cy="1016100"/>
+          </a:xfrm>
+          <a:prstGeom prst="rect">
+            <a:avLst/>
+          </a:prstGeom>
+          <a:noFill/>
+          <a:ln cap="flat" cmpd="sng" w="9525">
+            <a:solidFill>
+              <a:schemeClr val="accent3"/>
+            </a:solidFill>
+            <a:prstDash val="solid"/>
+            <a:round/>
+            <a:headEnd len="sm" w="sm" type="none"/>
+            <a:tailEnd len="sm" w="sm" type="none"/>
+          </a:ln>
+        </p:spPr>
+        <p:txBody>
+          <a:bodyPr anchorCtr="0" anchor="ctr" bIns="91425" lIns="91425" spcFirstLastPara="1" rIns="91425" wrap="square" tIns="91425">
+            <a:noAutofit/>
+          </a:bodyPr>
+          <a:lstStyle/>
+          <a:p>
+            <a:pPr indent="0" lvl="0" marL="0" rtl="0" algn="l">
+              <a:spcBef>
+                <a:spcPts val="0"/>
+              </a:spcBef>
+              <a:spcAft>
+                <a:spcPts val="0"/>
+              </a:spcAft>
+              <a:buNone/>
+            </a:pPr>
+            <a:r>
+              <a:t/>
+            </a:r>
+            <a:endParaRPr/>
+          </a:p>
+        </p:txBody>
+      </p:sp>
+      <p:sp>
+        <p:nvSpPr>
+          <p:cNvPr id="171" name="Google Shape;171;g1e3c4f8711e_0_276"/>
           <p:cNvSpPr txBox="1"/>
           <p:nvPr/>
         </p:nvSpPr>
         <p:spPr>
           <a:xfrm>
-            <a:off x="864000" y="2350525"/>
-            <a:ext cx="1638000" cy="646500"/>
+            <a:off x="247575" y="2294788"/>
+            <a:ext cx="586500" cy="769500"/>
           </a:xfrm>
           <a:prstGeom prst="rect">
             <a:avLst/>
@@ -25281,57 +27293,49 @@
           </a:bodyPr>
           <a:lstStyle/>
           <a:p>
-            <a:pPr indent="0" lvl="0" marL="0" marR="0" rtl="0" algn="l">
-              <a:lnSpc>
-                <a:spcPct val="100000"/>
-              </a:lnSpc>
-              <a:spcBef>
-                <a:spcPts val="0"/>
-              </a:spcBef>
-              <a:spcAft>
-                <a:spcPts val="0"/>
-              </a:spcAft>
-              <a:buClr>
-                <a:srgbClr val="000000"/>
-              </a:buClr>
-              <a:buSzPts val="3000"/>
-              <a:buFont typeface="Arial"/>
+            <a:pPr indent="0" lvl="0" marL="0" rtl="0" algn="l">
+              <a:spcBef>
+                <a:spcPts val="0"/>
+              </a:spcBef>
+              <a:spcAft>
+                <a:spcPts val="0"/>
+              </a:spcAft>
               <a:buNone/>
             </a:pPr>
             <a:r>
-              <a:rPr b="0" i="0" lang="es-CO" sz="3000" u="none" cap="none" strike="noStrike">
+              <a:rPr b="1" lang="es-CO" sz="3800">
                 <a:solidFill>
-                  <a:srgbClr val="CACACA"/>
+                  <a:schemeClr val="lt1"/>
                 </a:solidFill>
-                <a:latin typeface="Arial"/>
-                <a:ea typeface="Arial"/>
-                <a:cs typeface="Arial"/>
-                <a:sym typeface="Arial"/>
+                <a:latin typeface="Open Sans"/>
+                <a:ea typeface="Open Sans"/>
+                <a:cs typeface="Open Sans"/>
+                <a:sym typeface="Open Sans"/>
               </a:rPr>
-              <a:t>RooFit:</a:t>
+              <a:t>3</a:t>
             </a:r>
-            <a:endParaRPr b="0" i="0" sz="3000" u="none" cap="none" strike="noStrike">
+            <a:endParaRPr b="1" sz="4200">
               <a:solidFill>
-                <a:srgbClr val="CACACA"/>
+                <a:schemeClr val="lt1"/>
               </a:solidFill>
-              <a:latin typeface="Arial"/>
-              <a:ea typeface="Arial"/>
-              <a:cs typeface="Arial"/>
-              <a:sym typeface="Arial"/>
+              <a:latin typeface="Open Sans"/>
+              <a:ea typeface="Open Sans"/>
+              <a:cs typeface="Open Sans"/>
+              <a:sym typeface="Open Sans"/>
             </a:endParaRPr>
           </a:p>
         </p:txBody>
       </p:sp>
       <p:sp>
         <p:nvSpPr>
-          <p:cNvPr id="162" name="Google Shape;162;p8"/>
+          <p:cNvPr id="172" name="Google Shape;172;g1e3c4f8711e_0_276"/>
           <p:cNvSpPr txBox="1"/>
           <p:nvPr/>
         </p:nvSpPr>
         <p:spPr>
           <a:xfrm>
-            <a:off x="864000" y="4818250"/>
-            <a:ext cx="1638000" cy="646500"/>
+            <a:off x="247575" y="4506150"/>
+            <a:ext cx="486900" cy="769500"/>
           </a:xfrm>
           <a:prstGeom prst="rect">
             <a:avLst/>
@@ -25347,43 +27351,35 @@
           </a:bodyPr>
           <a:lstStyle/>
           <a:p>
-            <a:pPr indent="0" lvl="0" marL="0" marR="0" rtl="0" algn="l">
-              <a:lnSpc>
-                <a:spcPct val="100000"/>
-              </a:lnSpc>
-              <a:spcBef>
-                <a:spcPts val="0"/>
-              </a:spcBef>
-              <a:spcAft>
-                <a:spcPts val="0"/>
-              </a:spcAft>
-              <a:buClr>
-                <a:srgbClr val="000000"/>
-              </a:buClr>
-              <a:buSzPts val="3000"/>
-              <a:buFont typeface="Arial"/>
+            <a:pPr indent="0" lvl="0" marL="0" rtl="0" algn="l">
+              <a:spcBef>
+                <a:spcPts val="0"/>
+              </a:spcBef>
+              <a:spcAft>
+                <a:spcPts val="0"/>
+              </a:spcAft>
               <a:buNone/>
             </a:pPr>
             <a:r>
-              <a:rPr b="0" i="0" lang="es-CO" sz="3000" u="none" cap="none" strike="noStrike">
+              <a:rPr b="1" lang="es-CO" sz="3800">
                 <a:solidFill>
-                  <a:srgbClr val="CACACA"/>
+                  <a:schemeClr val="lt1"/>
                 </a:solidFill>
-                <a:latin typeface="Arial"/>
-                <a:ea typeface="Arial"/>
-                <a:cs typeface="Arial"/>
-                <a:sym typeface="Arial"/>
+                <a:latin typeface="Open Sans"/>
+                <a:ea typeface="Open Sans"/>
+                <a:cs typeface="Open Sans"/>
+                <a:sym typeface="Open Sans"/>
               </a:rPr>
-              <a:t>Factory:</a:t>
+              <a:t>4</a:t>
             </a:r>
-            <a:endParaRPr b="0" i="0" sz="3000" u="none" cap="none" strike="noStrike">
+            <a:endParaRPr b="1" sz="4200">
               <a:solidFill>
-                <a:srgbClr val="CACACA"/>
+                <a:schemeClr val="lt1"/>
               </a:solidFill>
-              <a:latin typeface="Arial"/>
-              <a:ea typeface="Arial"/>
-              <a:cs typeface="Arial"/>
-              <a:sym typeface="Arial"/>
+              <a:latin typeface="Open Sans"/>
+              <a:ea typeface="Open Sans"/>
+              <a:cs typeface="Open Sans"/>
+              <a:sym typeface="Open Sans"/>
             </a:endParaRPr>
           </a:p>
         </p:txBody>
@@ -25422,7 +27418,7 @@
     </p:bg>
     <p:spTree>
       <p:nvGrpSpPr>
-        <p:cNvPr id="166" name="Shape 166"/>
+        <p:cNvPr id="176" name="Shape 176"/>
         <p:cNvGrpSpPr/>
         <p:nvPr/>
       </p:nvGrpSpPr>
@@ -25436,7 +27432,7 @@
       </p:grpSpPr>
       <p:sp>
         <p:nvSpPr>
-          <p:cNvPr id="167" name="Google Shape;167;g1e3aae6ef86_0_12"/>
+          <p:cNvPr id="177" name="Google Shape;177;g1e3c4f8711e_0_290"/>
           <p:cNvSpPr txBox="1"/>
           <p:nvPr>
             <p:ph type="title"/>
@@ -25484,22 +27480,30 @@
                   <a:schemeClr val="lt1"/>
                 </a:solidFill>
               </a:rPr>
-              <a:t>Workspace: Factory syntax. </a:t>
+              <a:t>Workspace: aplicación. Bosón de Higgs</a:t>
             </a:r>
             <a:endParaRPr/>
           </a:p>
         </p:txBody>
       </p:sp>
-      <p:sp>
-        <p:nvSpPr>
-          <p:cNvPr id="168" name="Google Shape;168;g1e3aae6ef86_0_12"/>
-          <p:cNvSpPr txBox="1"/>
+      <p:pic>
+        <p:nvPicPr>
+          <p:cNvPr id="178" name="Google Shape;178;g1e3c4f8711e_0_290"/>
+          <p:cNvPicPr preferRelativeResize="0"/>
           <p:nvPr/>
-        </p:nvSpPr>
+        </p:nvPicPr>
+        <p:blipFill>
+          <a:blip r:embed="rId3">
+            <a:alphaModFix/>
+          </a:blip>
+          <a:stretch>
+            <a:fillRect/>
+          </a:stretch>
+        </p:blipFill>
         <p:spPr>
           <a:xfrm>
-            <a:off x="548650" y="1902138"/>
-            <a:ext cx="1908000" cy="646500"/>
+            <a:off x="198850" y="1794200"/>
+            <a:ext cx="5302750" cy="3608600"/>
           </a:xfrm>
           <a:prstGeom prst="rect">
             <a:avLst/>
@@ -25509,70 +27513,103 @@
             <a:noFill/>
           </a:ln>
         </p:spPr>
+      </p:pic>
+      <p:pic>
+        <p:nvPicPr>
+          <p:cNvPr id="179" name="Google Shape;179;g1e3c4f8711e_0_290"/>
+          <p:cNvPicPr preferRelativeResize="0"/>
+          <p:nvPr/>
+        </p:nvPicPr>
+        <p:blipFill>
+          <a:blip r:embed="rId4">
+            <a:alphaModFix/>
+          </a:blip>
+          <a:stretch>
+            <a:fillRect/>
+          </a:stretch>
+        </p:blipFill>
+        <p:spPr>
+          <a:xfrm>
+            <a:off x="5569400" y="1794200"/>
+            <a:ext cx="6485675" cy="4413600"/>
+          </a:xfrm>
+          <a:prstGeom prst="rect">
+            <a:avLst/>
+          </a:prstGeom>
+          <a:noFill/>
+          <a:ln>
+            <a:noFill/>
+          </a:ln>
+        </p:spPr>
+      </p:pic>
+      <p:sp>
+        <p:nvSpPr>
+          <p:cNvPr id="180" name="Google Shape;180;g1e3c4f8711e_0_290"/>
+          <p:cNvSpPr txBox="1"/>
+          <p:nvPr/>
+        </p:nvSpPr>
+        <p:spPr>
+          <a:xfrm>
+            <a:off x="5569400" y="6288700"/>
+            <a:ext cx="2456100" cy="446400"/>
+          </a:xfrm>
+          <a:prstGeom prst="rect">
+            <a:avLst/>
+          </a:prstGeom>
+          <a:noFill/>
+          <a:ln>
+            <a:noFill/>
+          </a:ln>
+        </p:spPr>
         <p:txBody>
           <a:bodyPr anchorCtr="0" anchor="t" bIns="91425" lIns="91425" spcFirstLastPara="1" rIns="91425" wrap="square" tIns="91425">
             <a:spAutoFit/>
           </a:bodyPr>
           <a:lstStyle/>
           <a:p>
-            <a:pPr indent="0" lvl="0" marL="0" marR="0" rtl="0" algn="l">
-              <a:lnSpc>
-                <a:spcPct val="100000"/>
-              </a:lnSpc>
-              <a:spcBef>
-                <a:spcPts val="0"/>
-              </a:spcBef>
-              <a:spcAft>
-                <a:spcPts val="0"/>
-              </a:spcAft>
-              <a:buClr>
-                <a:srgbClr val="000000"/>
-              </a:buClr>
-              <a:buSzPts val="3000"/>
-              <a:buFont typeface="Arial"/>
+            <a:pPr indent="0" lvl="0" marL="0" rtl="0" algn="l">
+              <a:spcBef>
+                <a:spcPts val="0"/>
+              </a:spcBef>
+              <a:spcAft>
+                <a:spcPts val="0"/>
+              </a:spcAft>
               <a:buNone/>
             </a:pPr>
             <a:r>
-              <a:rPr b="0" i="0" lang="es-CO" sz="3000" u="none" cap="none" strike="noStrike">
+              <a:rPr b="1" lang="es-CO" sz="1700">
                 <a:solidFill>
-                  <a:srgbClr val="CACACA"/>
+                  <a:schemeClr val="lt1"/>
                 </a:solidFill>
-                <a:latin typeface="Arial"/>
-                <a:ea typeface="Arial"/>
-                <a:cs typeface="Arial"/>
-                <a:sym typeface="Arial"/>
+                <a:latin typeface="Open Sans"/>
+                <a:ea typeface="Open Sans"/>
+                <a:cs typeface="Open Sans"/>
+                <a:sym typeface="Open Sans"/>
               </a:rPr>
-              <a:t>Variables:</a:t>
+              <a:t>HiggsModel.C </a:t>
             </a:r>
-            <a:endParaRPr b="0" i="0" sz="3000" u="none" cap="none" strike="noStrike">
+            <a:endParaRPr sz="1700">
               <a:solidFill>
-                <a:srgbClr val="CACACA"/>
+                <a:schemeClr val="lt1"/>
               </a:solidFill>
-              <a:latin typeface="Arial"/>
-              <a:ea typeface="Arial"/>
-              <a:cs typeface="Arial"/>
-              <a:sym typeface="Arial"/>
+              <a:latin typeface="Open Sans Light"/>
+              <a:ea typeface="Open Sans Light"/>
+              <a:cs typeface="Open Sans Light"/>
+              <a:sym typeface="Open Sans Light"/>
             </a:endParaRPr>
           </a:p>
         </p:txBody>
       </p:sp>
-      <p:pic>
-        <p:nvPicPr>
-          <p:cNvPr id="169" name="Google Shape;169;g1e3aae6ef86_0_12"/>
-          <p:cNvPicPr preferRelativeResize="0"/>
+      <p:sp>
+        <p:nvSpPr>
+          <p:cNvPr id="181" name="Google Shape;181;g1e3c4f8711e_0_290"/>
+          <p:cNvSpPr txBox="1"/>
           <p:nvPr/>
-        </p:nvPicPr>
-        <p:blipFill rotWithShape="1">
-          <a:blip r:embed="rId3">
-            <a:alphaModFix/>
-          </a:blip>
-          <a:srcRect b="0" l="0" r="0" t="0"/>
-          <a:stretch/>
-        </p:blipFill>
+        </p:nvSpPr>
         <p:spPr>
           <a:xfrm>
-            <a:off x="4437000" y="1686450"/>
-            <a:ext cx="4478285" cy="1077900"/>
+            <a:off x="291750" y="5543225"/>
+            <a:ext cx="2456100" cy="446400"/>
           </a:xfrm>
           <a:prstGeom prst="rect">
             <a:avLst/>
@@ -25582,100 +27619,45 @@
             <a:noFill/>
           </a:ln>
         </p:spPr>
-      </p:pic>
-      <p:sp>
-        <p:nvSpPr>
-          <p:cNvPr id="170" name="Google Shape;170;g1e3aae6ef86_0_12"/>
-          <p:cNvSpPr txBox="1"/>
-          <p:nvPr/>
-        </p:nvSpPr>
-        <p:spPr>
-          <a:xfrm>
-            <a:off x="548650" y="4255625"/>
-            <a:ext cx="2250900" cy="646500"/>
-          </a:xfrm>
-          <a:prstGeom prst="rect">
-            <a:avLst/>
-          </a:prstGeom>
-          <a:noFill/>
-          <a:ln>
-            <a:noFill/>
-          </a:ln>
-        </p:spPr>
         <p:txBody>
           <a:bodyPr anchorCtr="0" anchor="t" bIns="91425" lIns="91425" spcFirstLastPara="1" rIns="91425" wrap="square" tIns="91425">
             <a:spAutoFit/>
           </a:bodyPr>
           <a:lstStyle/>
           <a:p>
-            <a:pPr indent="0" lvl="0" marL="0" marR="0" rtl="0" algn="l">
-              <a:lnSpc>
-                <a:spcPct val="100000"/>
-              </a:lnSpc>
-              <a:spcBef>
-                <a:spcPts val="0"/>
-              </a:spcBef>
-              <a:spcAft>
-                <a:spcPts val="0"/>
-              </a:spcAft>
-              <a:buClr>
-                <a:srgbClr val="000000"/>
-              </a:buClr>
-              <a:buSzPts val="3000"/>
-              <a:buFont typeface="Arial"/>
+            <a:pPr indent="0" lvl="0" marL="0" rtl="0" algn="l">
+              <a:spcBef>
+                <a:spcPts val="0"/>
+              </a:spcBef>
+              <a:spcAft>
+                <a:spcPts val="0"/>
+              </a:spcAft>
               <a:buNone/>
             </a:pPr>
             <a:r>
-              <a:rPr b="0" i="0" lang="es-CO" sz="3000" u="none" cap="none" strike="noStrike">
+              <a:rPr b="1" lang="es-CO" sz="1700">
                 <a:solidFill>
-                  <a:srgbClr val="CACACA"/>
+                  <a:schemeClr val="lt1"/>
                 </a:solidFill>
-                <a:latin typeface="Arial"/>
-                <a:ea typeface="Arial"/>
-                <a:cs typeface="Arial"/>
-                <a:sym typeface="Arial"/>
+                <a:latin typeface="Open Sans"/>
+                <a:ea typeface="Open Sans"/>
+                <a:cs typeface="Open Sans"/>
+                <a:sym typeface="Open Sans"/>
               </a:rPr>
-              <a:t>Anidación:</a:t>
+              <a:t>DataFit.C </a:t>
             </a:r>
-            <a:endParaRPr b="0" i="0" sz="3000" u="none" cap="none" strike="noStrike">
+            <a:endParaRPr sz="1700">
               <a:solidFill>
-                <a:srgbClr val="CACACA"/>
+                <a:schemeClr val="lt1"/>
               </a:solidFill>
-              <a:latin typeface="Arial"/>
-              <a:ea typeface="Arial"/>
-              <a:cs typeface="Arial"/>
-              <a:sym typeface="Arial"/>
+              <a:latin typeface="Open Sans Light"/>
+              <a:ea typeface="Open Sans Light"/>
+              <a:cs typeface="Open Sans Light"/>
+              <a:sym typeface="Open Sans Light"/>
             </a:endParaRPr>
           </a:p>
         </p:txBody>
       </p:sp>
-      <p:pic>
-        <p:nvPicPr>
-          <p:cNvPr id="171" name="Google Shape;171;g1e3aae6ef86_0_12"/>
-          <p:cNvPicPr preferRelativeResize="0"/>
-          <p:nvPr/>
-        </p:nvPicPr>
-        <p:blipFill rotWithShape="1">
-          <a:blip r:embed="rId4">
-            <a:alphaModFix/>
-          </a:blip>
-          <a:srcRect b="0" l="0" r="0" t="0"/>
-          <a:stretch/>
-        </p:blipFill>
-        <p:spPr>
-          <a:xfrm>
-            <a:off x="2816025" y="3343750"/>
-            <a:ext cx="8728226" cy="2470250"/>
-          </a:xfrm>
-          <a:prstGeom prst="rect">
-            <a:avLst/>
-          </a:prstGeom>
-          <a:noFill/>
-          <a:ln>
-            <a:noFill/>
-          </a:ln>
-        </p:spPr>
-      </p:pic>
     </p:spTree>
   </p:cSld>
   <p:clrMapOvr>
